--- a/powerpoints/ITU Academy Slides AM4-02.pptx
+++ b/powerpoints/ITU Academy Slides AM4-02.pptx
@@ -18,6 +18,9 @@
     <p:sldId id="263" r:id="rId15"/>
     <p:sldId id="264" r:id="rId16"/>
     <p:sldId id="265" r:id="rId17"/>
+    <p:sldId id="266" r:id="rId18"/>
+    <p:sldId id="267" r:id="rId19"/>
+    <p:sldId id="268" r:id="rId20"/>
   </p:sldIdLst>
   <p:sldSz cx="9144000" cy="6858000"/>
   <p:notesSz cx="6858000" cy="9144000"/>
@@ -4060,6 +4063,156 @@
 </p:sld>
 </file>
 
+<file path=ppt/slides/slide11.xml><?xml version="1.0" encoding="utf-8"?>
+<p:sld xmlns:a="http://schemas.openxmlformats.org/drawingml/2006/main" xmlns:r="http://schemas.openxmlformats.org/officeDocument/2006/relationships" xmlns:p="http://schemas.openxmlformats.org/presentationml/2006/main" showMasterSp="1" showMasterPhAnim="1">
+  <p:cSld>
+    <p:spTree>
+      <p:nvGrpSpPr>
+        <p:cNvPr id="1" name=""/>
+        <p:cNvGrpSpPr/>
+        <p:nvPr/>
+      </p:nvGrpSpPr>
+      <p:grpSpPr>
+        <a:xfrm>
+          <a:off x="0" y="0"/>
+          <a:ext cx="0" cy="0"/>
+          <a:chOff x="0" y="0"/>
+          <a:chExt cx="0" cy="0"/>
+        </a:xfrm>
+      </p:grpSpPr>
+      <p:sp>
+        <p:nvSpPr>
+          <p:cNvPr id="200" name="Start Spark, connect to an RDD"/>
+          <p:cNvSpPr txBox="1"/>
+          <p:nvPr>
+            <p:ph type="title"/>
+          </p:nvPr>
+        </p:nvSpPr>
+        <p:spPr>
+          <a:prstGeom prst="rect">
+            <a:avLst/>
+          </a:prstGeom>
+        </p:spPr>
+        <p:txBody>
+          <a:bodyPr/>
+          <a:lstStyle/>
+          <a:p>
+            <a:pPr/>
+            <a:r>
+              <a:t>Start Spark, connect to an RDD</a:t>
+            </a:r>
+          </a:p>
+        </p:txBody>
+      </p:sp>
+    </p:spTree>
+  </p:cSld>
+  <p:clrMapOvr>
+    <a:masterClrMapping/>
+  </p:clrMapOvr>
+  <p:transition xmlns:p14="http://schemas.microsoft.com/office/powerpoint/2010/main" spd="med" advClick="1"/>
+</p:sld>
+</file>
+
+<file path=ppt/slides/slide12.xml><?xml version="1.0" encoding="utf-8"?>
+<p:sld xmlns:a="http://schemas.openxmlformats.org/drawingml/2006/main" xmlns:r="http://schemas.openxmlformats.org/officeDocument/2006/relationships" xmlns:p="http://schemas.openxmlformats.org/presentationml/2006/main" showMasterSp="1" showMasterPhAnim="1">
+  <p:cSld>
+    <p:spTree>
+      <p:nvGrpSpPr>
+        <p:cNvPr id="1" name=""/>
+        <p:cNvGrpSpPr/>
+        <p:nvPr/>
+      </p:nvGrpSpPr>
+      <p:grpSpPr>
+        <a:xfrm>
+          <a:off x="0" y="0"/>
+          <a:ext cx="0" cy="0"/>
+          <a:chOff x="0" y="0"/>
+          <a:chExt cx="0" cy="0"/>
+        </a:xfrm>
+      </p:grpSpPr>
+      <p:sp>
+        <p:nvSpPr>
+          <p:cNvPr id="202" name="Define helper function"/>
+          <p:cNvSpPr txBox="1"/>
+          <p:nvPr>
+            <p:ph type="title"/>
+          </p:nvPr>
+        </p:nvSpPr>
+        <p:spPr>
+          <a:prstGeom prst="rect">
+            <a:avLst/>
+          </a:prstGeom>
+        </p:spPr>
+        <p:txBody>
+          <a:bodyPr/>
+          <a:lstStyle/>
+          <a:p>
+            <a:pPr/>
+            <a:r>
+              <a:t>Define helper function</a:t>
+            </a:r>
+          </a:p>
+        </p:txBody>
+      </p:sp>
+    </p:spTree>
+  </p:cSld>
+  <p:clrMapOvr>
+    <a:masterClrMapping/>
+  </p:clrMapOvr>
+  <p:transition xmlns:p14="http://schemas.microsoft.com/office/powerpoint/2010/main" spd="med" advClick="1"/>
+</p:sld>
+</file>
+
+<file path=ppt/slides/slide13.xml><?xml version="1.0" encoding="utf-8"?>
+<p:sld xmlns:a="http://schemas.openxmlformats.org/drawingml/2006/main" xmlns:r="http://schemas.openxmlformats.org/officeDocument/2006/relationships" xmlns:p="http://schemas.openxmlformats.org/presentationml/2006/main" showMasterSp="1" showMasterPhAnim="1">
+  <p:cSld>
+    <p:spTree>
+      <p:nvGrpSpPr>
+        <p:cNvPr id="1" name=""/>
+        <p:cNvGrpSpPr/>
+        <p:nvPr/>
+      </p:nvGrpSpPr>
+      <p:grpSpPr>
+        <a:xfrm>
+          <a:off x="0" y="0"/>
+          <a:ext cx="0" cy="0"/>
+          <a:chOff x="0" y="0"/>
+          <a:chExt cx="0" cy="0"/>
+        </a:xfrm>
+      </p:grpSpPr>
+      <p:sp>
+        <p:nvSpPr>
+          <p:cNvPr id="204" name="Start operating on RDD"/>
+          <p:cNvSpPr txBox="1"/>
+          <p:nvPr>
+            <p:ph type="title"/>
+          </p:nvPr>
+        </p:nvSpPr>
+        <p:spPr>
+          <a:prstGeom prst="rect">
+            <a:avLst/>
+          </a:prstGeom>
+        </p:spPr>
+        <p:txBody>
+          <a:bodyPr/>
+          <a:lstStyle/>
+          <a:p>
+            <a:pPr/>
+            <a:r>
+              <a:t>Start operating on RDD</a:t>
+            </a:r>
+          </a:p>
+        </p:txBody>
+      </p:sp>
+    </p:spTree>
+  </p:cSld>
+  <p:clrMapOvr>
+    <a:masterClrMapping/>
+  </p:clrMapOvr>
+  <p:transition xmlns:p14="http://schemas.microsoft.com/office/powerpoint/2010/main" spd="med" advClick="1"/>
+</p:sld>
+</file>
+
 <file path=ppt/slides/slide2.xml><?xml version="1.0" encoding="utf-8"?>
 <p:sld xmlns:a="http://schemas.openxmlformats.org/drawingml/2006/main" xmlns:r="http://schemas.openxmlformats.org/officeDocument/2006/relationships" xmlns:p="http://schemas.openxmlformats.org/presentationml/2006/main" showMasterSp="1" showMasterPhAnim="1">
   <p:cSld>

--- a/powerpoints/ITU Academy Slides AM4-02.pptx
+++ b/powerpoints/ITU Academy Slides AM4-02.pptx
@@ -21,6 +21,18 @@
     <p:sldId id="266" r:id="rId18"/>
     <p:sldId id="267" r:id="rId19"/>
     <p:sldId id="268" r:id="rId20"/>
+    <p:sldId id="269" r:id="rId21"/>
+    <p:sldId id="270" r:id="rId22"/>
+    <p:sldId id="271" r:id="rId23"/>
+    <p:sldId id="272" r:id="rId24"/>
+    <p:sldId id="273" r:id="rId25"/>
+    <p:sldId id="274" r:id="rId26"/>
+    <p:sldId id="275" r:id="rId27"/>
+    <p:sldId id="276" r:id="rId28"/>
+    <p:sldId id="277" r:id="rId29"/>
+    <p:sldId id="278" r:id="rId30"/>
+    <p:sldId id="279" r:id="rId31"/>
+    <p:sldId id="280" r:id="rId32"/>
   </p:sldIdLst>
   <p:sldSz cx="9144000" cy="6858000"/>
   <p:notesSz cx="6858000" cy="9144000"/>
@@ -542,6 +554,516 @@
               <a:t>What happens if not all conditions apply? e.g. the data is not huge but we want redundancy, parallel access?</a:t>
             </a:r>
           </a:p>
+          <a:p>
+            <a:pPr/>
+            <a:r>
+              <a:t>What is the difference with super-computers used for weather prediction, climate change research, particle physics?</a:t>
+            </a:r>
+          </a:p>
+        </p:txBody>
+      </p:sp>
+    </p:spTree>
+  </p:cSld>
+  <p:clrMapOvr>
+    <a:masterClrMapping/>
+  </p:clrMapOvr>
+</p:notes>
+</file>
+
+<file path=ppt/notesSlides/notesSlide10.xml><?xml version="1.0" encoding="utf-8"?>
+<p:notes xmlns:a="http://schemas.openxmlformats.org/drawingml/2006/main" xmlns:r="http://schemas.openxmlformats.org/officeDocument/2006/relationships" xmlns:p="http://schemas.openxmlformats.org/presentationml/2006/main" showMasterSp="1" showMasterPhAnim="1">
+  <p:cSld>
+    <p:spTree>
+      <p:nvGrpSpPr>
+        <p:cNvPr id="1" name=""/>
+        <p:cNvGrpSpPr/>
+        <p:nvPr/>
+      </p:nvGrpSpPr>
+      <p:grpSpPr>
+        <a:xfrm>
+          <a:off x="0" y="0"/>
+          <a:ext cx="0" cy="0"/>
+          <a:chOff x="0" y="0"/>
+          <a:chExt cx="0" cy="0"/>
+        </a:xfrm>
+      </p:grpSpPr>
+      <p:sp>
+        <p:nvSpPr>
+          <p:cNvPr id="214" name="Shape 214"/>
+          <p:cNvSpPr/>
+          <p:nvPr>
+            <p:ph type="sldImg"/>
+          </p:nvPr>
+        </p:nvSpPr>
+        <p:spPr>
+          <a:prstGeom prst="rect">
+            <a:avLst/>
+          </a:prstGeom>
+        </p:spPr>
+        <p:txBody>
+          <a:bodyPr/>
+          <a:lstStyle/>
+          <a:p>
+            <a:pPr/>
+          </a:p>
+        </p:txBody>
+      </p:sp>
+      <p:sp>
+        <p:nvSpPr>
+          <p:cNvPr id="215" name="Shape 215"/>
+          <p:cNvSpPr/>
+          <p:nvPr>
+            <p:ph type="body" sz="quarter" idx="1"/>
+          </p:nvPr>
+        </p:nvSpPr>
+        <p:spPr>
+          <a:prstGeom prst="rect">
+            <a:avLst/>
+          </a:prstGeom>
+        </p:spPr>
+        <p:txBody>
+          <a:bodyPr/>
+          <a:lstStyle/>
+          <a:p>
+            <a:pPr/>
+            <a:r>
+              <a:t>In a Zeppelin notebook running Scala, the pre-defined “spark” object will be the start of operations.</a:t>
+            </a:r>
+          </a:p>
+          <a:p>
+            <a:pPr/>
+          </a:p>
+          <a:p>
+            <a:pPr/>
+            <a:r>
+              <a:t>Explain the concept of single-assignment “val” values.</a:t>
+            </a:r>
+          </a:p>
+          <a:p>
+            <a:pPr/>
+          </a:p>
+          <a:p>
+            <a:pPr/>
+            <a:r>
+              <a:t>Explain the fields:</a:t>
+            </a:r>
+          </a:p>
+          <a:p>
+            <a:pPr/>
+            <a:r>
+              <a:t>id_1: the unique ID of user 1</a:t>
+            </a:r>
+          </a:p>
+          <a:p>
+            <a:pPr/>
+            <a:r>
+              <a:t>id_2: the unique ID of user 2 (who might be the same as user 1!)</a:t>
+            </a:r>
+          </a:p>
+          <a:p>
+            <a:pPr/>
+            <a:r>
+              <a:t>cmp_fname_c1, etc.: comparison results for various characteristics of the two users</a:t>
+            </a:r>
+          </a:p>
+          <a:p>
+            <a:pPr/>
+            <a:r>
+              <a:t>Not shown here but will be seen in the notebook: the actual result of “identical” or “not identical”</a:t>
+            </a:r>
+          </a:p>
+        </p:txBody>
+      </p:sp>
+    </p:spTree>
+  </p:cSld>
+  <p:clrMapOvr>
+    <a:masterClrMapping/>
+  </p:clrMapOvr>
+</p:notes>
+</file>
+
+<file path=ppt/notesSlides/notesSlide11.xml><?xml version="1.0" encoding="utf-8"?>
+<p:notes xmlns:a="http://schemas.openxmlformats.org/drawingml/2006/main" xmlns:r="http://schemas.openxmlformats.org/officeDocument/2006/relationships" xmlns:p="http://schemas.openxmlformats.org/presentationml/2006/main" showMasterSp="1" showMasterPhAnim="1">
+  <p:cSld>
+    <p:spTree>
+      <p:nvGrpSpPr>
+        <p:cNvPr id="1" name=""/>
+        <p:cNvGrpSpPr/>
+        <p:nvPr/>
+      </p:nvGrpSpPr>
+      <p:grpSpPr>
+        <a:xfrm>
+          <a:off x="0" y="0"/>
+          <a:ext cx="0" cy="0"/>
+          <a:chOff x="0" y="0"/>
+          <a:chExt cx="0" cy="0"/>
+        </a:xfrm>
+      </p:grpSpPr>
+      <p:sp>
+        <p:nvSpPr>
+          <p:cNvPr id="221" name="Shape 221"/>
+          <p:cNvSpPr/>
+          <p:nvPr>
+            <p:ph type="sldImg"/>
+          </p:nvPr>
+        </p:nvSpPr>
+        <p:spPr>
+          <a:prstGeom prst="rect">
+            <a:avLst/>
+          </a:prstGeom>
+        </p:spPr>
+        <p:txBody>
+          <a:bodyPr/>
+          <a:lstStyle/>
+          <a:p>
+            <a:pPr/>
+          </a:p>
+        </p:txBody>
+      </p:sp>
+      <p:sp>
+        <p:nvSpPr>
+          <p:cNvPr id="222" name="Shape 222"/>
+          <p:cNvSpPr/>
+          <p:nvPr>
+            <p:ph type="body" sz="quarter" idx="1"/>
+          </p:nvPr>
+        </p:nvSpPr>
+        <p:spPr>
+          <a:prstGeom prst="rect">
+            <a:avLst/>
+          </a:prstGeom>
+        </p:spPr>
+        <p:txBody>
+          <a:bodyPr/>
+          <a:lstStyle/>
+          <a:p>
+            <a:pPr/>
+            <a:r>
+              <a:t>The default inferred data type is “string” for everything</a:t>
+            </a:r>
+          </a:p>
+        </p:txBody>
+      </p:sp>
+    </p:spTree>
+  </p:cSld>
+  <p:clrMapOvr>
+    <a:masterClrMapping/>
+  </p:clrMapOvr>
+</p:notes>
+</file>
+
+<file path=ppt/notesSlides/notesSlide12.xml><?xml version="1.0" encoding="utf-8"?>
+<p:notes xmlns:a="http://schemas.openxmlformats.org/drawingml/2006/main" xmlns:r="http://schemas.openxmlformats.org/officeDocument/2006/relationships" xmlns:p="http://schemas.openxmlformats.org/presentationml/2006/main" showMasterSp="1" showMasterPhAnim="1">
+  <p:cSld>
+    <p:spTree>
+      <p:nvGrpSpPr>
+        <p:cNvPr id="1" name=""/>
+        <p:cNvGrpSpPr/>
+        <p:nvPr/>
+      </p:nvGrpSpPr>
+      <p:grpSpPr>
+        <a:xfrm>
+          <a:off x="0" y="0"/>
+          <a:ext cx="0" cy="0"/>
+          <a:chOff x="0" y="0"/>
+          <a:chExt cx="0" cy="0"/>
+        </a:xfrm>
+      </p:grpSpPr>
+      <p:sp>
+        <p:nvSpPr>
+          <p:cNvPr id="227" name="Shape 227"/>
+          <p:cNvSpPr/>
+          <p:nvPr>
+            <p:ph type="sldImg"/>
+          </p:nvPr>
+        </p:nvSpPr>
+        <p:spPr>
+          <a:prstGeom prst="rect">
+            <a:avLst/>
+          </a:prstGeom>
+        </p:spPr>
+        <p:txBody>
+          <a:bodyPr/>
+          <a:lstStyle/>
+          <a:p>
+            <a:pPr/>
+          </a:p>
+        </p:txBody>
+      </p:sp>
+      <p:sp>
+        <p:nvSpPr>
+          <p:cNvPr id="228" name="Shape 228"/>
+          <p:cNvSpPr/>
+          <p:nvPr>
+            <p:ph type="body" sz="quarter" idx="1"/>
+          </p:nvPr>
+        </p:nvSpPr>
+        <p:spPr>
+          <a:prstGeom prst="rect">
+            <a:avLst/>
+          </a:prstGeom>
+        </p:spPr>
+        <p:txBody>
+          <a:bodyPr/>
+          <a:lstStyle/>
+          <a:p>
+            <a:pPr/>
+            <a:r>
+              <a:t>To get correct data types inferred, we use the method “inferSchema”.</a:t>
+            </a:r>
+          </a:p>
+          <a:p>
+            <a:pPr/>
+            <a:r>
+              <a:t>It will inspect the values in each column and assigns the appropriate data type.</a:t>
+            </a:r>
+          </a:p>
+        </p:txBody>
+      </p:sp>
+    </p:spTree>
+  </p:cSld>
+  <p:clrMapOvr>
+    <a:masterClrMapping/>
+  </p:clrMapOvr>
+</p:notes>
+</file>
+
+<file path=ppt/notesSlides/notesSlide13.xml><?xml version="1.0" encoding="utf-8"?>
+<p:notes xmlns:a="http://schemas.openxmlformats.org/drawingml/2006/main" xmlns:r="http://schemas.openxmlformats.org/officeDocument/2006/relationships" xmlns:p="http://schemas.openxmlformats.org/presentationml/2006/main" showMasterSp="1" showMasterPhAnim="1">
+  <p:cSld>
+    <p:spTree>
+      <p:nvGrpSpPr>
+        <p:cNvPr id="1" name=""/>
+        <p:cNvGrpSpPr/>
+        <p:nvPr/>
+      </p:nvGrpSpPr>
+      <p:grpSpPr>
+        <a:xfrm>
+          <a:off x="0" y="0"/>
+          <a:ext cx="0" cy="0"/>
+          <a:chOff x="0" y="0"/>
+          <a:chExt cx="0" cy="0"/>
+        </a:xfrm>
+      </p:grpSpPr>
+      <p:sp>
+        <p:nvSpPr>
+          <p:cNvPr id="234" name="Shape 234"/>
+          <p:cNvSpPr/>
+          <p:nvPr>
+            <p:ph type="sldImg"/>
+          </p:nvPr>
+        </p:nvSpPr>
+        <p:spPr>
+          <a:prstGeom prst="rect">
+            <a:avLst/>
+          </a:prstGeom>
+        </p:spPr>
+        <p:txBody>
+          <a:bodyPr/>
+          <a:lstStyle/>
+          <a:p>
+            <a:pPr/>
+          </a:p>
+        </p:txBody>
+      </p:sp>
+      <p:sp>
+        <p:nvSpPr>
+          <p:cNvPr id="235" name="Shape 235"/>
+          <p:cNvSpPr/>
+          <p:nvPr>
+            <p:ph type="body" sz="quarter" idx="1"/>
+          </p:nvPr>
+        </p:nvSpPr>
+        <p:spPr>
+          <a:prstGeom prst="rect">
+            <a:avLst/>
+          </a:prstGeom>
+        </p:spPr>
+        <p:txBody>
+          <a:bodyPr/>
+          <a:lstStyle/>
+          <a:p>
+            <a:pPr/>
+            <a:r>
+              <a:t>Here are the results of the datatypes found by Spark.</a:t>
+            </a:r>
+          </a:p>
+          <a:p>
+            <a:pPr/>
+            <a:r>
+              <a:t>Notice that some are “double” while others are “integer”: the inference is fairly sophisticated.</a:t>
+            </a:r>
+          </a:p>
+        </p:txBody>
+      </p:sp>
+    </p:spTree>
+  </p:cSld>
+  <p:clrMapOvr>
+    <a:masterClrMapping/>
+  </p:clrMapOvr>
+</p:notes>
+</file>
+
+<file path=ppt/notesSlides/notesSlide14.xml><?xml version="1.0" encoding="utf-8"?>
+<p:notes xmlns:a="http://schemas.openxmlformats.org/drawingml/2006/main" xmlns:r="http://schemas.openxmlformats.org/officeDocument/2006/relationships" xmlns:p="http://schemas.openxmlformats.org/presentationml/2006/main" showMasterSp="1" showMasterPhAnim="1">
+  <p:cSld>
+    <p:spTree>
+      <p:nvGrpSpPr>
+        <p:cNvPr id="1" name=""/>
+        <p:cNvGrpSpPr/>
+        <p:nvPr/>
+      </p:nvGrpSpPr>
+      <p:grpSpPr>
+        <a:xfrm>
+          <a:off x="0" y="0"/>
+          <a:ext cx="0" cy="0"/>
+          <a:chOff x="0" y="0"/>
+          <a:chExt cx="0" cy="0"/>
+        </a:xfrm>
+      </p:grpSpPr>
+      <p:sp>
+        <p:nvSpPr>
+          <p:cNvPr id="240" name="Shape 240"/>
+          <p:cNvSpPr/>
+          <p:nvPr>
+            <p:ph type="sldImg"/>
+          </p:nvPr>
+        </p:nvSpPr>
+        <p:spPr>
+          <a:prstGeom prst="rect">
+            <a:avLst/>
+          </a:prstGeom>
+        </p:spPr>
+        <p:txBody>
+          <a:bodyPr/>
+          <a:lstStyle/>
+          <a:p>
+            <a:pPr/>
+          </a:p>
+        </p:txBody>
+      </p:sp>
+      <p:sp>
+        <p:nvSpPr>
+          <p:cNvPr id="241" name="Shape 241"/>
+          <p:cNvSpPr/>
+          <p:nvPr>
+            <p:ph type="body" sz="quarter" idx="1"/>
+          </p:nvPr>
+        </p:nvSpPr>
+        <p:spPr>
+          <a:prstGeom prst="rect">
+            <a:avLst/>
+          </a:prstGeom>
+        </p:spPr>
+        <p:txBody>
+          <a:bodyPr/>
+          <a:lstStyle/>
+          <a:p>
+            <a:pPr/>
+            <a:r>
+              <a:t>Explain the operations:</a:t>
+            </a:r>
+          </a:p>
+          <a:p>
+            <a:pPr/>
+            <a:r>
+              <a:t>count() -&gt; see result</a:t>
+            </a:r>
+          </a:p>
+          <a:p>
+            <a:pPr/>
+            <a:r>
+              <a:t>cache() -&gt; results will be kept in memory until caching is disabled</a:t>
+            </a:r>
+          </a:p>
+          <a:p>
+            <a:pPr/>
+            <a:r>
+              <a:t>The next operation is a pipeline, explain each step:</a:t>
+            </a:r>
+          </a:p>
+          <a:p>
+            <a:pPr/>
+            <a:r>
+              <a:t>groupBy(“is_match”) -&gt; how many records are labeled “is_match”</a:t>
+            </a:r>
+          </a:p>
+          <a:p>
+            <a:pPr/>
+            <a:r>
+              <a:t>count() -&gt; etc. etc.</a:t>
+            </a:r>
+          </a:p>
+        </p:txBody>
+      </p:sp>
+    </p:spTree>
+  </p:cSld>
+  <p:clrMapOvr>
+    <a:masterClrMapping/>
+  </p:clrMapOvr>
+</p:notes>
+</file>
+
+<file path=ppt/notesSlides/notesSlide15.xml><?xml version="1.0" encoding="utf-8"?>
+<p:notes xmlns:a="http://schemas.openxmlformats.org/drawingml/2006/main" xmlns:r="http://schemas.openxmlformats.org/officeDocument/2006/relationships" xmlns:p="http://schemas.openxmlformats.org/presentationml/2006/main" showMasterSp="1" showMasterPhAnim="1">
+  <p:cSld>
+    <p:spTree>
+      <p:nvGrpSpPr>
+        <p:cNvPr id="1" name=""/>
+        <p:cNvGrpSpPr/>
+        <p:nvPr/>
+      </p:nvGrpSpPr>
+      <p:grpSpPr>
+        <a:xfrm>
+          <a:off x="0" y="0"/>
+          <a:ext cx="0" cy="0"/>
+          <a:chOff x="0" y="0"/>
+          <a:chExt cx="0" cy="0"/>
+        </a:xfrm>
+      </p:grpSpPr>
+      <p:sp>
+        <p:nvSpPr>
+          <p:cNvPr id="246" name="Shape 246"/>
+          <p:cNvSpPr/>
+          <p:nvPr>
+            <p:ph type="sldImg"/>
+          </p:nvPr>
+        </p:nvSpPr>
+        <p:spPr>
+          <a:prstGeom prst="rect">
+            <a:avLst/>
+          </a:prstGeom>
+        </p:spPr>
+        <p:txBody>
+          <a:bodyPr/>
+          <a:lstStyle/>
+          <a:p>
+            <a:pPr/>
+          </a:p>
+        </p:txBody>
+      </p:sp>
+      <p:sp>
+        <p:nvSpPr>
+          <p:cNvPr id="247" name="Shape 247"/>
+          <p:cNvSpPr/>
+          <p:nvPr>
+            <p:ph type="body" sz="quarter" idx="1"/>
+          </p:nvPr>
+        </p:nvSpPr>
+        <p:spPr>
+          <a:prstGeom prst="rect">
+            <a:avLst/>
+          </a:prstGeom>
+        </p:spPr>
+        <p:txBody>
+          <a:bodyPr/>
+          <a:lstStyle/>
+          <a:p>
+            <a:pPr/>
+            <a:r>
+              <a:t>Spark also supports SQL queries; the multi-line quotation is a proper SQL expression sent to Spark.</a:t>
+            </a:r>
+          </a:p>
         </p:txBody>
       </p:sp>
     </p:spTree>
@@ -1067,6 +1589,146 @@
             <a:pPr/>
             <a:r>
               <a:t>Instructions in the accompanying Zeppelin notebook</a:t>
+            </a:r>
+          </a:p>
+        </p:txBody>
+      </p:sp>
+    </p:spTree>
+  </p:cSld>
+  <p:clrMapOvr>
+    <a:masterClrMapping/>
+  </p:clrMapOvr>
+</p:notes>
+</file>
+
+<file path=ppt/notesSlides/notesSlide8.xml><?xml version="1.0" encoding="utf-8"?>
+<p:notes xmlns:a="http://schemas.openxmlformats.org/drawingml/2006/main" xmlns:r="http://schemas.openxmlformats.org/officeDocument/2006/relationships" xmlns:p="http://schemas.openxmlformats.org/presentationml/2006/main" showMasterSp="1" showMasterPhAnim="1">
+  <p:cSld>
+    <p:spTree>
+      <p:nvGrpSpPr>
+        <p:cNvPr id="1" name=""/>
+        <p:cNvGrpSpPr/>
+        <p:nvPr/>
+      </p:nvGrpSpPr>
+      <p:grpSpPr>
+        <a:xfrm>
+          <a:off x="0" y="0"/>
+          <a:ext cx="0" cy="0"/>
+          <a:chOff x="0" y="0"/>
+          <a:chExt cx="0" cy="0"/>
+        </a:xfrm>
+      </p:grpSpPr>
+      <p:sp>
+        <p:nvSpPr>
+          <p:cNvPr id="202" name="Shape 202"/>
+          <p:cNvSpPr/>
+          <p:nvPr>
+            <p:ph type="sldImg"/>
+          </p:nvPr>
+        </p:nvSpPr>
+        <p:spPr>
+          <a:prstGeom prst="rect">
+            <a:avLst/>
+          </a:prstGeom>
+        </p:spPr>
+        <p:txBody>
+          <a:bodyPr/>
+          <a:lstStyle/>
+          <a:p>
+            <a:pPr/>
+          </a:p>
+        </p:txBody>
+      </p:sp>
+      <p:sp>
+        <p:nvSpPr>
+          <p:cNvPr id="203" name="Shape 203"/>
+          <p:cNvSpPr/>
+          <p:nvPr>
+            <p:ph type="body" sz="quarter" idx="1"/>
+          </p:nvPr>
+        </p:nvSpPr>
+        <p:spPr>
+          <a:prstGeom prst="rect">
+            <a:avLst/>
+          </a:prstGeom>
+        </p:spPr>
+        <p:txBody>
+          <a:bodyPr/>
+          <a:lstStyle/>
+          <a:p>
+            <a:pPr/>
+            <a:r>
+              <a:t>Give some examples from the textbook</a:t>
+            </a:r>
+          </a:p>
+        </p:txBody>
+      </p:sp>
+    </p:spTree>
+  </p:cSld>
+  <p:clrMapOvr>
+    <a:masterClrMapping/>
+  </p:clrMapOvr>
+</p:notes>
+</file>
+
+<file path=ppt/notesSlides/notesSlide9.xml><?xml version="1.0" encoding="utf-8"?>
+<p:notes xmlns:a="http://schemas.openxmlformats.org/drawingml/2006/main" xmlns:r="http://schemas.openxmlformats.org/officeDocument/2006/relationships" xmlns:p="http://schemas.openxmlformats.org/presentationml/2006/main" showMasterSp="1" showMasterPhAnim="1">
+  <p:cSld>
+    <p:spTree>
+      <p:nvGrpSpPr>
+        <p:cNvPr id="1" name=""/>
+        <p:cNvGrpSpPr/>
+        <p:nvPr/>
+      </p:nvGrpSpPr>
+      <p:grpSpPr>
+        <a:xfrm>
+          <a:off x="0" y="0"/>
+          <a:ext cx="0" cy="0"/>
+          <a:chOff x="0" y="0"/>
+          <a:chExt cx="0" cy="0"/>
+        </a:xfrm>
+      </p:grpSpPr>
+      <p:sp>
+        <p:nvSpPr>
+          <p:cNvPr id="207" name="Shape 207"/>
+          <p:cNvSpPr/>
+          <p:nvPr>
+            <p:ph type="sldImg"/>
+          </p:nvPr>
+        </p:nvSpPr>
+        <p:spPr>
+          <a:prstGeom prst="rect">
+            <a:avLst/>
+          </a:prstGeom>
+        </p:spPr>
+        <p:txBody>
+          <a:bodyPr/>
+          <a:lstStyle/>
+          <a:p>
+            <a:pPr/>
+          </a:p>
+        </p:txBody>
+      </p:sp>
+      <p:sp>
+        <p:nvSpPr>
+          <p:cNvPr id="208" name="Shape 208"/>
+          <p:cNvSpPr/>
+          <p:nvPr>
+            <p:ph type="body" sz="quarter" idx="1"/>
+          </p:nvPr>
+        </p:nvSpPr>
+        <p:spPr>
+          <a:prstGeom prst="rect">
+            <a:avLst/>
+          </a:prstGeom>
+        </p:spPr>
+        <p:txBody>
+          <a:bodyPr/>
+          <a:lstStyle/>
+          <a:p>
+            <a:pPr/>
+            <a:r>
+              <a:t>Explain the concept of “case class” in Scala</a:t>
             </a:r>
           </a:p>
         </p:txBody>
@@ -4082,7 +4744,7 @@
       </p:grpSpPr>
       <p:sp>
         <p:nvSpPr>
-          <p:cNvPr id="200" name="Start Spark, connect to an RDD"/>
+          <p:cNvPr id="200" name="Example task: Record Linkage"/>
           <p:cNvSpPr txBox="1"/>
           <p:nvPr>
             <p:ph type="title"/>
@@ -4099,7 +4761,49 @@
           <a:p>
             <a:pPr/>
             <a:r>
-              <a:t>Start Spark, connect to an RDD</a:t>
+              <a:t>Example task: Record Linkage</a:t>
+            </a:r>
+          </a:p>
+        </p:txBody>
+      </p:sp>
+      <p:sp>
+        <p:nvSpPr>
+          <p:cNvPr id="201" name="We have a database with records, some of them from the same source…"/>
+          <p:cNvSpPr txBox="1"/>
+          <p:nvPr>
+            <p:ph type="body" idx="1"/>
+          </p:nvPr>
+        </p:nvSpPr>
+        <p:spPr>
+          <a:prstGeom prst="rect">
+            <a:avLst/>
+          </a:prstGeom>
+        </p:spPr>
+        <p:txBody>
+          <a:bodyPr/>
+          <a:lstStyle/>
+          <a:p>
+            <a:pPr/>
+            <a:r>
+              <a:t>We have a database with records, some of them from the same source</a:t>
+            </a:r>
+          </a:p>
+          <a:p>
+            <a:pPr/>
+            <a:r>
+              <a:t>However, they have subtle differences: small pieces missing from addresses, names written with abbreviations, misspellings, etc.</a:t>
+            </a:r>
+          </a:p>
+          <a:p>
+            <a:pPr/>
+            <a:r>
+              <a:t>How can we identify and collect linked records?</a:t>
+            </a:r>
+          </a:p>
+          <a:p>
+            <a:pPr/>
+            <a:r>
+              <a:t>Test database: “linkage”</a:t>
             </a:r>
           </a:p>
         </p:txBody>
@@ -4132,7 +4836,7 @@
       </p:grpSpPr>
       <p:sp>
         <p:nvSpPr>
-          <p:cNvPr id="202" name="Define helper function"/>
+          <p:cNvPr id="205" name="Start Spark, define schema for RDD"/>
           <p:cNvSpPr txBox="1"/>
           <p:nvPr>
             <p:ph type="title"/>
@@ -4149,7 +4853,136 @@
           <a:p>
             <a:pPr/>
             <a:r>
-              <a:t>Define helper function</a:t>
+              <a:t>Start Spark, define schema for RDD</a:t>
+            </a:r>
+          </a:p>
+        </p:txBody>
+      </p:sp>
+      <p:sp>
+        <p:nvSpPr>
+          <p:cNvPr id="206" name="import org.apache.spark.sql.{DataFrame, Dataset, Row, SparkSession}…"/>
+          <p:cNvSpPr txBox="1"/>
+          <p:nvPr/>
+        </p:nvSpPr>
+        <p:spPr>
+          <a:xfrm>
+            <a:off x="1272984" y="1296315"/>
+            <a:ext cx="6598033" cy="5120641"/>
+          </a:xfrm>
+          <a:prstGeom prst="rect">
+            <a:avLst/>
+          </a:prstGeom>
+          <a:ln w="12700">
+            <a:miter lim="400000"/>
+          </a:ln>
+          <a:extLst>
+            <a:ext uri="{C572A759-6A51-4108-AA02-DFA0A04FC94B}">
+              <ma14:wrappingTextBoxFlag xmlns:ma14="http://schemas.microsoft.com/office/mac/drawingml/2011/main" val="1"/>
+            </a:ext>
+          </a:extLst>
+        </p:spPr>
+        <p:txBody>
+          <a:bodyPr wrap="none" lIns="45719" rIns="45719">
+            <a:spAutoFit/>
+          </a:bodyPr>
+          <a:lstStyle/>
+          <a:p>
+            <a:pPr/>
+            <a:r>
+              <a:t>import org.apache.spark.sql.{DataFrame, Dataset, Row, SparkSession}</a:t>
+            </a:r>
+          </a:p>
+          <a:p>
+            <a:pPr/>
+            <a:r>
+              <a:t>import org.apache.spark.sql.functions._ // for lit(), first(), etc.</a:t>
+            </a:r>
+          </a:p>
+          <a:p>
+            <a:pPr/>
+          </a:p>
+          <a:p>
+            <a:pPr/>
+            <a:r>
+              <a:t>case class MatchData(</a:t>
+            </a:r>
+          </a:p>
+          <a:p>
+            <a:pPr/>
+            <a:r>
+              <a:t>  id_1: Int,</a:t>
+            </a:r>
+          </a:p>
+          <a:p>
+            <a:pPr/>
+            <a:r>
+              <a:t>  id_2: Int,</a:t>
+            </a:r>
+          </a:p>
+          <a:p>
+            <a:pPr/>
+            <a:r>
+              <a:t>  cmp_fname_c1: Option[Double],</a:t>
+            </a:r>
+          </a:p>
+          <a:p>
+            <a:pPr/>
+            <a:r>
+              <a:t>  cmp_fname_c2: Option[Double],</a:t>
+            </a:r>
+          </a:p>
+          <a:p>
+            <a:pPr/>
+            <a:r>
+              <a:t>  cmp_lname_c1: Option[Double],</a:t>
+            </a:r>
+          </a:p>
+          <a:p>
+            <a:pPr/>
+            <a:r>
+              <a:t>  cmp_lname_c2: Option[Double],</a:t>
+            </a:r>
+          </a:p>
+          <a:p>
+            <a:pPr/>
+            <a:r>
+              <a:t>  cmp_sex: Option[Int],</a:t>
+            </a:r>
+          </a:p>
+          <a:p>
+            <a:pPr/>
+            <a:r>
+              <a:t>  cmp_bd: Option[Int],</a:t>
+            </a:r>
+          </a:p>
+          <a:p>
+            <a:pPr/>
+            <a:r>
+              <a:t>  cmp_bm: Option[Int],</a:t>
+            </a:r>
+          </a:p>
+          <a:p>
+            <a:pPr/>
+            <a:r>
+              <a:t>  cmp_by: Option[Int],</a:t>
+            </a:r>
+          </a:p>
+          <a:p>
+            <a:pPr/>
+            <a:r>
+              <a:t>  cmp_plz: Option[Int],</a:t>
+            </a:r>
+          </a:p>
+          <a:p>
+            <a:pPr/>
+            <a:r>
+              <a:t>  is_match: Boolean</a:t>
+            </a:r>
+          </a:p>
+          <a:p>
+            <a:pPr/>
+            <a:r>
+              <a:t>)</a:t>
             </a:r>
           </a:p>
         </p:txBody>
@@ -4182,7 +5015,7 @@
       </p:grpSpPr>
       <p:sp>
         <p:nvSpPr>
-          <p:cNvPr id="204" name="Start operating on RDD"/>
+          <p:cNvPr id="210" name="Connect to the RDD, inspect it"/>
           <p:cNvSpPr txBox="1"/>
           <p:nvPr>
             <p:ph type="title"/>
@@ -4199,7 +5032,2740 @@
           <a:p>
             <a:pPr/>
             <a:r>
-              <a:t>Start operating on RDD</a:t>
+              <a:t>Connect to the RDD, inspect it</a:t>
+            </a:r>
+          </a:p>
+        </p:txBody>
+      </p:sp>
+      <p:sp>
+        <p:nvSpPr>
+          <p:cNvPr id="211" name="import spark.implicits._…"/>
+          <p:cNvSpPr txBox="1"/>
+          <p:nvPr/>
+        </p:nvSpPr>
+        <p:spPr>
+          <a:xfrm>
+            <a:off x="1319083" y="1230498"/>
+            <a:ext cx="3934307" cy="1767841"/>
+          </a:xfrm>
+          <a:prstGeom prst="rect">
+            <a:avLst/>
+          </a:prstGeom>
+          <a:ln w="12700">
+            <a:miter lim="400000"/>
+          </a:ln>
+          <a:extLst>
+            <a:ext uri="{C572A759-6A51-4108-AA02-DFA0A04FC94B}">
+              <ma14:wrappingTextBoxFlag xmlns:ma14="http://schemas.microsoft.com/office/mac/drawingml/2011/main" val="1"/>
+            </a:ext>
+          </a:extLst>
+        </p:spPr>
+        <p:txBody>
+          <a:bodyPr wrap="none" lIns="45719" rIns="45719">
+            <a:spAutoFit/>
+          </a:bodyPr>
+          <a:lstStyle/>
+          <a:p>
+            <a:pPr/>
+            <a:r>
+              <a:t>    import spark.implicits._</a:t>
+            </a:r>
+          </a:p>
+          <a:p>
+            <a:pPr/>
+            <a:r>
+              <a:t> </a:t>
+            </a:r>
+          </a:p>
+          <a:p>
+            <a:pPr/>
+            <a:r>
+              <a:t>    val preview = spark.read.csv("linkage")</a:t>
+            </a:r>
+          </a:p>
+          <a:p>
+            <a:pPr>
+              <a:defRPr b="1"/>
+            </a:pPr>
+            <a:r>
+              <a:t>    preview.show()</a:t>
+            </a:r>
+          </a:p>
+          <a:p>
+            <a:pPr/>
+          </a:p>
+        </p:txBody>
+      </p:sp>
+      <p:sp>
+        <p:nvSpPr>
+          <p:cNvPr id="212" name="preview: org.apache.spark.sql.DataFrame = [_c0: string, _c1: string ... 10 more fields]…"/>
+          <p:cNvSpPr txBox="1"/>
+          <p:nvPr/>
+        </p:nvSpPr>
+        <p:spPr>
+          <a:xfrm>
+            <a:off x="168379" y="3395743"/>
+            <a:ext cx="12765466" cy="3126716"/>
+          </a:xfrm>
+          <a:prstGeom prst="rect">
+            <a:avLst/>
+          </a:prstGeom>
+          <a:ln w="12700">
+            <a:miter lim="400000"/>
+          </a:ln>
+          <a:extLst>
+            <a:ext uri="{C572A759-6A51-4108-AA02-DFA0A04FC94B}">
+              <ma14:wrappingTextBoxFlag xmlns:ma14="http://schemas.microsoft.com/office/mac/drawingml/2011/main" val="1"/>
+            </a:ext>
+          </a:extLst>
+        </p:spPr>
+        <p:txBody>
+          <a:bodyPr lIns="45719" rIns="45719">
+            <a:spAutoFit/>
+          </a:bodyPr>
+          <a:lstStyle/>
+          <a:p>
+            <a:pPr defTabSz="457200">
+              <a:lnSpc>
+                <a:spcPts val="3000"/>
+              </a:lnSpc>
+              <a:defRPr sz="1200">
+                <a:solidFill>
+                  <a:srgbClr val="212121"/>
+                </a:solidFill>
+                <a:latin typeface="Monaco"/>
+                <a:ea typeface="Monaco"/>
+                <a:cs typeface="Monaco"/>
+                <a:sym typeface="Monaco"/>
+              </a:defRPr>
+            </a:pPr>
+            <a:r>
+              <a:t>preview: org.apache.spark.sql.DataFrame = [_c0: string, _c1: string ... 10 more fields]</a:t>
+            </a:r>
+          </a:p>
+          <a:p>
+            <a:pPr defTabSz="457200">
+              <a:lnSpc>
+                <a:spcPts val="3000"/>
+              </a:lnSpc>
+              <a:defRPr sz="1200">
+                <a:solidFill>
+                  <a:srgbClr val="212121"/>
+                </a:solidFill>
+                <a:latin typeface="Monaco"/>
+                <a:ea typeface="Monaco"/>
+                <a:cs typeface="Monaco"/>
+                <a:sym typeface="Monaco"/>
+              </a:defRPr>
+            </a:pPr>
+            <a:r>
+              <a:t>+-----+-----+------------+------------+------------+------------+-------+------+------+------+-------+--------+</a:t>
+            </a:r>
+          </a:p>
+          <a:p>
+            <a:pPr defTabSz="457200">
+              <a:lnSpc>
+                <a:spcPts val="3000"/>
+              </a:lnSpc>
+              <a:defRPr sz="1200">
+                <a:solidFill>
+                  <a:srgbClr val="212121"/>
+                </a:solidFill>
+                <a:latin typeface="Monaco"/>
+                <a:ea typeface="Monaco"/>
+                <a:cs typeface="Monaco"/>
+                <a:sym typeface="Monaco"/>
+              </a:defRPr>
+            </a:pPr>
+            <a:r>
+              <a:t>|  _c0|  _c1|         _c2|         _c3|         _c4|         _c5|    _c6|   _c7|   _c8|   _c9|   _c10|    _c11|</a:t>
+            </a:r>
+          </a:p>
+          <a:p>
+            <a:pPr defTabSz="457200">
+              <a:lnSpc>
+                <a:spcPts val="3000"/>
+              </a:lnSpc>
+              <a:defRPr sz="1200">
+                <a:solidFill>
+                  <a:srgbClr val="212121"/>
+                </a:solidFill>
+                <a:latin typeface="Monaco"/>
+                <a:ea typeface="Monaco"/>
+                <a:cs typeface="Monaco"/>
+                <a:sym typeface="Monaco"/>
+              </a:defRPr>
+            </a:pPr>
+            <a:r>
+              <a:t>+-----+-----+------------+------------+------------+------------+-------+------+------+------+-------+--------+</a:t>
+            </a:r>
+          </a:p>
+          <a:p>
+            <a:pPr defTabSz="457200">
+              <a:lnSpc>
+                <a:spcPts val="3000"/>
+              </a:lnSpc>
+              <a:defRPr sz="1200">
+                <a:solidFill>
+                  <a:srgbClr val="212121"/>
+                </a:solidFill>
+                <a:latin typeface="Monaco"/>
+                <a:ea typeface="Monaco"/>
+                <a:cs typeface="Monaco"/>
+                <a:sym typeface="Monaco"/>
+              </a:defRPr>
+            </a:pPr>
+            <a:r>
+              <a:t>| id_1| id_2|cmp_fname_c1|cmp_fname_c2|cmp_lname_c1|cmp_lname_c2|cmp_sex|cmp_bd|cmp_bm|cmp_by|cmp_plz|is_match|</a:t>
+            </a:r>
+          </a:p>
+          <a:p>
+            <a:pPr defTabSz="457200">
+              <a:lnSpc>
+                <a:spcPts val="3000"/>
+              </a:lnSpc>
+              <a:defRPr sz="1200">
+                <a:solidFill>
+                  <a:srgbClr val="212121"/>
+                </a:solidFill>
+                <a:latin typeface="Monaco"/>
+                <a:ea typeface="Monaco"/>
+                <a:cs typeface="Monaco"/>
+                <a:sym typeface="Monaco"/>
+              </a:defRPr>
+            </a:pPr>
+            <a:r>
+              <a:t>| 3148| 8326|           1|           ?|           1|           ?|      1|     1|     1|     1|      1|    TRUE|</a:t>
+            </a:r>
+          </a:p>
+          <a:p>
+            <a:pPr defTabSz="457200">
+              <a:lnSpc>
+                <a:spcPts val="3000"/>
+              </a:lnSpc>
+              <a:defRPr sz="1200">
+                <a:solidFill>
+                  <a:srgbClr val="212121"/>
+                </a:solidFill>
+                <a:latin typeface="Monaco"/>
+                <a:ea typeface="Monaco"/>
+                <a:cs typeface="Monaco"/>
+                <a:sym typeface="Monaco"/>
+              </a:defRPr>
+            </a:pPr>
+            <a:r>
+              <a:t>|14055|94934|           1|           ?|           1|           ?|      1|     1|     1|     1|      1|    TRUE|</a:t>
+            </a:r>
+          </a:p>
+          <a:p>
+            <a:pPr defTabSz="457200">
+              <a:lnSpc>
+                <a:spcPts val="3000"/>
+              </a:lnSpc>
+              <a:defRPr sz="1200">
+                <a:solidFill>
+                  <a:srgbClr val="212121"/>
+                </a:solidFill>
+                <a:latin typeface="Monaco"/>
+                <a:ea typeface="Monaco"/>
+                <a:cs typeface="Monaco"/>
+                <a:sym typeface="Monaco"/>
+              </a:defRPr>
+            </a:pPr>
+            <a:r>
+              <a:t>|33948|34740|           1|           ?|           1|           ?|      1|     1|     1|     1|      1|    TRUE|</a:t>
+            </a:r>
+          </a:p>
+          <a:p>
+            <a:pPr defTabSz="457200">
+              <a:lnSpc>
+                <a:spcPts val="3000"/>
+              </a:lnSpc>
+              <a:defRPr sz="1200">
+                <a:solidFill>
+                  <a:srgbClr val="212121"/>
+                </a:solidFill>
+                <a:latin typeface="Monaco"/>
+                <a:ea typeface="Monaco"/>
+                <a:cs typeface="Monaco"/>
+                <a:sym typeface="Monaco"/>
+              </a:defRPr>
+            </a:pPr>
+            <a:r>
+              <a:t>|  946|71870|           1|           ?|           1|           ?|      1|     1|     1|     1|      1|    TRUE|</a:t>
+            </a:r>
+          </a:p>
+          <a:p>
+            <a:pPr defTabSz="457200">
+              <a:lnSpc>
+                <a:spcPts val="3000"/>
+              </a:lnSpc>
+              <a:defRPr sz="1200">
+                <a:solidFill>
+                  <a:srgbClr val="212121"/>
+                </a:solidFill>
+                <a:latin typeface="Monaco"/>
+                <a:ea typeface="Monaco"/>
+                <a:cs typeface="Monaco"/>
+                <a:sym typeface="Monaco"/>
+              </a:defRPr>
+            </a:pPr>
+            <a:r>
+              <a:t>|64880|71676|           1|           ?|           1|           ?|      1|     1|     1|     1|      1|    TRUE|</a:t>
+            </a:r>
+          </a:p>
+          <a:p>
+            <a:pPr defTabSz="457200">
+              <a:lnSpc>
+                <a:spcPts val="3000"/>
+              </a:lnSpc>
+              <a:defRPr sz="1200">
+                <a:solidFill>
+                  <a:srgbClr val="212121"/>
+                </a:solidFill>
+                <a:latin typeface="Monaco"/>
+                <a:ea typeface="Monaco"/>
+                <a:cs typeface="Monaco"/>
+                <a:sym typeface="Monaco"/>
+              </a:defRPr>
+            </a:pPr>
+            <a:r>
+              <a:t>|25739|45991|           1|           ?|           1|           ?|      1|     1|     1|     1|      1|    TRUE|</a:t>
+            </a:r>
+          </a:p>
+          <a:p>
+            <a:pPr defTabSz="457200">
+              <a:lnSpc>
+                <a:spcPts val="3000"/>
+              </a:lnSpc>
+              <a:defRPr sz="1200">
+                <a:solidFill>
+                  <a:srgbClr val="212121"/>
+                </a:solidFill>
+                <a:latin typeface="Monaco"/>
+                <a:ea typeface="Monaco"/>
+                <a:cs typeface="Monaco"/>
+                <a:sym typeface="Monaco"/>
+              </a:defRPr>
+            </a:pPr>
+            <a:r>
+              <a:t>|62415|93584|           1|           ?|           1|           ?|      1|     1|     1|     1|      0|    TRUE|</a:t>
+            </a:r>
+          </a:p>
+          <a:p>
+            <a:pPr defTabSz="457200">
+              <a:lnSpc>
+                <a:spcPts val="3000"/>
+              </a:lnSpc>
+              <a:defRPr sz="1200">
+                <a:solidFill>
+                  <a:srgbClr val="212121"/>
+                </a:solidFill>
+                <a:latin typeface="Monaco"/>
+                <a:ea typeface="Monaco"/>
+                <a:cs typeface="Monaco"/>
+                <a:sym typeface="Monaco"/>
+              </a:defRPr>
+            </a:pPr>
+            <a:r>
+              <a:t>|27995|31399|           1|           ?|           1|           ?|      1|     1|     1|     1|      1|    TRUE|</a:t>
+            </a:r>
+          </a:p>
+          <a:p>
+            <a:pPr defTabSz="457200">
+              <a:lnSpc>
+                <a:spcPts val="3000"/>
+              </a:lnSpc>
+              <a:defRPr sz="1200">
+                <a:solidFill>
+                  <a:srgbClr val="212121"/>
+                </a:solidFill>
+                <a:latin typeface="Monaco"/>
+                <a:ea typeface="Monaco"/>
+                <a:cs typeface="Monaco"/>
+                <a:sym typeface="Monaco"/>
+              </a:defRPr>
+            </a:pPr>
+            <a:r>
+              <a:t>| 4909|12238|           1|           ?|           1|           ?|      1|     1|     1|     1|      1|    TRUE|</a:t>
+            </a:r>
+          </a:p>
+        </p:txBody>
+      </p:sp>
+      <p:sp>
+        <p:nvSpPr>
+          <p:cNvPr id="213" name="The head of the raw RDD:"/>
+          <p:cNvSpPr txBox="1"/>
+          <p:nvPr/>
+        </p:nvSpPr>
+        <p:spPr>
+          <a:xfrm>
+            <a:off x="387376" y="3011620"/>
+            <a:ext cx="2484908" cy="370841"/>
+          </a:xfrm>
+          <a:prstGeom prst="rect">
+            <a:avLst/>
+          </a:prstGeom>
+          <a:ln w="12700">
+            <a:miter lim="400000"/>
+          </a:ln>
+          <a:extLst>
+            <a:ext uri="{C572A759-6A51-4108-AA02-DFA0A04FC94B}">
+              <ma14:wrappingTextBoxFlag xmlns:ma14="http://schemas.microsoft.com/office/mac/drawingml/2011/main" val="1"/>
+            </a:ext>
+          </a:extLst>
+        </p:spPr>
+        <p:txBody>
+          <a:bodyPr wrap="none" lIns="45719" rIns="45719">
+            <a:spAutoFit/>
+          </a:bodyPr>
+          <a:lstStyle/>
+          <a:p>
+            <a:pPr/>
+            <a:r>
+              <a:t>The head of the raw RDD:</a:t>
+            </a:r>
+          </a:p>
+        </p:txBody>
+      </p:sp>
+    </p:spTree>
+  </p:cSld>
+  <p:clrMapOvr>
+    <a:masterClrMapping/>
+  </p:clrMapOvr>
+  <p:transition xmlns:p14="http://schemas.microsoft.com/office/powerpoint/2010/main" spd="med" advClick="1"/>
+</p:sld>
+</file>
+
+<file path=ppt/slides/slide14.xml><?xml version="1.0" encoding="utf-8"?>
+<p:sld xmlns:a="http://schemas.openxmlformats.org/drawingml/2006/main" xmlns:r="http://schemas.openxmlformats.org/officeDocument/2006/relationships" xmlns:p="http://schemas.openxmlformats.org/presentationml/2006/main" showMasterSp="1" showMasterPhAnim="1">
+  <p:cSld>
+    <p:spTree>
+      <p:nvGrpSpPr>
+        <p:cNvPr id="1" name=""/>
+        <p:cNvGrpSpPr/>
+        <p:nvPr/>
+      </p:nvGrpSpPr>
+      <p:grpSpPr>
+        <a:xfrm>
+          <a:off x="0" y="0"/>
+          <a:ext cx="0" cy="0"/>
+          <a:chOff x="0" y="0"/>
+          <a:chExt cx="0" cy="0"/>
+        </a:xfrm>
+      </p:grpSpPr>
+      <p:sp>
+        <p:nvSpPr>
+          <p:cNvPr id="217" name="Inspect the RDD (2)"/>
+          <p:cNvSpPr txBox="1"/>
+          <p:nvPr>
+            <p:ph type="title"/>
+          </p:nvPr>
+        </p:nvSpPr>
+        <p:spPr>
+          <a:prstGeom prst="rect">
+            <a:avLst/>
+          </a:prstGeom>
+        </p:spPr>
+        <p:txBody>
+          <a:bodyPr/>
+          <a:lstStyle/>
+          <a:p>
+            <a:pPr/>
+            <a:r>
+              <a:t>Inspect the RDD (2)</a:t>
+            </a:r>
+          </a:p>
+        </p:txBody>
+      </p:sp>
+      <p:sp>
+        <p:nvSpPr>
+          <p:cNvPr id="218" name="import spark.implicits._…"/>
+          <p:cNvSpPr txBox="1"/>
+          <p:nvPr/>
+        </p:nvSpPr>
+        <p:spPr>
+          <a:xfrm>
+            <a:off x="1319083" y="1230498"/>
+            <a:ext cx="6505834" cy="1767841"/>
+          </a:xfrm>
+          <a:prstGeom prst="rect">
+            <a:avLst/>
+          </a:prstGeom>
+          <a:ln w="12700">
+            <a:miter lim="400000"/>
+          </a:ln>
+          <a:extLst>
+            <a:ext uri="{C572A759-6A51-4108-AA02-DFA0A04FC94B}">
+              <ma14:wrappingTextBoxFlag xmlns:ma14="http://schemas.microsoft.com/office/mac/drawingml/2011/main" val="1"/>
+            </a:ext>
+          </a:extLst>
+        </p:spPr>
+        <p:txBody>
+          <a:bodyPr wrap="none" lIns="45719" rIns="45719">
+            <a:spAutoFit/>
+          </a:bodyPr>
+          <a:lstStyle/>
+          <a:p>
+            <a:pPr/>
+            <a:r>
+              <a:t>    import spark.implicits._</a:t>
+            </a:r>
+          </a:p>
+          <a:p>
+            <a:pPr/>
+            <a:r>
+              <a:t> </a:t>
+            </a:r>
+          </a:p>
+          <a:p>
+            <a:pPr/>
+            <a:r>
+              <a:t>    val preview = spark.read.csv("/Volumes/Transcend/DATA/linkage")</a:t>
+            </a:r>
+          </a:p>
+          <a:p>
+            <a:pPr/>
+            <a:r>
+              <a:t>    preview.show()</a:t>
+            </a:r>
+          </a:p>
+          <a:p>
+            <a:pPr>
+              <a:defRPr b="1"/>
+            </a:pPr>
+            <a:r>
+              <a:t>    preview.printSchema()</a:t>
+            </a:r>
+          </a:p>
+        </p:txBody>
+      </p:sp>
+      <p:sp>
+        <p:nvSpPr>
+          <p:cNvPr id="219" name="root…"/>
+          <p:cNvSpPr txBox="1"/>
+          <p:nvPr/>
+        </p:nvSpPr>
+        <p:spPr>
+          <a:xfrm>
+            <a:off x="2873742" y="2933381"/>
+            <a:ext cx="3396517" cy="2923516"/>
+          </a:xfrm>
+          <a:prstGeom prst="rect">
+            <a:avLst/>
+          </a:prstGeom>
+          <a:ln w="12700">
+            <a:miter lim="400000"/>
+          </a:ln>
+          <a:extLst>
+            <a:ext uri="{C572A759-6A51-4108-AA02-DFA0A04FC94B}">
+              <ma14:wrappingTextBoxFlag xmlns:ma14="http://schemas.microsoft.com/office/mac/drawingml/2011/main" val="1"/>
+            </a:ext>
+          </a:extLst>
+        </p:spPr>
+        <p:txBody>
+          <a:bodyPr wrap="none" lIns="45719" rIns="45719">
+            <a:spAutoFit/>
+          </a:bodyPr>
+          <a:lstStyle/>
+          <a:p>
+            <a:pPr defTabSz="457200">
+              <a:lnSpc>
+                <a:spcPts val="3000"/>
+              </a:lnSpc>
+              <a:defRPr sz="1200">
+                <a:solidFill>
+                  <a:srgbClr val="212121"/>
+                </a:solidFill>
+                <a:latin typeface="Monaco"/>
+                <a:ea typeface="Monaco"/>
+                <a:cs typeface="Monaco"/>
+                <a:sym typeface="Monaco"/>
+              </a:defRPr>
+            </a:pPr>
+            <a:r>
+              <a:t>root</a:t>
+            </a:r>
+          </a:p>
+          <a:p>
+            <a:pPr defTabSz="457200">
+              <a:lnSpc>
+                <a:spcPts val="3000"/>
+              </a:lnSpc>
+              <a:defRPr sz="1200">
+                <a:solidFill>
+                  <a:srgbClr val="212121"/>
+                </a:solidFill>
+                <a:latin typeface="Monaco"/>
+                <a:ea typeface="Monaco"/>
+                <a:cs typeface="Monaco"/>
+                <a:sym typeface="Monaco"/>
+              </a:defRPr>
+            </a:pPr>
+            <a:r>
+              <a:t> |-- _c0: string (nullable = true)</a:t>
+            </a:r>
+          </a:p>
+          <a:p>
+            <a:pPr defTabSz="457200">
+              <a:lnSpc>
+                <a:spcPts val="3000"/>
+              </a:lnSpc>
+              <a:defRPr sz="1200">
+                <a:solidFill>
+                  <a:srgbClr val="212121"/>
+                </a:solidFill>
+                <a:latin typeface="Monaco"/>
+                <a:ea typeface="Monaco"/>
+                <a:cs typeface="Monaco"/>
+                <a:sym typeface="Monaco"/>
+              </a:defRPr>
+            </a:pPr>
+            <a:r>
+              <a:t> |-- _c1: string (nullable = true)</a:t>
+            </a:r>
+          </a:p>
+          <a:p>
+            <a:pPr defTabSz="457200">
+              <a:lnSpc>
+                <a:spcPts val="3000"/>
+              </a:lnSpc>
+              <a:defRPr sz="1200">
+                <a:solidFill>
+                  <a:srgbClr val="212121"/>
+                </a:solidFill>
+                <a:latin typeface="Monaco"/>
+                <a:ea typeface="Monaco"/>
+                <a:cs typeface="Monaco"/>
+                <a:sym typeface="Monaco"/>
+              </a:defRPr>
+            </a:pPr>
+            <a:r>
+              <a:t> |-- _c2: string (nullable = true)</a:t>
+            </a:r>
+          </a:p>
+          <a:p>
+            <a:pPr defTabSz="457200">
+              <a:lnSpc>
+                <a:spcPts val="3000"/>
+              </a:lnSpc>
+              <a:defRPr sz="1200">
+                <a:solidFill>
+                  <a:srgbClr val="212121"/>
+                </a:solidFill>
+                <a:latin typeface="Monaco"/>
+                <a:ea typeface="Monaco"/>
+                <a:cs typeface="Monaco"/>
+                <a:sym typeface="Monaco"/>
+              </a:defRPr>
+            </a:pPr>
+            <a:r>
+              <a:t> |-- _c3: string (nullable = true)</a:t>
+            </a:r>
+          </a:p>
+          <a:p>
+            <a:pPr defTabSz="457200">
+              <a:lnSpc>
+                <a:spcPts val="3000"/>
+              </a:lnSpc>
+              <a:defRPr sz="1200">
+                <a:solidFill>
+                  <a:srgbClr val="212121"/>
+                </a:solidFill>
+                <a:latin typeface="Monaco"/>
+                <a:ea typeface="Monaco"/>
+                <a:cs typeface="Monaco"/>
+                <a:sym typeface="Monaco"/>
+              </a:defRPr>
+            </a:pPr>
+            <a:r>
+              <a:t> |-- _c4: string (nullable = true)</a:t>
+            </a:r>
+          </a:p>
+          <a:p>
+            <a:pPr defTabSz="457200">
+              <a:lnSpc>
+                <a:spcPts val="3000"/>
+              </a:lnSpc>
+              <a:defRPr sz="1200">
+                <a:solidFill>
+                  <a:srgbClr val="212121"/>
+                </a:solidFill>
+                <a:latin typeface="Monaco"/>
+                <a:ea typeface="Monaco"/>
+                <a:cs typeface="Monaco"/>
+                <a:sym typeface="Monaco"/>
+              </a:defRPr>
+            </a:pPr>
+            <a:r>
+              <a:t> |-- _c5: string (nullable = true)</a:t>
+            </a:r>
+          </a:p>
+          <a:p>
+            <a:pPr defTabSz="457200">
+              <a:lnSpc>
+                <a:spcPts val="3000"/>
+              </a:lnSpc>
+              <a:defRPr sz="1200">
+                <a:solidFill>
+                  <a:srgbClr val="212121"/>
+                </a:solidFill>
+                <a:latin typeface="Monaco"/>
+                <a:ea typeface="Monaco"/>
+                <a:cs typeface="Monaco"/>
+                <a:sym typeface="Monaco"/>
+              </a:defRPr>
+            </a:pPr>
+            <a:r>
+              <a:t> |-- _c6: string (nullable = true)</a:t>
+            </a:r>
+          </a:p>
+          <a:p>
+            <a:pPr defTabSz="457200">
+              <a:lnSpc>
+                <a:spcPts val="3000"/>
+              </a:lnSpc>
+              <a:defRPr sz="1200">
+                <a:solidFill>
+                  <a:srgbClr val="212121"/>
+                </a:solidFill>
+                <a:latin typeface="Monaco"/>
+                <a:ea typeface="Monaco"/>
+                <a:cs typeface="Monaco"/>
+                <a:sym typeface="Monaco"/>
+              </a:defRPr>
+            </a:pPr>
+            <a:r>
+              <a:t> |-- _c7: string (nullable = true)</a:t>
+            </a:r>
+          </a:p>
+          <a:p>
+            <a:pPr defTabSz="457200">
+              <a:lnSpc>
+                <a:spcPts val="3000"/>
+              </a:lnSpc>
+              <a:defRPr sz="1200">
+                <a:solidFill>
+                  <a:srgbClr val="212121"/>
+                </a:solidFill>
+                <a:latin typeface="Monaco"/>
+                <a:ea typeface="Monaco"/>
+                <a:cs typeface="Monaco"/>
+                <a:sym typeface="Monaco"/>
+              </a:defRPr>
+            </a:pPr>
+            <a:r>
+              <a:t> |-- _c8: string (nullable = true)</a:t>
+            </a:r>
+          </a:p>
+          <a:p>
+            <a:pPr defTabSz="457200">
+              <a:lnSpc>
+                <a:spcPts val="3000"/>
+              </a:lnSpc>
+              <a:defRPr sz="1200">
+                <a:solidFill>
+                  <a:srgbClr val="212121"/>
+                </a:solidFill>
+                <a:latin typeface="Monaco"/>
+                <a:ea typeface="Monaco"/>
+                <a:cs typeface="Monaco"/>
+                <a:sym typeface="Monaco"/>
+              </a:defRPr>
+            </a:pPr>
+            <a:r>
+              <a:t> |-- _c9: string (nullable = true)</a:t>
+            </a:r>
+          </a:p>
+          <a:p>
+            <a:pPr defTabSz="457200">
+              <a:lnSpc>
+                <a:spcPts val="3000"/>
+              </a:lnSpc>
+              <a:defRPr sz="1200">
+                <a:solidFill>
+                  <a:srgbClr val="212121"/>
+                </a:solidFill>
+                <a:latin typeface="Monaco"/>
+                <a:ea typeface="Monaco"/>
+                <a:cs typeface="Monaco"/>
+                <a:sym typeface="Monaco"/>
+              </a:defRPr>
+            </a:pPr>
+            <a:r>
+              <a:t> |-- _c10: string (nullable = true)</a:t>
+            </a:r>
+          </a:p>
+          <a:p>
+            <a:pPr defTabSz="457200">
+              <a:lnSpc>
+                <a:spcPts val="3000"/>
+              </a:lnSpc>
+              <a:defRPr sz="1200">
+                <a:solidFill>
+                  <a:srgbClr val="212121"/>
+                </a:solidFill>
+                <a:latin typeface="Monaco"/>
+                <a:ea typeface="Monaco"/>
+                <a:cs typeface="Monaco"/>
+                <a:sym typeface="Monaco"/>
+              </a:defRPr>
+            </a:pPr>
+            <a:r>
+              <a:t> |-- _c11: string (nullable = true)</a:t>
+            </a:r>
+          </a:p>
+        </p:txBody>
+      </p:sp>
+      <p:sp>
+        <p:nvSpPr>
+          <p:cNvPr id="220" name="The default data structure:…"/>
+          <p:cNvSpPr txBox="1"/>
+          <p:nvPr/>
+        </p:nvSpPr>
+        <p:spPr>
+          <a:xfrm>
+            <a:off x="244831" y="2964179"/>
+            <a:ext cx="2630797" cy="929641"/>
+          </a:xfrm>
+          <a:prstGeom prst="rect">
+            <a:avLst/>
+          </a:prstGeom>
+          <a:ln w="12700">
+            <a:miter lim="400000"/>
+          </a:ln>
+          <a:extLst>
+            <a:ext uri="{C572A759-6A51-4108-AA02-DFA0A04FC94B}">
+              <ma14:wrappingTextBoxFlag xmlns:ma14="http://schemas.microsoft.com/office/mac/drawingml/2011/main" val="1"/>
+            </a:ext>
+          </a:extLst>
+        </p:spPr>
+        <p:txBody>
+          <a:bodyPr wrap="none" lIns="45719" rIns="45719">
+            <a:spAutoFit/>
+          </a:bodyPr>
+          <a:lstStyle/>
+          <a:p>
+            <a:pPr/>
+            <a:r>
+              <a:t>The default data structure:</a:t>
+            </a:r>
+          </a:p>
+          <a:p>
+            <a:pPr/>
+          </a:p>
+          <a:p>
+            <a:pPr/>
+            <a:r>
+              <a:t>(not what we wanted)</a:t>
+            </a:r>
+          </a:p>
+        </p:txBody>
+      </p:sp>
+    </p:spTree>
+  </p:cSld>
+  <p:clrMapOvr>
+    <a:masterClrMapping/>
+  </p:clrMapOvr>
+  <p:transition xmlns:p14="http://schemas.microsoft.com/office/powerpoint/2010/main" spd="med" advClick="1"/>
+</p:sld>
+</file>
+
+<file path=ppt/slides/slide15.xml><?xml version="1.0" encoding="utf-8"?>
+<p:sld xmlns:a="http://schemas.openxmlformats.org/drawingml/2006/main" xmlns:r="http://schemas.openxmlformats.org/officeDocument/2006/relationships" xmlns:p="http://schemas.openxmlformats.org/presentationml/2006/main" showMasterSp="1" showMasterPhAnim="1">
+  <p:cSld>
+    <p:spTree>
+      <p:nvGrpSpPr>
+        <p:cNvPr id="1" name=""/>
+        <p:cNvGrpSpPr/>
+        <p:nvPr/>
+      </p:nvGrpSpPr>
+      <p:grpSpPr>
+        <a:xfrm>
+          <a:off x="0" y="0"/>
+          <a:ext cx="0" cy="0"/>
+          <a:chOff x="0" y="0"/>
+          <a:chExt cx="0" cy="0"/>
+        </a:xfrm>
+      </p:grpSpPr>
+      <p:sp>
+        <p:nvSpPr>
+          <p:cNvPr id="224" name="Parse the RDD"/>
+          <p:cNvSpPr txBox="1"/>
+          <p:nvPr>
+            <p:ph type="title"/>
+          </p:nvPr>
+        </p:nvSpPr>
+        <p:spPr>
+          <a:prstGeom prst="rect">
+            <a:avLst/>
+          </a:prstGeom>
+        </p:spPr>
+        <p:txBody>
+          <a:bodyPr/>
+          <a:lstStyle/>
+          <a:p>
+            <a:pPr/>
+            <a:r>
+              <a:t>Parse the RDD</a:t>
+            </a:r>
+          </a:p>
+        </p:txBody>
+      </p:sp>
+      <p:sp>
+        <p:nvSpPr>
+          <p:cNvPr id="225" name="val parsed = spark.read…"/>
+          <p:cNvSpPr txBox="1"/>
+          <p:nvPr/>
+        </p:nvSpPr>
+        <p:spPr>
+          <a:xfrm>
+            <a:off x="2393548" y="1373043"/>
+            <a:ext cx="4356904" cy="1767841"/>
+          </a:xfrm>
+          <a:prstGeom prst="rect">
+            <a:avLst/>
+          </a:prstGeom>
+          <a:ln w="12700">
+            <a:miter lim="400000"/>
+          </a:ln>
+          <a:extLst>
+            <a:ext uri="{C572A759-6A51-4108-AA02-DFA0A04FC94B}">
+              <ma14:wrappingTextBoxFlag xmlns:ma14="http://schemas.microsoft.com/office/mac/drawingml/2011/main" val="1"/>
+            </a:ext>
+          </a:extLst>
+        </p:spPr>
+        <p:txBody>
+          <a:bodyPr wrap="none" lIns="45719" rIns="45719">
+            <a:spAutoFit/>
+          </a:bodyPr>
+          <a:lstStyle/>
+          <a:p>
+            <a:pPr/>
+            <a:r>
+              <a:t>val parsed = spark.read</a:t>
+            </a:r>
+          </a:p>
+          <a:p>
+            <a:pPr/>
+            <a:r>
+              <a:t>      .option("header", "true")</a:t>
+            </a:r>
+          </a:p>
+          <a:p>
+            <a:pPr/>
+            <a:r>
+              <a:t>      .option("nullValue", "?")</a:t>
+            </a:r>
+          </a:p>
+          <a:p>
+            <a:pPr/>
+            <a:r>
+              <a:t>      .option("inferSchema", "true")</a:t>
+            </a:r>
+          </a:p>
+          <a:p>
+            <a:pPr/>
+            <a:r>
+              <a:t>      .csv("/Volumes/Transcend/DATA/linkage")</a:t>
+            </a:r>
+          </a:p>
+          <a:p>
+            <a:pPr>
+              <a:defRPr b="1"/>
+            </a:pPr>
+            <a:r>
+              <a:t>    parsed.show()</a:t>
+            </a:r>
+          </a:p>
+        </p:txBody>
+      </p:sp>
+      <p:sp>
+        <p:nvSpPr>
+          <p:cNvPr id="226" name="parsed: org.apache.spark.sql.DataFrame = [id_1: int, id_2: int ... 10 more fields]…"/>
+          <p:cNvSpPr txBox="1"/>
+          <p:nvPr/>
+        </p:nvSpPr>
+        <p:spPr>
+          <a:xfrm>
+            <a:off x="771411" y="3300712"/>
+            <a:ext cx="12130757" cy="3126717"/>
+          </a:xfrm>
+          <a:prstGeom prst="rect">
+            <a:avLst/>
+          </a:prstGeom>
+          <a:ln w="12700">
+            <a:miter lim="400000"/>
+          </a:ln>
+          <a:extLst>
+            <a:ext uri="{C572A759-6A51-4108-AA02-DFA0A04FC94B}">
+              <ma14:wrappingTextBoxFlag xmlns:ma14="http://schemas.microsoft.com/office/mac/drawingml/2011/main" val="1"/>
+            </a:ext>
+          </a:extLst>
+        </p:spPr>
+        <p:txBody>
+          <a:bodyPr lIns="45719" rIns="45719">
+            <a:spAutoFit/>
+          </a:bodyPr>
+          <a:lstStyle/>
+          <a:p>
+            <a:pPr defTabSz="457200">
+              <a:lnSpc>
+                <a:spcPts val="3000"/>
+              </a:lnSpc>
+              <a:defRPr sz="1200">
+                <a:solidFill>
+                  <a:srgbClr val="212121"/>
+                </a:solidFill>
+                <a:latin typeface="Monaco"/>
+                <a:ea typeface="Monaco"/>
+                <a:cs typeface="Monaco"/>
+                <a:sym typeface="Monaco"/>
+              </a:defRPr>
+            </a:pPr>
+            <a:r>
+              <a:t>parsed: org.apache.spark.sql.DataFrame = [id_1: int, id_2: int ... 10 more fields]</a:t>
+            </a:r>
+          </a:p>
+          <a:p>
+            <a:pPr defTabSz="457200">
+              <a:lnSpc>
+                <a:spcPts val="3000"/>
+              </a:lnSpc>
+              <a:defRPr sz="1200">
+                <a:solidFill>
+                  <a:srgbClr val="212121"/>
+                </a:solidFill>
+                <a:latin typeface="Monaco"/>
+                <a:ea typeface="Monaco"/>
+                <a:cs typeface="Monaco"/>
+                <a:sym typeface="Monaco"/>
+              </a:defRPr>
+            </a:pPr>
+            <a:r>
+              <a:t>+-----+-----+------------+------------+------------+------------+-------+------+------+------+-------+--------+</a:t>
+            </a:r>
+          </a:p>
+          <a:p>
+            <a:pPr defTabSz="457200">
+              <a:lnSpc>
+                <a:spcPts val="3000"/>
+              </a:lnSpc>
+              <a:defRPr sz="1200">
+                <a:solidFill>
+                  <a:srgbClr val="212121"/>
+                </a:solidFill>
+                <a:latin typeface="Monaco"/>
+                <a:ea typeface="Monaco"/>
+                <a:cs typeface="Monaco"/>
+                <a:sym typeface="Monaco"/>
+              </a:defRPr>
+            </a:pPr>
+            <a:r>
+              <a:t>| id_1| id_2|cmp_fname_c1|cmp_fname_c2|cmp_lname_c1|cmp_lname_c2|cmp_sex|cmp_bd|cmp_bm|cmp_by|cmp_plz|is_match|</a:t>
+            </a:r>
+          </a:p>
+          <a:p>
+            <a:pPr defTabSz="457200">
+              <a:lnSpc>
+                <a:spcPts val="3000"/>
+              </a:lnSpc>
+              <a:defRPr sz="1200">
+                <a:solidFill>
+                  <a:srgbClr val="212121"/>
+                </a:solidFill>
+                <a:latin typeface="Monaco"/>
+                <a:ea typeface="Monaco"/>
+                <a:cs typeface="Monaco"/>
+                <a:sym typeface="Monaco"/>
+              </a:defRPr>
+            </a:pPr>
+            <a:r>
+              <a:t>+-----+-----+------------+------------+------------+------------+-------+------+------+------+-------+--------+</a:t>
+            </a:r>
+          </a:p>
+          <a:p>
+            <a:pPr defTabSz="457200">
+              <a:lnSpc>
+                <a:spcPts val="3000"/>
+              </a:lnSpc>
+              <a:defRPr sz="1200">
+                <a:solidFill>
+                  <a:srgbClr val="212121"/>
+                </a:solidFill>
+                <a:latin typeface="Monaco"/>
+                <a:ea typeface="Monaco"/>
+                <a:cs typeface="Monaco"/>
+                <a:sym typeface="Monaco"/>
+              </a:defRPr>
+            </a:pPr>
+            <a:r>
+              <a:t>| 3148| 8326|         1.0|        null|         1.0|        null|      1|     1|     1|     1|      1|    true|</a:t>
+            </a:r>
+          </a:p>
+          <a:p>
+            <a:pPr defTabSz="457200">
+              <a:lnSpc>
+                <a:spcPts val="3000"/>
+              </a:lnSpc>
+              <a:defRPr sz="1200">
+                <a:solidFill>
+                  <a:srgbClr val="212121"/>
+                </a:solidFill>
+                <a:latin typeface="Monaco"/>
+                <a:ea typeface="Monaco"/>
+                <a:cs typeface="Monaco"/>
+                <a:sym typeface="Monaco"/>
+              </a:defRPr>
+            </a:pPr>
+            <a:r>
+              <a:t>|14055|94934|         1.0|        null|         1.0|        null|      1|     1|     1|     1|      1|    true|</a:t>
+            </a:r>
+          </a:p>
+          <a:p>
+            <a:pPr defTabSz="457200">
+              <a:lnSpc>
+                <a:spcPts val="3000"/>
+              </a:lnSpc>
+              <a:defRPr sz="1200">
+                <a:solidFill>
+                  <a:srgbClr val="212121"/>
+                </a:solidFill>
+                <a:latin typeface="Monaco"/>
+                <a:ea typeface="Monaco"/>
+                <a:cs typeface="Monaco"/>
+                <a:sym typeface="Monaco"/>
+              </a:defRPr>
+            </a:pPr>
+            <a:r>
+              <a:t>|33948|34740|         1.0|        null|         1.0|        null|      1|     1|     1|     1|      1|    true|</a:t>
+            </a:r>
+          </a:p>
+          <a:p>
+            <a:pPr defTabSz="457200">
+              <a:lnSpc>
+                <a:spcPts val="3000"/>
+              </a:lnSpc>
+              <a:defRPr sz="1200">
+                <a:solidFill>
+                  <a:srgbClr val="212121"/>
+                </a:solidFill>
+                <a:latin typeface="Monaco"/>
+                <a:ea typeface="Monaco"/>
+                <a:cs typeface="Monaco"/>
+                <a:sym typeface="Monaco"/>
+              </a:defRPr>
+            </a:pPr>
+            <a:r>
+              <a:t>|  946|71870|         1.0|        null|         1.0|        null|      1|     1|     1|     1|      1|    true|</a:t>
+            </a:r>
+          </a:p>
+          <a:p>
+            <a:pPr defTabSz="457200">
+              <a:lnSpc>
+                <a:spcPts val="3000"/>
+              </a:lnSpc>
+              <a:defRPr sz="1200">
+                <a:solidFill>
+                  <a:srgbClr val="212121"/>
+                </a:solidFill>
+                <a:latin typeface="Monaco"/>
+                <a:ea typeface="Monaco"/>
+                <a:cs typeface="Monaco"/>
+                <a:sym typeface="Monaco"/>
+              </a:defRPr>
+            </a:pPr>
+            <a:r>
+              <a:t>|64880|71676|         1.0|        null|         1.0|        null|      1|     1|     1|     1|      1|    true|</a:t>
+            </a:r>
+          </a:p>
+          <a:p>
+            <a:pPr defTabSz="457200">
+              <a:lnSpc>
+                <a:spcPts val="3000"/>
+              </a:lnSpc>
+              <a:defRPr sz="1200">
+                <a:solidFill>
+                  <a:srgbClr val="212121"/>
+                </a:solidFill>
+                <a:latin typeface="Monaco"/>
+                <a:ea typeface="Monaco"/>
+                <a:cs typeface="Monaco"/>
+                <a:sym typeface="Monaco"/>
+              </a:defRPr>
+            </a:pPr>
+            <a:r>
+              <a:t>|25739|45991|         1.0|        null|         1.0|        null|      1|     1|     1|     1|      1|    true|</a:t>
+            </a:r>
+          </a:p>
+          <a:p>
+            <a:pPr defTabSz="457200">
+              <a:lnSpc>
+                <a:spcPts val="3000"/>
+              </a:lnSpc>
+              <a:defRPr sz="1200">
+                <a:solidFill>
+                  <a:srgbClr val="212121"/>
+                </a:solidFill>
+                <a:latin typeface="Monaco"/>
+                <a:ea typeface="Monaco"/>
+                <a:cs typeface="Monaco"/>
+                <a:sym typeface="Monaco"/>
+              </a:defRPr>
+            </a:pPr>
+            <a:r>
+              <a:t>|62415|93584|         1.0|        null|         1.0|        null|      1|     1|     1|     1|      0|    true|</a:t>
+            </a:r>
+          </a:p>
+          <a:p>
+            <a:pPr defTabSz="457200">
+              <a:lnSpc>
+                <a:spcPts val="3000"/>
+              </a:lnSpc>
+              <a:defRPr sz="1200">
+                <a:solidFill>
+                  <a:srgbClr val="212121"/>
+                </a:solidFill>
+                <a:latin typeface="Monaco"/>
+                <a:ea typeface="Monaco"/>
+                <a:cs typeface="Monaco"/>
+                <a:sym typeface="Monaco"/>
+              </a:defRPr>
+            </a:pPr>
+            <a:r>
+              <a:t>|27995|31399|         1.0|        null|         1.0|        null|      1|     1|     1|     1|      1|    true|</a:t>
+            </a:r>
+          </a:p>
+          <a:p>
+            <a:pPr defTabSz="457200">
+              <a:lnSpc>
+                <a:spcPts val="3000"/>
+              </a:lnSpc>
+              <a:defRPr sz="1200">
+                <a:solidFill>
+                  <a:srgbClr val="212121"/>
+                </a:solidFill>
+                <a:latin typeface="Monaco"/>
+                <a:ea typeface="Monaco"/>
+                <a:cs typeface="Monaco"/>
+                <a:sym typeface="Monaco"/>
+              </a:defRPr>
+            </a:pPr>
+            <a:r>
+              <a:t>| 4909|12238|         1.0|        null|         1.0|        null|      1|     1|     1|     1|      1|    true|</a:t>
+            </a:r>
+          </a:p>
+          <a:p>
+            <a:pPr defTabSz="457200">
+              <a:lnSpc>
+                <a:spcPts val="3000"/>
+              </a:lnSpc>
+              <a:defRPr sz="1200">
+                <a:solidFill>
+                  <a:srgbClr val="212121"/>
+                </a:solidFill>
+                <a:latin typeface="Monaco"/>
+                <a:ea typeface="Monaco"/>
+                <a:cs typeface="Monaco"/>
+                <a:sym typeface="Monaco"/>
+              </a:defRPr>
+            </a:pPr>
+            <a:r>
+              <a:t>|15161|16743|         1.0|        null|         1.0|        null|      1|     1|     1|     1|      1|    true|</a:t>
+            </a:r>
+          </a:p>
+        </p:txBody>
+      </p:sp>
+    </p:spTree>
+  </p:cSld>
+  <p:clrMapOvr>
+    <a:masterClrMapping/>
+  </p:clrMapOvr>
+  <p:transition xmlns:p14="http://schemas.microsoft.com/office/powerpoint/2010/main" spd="med" advClick="1"/>
+</p:sld>
+</file>
+
+<file path=ppt/slides/slide16.xml><?xml version="1.0" encoding="utf-8"?>
+<p:sld xmlns:a="http://schemas.openxmlformats.org/drawingml/2006/main" xmlns:r="http://schemas.openxmlformats.org/officeDocument/2006/relationships" xmlns:p="http://schemas.openxmlformats.org/presentationml/2006/main" showMasterSp="1" showMasterPhAnim="1">
+  <p:cSld>
+    <p:spTree>
+      <p:nvGrpSpPr>
+        <p:cNvPr id="1" name=""/>
+        <p:cNvGrpSpPr/>
+        <p:nvPr/>
+      </p:nvGrpSpPr>
+      <p:grpSpPr>
+        <a:xfrm>
+          <a:off x="0" y="0"/>
+          <a:ext cx="0" cy="0"/>
+          <a:chOff x="0" y="0"/>
+          <a:chExt cx="0" cy="0"/>
+        </a:xfrm>
+      </p:grpSpPr>
+      <p:sp>
+        <p:nvSpPr>
+          <p:cNvPr id="230" name="Parse the  RDD (2)"/>
+          <p:cNvSpPr txBox="1"/>
+          <p:nvPr>
+            <p:ph type="title"/>
+          </p:nvPr>
+        </p:nvSpPr>
+        <p:spPr>
+          <a:prstGeom prst="rect">
+            <a:avLst/>
+          </a:prstGeom>
+        </p:spPr>
+        <p:txBody>
+          <a:bodyPr/>
+          <a:lstStyle/>
+          <a:p>
+            <a:pPr/>
+            <a:r>
+              <a:t>Parse the  RDD (2)</a:t>
+            </a:r>
+          </a:p>
+        </p:txBody>
+      </p:sp>
+      <p:sp>
+        <p:nvSpPr>
+          <p:cNvPr id="231" name="val parsed = spark.read…"/>
+          <p:cNvSpPr txBox="1"/>
+          <p:nvPr/>
+        </p:nvSpPr>
+        <p:spPr>
+          <a:xfrm>
+            <a:off x="2393548" y="1373043"/>
+            <a:ext cx="4356904" cy="2047241"/>
+          </a:xfrm>
+          <a:prstGeom prst="rect">
+            <a:avLst/>
+          </a:prstGeom>
+          <a:ln w="12700">
+            <a:miter lim="400000"/>
+          </a:ln>
+          <a:extLst>
+            <a:ext uri="{C572A759-6A51-4108-AA02-DFA0A04FC94B}">
+              <ma14:wrappingTextBoxFlag xmlns:ma14="http://schemas.microsoft.com/office/mac/drawingml/2011/main" val="1"/>
+            </a:ext>
+          </a:extLst>
+        </p:spPr>
+        <p:txBody>
+          <a:bodyPr wrap="none" lIns="45719" rIns="45719">
+            <a:spAutoFit/>
+          </a:bodyPr>
+          <a:lstStyle/>
+          <a:p>
+            <a:pPr/>
+            <a:r>
+              <a:t>val parsed = spark.read</a:t>
+            </a:r>
+          </a:p>
+          <a:p>
+            <a:pPr/>
+            <a:r>
+              <a:t>      .option("header", "true")</a:t>
+            </a:r>
+          </a:p>
+          <a:p>
+            <a:pPr/>
+            <a:r>
+              <a:t>      .option("nullValue", "?")</a:t>
+            </a:r>
+          </a:p>
+          <a:p>
+            <a:pPr/>
+            <a:r>
+              <a:t>      .option("inferSchema", "true")</a:t>
+            </a:r>
+          </a:p>
+          <a:p>
+            <a:pPr/>
+            <a:r>
+              <a:t>      .csv("/Volumes/Transcend/DATA/linkage")</a:t>
+            </a:r>
+          </a:p>
+          <a:p>
+            <a:pPr/>
+            <a:r>
+              <a:t>    parsed.show()</a:t>
+            </a:r>
+          </a:p>
+          <a:p>
+            <a:pPr>
+              <a:defRPr b="1"/>
+            </a:pPr>
+            <a:r>
+              <a:t>   parsed.printSchema()</a:t>
+            </a:r>
+          </a:p>
+        </p:txBody>
+      </p:sp>
+      <p:sp>
+        <p:nvSpPr>
+          <p:cNvPr id="232" name="root…"/>
+          <p:cNvSpPr txBox="1"/>
+          <p:nvPr/>
+        </p:nvSpPr>
+        <p:spPr>
+          <a:xfrm>
+            <a:off x="2507922" y="3630267"/>
+            <a:ext cx="4128156" cy="2923517"/>
+          </a:xfrm>
+          <a:prstGeom prst="rect">
+            <a:avLst/>
+          </a:prstGeom>
+          <a:ln w="12700">
+            <a:miter lim="400000"/>
+          </a:ln>
+          <a:extLst>
+            <a:ext uri="{C572A759-6A51-4108-AA02-DFA0A04FC94B}">
+              <ma14:wrappingTextBoxFlag xmlns:ma14="http://schemas.microsoft.com/office/mac/drawingml/2011/main" val="1"/>
+            </a:ext>
+          </a:extLst>
+        </p:spPr>
+        <p:txBody>
+          <a:bodyPr wrap="none" lIns="45719" rIns="45719">
+            <a:spAutoFit/>
+          </a:bodyPr>
+          <a:lstStyle/>
+          <a:p>
+            <a:pPr defTabSz="457200">
+              <a:lnSpc>
+                <a:spcPts val="3000"/>
+              </a:lnSpc>
+              <a:defRPr sz="1200">
+                <a:solidFill>
+                  <a:srgbClr val="212121"/>
+                </a:solidFill>
+                <a:latin typeface="Monaco"/>
+                <a:ea typeface="Monaco"/>
+                <a:cs typeface="Monaco"/>
+                <a:sym typeface="Monaco"/>
+              </a:defRPr>
+            </a:pPr>
+            <a:r>
+              <a:t>root</a:t>
+            </a:r>
+          </a:p>
+          <a:p>
+            <a:pPr defTabSz="457200">
+              <a:lnSpc>
+                <a:spcPts val="3000"/>
+              </a:lnSpc>
+              <a:defRPr sz="1200">
+                <a:solidFill>
+                  <a:srgbClr val="212121"/>
+                </a:solidFill>
+                <a:latin typeface="Monaco"/>
+                <a:ea typeface="Monaco"/>
+                <a:cs typeface="Monaco"/>
+                <a:sym typeface="Monaco"/>
+              </a:defRPr>
+            </a:pPr>
+            <a:r>
+              <a:t> |-- id_1: integer (nullable = true)</a:t>
+            </a:r>
+          </a:p>
+          <a:p>
+            <a:pPr defTabSz="457200">
+              <a:lnSpc>
+                <a:spcPts val="3000"/>
+              </a:lnSpc>
+              <a:defRPr sz="1200">
+                <a:solidFill>
+                  <a:srgbClr val="212121"/>
+                </a:solidFill>
+                <a:latin typeface="Monaco"/>
+                <a:ea typeface="Monaco"/>
+                <a:cs typeface="Monaco"/>
+                <a:sym typeface="Monaco"/>
+              </a:defRPr>
+            </a:pPr>
+            <a:r>
+              <a:t> |-- id_2: integer (nullable = true)</a:t>
+            </a:r>
+          </a:p>
+          <a:p>
+            <a:pPr defTabSz="457200">
+              <a:lnSpc>
+                <a:spcPts val="3000"/>
+              </a:lnSpc>
+              <a:defRPr sz="1200">
+                <a:solidFill>
+                  <a:srgbClr val="212121"/>
+                </a:solidFill>
+                <a:latin typeface="Monaco"/>
+                <a:ea typeface="Monaco"/>
+                <a:cs typeface="Monaco"/>
+                <a:sym typeface="Monaco"/>
+              </a:defRPr>
+            </a:pPr>
+            <a:r>
+              <a:t> |-- cmp_fname_c1: double (nullable = true)</a:t>
+            </a:r>
+          </a:p>
+          <a:p>
+            <a:pPr defTabSz="457200">
+              <a:lnSpc>
+                <a:spcPts val="3000"/>
+              </a:lnSpc>
+              <a:defRPr sz="1200">
+                <a:solidFill>
+                  <a:srgbClr val="212121"/>
+                </a:solidFill>
+                <a:latin typeface="Monaco"/>
+                <a:ea typeface="Monaco"/>
+                <a:cs typeface="Monaco"/>
+                <a:sym typeface="Monaco"/>
+              </a:defRPr>
+            </a:pPr>
+            <a:r>
+              <a:t> |-- cmp_fname_c2: double (nullable = true)</a:t>
+            </a:r>
+          </a:p>
+          <a:p>
+            <a:pPr defTabSz="457200">
+              <a:lnSpc>
+                <a:spcPts val="3000"/>
+              </a:lnSpc>
+              <a:defRPr sz="1200">
+                <a:solidFill>
+                  <a:srgbClr val="212121"/>
+                </a:solidFill>
+                <a:latin typeface="Monaco"/>
+                <a:ea typeface="Monaco"/>
+                <a:cs typeface="Monaco"/>
+                <a:sym typeface="Monaco"/>
+              </a:defRPr>
+            </a:pPr>
+            <a:r>
+              <a:t> |-- cmp_lname_c1: double (nullable = true)</a:t>
+            </a:r>
+          </a:p>
+          <a:p>
+            <a:pPr defTabSz="457200">
+              <a:lnSpc>
+                <a:spcPts val="3000"/>
+              </a:lnSpc>
+              <a:defRPr sz="1200">
+                <a:solidFill>
+                  <a:srgbClr val="212121"/>
+                </a:solidFill>
+                <a:latin typeface="Monaco"/>
+                <a:ea typeface="Monaco"/>
+                <a:cs typeface="Monaco"/>
+                <a:sym typeface="Monaco"/>
+              </a:defRPr>
+            </a:pPr>
+            <a:r>
+              <a:t> |-- cmp_lname_c2: double (nullable = true)</a:t>
+            </a:r>
+          </a:p>
+          <a:p>
+            <a:pPr defTabSz="457200">
+              <a:lnSpc>
+                <a:spcPts val="3000"/>
+              </a:lnSpc>
+              <a:defRPr sz="1200">
+                <a:solidFill>
+                  <a:srgbClr val="212121"/>
+                </a:solidFill>
+                <a:latin typeface="Monaco"/>
+                <a:ea typeface="Monaco"/>
+                <a:cs typeface="Monaco"/>
+                <a:sym typeface="Monaco"/>
+              </a:defRPr>
+            </a:pPr>
+            <a:r>
+              <a:t> |-- cmp_sex: integer (nullable = true)</a:t>
+            </a:r>
+          </a:p>
+          <a:p>
+            <a:pPr defTabSz="457200">
+              <a:lnSpc>
+                <a:spcPts val="3000"/>
+              </a:lnSpc>
+              <a:defRPr sz="1200">
+                <a:solidFill>
+                  <a:srgbClr val="212121"/>
+                </a:solidFill>
+                <a:latin typeface="Monaco"/>
+                <a:ea typeface="Monaco"/>
+                <a:cs typeface="Monaco"/>
+                <a:sym typeface="Monaco"/>
+              </a:defRPr>
+            </a:pPr>
+            <a:r>
+              <a:t> |-- cmp_bd: integer (nullable = true)</a:t>
+            </a:r>
+          </a:p>
+          <a:p>
+            <a:pPr defTabSz="457200">
+              <a:lnSpc>
+                <a:spcPts val="3000"/>
+              </a:lnSpc>
+              <a:defRPr sz="1200">
+                <a:solidFill>
+                  <a:srgbClr val="212121"/>
+                </a:solidFill>
+                <a:latin typeface="Monaco"/>
+                <a:ea typeface="Monaco"/>
+                <a:cs typeface="Monaco"/>
+                <a:sym typeface="Monaco"/>
+              </a:defRPr>
+            </a:pPr>
+            <a:r>
+              <a:t> |-- cmp_bm: integer (nullable = true)</a:t>
+            </a:r>
+          </a:p>
+          <a:p>
+            <a:pPr defTabSz="457200">
+              <a:lnSpc>
+                <a:spcPts val="3000"/>
+              </a:lnSpc>
+              <a:defRPr sz="1200">
+                <a:solidFill>
+                  <a:srgbClr val="212121"/>
+                </a:solidFill>
+                <a:latin typeface="Monaco"/>
+                <a:ea typeface="Monaco"/>
+                <a:cs typeface="Monaco"/>
+                <a:sym typeface="Monaco"/>
+              </a:defRPr>
+            </a:pPr>
+            <a:r>
+              <a:t> |-- cmp_by: integer (nullable = true)</a:t>
+            </a:r>
+          </a:p>
+          <a:p>
+            <a:pPr defTabSz="457200">
+              <a:lnSpc>
+                <a:spcPts val="3000"/>
+              </a:lnSpc>
+              <a:defRPr sz="1200">
+                <a:solidFill>
+                  <a:srgbClr val="212121"/>
+                </a:solidFill>
+                <a:latin typeface="Monaco"/>
+                <a:ea typeface="Monaco"/>
+                <a:cs typeface="Monaco"/>
+                <a:sym typeface="Monaco"/>
+              </a:defRPr>
+            </a:pPr>
+            <a:r>
+              <a:t> |-- cmp_plz: integer (nullable = true)</a:t>
+            </a:r>
+          </a:p>
+          <a:p>
+            <a:pPr defTabSz="457200">
+              <a:lnSpc>
+                <a:spcPts val="3000"/>
+              </a:lnSpc>
+              <a:defRPr sz="1200">
+                <a:solidFill>
+                  <a:srgbClr val="212121"/>
+                </a:solidFill>
+                <a:latin typeface="Monaco"/>
+                <a:ea typeface="Monaco"/>
+                <a:cs typeface="Monaco"/>
+                <a:sym typeface="Monaco"/>
+              </a:defRPr>
+            </a:pPr>
+            <a:r>
+              <a:t> |-- is_match: boolean (nullable = true)</a:t>
+            </a:r>
+          </a:p>
+        </p:txBody>
+      </p:sp>
+      <p:sp>
+        <p:nvSpPr>
+          <p:cNvPr id="233" name="The inferred…"/>
+          <p:cNvSpPr txBox="1"/>
+          <p:nvPr/>
+        </p:nvSpPr>
+        <p:spPr>
+          <a:xfrm>
+            <a:off x="450730" y="3803611"/>
+            <a:ext cx="1526417" cy="929641"/>
+          </a:xfrm>
+          <a:prstGeom prst="rect">
+            <a:avLst/>
+          </a:prstGeom>
+          <a:ln w="12700">
+            <a:miter lim="400000"/>
+          </a:ln>
+          <a:extLst>
+            <a:ext uri="{C572A759-6A51-4108-AA02-DFA0A04FC94B}">
+              <ma14:wrappingTextBoxFlag xmlns:ma14="http://schemas.microsoft.com/office/mac/drawingml/2011/main" val="1"/>
+            </a:ext>
+          </a:extLst>
+        </p:spPr>
+        <p:txBody>
+          <a:bodyPr wrap="none" lIns="45719" rIns="45719">
+            <a:spAutoFit/>
+          </a:bodyPr>
+          <a:lstStyle/>
+          <a:p>
+            <a:pPr/>
+            <a:r>
+              <a:t>The inferred </a:t>
+            </a:r>
+          </a:p>
+          <a:p>
+            <a:pPr/>
+            <a:r>
+              <a:t>data structure:</a:t>
+            </a:r>
+          </a:p>
+        </p:txBody>
+      </p:sp>
+    </p:spTree>
+  </p:cSld>
+  <p:clrMapOvr>
+    <a:masterClrMapping/>
+  </p:clrMapOvr>
+  <p:transition xmlns:p14="http://schemas.microsoft.com/office/powerpoint/2010/main" spd="med" advClick="1"/>
+</p:sld>
+</file>
+
+<file path=ppt/slides/slide17.xml><?xml version="1.0" encoding="utf-8"?>
+<p:sld xmlns:a="http://schemas.openxmlformats.org/drawingml/2006/main" xmlns:r="http://schemas.openxmlformats.org/officeDocument/2006/relationships" xmlns:p="http://schemas.openxmlformats.org/presentationml/2006/main" showMasterSp="1" showMasterPhAnim="1">
+  <p:cSld>
+    <p:spTree>
+      <p:nvGrpSpPr>
+        <p:cNvPr id="1" name=""/>
+        <p:cNvGrpSpPr/>
+        <p:nvPr/>
+      </p:nvGrpSpPr>
+      <p:grpSpPr>
+        <a:xfrm>
+          <a:off x="0" y="0"/>
+          <a:ext cx="0" cy="0"/>
+          <a:chOff x="0" y="0"/>
+          <a:chExt cx="0" cy="0"/>
+        </a:xfrm>
+      </p:grpSpPr>
+      <p:sp>
+        <p:nvSpPr>
+          <p:cNvPr id="237" name="Count the matches in the data"/>
+          <p:cNvSpPr txBox="1"/>
+          <p:nvPr>
+            <p:ph type="title"/>
+          </p:nvPr>
+        </p:nvSpPr>
+        <p:spPr>
+          <a:prstGeom prst="rect">
+            <a:avLst/>
+          </a:prstGeom>
+        </p:spPr>
+        <p:txBody>
+          <a:bodyPr/>
+          <a:lstStyle/>
+          <a:p>
+            <a:pPr/>
+            <a:r>
+              <a:t>Count the matches in the data</a:t>
+            </a:r>
+          </a:p>
+        </p:txBody>
+      </p:sp>
+      <p:sp>
+        <p:nvSpPr>
+          <p:cNvPr id="238" name="parsed.count()…"/>
+          <p:cNvSpPr txBox="1"/>
+          <p:nvPr/>
+        </p:nvSpPr>
+        <p:spPr>
+          <a:xfrm>
+            <a:off x="1254957" y="1652443"/>
+            <a:ext cx="6634086" cy="1209041"/>
+          </a:xfrm>
+          <a:prstGeom prst="rect">
+            <a:avLst/>
+          </a:prstGeom>
+          <a:ln w="12700">
+            <a:miter lim="400000"/>
+          </a:ln>
+          <a:extLst>
+            <a:ext uri="{C572A759-6A51-4108-AA02-DFA0A04FC94B}">
+              <ma14:wrappingTextBoxFlag xmlns:ma14="http://schemas.microsoft.com/office/mac/drawingml/2011/main" val="1"/>
+            </a:ext>
+          </a:extLst>
+        </p:spPr>
+        <p:txBody>
+          <a:bodyPr wrap="none" lIns="45719" rIns="45719">
+            <a:spAutoFit/>
+          </a:bodyPr>
+          <a:lstStyle/>
+          <a:p>
+            <a:pPr/>
+            <a:r>
+              <a:t>    parsed.count()</a:t>
+            </a:r>
+          </a:p>
+          <a:p>
+            <a:pPr/>
+            <a:r>
+              <a:t>    parsed.cache()</a:t>
+            </a:r>
+          </a:p>
+          <a:p>
+            <a:pPr/>
+            <a:r>
+              <a:t>    parsed.groupBy("is_match").count().orderBy($"count".desc).show()</a:t>
+            </a:r>
+          </a:p>
+        </p:txBody>
+      </p:sp>
+      <p:sp>
+        <p:nvSpPr>
+          <p:cNvPr id="239" name="res28: Long = 5749132…"/>
+          <p:cNvSpPr txBox="1"/>
+          <p:nvPr/>
+        </p:nvSpPr>
+        <p:spPr>
+          <a:xfrm>
+            <a:off x="1908352" y="3096288"/>
+            <a:ext cx="5865799" cy="1907516"/>
+          </a:xfrm>
+          <a:prstGeom prst="rect">
+            <a:avLst/>
+          </a:prstGeom>
+          <a:ln w="12700">
+            <a:miter lim="400000"/>
+          </a:ln>
+          <a:extLst>
+            <a:ext uri="{C572A759-6A51-4108-AA02-DFA0A04FC94B}">
+              <ma14:wrappingTextBoxFlag xmlns:ma14="http://schemas.microsoft.com/office/mac/drawingml/2011/main" val="1"/>
+            </a:ext>
+          </a:extLst>
+        </p:spPr>
+        <p:txBody>
+          <a:bodyPr wrap="none" lIns="45719" rIns="45719">
+            <a:spAutoFit/>
+          </a:bodyPr>
+          <a:lstStyle/>
+          <a:p>
+            <a:pPr defTabSz="457200">
+              <a:lnSpc>
+                <a:spcPts val="3000"/>
+              </a:lnSpc>
+              <a:defRPr sz="1200">
+                <a:solidFill>
+                  <a:srgbClr val="212121"/>
+                </a:solidFill>
+                <a:latin typeface="Monaco"/>
+                <a:ea typeface="Monaco"/>
+                <a:cs typeface="Monaco"/>
+                <a:sym typeface="Monaco"/>
+              </a:defRPr>
+            </a:pPr>
+            <a:r>
+              <a:t>res28: Long = 5749132</a:t>
+            </a:r>
+          </a:p>
+          <a:p>
+            <a:pPr defTabSz="457200">
+              <a:lnSpc>
+                <a:spcPts val="3000"/>
+              </a:lnSpc>
+              <a:defRPr sz="1200">
+                <a:solidFill>
+                  <a:srgbClr val="212121"/>
+                </a:solidFill>
+                <a:latin typeface="Monaco"/>
+                <a:ea typeface="Monaco"/>
+                <a:cs typeface="Monaco"/>
+                <a:sym typeface="Monaco"/>
+              </a:defRPr>
+            </a:pPr>
+            <a:r>
+              <a:t>res29: parsed.type = [id_1: int, id_2: int ... 10 more fields]</a:t>
+            </a:r>
+          </a:p>
+          <a:p>
+            <a:pPr defTabSz="457200">
+              <a:lnSpc>
+                <a:spcPts val="3000"/>
+              </a:lnSpc>
+              <a:defRPr sz="1200">
+                <a:solidFill>
+                  <a:srgbClr val="212121"/>
+                </a:solidFill>
+                <a:latin typeface="Monaco"/>
+                <a:ea typeface="Monaco"/>
+                <a:cs typeface="Monaco"/>
+                <a:sym typeface="Monaco"/>
+              </a:defRPr>
+            </a:pPr>
+            <a:r>
+              <a:t>+--------+-------+</a:t>
+            </a:r>
+          </a:p>
+          <a:p>
+            <a:pPr defTabSz="457200">
+              <a:lnSpc>
+                <a:spcPts val="3000"/>
+              </a:lnSpc>
+              <a:defRPr sz="1200">
+                <a:solidFill>
+                  <a:srgbClr val="212121"/>
+                </a:solidFill>
+                <a:latin typeface="Monaco"/>
+                <a:ea typeface="Monaco"/>
+                <a:cs typeface="Monaco"/>
+                <a:sym typeface="Monaco"/>
+              </a:defRPr>
+            </a:pPr>
+            <a:r>
+              <a:t>|is_match|  count|</a:t>
+            </a:r>
+          </a:p>
+          <a:p>
+            <a:pPr defTabSz="457200">
+              <a:lnSpc>
+                <a:spcPts val="3000"/>
+              </a:lnSpc>
+              <a:defRPr sz="1200">
+                <a:solidFill>
+                  <a:srgbClr val="212121"/>
+                </a:solidFill>
+                <a:latin typeface="Monaco"/>
+                <a:ea typeface="Monaco"/>
+                <a:cs typeface="Monaco"/>
+                <a:sym typeface="Monaco"/>
+              </a:defRPr>
+            </a:pPr>
+            <a:r>
+              <a:t>+--------+-------+</a:t>
+            </a:r>
+          </a:p>
+          <a:p>
+            <a:pPr defTabSz="457200">
+              <a:lnSpc>
+                <a:spcPts val="3000"/>
+              </a:lnSpc>
+              <a:defRPr sz="1200">
+                <a:solidFill>
+                  <a:srgbClr val="212121"/>
+                </a:solidFill>
+                <a:latin typeface="Monaco"/>
+                <a:ea typeface="Monaco"/>
+                <a:cs typeface="Monaco"/>
+                <a:sym typeface="Monaco"/>
+              </a:defRPr>
+            </a:pPr>
+            <a:r>
+              <a:t>|   false|5728201|</a:t>
+            </a:r>
+          </a:p>
+          <a:p>
+            <a:pPr defTabSz="457200">
+              <a:lnSpc>
+                <a:spcPts val="3000"/>
+              </a:lnSpc>
+              <a:defRPr sz="1200">
+                <a:solidFill>
+                  <a:srgbClr val="212121"/>
+                </a:solidFill>
+                <a:latin typeface="Monaco"/>
+                <a:ea typeface="Monaco"/>
+                <a:cs typeface="Monaco"/>
+                <a:sym typeface="Monaco"/>
+              </a:defRPr>
+            </a:pPr>
+            <a:r>
+              <a:t>|    true|  20931|</a:t>
+            </a:r>
+          </a:p>
+          <a:p>
+            <a:pPr defTabSz="457200">
+              <a:lnSpc>
+                <a:spcPts val="3000"/>
+              </a:lnSpc>
+              <a:defRPr sz="1200">
+                <a:solidFill>
+                  <a:srgbClr val="212121"/>
+                </a:solidFill>
+                <a:latin typeface="Monaco"/>
+                <a:ea typeface="Monaco"/>
+                <a:cs typeface="Monaco"/>
+                <a:sym typeface="Monaco"/>
+              </a:defRPr>
+            </a:pPr>
+            <a:r>
+              <a:t>+--------+-------+</a:t>
+            </a:r>
+          </a:p>
+        </p:txBody>
+      </p:sp>
+    </p:spTree>
+  </p:cSld>
+  <p:clrMapOvr>
+    <a:masterClrMapping/>
+  </p:clrMapOvr>
+  <p:transition xmlns:p14="http://schemas.microsoft.com/office/powerpoint/2010/main" spd="med" advClick="1"/>
+</p:sld>
+</file>
+
+<file path=ppt/slides/slide18.xml><?xml version="1.0" encoding="utf-8"?>
+<p:sld xmlns:a="http://schemas.openxmlformats.org/drawingml/2006/main" xmlns:r="http://schemas.openxmlformats.org/officeDocument/2006/relationships" xmlns:p="http://schemas.openxmlformats.org/presentationml/2006/main" showMasterSp="1" showMasterPhAnim="1">
+  <p:cSld>
+    <p:spTree>
+      <p:nvGrpSpPr>
+        <p:cNvPr id="1" name=""/>
+        <p:cNvGrpSpPr/>
+        <p:nvPr/>
+      </p:nvGrpSpPr>
+      <p:grpSpPr>
+        <a:xfrm>
+          <a:off x="0" y="0"/>
+          <a:ext cx="0" cy="0"/>
+          <a:chOff x="0" y="0"/>
+          <a:chExt cx="0" cy="0"/>
+        </a:xfrm>
+      </p:grpSpPr>
+      <p:sp>
+        <p:nvSpPr>
+          <p:cNvPr id="243" name="Can do it with SQL"/>
+          <p:cNvSpPr txBox="1"/>
+          <p:nvPr>
+            <p:ph type="title"/>
+          </p:nvPr>
+        </p:nvSpPr>
+        <p:spPr>
+          <a:prstGeom prst="rect">
+            <a:avLst/>
+          </a:prstGeom>
+        </p:spPr>
+        <p:txBody>
+          <a:bodyPr/>
+          <a:lstStyle/>
+          <a:p>
+            <a:pPr/>
+            <a:r>
+              <a:t>Can do it with SQL</a:t>
+            </a:r>
+          </a:p>
+        </p:txBody>
+      </p:sp>
+      <p:sp>
+        <p:nvSpPr>
+          <p:cNvPr id="244" name="parsed.createOrReplaceTempView(&quot;linkage&quot;)…"/>
+          <p:cNvSpPr txBox="1"/>
+          <p:nvPr/>
+        </p:nvSpPr>
+        <p:spPr>
+          <a:xfrm>
+            <a:off x="2306874" y="1518433"/>
+            <a:ext cx="4530252" cy="2047241"/>
+          </a:xfrm>
+          <a:prstGeom prst="rect">
+            <a:avLst/>
+          </a:prstGeom>
+          <a:ln w="12700">
+            <a:miter lim="400000"/>
+          </a:ln>
+          <a:extLst>
+            <a:ext uri="{C572A759-6A51-4108-AA02-DFA0A04FC94B}">
+              <ma14:wrappingTextBoxFlag xmlns:ma14="http://schemas.microsoft.com/office/mac/drawingml/2011/main" val="1"/>
+            </a:ext>
+          </a:extLst>
+        </p:spPr>
+        <p:txBody>
+          <a:bodyPr wrap="none" lIns="45719" rIns="45719">
+            <a:spAutoFit/>
+          </a:bodyPr>
+          <a:lstStyle/>
+          <a:p>
+            <a:pPr/>
+            <a:r>
+              <a:t>    parsed.createOrReplaceTempView("linkage")</a:t>
+            </a:r>
+          </a:p>
+          <a:p>
+            <a:pPr/>
+            <a:r>
+              <a:t>    spark.sql("""</a:t>
+            </a:r>
+          </a:p>
+          <a:p>
+            <a:pPr/>
+            <a:r>
+              <a:t>      SELECT is_match, COUNT(*) cnt</a:t>
+            </a:r>
+          </a:p>
+          <a:p>
+            <a:pPr/>
+            <a:r>
+              <a:t>      FROM linkage</a:t>
+            </a:r>
+          </a:p>
+          <a:p>
+            <a:pPr/>
+            <a:r>
+              <a:t>      GROUP BY is_match</a:t>
+            </a:r>
+          </a:p>
+          <a:p>
+            <a:pPr/>
+            <a:r>
+              <a:t>      ORDER BY cnt DESC</a:t>
+            </a:r>
+          </a:p>
+          <a:p>
+            <a:pPr/>
+            <a:r>
+              <a:t>    """).show()</a:t>
+            </a:r>
+          </a:p>
+        </p:txBody>
+      </p:sp>
+      <p:sp>
+        <p:nvSpPr>
+          <p:cNvPr id="245" name="+--------+-------+…"/>
+          <p:cNvSpPr txBox="1"/>
+          <p:nvPr/>
+        </p:nvSpPr>
+        <p:spPr>
+          <a:xfrm>
+            <a:off x="3651108" y="3993024"/>
+            <a:ext cx="1841784" cy="1501116"/>
+          </a:xfrm>
+          <a:prstGeom prst="rect">
+            <a:avLst/>
+          </a:prstGeom>
+          <a:ln w="12700">
+            <a:miter lim="400000"/>
+          </a:ln>
+          <a:extLst>
+            <a:ext uri="{C572A759-6A51-4108-AA02-DFA0A04FC94B}">
+              <ma14:wrappingTextBoxFlag xmlns:ma14="http://schemas.microsoft.com/office/mac/drawingml/2011/main" val="1"/>
+            </a:ext>
+          </a:extLst>
+        </p:spPr>
+        <p:txBody>
+          <a:bodyPr wrap="none" lIns="45719" rIns="45719">
+            <a:spAutoFit/>
+          </a:bodyPr>
+          <a:lstStyle/>
+          <a:p>
+            <a:pPr defTabSz="457200">
+              <a:lnSpc>
+                <a:spcPts val="3000"/>
+              </a:lnSpc>
+              <a:defRPr sz="1200">
+                <a:solidFill>
+                  <a:srgbClr val="212121"/>
+                </a:solidFill>
+                <a:latin typeface="Monaco"/>
+                <a:ea typeface="Monaco"/>
+                <a:cs typeface="Monaco"/>
+                <a:sym typeface="Monaco"/>
+              </a:defRPr>
+            </a:pPr>
+            <a:r>
+              <a:t>+--------+-------+</a:t>
+            </a:r>
+          </a:p>
+          <a:p>
+            <a:pPr defTabSz="457200">
+              <a:lnSpc>
+                <a:spcPts val="3000"/>
+              </a:lnSpc>
+              <a:defRPr sz="1200">
+                <a:solidFill>
+                  <a:srgbClr val="212121"/>
+                </a:solidFill>
+                <a:latin typeface="Monaco"/>
+                <a:ea typeface="Monaco"/>
+                <a:cs typeface="Monaco"/>
+                <a:sym typeface="Monaco"/>
+              </a:defRPr>
+            </a:pPr>
+            <a:r>
+              <a:t>|is_match|    cnt|</a:t>
+            </a:r>
+          </a:p>
+          <a:p>
+            <a:pPr defTabSz="457200">
+              <a:lnSpc>
+                <a:spcPts val="3000"/>
+              </a:lnSpc>
+              <a:defRPr sz="1200">
+                <a:solidFill>
+                  <a:srgbClr val="212121"/>
+                </a:solidFill>
+                <a:latin typeface="Monaco"/>
+                <a:ea typeface="Monaco"/>
+                <a:cs typeface="Monaco"/>
+                <a:sym typeface="Monaco"/>
+              </a:defRPr>
+            </a:pPr>
+            <a:r>
+              <a:t>+--------+-------+</a:t>
+            </a:r>
+          </a:p>
+          <a:p>
+            <a:pPr defTabSz="457200">
+              <a:lnSpc>
+                <a:spcPts val="3000"/>
+              </a:lnSpc>
+              <a:defRPr sz="1200">
+                <a:solidFill>
+                  <a:srgbClr val="212121"/>
+                </a:solidFill>
+                <a:latin typeface="Monaco"/>
+                <a:ea typeface="Monaco"/>
+                <a:cs typeface="Monaco"/>
+                <a:sym typeface="Monaco"/>
+              </a:defRPr>
+            </a:pPr>
+            <a:r>
+              <a:t>|   false|5728201|</a:t>
+            </a:r>
+          </a:p>
+          <a:p>
+            <a:pPr defTabSz="457200">
+              <a:lnSpc>
+                <a:spcPts val="3000"/>
+              </a:lnSpc>
+              <a:defRPr sz="1200">
+                <a:solidFill>
+                  <a:srgbClr val="212121"/>
+                </a:solidFill>
+                <a:latin typeface="Monaco"/>
+                <a:ea typeface="Monaco"/>
+                <a:cs typeface="Monaco"/>
+                <a:sym typeface="Monaco"/>
+              </a:defRPr>
+            </a:pPr>
+            <a:r>
+              <a:t>|    true|  20931|</a:t>
+            </a:r>
+          </a:p>
+          <a:p>
+            <a:pPr defTabSz="457200">
+              <a:lnSpc>
+                <a:spcPts val="3000"/>
+              </a:lnSpc>
+              <a:defRPr sz="1200">
+                <a:solidFill>
+                  <a:srgbClr val="212121"/>
+                </a:solidFill>
+                <a:latin typeface="Monaco"/>
+                <a:ea typeface="Monaco"/>
+                <a:cs typeface="Monaco"/>
+                <a:sym typeface="Monaco"/>
+              </a:defRPr>
+            </a:pPr>
+            <a:r>
+              <a:t>+--------+-------+</a:t>
+            </a:r>
+          </a:p>
+        </p:txBody>
+      </p:sp>
+    </p:spTree>
+  </p:cSld>
+  <p:clrMapOvr>
+    <a:masterClrMapping/>
+  </p:clrMapOvr>
+  <p:transition xmlns:p14="http://schemas.microsoft.com/office/powerpoint/2010/main" spd="med" advClick="1"/>
+</p:sld>
+</file>
+
+<file path=ppt/slides/slide19.xml><?xml version="1.0" encoding="utf-8"?>
+<p:sld xmlns:a="http://schemas.openxmlformats.org/drawingml/2006/main" xmlns:r="http://schemas.openxmlformats.org/officeDocument/2006/relationships" xmlns:p="http://schemas.openxmlformats.org/presentationml/2006/main" showMasterSp="1" showMasterPhAnim="1">
+  <p:cSld>
+    <p:spTree>
+      <p:nvGrpSpPr>
+        <p:cNvPr id="1" name=""/>
+        <p:cNvGrpSpPr/>
+        <p:nvPr/>
+      </p:nvGrpSpPr>
+      <p:grpSpPr>
+        <a:xfrm>
+          <a:off x="0" y="0"/>
+          <a:ext cx="0" cy="0"/>
+          <a:chOff x="0" y="0"/>
+          <a:chExt cx="0" cy="0"/>
+        </a:xfrm>
+      </p:grpSpPr>
+      <p:sp>
+        <p:nvSpPr>
+          <p:cNvPr id="249" name="Get description"/>
+          <p:cNvSpPr txBox="1"/>
+          <p:nvPr>
+            <p:ph type="title"/>
+          </p:nvPr>
+        </p:nvSpPr>
+        <p:spPr>
+          <a:prstGeom prst="rect">
+            <a:avLst/>
+          </a:prstGeom>
+        </p:spPr>
+        <p:txBody>
+          <a:bodyPr/>
+          <a:lstStyle/>
+          <a:p>
+            <a:pPr/>
+            <a:r>
+              <a:t>Get description</a:t>
+            </a:r>
+          </a:p>
+        </p:txBody>
+      </p:sp>
+      <p:sp>
+        <p:nvSpPr>
+          <p:cNvPr id="250" name="val summary = parsed.describe()…"/>
+          <p:cNvSpPr txBox="1"/>
+          <p:nvPr/>
+        </p:nvSpPr>
+        <p:spPr>
+          <a:xfrm>
+            <a:off x="996833" y="1525736"/>
+            <a:ext cx="7150334" cy="1209041"/>
+          </a:xfrm>
+          <a:prstGeom prst="rect">
+            <a:avLst/>
+          </a:prstGeom>
+          <a:ln w="12700">
+            <a:miter lim="400000"/>
+          </a:ln>
+          <a:extLst>
+            <a:ext uri="{C572A759-6A51-4108-AA02-DFA0A04FC94B}">
+              <ma14:wrappingTextBoxFlag xmlns:ma14="http://schemas.microsoft.com/office/mac/drawingml/2011/main" val="1"/>
+            </a:ext>
+          </a:extLst>
+        </p:spPr>
+        <p:txBody>
+          <a:bodyPr wrap="none" lIns="45719" rIns="45719">
+            <a:spAutoFit/>
+          </a:bodyPr>
+          <a:lstStyle/>
+          <a:p>
+            <a:pPr/>
+            <a:r>
+              <a:t>    val summary = parsed.describe()</a:t>
+            </a:r>
+          </a:p>
+          <a:p>
+            <a:pPr/>
+            <a:r>
+              <a:t>    summary.show()</a:t>
+            </a:r>
+          </a:p>
+          <a:p>
+            <a:pPr/>
+            <a:r>
+              <a:t>    summary.select("summary", "cmp_fname_c1", "cmp_fname_c2").show()</a:t>
+            </a:r>
+          </a:p>
+        </p:txBody>
+      </p:sp>
+      <p:sp>
+        <p:nvSpPr>
+          <p:cNvPr id="251" name="summary: org.apache.spark.sql.DataFrame = [summary: string, id_1: string ... 10 more fields]…"/>
+          <p:cNvSpPr txBox="1"/>
+          <p:nvPr/>
+        </p:nvSpPr>
+        <p:spPr>
+          <a:xfrm>
+            <a:off x="847723" y="2495656"/>
+            <a:ext cx="21356031" cy="4345916"/>
+          </a:xfrm>
+          <a:prstGeom prst="rect">
+            <a:avLst/>
+          </a:prstGeom>
+          <a:ln w="12700">
+            <a:miter lim="400000"/>
+          </a:ln>
+          <a:extLst>
+            <a:ext uri="{C572A759-6A51-4108-AA02-DFA0A04FC94B}">
+              <ma14:wrappingTextBoxFlag xmlns:ma14="http://schemas.microsoft.com/office/mac/drawingml/2011/main" val="1"/>
+            </a:ext>
+          </a:extLst>
+        </p:spPr>
+        <p:txBody>
+          <a:bodyPr lIns="45719" rIns="45719">
+            <a:spAutoFit/>
+          </a:bodyPr>
+          <a:lstStyle/>
+          <a:p>
+            <a:pPr defTabSz="457200">
+              <a:lnSpc>
+                <a:spcPts val="3000"/>
+              </a:lnSpc>
+              <a:defRPr sz="1200">
+                <a:solidFill>
+                  <a:srgbClr val="212121"/>
+                </a:solidFill>
+                <a:latin typeface="Monaco"/>
+                <a:ea typeface="Monaco"/>
+                <a:cs typeface="Monaco"/>
+                <a:sym typeface="Monaco"/>
+              </a:defRPr>
+            </a:pPr>
+            <a:r>
+              <a:t>summary: org.apache.spark.sql.DataFrame = [summary: string, id_1: string ... 10 more fields]</a:t>
+            </a:r>
+          </a:p>
+          <a:p>
+            <a:pPr defTabSz="457200">
+              <a:lnSpc>
+                <a:spcPts val="3000"/>
+              </a:lnSpc>
+              <a:defRPr sz="1200">
+                <a:solidFill>
+                  <a:srgbClr val="212121"/>
+                </a:solidFill>
+                <a:latin typeface="Monaco"/>
+                <a:ea typeface="Monaco"/>
+                <a:cs typeface="Monaco"/>
+                <a:sym typeface="Monaco"/>
+              </a:defRPr>
+            </a:pPr>
+            <a:r>
+              <a:t>+-------+------------------+------------------+------------------+------------------+------------------+-------------------+------------------+-------------------+-------------------+-------------------+-------------------+</a:t>
+            </a:r>
+          </a:p>
+          <a:p>
+            <a:pPr defTabSz="457200">
+              <a:lnSpc>
+                <a:spcPts val="3000"/>
+              </a:lnSpc>
+              <a:defRPr sz="1200">
+                <a:solidFill>
+                  <a:srgbClr val="212121"/>
+                </a:solidFill>
+                <a:latin typeface="Monaco"/>
+                <a:ea typeface="Monaco"/>
+                <a:cs typeface="Monaco"/>
+                <a:sym typeface="Monaco"/>
+              </a:defRPr>
+            </a:pPr>
+            <a:r>
+              <a:t>|summary|              id_1|              id_2|      cmp_fname_c1|      cmp_fname_c2|      cmp_lname_c1|       cmp_lname_c2|           cmp_sex|             cmp_bd|             cmp_bm|             cmp_by|            cmp_plz|</a:t>
+            </a:r>
+          </a:p>
+          <a:p>
+            <a:pPr defTabSz="457200">
+              <a:lnSpc>
+                <a:spcPts val="3000"/>
+              </a:lnSpc>
+              <a:defRPr sz="1200">
+                <a:solidFill>
+                  <a:srgbClr val="212121"/>
+                </a:solidFill>
+                <a:latin typeface="Monaco"/>
+                <a:ea typeface="Monaco"/>
+                <a:cs typeface="Monaco"/>
+                <a:sym typeface="Monaco"/>
+              </a:defRPr>
+            </a:pPr>
+            <a:r>
+              <a:t>+-------+------------------+------------------+------------------+------------------+------------------+-------------------+------------------+-------------------+-------------------+-------------------+-------------------+</a:t>
+            </a:r>
+          </a:p>
+          <a:p>
+            <a:pPr defTabSz="457200">
+              <a:lnSpc>
+                <a:spcPts val="3000"/>
+              </a:lnSpc>
+              <a:defRPr sz="1200">
+                <a:solidFill>
+                  <a:srgbClr val="212121"/>
+                </a:solidFill>
+                <a:latin typeface="Monaco"/>
+                <a:ea typeface="Monaco"/>
+                <a:cs typeface="Monaco"/>
+                <a:sym typeface="Monaco"/>
+              </a:defRPr>
+            </a:pPr>
+            <a:r>
+              <a:t>|  count|           5749132|           5749132|           5748125|            103698|           5749132|               2464|           5749132|            5748337|            5748337|            5748337|            5736289|</a:t>
+            </a:r>
+          </a:p>
+          <a:p>
+            <a:pPr defTabSz="457200">
+              <a:lnSpc>
+                <a:spcPts val="3000"/>
+              </a:lnSpc>
+              <a:defRPr sz="1200">
+                <a:solidFill>
+                  <a:srgbClr val="212121"/>
+                </a:solidFill>
+                <a:latin typeface="Monaco"/>
+                <a:ea typeface="Monaco"/>
+                <a:cs typeface="Monaco"/>
+                <a:sym typeface="Monaco"/>
+              </a:defRPr>
+            </a:pPr>
+            <a:r>
+              <a:t>|   mean| 33324.48559643438| 66587.43558331935|0.7129024704436274|0.9000176718903216|0.3156278193084133|0.31841283153174377| 0.955001381078048|0.22446526708507172|0.48885529849763504| 0.2227485966810923|0.00552866147434343|</a:t>
+            </a:r>
+          </a:p>
+          <a:p>
+            <a:pPr defTabSz="457200">
+              <a:lnSpc>
+                <a:spcPts val="3000"/>
+              </a:lnSpc>
+              <a:defRPr sz="1200">
+                <a:solidFill>
+                  <a:srgbClr val="212121"/>
+                </a:solidFill>
+                <a:latin typeface="Monaco"/>
+                <a:ea typeface="Monaco"/>
+                <a:cs typeface="Monaco"/>
+                <a:sym typeface="Monaco"/>
+              </a:defRPr>
+            </a:pPr>
+            <a:r>
+              <a:t>| stddev|23659.859374488213|23620.487613269885|0.3887583596162788|0.2713176105782331|0.3342336339615816|0.36856706620066537|0.2073011111689795| 0.4172297223846255| 0.4998758236779038|0.41609096298317344|0.07414914925420066|</a:t>
+            </a:r>
+          </a:p>
+          <a:p>
+            <a:pPr defTabSz="457200">
+              <a:lnSpc>
+                <a:spcPts val="3000"/>
+              </a:lnSpc>
+              <a:defRPr sz="1200">
+                <a:solidFill>
+                  <a:srgbClr val="212121"/>
+                </a:solidFill>
+                <a:latin typeface="Monaco"/>
+                <a:ea typeface="Monaco"/>
+                <a:cs typeface="Monaco"/>
+                <a:sym typeface="Monaco"/>
+              </a:defRPr>
+            </a:pPr>
+            <a:r>
+              <a:t>|    min|                 1|                 6|               0.0|               0.0|               0.0|                0.0|                 0|                  0|                  0|                  0|                  0|</a:t>
+            </a:r>
+          </a:p>
+          <a:p>
+            <a:pPr defTabSz="457200">
+              <a:lnSpc>
+                <a:spcPts val="3000"/>
+              </a:lnSpc>
+              <a:defRPr sz="1200">
+                <a:solidFill>
+                  <a:srgbClr val="212121"/>
+                </a:solidFill>
+                <a:latin typeface="Monaco"/>
+                <a:ea typeface="Monaco"/>
+                <a:cs typeface="Monaco"/>
+                <a:sym typeface="Monaco"/>
+              </a:defRPr>
+            </a:pPr>
+            <a:r>
+              <a:t>|    max|             99980|            100000|               1.0|               1.0|               1.0|                1.0|                 1|                  1|                  1|                  1|                  1|</a:t>
+            </a:r>
+          </a:p>
+          <a:p>
+            <a:pPr defTabSz="457200">
+              <a:lnSpc>
+                <a:spcPts val="3000"/>
+              </a:lnSpc>
+              <a:defRPr sz="1200">
+                <a:solidFill>
+                  <a:srgbClr val="212121"/>
+                </a:solidFill>
+                <a:latin typeface="Monaco"/>
+                <a:ea typeface="Monaco"/>
+                <a:cs typeface="Monaco"/>
+                <a:sym typeface="Monaco"/>
+              </a:defRPr>
+            </a:pPr>
+            <a:r>
+              <a:t>+-------+------------------+------------------+------------------+------------------+------------------+-------------------+------------------+-------------------+-------------------+-------------------+-------------------+</a:t>
+            </a:r>
+          </a:p>
+          <a:p>
+            <a:pPr defTabSz="457200">
+              <a:lnSpc>
+                <a:spcPts val="3000"/>
+              </a:lnSpc>
+              <a:defRPr sz="1200">
+                <a:solidFill>
+                  <a:srgbClr val="212121"/>
+                </a:solidFill>
+                <a:latin typeface="Monaco"/>
+                <a:ea typeface="Monaco"/>
+                <a:cs typeface="Monaco"/>
+                <a:sym typeface="Monaco"/>
+              </a:defRPr>
+            </a:pPr>
+          </a:p>
+          <a:p>
+            <a:pPr defTabSz="457200">
+              <a:lnSpc>
+                <a:spcPts val="3000"/>
+              </a:lnSpc>
+              <a:defRPr sz="1200">
+                <a:solidFill>
+                  <a:srgbClr val="212121"/>
+                </a:solidFill>
+                <a:latin typeface="Monaco"/>
+                <a:ea typeface="Monaco"/>
+                <a:cs typeface="Monaco"/>
+                <a:sym typeface="Monaco"/>
+              </a:defRPr>
+            </a:pPr>
+            <a:r>
+              <a:t>+-------+------------------+------------------+</a:t>
+            </a:r>
+          </a:p>
+          <a:p>
+            <a:pPr defTabSz="457200">
+              <a:lnSpc>
+                <a:spcPts val="3000"/>
+              </a:lnSpc>
+              <a:defRPr sz="1200">
+                <a:solidFill>
+                  <a:srgbClr val="212121"/>
+                </a:solidFill>
+                <a:latin typeface="Monaco"/>
+                <a:ea typeface="Monaco"/>
+                <a:cs typeface="Monaco"/>
+                <a:sym typeface="Monaco"/>
+              </a:defRPr>
+            </a:pPr>
+            <a:r>
+              <a:t>|summary|      cmp_fname_c1|      cmp_fname_c2|</a:t>
+            </a:r>
+          </a:p>
+          <a:p>
+            <a:pPr defTabSz="457200">
+              <a:lnSpc>
+                <a:spcPts val="3000"/>
+              </a:lnSpc>
+              <a:defRPr sz="1200">
+                <a:solidFill>
+                  <a:srgbClr val="212121"/>
+                </a:solidFill>
+                <a:latin typeface="Monaco"/>
+                <a:ea typeface="Monaco"/>
+                <a:cs typeface="Monaco"/>
+                <a:sym typeface="Monaco"/>
+              </a:defRPr>
+            </a:pPr>
+            <a:r>
+              <a:t>+-------+------------------+------------------+</a:t>
+            </a:r>
+          </a:p>
+          <a:p>
+            <a:pPr defTabSz="457200">
+              <a:lnSpc>
+                <a:spcPts val="3000"/>
+              </a:lnSpc>
+              <a:defRPr sz="1200">
+                <a:solidFill>
+                  <a:srgbClr val="212121"/>
+                </a:solidFill>
+                <a:latin typeface="Monaco"/>
+                <a:ea typeface="Monaco"/>
+                <a:cs typeface="Monaco"/>
+                <a:sym typeface="Monaco"/>
+              </a:defRPr>
+            </a:pPr>
+            <a:r>
+              <a:t>|  count|           5748125|            103698|</a:t>
+            </a:r>
+          </a:p>
+          <a:p>
+            <a:pPr defTabSz="457200">
+              <a:lnSpc>
+                <a:spcPts val="3000"/>
+              </a:lnSpc>
+              <a:defRPr sz="1200">
+                <a:solidFill>
+                  <a:srgbClr val="212121"/>
+                </a:solidFill>
+                <a:latin typeface="Monaco"/>
+                <a:ea typeface="Monaco"/>
+                <a:cs typeface="Monaco"/>
+                <a:sym typeface="Monaco"/>
+              </a:defRPr>
+            </a:pPr>
+            <a:r>
+              <a:t>|   mean|0.7129024704436274|0.9000176718903216|</a:t>
+            </a:r>
+          </a:p>
+          <a:p>
+            <a:pPr defTabSz="457200">
+              <a:lnSpc>
+                <a:spcPts val="3000"/>
+              </a:lnSpc>
+              <a:defRPr sz="1200">
+                <a:solidFill>
+                  <a:srgbClr val="212121"/>
+                </a:solidFill>
+                <a:latin typeface="Monaco"/>
+                <a:ea typeface="Monaco"/>
+                <a:cs typeface="Monaco"/>
+                <a:sym typeface="Monaco"/>
+              </a:defRPr>
+            </a:pPr>
+            <a:r>
+              <a:t>| stddev|0.3887583596162788|0.2713176105782331|</a:t>
+            </a:r>
+          </a:p>
+          <a:p>
+            <a:pPr defTabSz="457200">
+              <a:lnSpc>
+                <a:spcPts val="3000"/>
+              </a:lnSpc>
+              <a:defRPr sz="1200">
+                <a:solidFill>
+                  <a:srgbClr val="212121"/>
+                </a:solidFill>
+                <a:latin typeface="Monaco"/>
+                <a:ea typeface="Monaco"/>
+                <a:cs typeface="Monaco"/>
+                <a:sym typeface="Monaco"/>
+              </a:defRPr>
+            </a:pPr>
+            <a:r>
+              <a:t>|    min|               0.0|               0.0|</a:t>
+            </a:r>
+          </a:p>
+          <a:p>
+            <a:pPr defTabSz="457200">
+              <a:lnSpc>
+                <a:spcPts val="3000"/>
+              </a:lnSpc>
+              <a:defRPr sz="1200">
+                <a:solidFill>
+                  <a:srgbClr val="212121"/>
+                </a:solidFill>
+                <a:latin typeface="Monaco"/>
+                <a:ea typeface="Monaco"/>
+                <a:cs typeface="Monaco"/>
+                <a:sym typeface="Monaco"/>
+              </a:defRPr>
+            </a:pPr>
+            <a:r>
+              <a:t>|    max|               1.0|               1.0|</a:t>
+            </a:r>
+          </a:p>
+          <a:p>
+            <a:pPr defTabSz="457200">
+              <a:lnSpc>
+                <a:spcPts val="3000"/>
+              </a:lnSpc>
+              <a:defRPr sz="1200">
+                <a:solidFill>
+                  <a:srgbClr val="212121"/>
+                </a:solidFill>
+                <a:latin typeface="Monaco"/>
+                <a:ea typeface="Monaco"/>
+                <a:cs typeface="Monaco"/>
+                <a:sym typeface="Monaco"/>
+              </a:defRPr>
+            </a:pPr>
+            <a:r>
+              <a:t>+-------+------------------+------------------+</a:t>
             </a:r>
           </a:p>
         </p:txBody>
@@ -4274,6 +7840,1267 @@
             <a:pPr/>
             <a:r>
               <a:t>Basics of Big Data</a:t>
+            </a:r>
+          </a:p>
+        </p:txBody>
+      </p:sp>
+    </p:spTree>
+  </p:cSld>
+  <p:clrMapOvr>
+    <a:masterClrMapping/>
+  </p:clrMapOvr>
+  <p:transition xmlns:p14="http://schemas.microsoft.com/office/powerpoint/2010/main" spd="med" advClick="1"/>
+</p:sld>
+</file>
+
+<file path=ppt/slides/slide20.xml><?xml version="1.0" encoding="utf-8"?>
+<p:sld xmlns:a="http://schemas.openxmlformats.org/drawingml/2006/main" xmlns:r="http://schemas.openxmlformats.org/officeDocument/2006/relationships" xmlns:p="http://schemas.openxmlformats.org/presentationml/2006/main" showMasterSp="1" showMasterPhAnim="1">
+  <p:cSld>
+    <p:spTree>
+      <p:nvGrpSpPr>
+        <p:cNvPr id="1" name=""/>
+        <p:cNvGrpSpPr/>
+        <p:nvPr/>
+      </p:nvGrpSpPr>
+      <p:grpSpPr>
+        <a:xfrm>
+          <a:off x="0" y="0"/>
+          <a:ext cx="0" cy="0"/>
+          <a:chOff x="0" y="0"/>
+          <a:chExt cx="0" cy="0"/>
+        </a:xfrm>
+      </p:grpSpPr>
+      <p:sp>
+        <p:nvSpPr>
+          <p:cNvPr id="253" name="Define helper functions"/>
+          <p:cNvSpPr txBox="1"/>
+          <p:nvPr>
+            <p:ph type="title"/>
+          </p:nvPr>
+        </p:nvSpPr>
+        <p:spPr>
+          <a:prstGeom prst="rect">
+            <a:avLst/>
+          </a:prstGeom>
+        </p:spPr>
+        <p:txBody>
+          <a:bodyPr/>
+          <a:lstStyle/>
+          <a:p>
+            <a:pPr/>
+            <a:r>
+              <a:t>Define helper functions</a:t>
+            </a:r>
+          </a:p>
+        </p:txBody>
+      </p:sp>
+      <p:sp>
+        <p:nvSpPr>
+          <p:cNvPr id="254" name="def longForm(desc: DataFrame): DataFrame = {…"/>
+          <p:cNvSpPr txBox="1"/>
+          <p:nvPr/>
+        </p:nvSpPr>
+        <p:spPr>
+          <a:xfrm>
+            <a:off x="687475" y="1431938"/>
+            <a:ext cx="7769050" cy="2885441"/>
+          </a:xfrm>
+          <a:prstGeom prst="rect">
+            <a:avLst/>
+          </a:prstGeom>
+          <a:ln w="12700">
+            <a:miter lim="400000"/>
+          </a:ln>
+          <a:extLst>
+            <a:ext uri="{C572A759-6A51-4108-AA02-DFA0A04FC94B}">
+              <ma14:wrappingTextBoxFlag xmlns:ma14="http://schemas.microsoft.com/office/mac/drawingml/2011/main" val="1"/>
+            </a:ext>
+          </a:extLst>
+        </p:spPr>
+        <p:txBody>
+          <a:bodyPr wrap="none" lIns="45719" rIns="45719">
+            <a:spAutoFit/>
+          </a:bodyPr>
+          <a:lstStyle/>
+          <a:p>
+            <a:pPr/>
+            <a:r>
+              <a:t>  def longForm(desc: DataFrame): DataFrame = {</a:t>
+            </a:r>
+          </a:p>
+          <a:p>
+            <a:pPr/>
+            <a:r>
+              <a:t>    import desc.sparkSession.implicits._ // For toDF RDD -&gt; DataFrame conversion</a:t>
+            </a:r>
+          </a:p>
+          <a:p>
+            <a:pPr/>
+            <a:r>
+              <a:t>    val schema = desc.schema</a:t>
+            </a:r>
+          </a:p>
+          <a:p>
+            <a:pPr/>
+            <a:r>
+              <a:t>    desc.flatMap(row =&gt; {</a:t>
+            </a:r>
+          </a:p>
+          <a:p>
+            <a:pPr/>
+            <a:r>
+              <a:t>      val metric = row.getString(0)</a:t>
+            </a:r>
+          </a:p>
+          <a:p>
+            <a:pPr/>
+            <a:r>
+              <a:t>      (1 until row.size).map(i =&gt; (metric, schema(i).name, row.getString(i).toDouble))</a:t>
+            </a:r>
+          </a:p>
+          <a:p>
+            <a:pPr/>
+            <a:r>
+              <a:t>    })</a:t>
+            </a:r>
+          </a:p>
+          <a:p>
+            <a:pPr/>
+            <a:r>
+              <a:t>    .toDF("metric", "field", "value")</a:t>
+            </a:r>
+          </a:p>
+          <a:p>
+            <a:pPr/>
+            <a:r>
+              <a:t>  }</a:t>
+            </a:r>
+          </a:p>
+        </p:txBody>
+      </p:sp>
+    </p:spTree>
+  </p:cSld>
+  <p:clrMapOvr>
+    <a:masterClrMapping/>
+  </p:clrMapOvr>
+  <p:transition xmlns:p14="http://schemas.microsoft.com/office/powerpoint/2010/main" spd="med" advClick="1"/>
+</p:sld>
+</file>
+
+<file path=ppt/slides/slide21.xml><?xml version="1.0" encoding="utf-8"?>
+<p:sld xmlns:a="http://schemas.openxmlformats.org/drawingml/2006/main" xmlns:r="http://schemas.openxmlformats.org/officeDocument/2006/relationships" xmlns:p="http://schemas.openxmlformats.org/presentationml/2006/main" showMasterSp="1" showMasterPhAnim="1">
+  <p:cSld>
+    <p:spTree>
+      <p:nvGrpSpPr>
+        <p:cNvPr id="1" name=""/>
+        <p:cNvGrpSpPr/>
+        <p:nvPr/>
+      </p:nvGrpSpPr>
+      <p:grpSpPr>
+        <a:xfrm>
+          <a:off x="0" y="0"/>
+          <a:ext cx="0" cy="0"/>
+          <a:chOff x="0" y="0"/>
+          <a:chExt cx="0" cy="0"/>
+        </a:xfrm>
+      </p:grpSpPr>
+      <p:sp>
+        <p:nvSpPr>
+          <p:cNvPr id="256" name="Define helper functions"/>
+          <p:cNvSpPr txBox="1"/>
+          <p:nvPr>
+            <p:ph type="title"/>
+          </p:nvPr>
+        </p:nvSpPr>
+        <p:spPr>
+          <a:prstGeom prst="rect">
+            <a:avLst/>
+          </a:prstGeom>
+        </p:spPr>
+        <p:txBody>
+          <a:bodyPr/>
+          <a:lstStyle/>
+          <a:p>
+            <a:pPr/>
+            <a:r>
+              <a:t>Define helper functions</a:t>
+            </a:r>
+          </a:p>
+        </p:txBody>
+      </p:sp>
+      <p:sp>
+        <p:nvSpPr>
+          <p:cNvPr id="257" name="def pivotSummary(desc: DataFrame): DataFrame = {…"/>
+          <p:cNvSpPr txBox="1"/>
+          <p:nvPr/>
+        </p:nvSpPr>
+        <p:spPr>
+          <a:xfrm>
+            <a:off x="1436285" y="1740169"/>
+            <a:ext cx="6271430" cy="2047241"/>
+          </a:xfrm>
+          <a:prstGeom prst="rect">
+            <a:avLst/>
+          </a:prstGeom>
+          <a:ln w="12700">
+            <a:miter lim="400000"/>
+          </a:ln>
+          <a:extLst>
+            <a:ext uri="{C572A759-6A51-4108-AA02-DFA0A04FC94B}">
+              <ma14:wrappingTextBoxFlag xmlns:ma14="http://schemas.microsoft.com/office/mac/drawingml/2011/main" val="1"/>
+            </a:ext>
+          </a:extLst>
+        </p:spPr>
+        <p:txBody>
+          <a:bodyPr wrap="none" lIns="45719" rIns="45719">
+            <a:spAutoFit/>
+          </a:bodyPr>
+          <a:lstStyle/>
+          <a:p>
+            <a:pPr/>
+            <a:r>
+              <a:t> def pivotSummary(desc: DataFrame): DataFrame = {</a:t>
+            </a:r>
+          </a:p>
+          <a:p>
+            <a:pPr/>
+            <a:r>
+              <a:t>    val lf = longForm(desc)</a:t>
+            </a:r>
+          </a:p>
+          <a:p>
+            <a:pPr/>
+            <a:r>
+              <a:t>    lf.groupBy("field").</a:t>
+            </a:r>
+          </a:p>
+          <a:p>
+            <a:pPr/>
+            <a:r>
+              <a:t>      pivot("metric", Seq("count", "mean", "stddev", "min", "max")).</a:t>
+            </a:r>
+          </a:p>
+          <a:p>
+            <a:pPr/>
+            <a:r>
+              <a:t>      agg(first("value"))</a:t>
+            </a:r>
+          </a:p>
+          <a:p>
+            <a:pPr/>
+            <a:r>
+              <a:t>  }</a:t>
+            </a:r>
+          </a:p>
+        </p:txBody>
+      </p:sp>
+    </p:spTree>
+  </p:cSld>
+  <p:clrMapOvr>
+    <a:masterClrMapping/>
+  </p:clrMapOvr>
+  <p:transition xmlns:p14="http://schemas.microsoft.com/office/powerpoint/2010/main" spd="med" advClick="1"/>
+</p:sld>
+</file>
+
+<file path=ppt/slides/slide22.xml><?xml version="1.0" encoding="utf-8"?>
+<p:sld xmlns:a="http://schemas.openxmlformats.org/drawingml/2006/main" xmlns:r="http://schemas.openxmlformats.org/officeDocument/2006/relationships" xmlns:p="http://schemas.openxmlformats.org/presentationml/2006/main" showMasterSp="1" showMasterPhAnim="1">
+  <p:cSld>
+    <p:spTree>
+      <p:nvGrpSpPr>
+        <p:cNvPr id="1" name=""/>
+        <p:cNvGrpSpPr/>
+        <p:nvPr/>
+      </p:nvGrpSpPr>
+      <p:grpSpPr>
+        <a:xfrm>
+          <a:off x="0" y="0"/>
+          <a:ext cx="0" cy="0"/>
+          <a:chOff x="0" y="0"/>
+          <a:chExt cx="0" cy="0"/>
+        </a:xfrm>
+      </p:grpSpPr>
+      <p:sp>
+        <p:nvSpPr>
+          <p:cNvPr id="259" name="Define helper functions"/>
+          <p:cNvSpPr txBox="1"/>
+          <p:nvPr>
+            <p:ph type="title"/>
+          </p:nvPr>
+        </p:nvSpPr>
+        <p:spPr>
+          <a:prstGeom prst="rect">
+            <a:avLst/>
+          </a:prstGeom>
+        </p:spPr>
+        <p:txBody>
+          <a:bodyPr/>
+          <a:lstStyle/>
+          <a:p>
+            <a:pPr/>
+            <a:r>
+              <a:t>Define helper functions</a:t>
+            </a:r>
+          </a:p>
+        </p:txBody>
+      </p:sp>
+      <p:sp>
+        <p:nvSpPr>
+          <p:cNvPr id="260" name="def crossTabs(scored: DataFrame, t: Double): DataFrame = {…"/>
+          <p:cNvSpPr txBox="1"/>
+          <p:nvPr/>
+        </p:nvSpPr>
+        <p:spPr>
+          <a:xfrm>
+            <a:off x="1663769" y="1156615"/>
+            <a:ext cx="5816462" cy="5400041"/>
+          </a:xfrm>
+          <a:prstGeom prst="rect">
+            <a:avLst/>
+          </a:prstGeom>
+          <a:ln w="12700">
+            <a:miter lim="400000"/>
+          </a:ln>
+          <a:extLst>
+            <a:ext uri="{C572A759-6A51-4108-AA02-DFA0A04FC94B}">
+              <ma14:wrappingTextBoxFlag xmlns:ma14="http://schemas.microsoft.com/office/mac/drawingml/2011/main" val="1"/>
+            </a:ext>
+          </a:extLst>
+        </p:spPr>
+        <p:txBody>
+          <a:bodyPr wrap="none" lIns="45719" rIns="45719">
+            <a:spAutoFit/>
+          </a:bodyPr>
+          <a:lstStyle/>
+          <a:p>
+            <a:pPr/>
+            <a:r>
+              <a:t>   def crossTabs(scored: DataFrame, t: Double): DataFrame = {</a:t>
+            </a:r>
+          </a:p>
+          <a:p>
+            <a:pPr/>
+            <a:r>
+              <a:t>    scored.</a:t>
+            </a:r>
+          </a:p>
+          <a:p>
+            <a:pPr/>
+            <a:r>
+              <a:t>      selectExpr(s"score &gt;= $t as above", "is_match").</a:t>
+            </a:r>
+          </a:p>
+          <a:p>
+            <a:pPr/>
+            <a:r>
+              <a:t>      groupBy("above").</a:t>
+            </a:r>
+          </a:p>
+          <a:p>
+            <a:pPr/>
+            <a:r>
+              <a:t>      pivot("is_match", Seq("true", "false")).</a:t>
+            </a:r>
+          </a:p>
+          <a:p>
+            <a:pPr/>
+            <a:r>
+              <a:t>      count()</a:t>
+            </a:r>
+          </a:p>
+          <a:p>
+            <a:pPr/>
+            <a:r>
+              <a:t>  }</a:t>
+            </a:r>
+          </a:p>
+          <a:p>
+            <a:pPr/>
+          </a:p>
+          <a:p>
+            <a:pPr/>
+            <a:r>
+              <a:t>  case class Score(value: Double) {</a:t>
+            </a:r>
+          </a:p>
+          <a:p>
+            <a:pPr/>
+            <a:r>
+              <a:t>    def +(oi: Option[Int]) = {</a:t>
+            </a:r>
+          </a:p>
+          <a:p>
+            <a:pPr/>
+            <a:r>
+              <a:t>      Score(value + oi.getOrElse(0))</a:t>
+            </a:r>
+          </a:p>
+          <a:p>
+            <a:pPr/>
+            <a:r>
+              <a:t>    }</a:t>
+            </a:r>
+          </a:p>
+          <a:p>
+            <a:pPr/>
+            <a:r>
+              <a:t>  }</a:t>
+            </a:r>
+          </a:p>
+          <a:p>
+            <a:pPr/>
+          </a:p>
+          <a:p>
+            <a:pPr/>
+            <a:r>
+              <a:t>  def scoreMatchData(md: MatchData): Double = {</a:t>
+            </a:r>
+          </a:p>
+          <a:p>
+            <a:pPr/>
+            <a:r>
+              <a:t>    (Score(md.cmp_lname_c1.getOrElse(0.0)) + md.cmp_plz +</a:t>
+            </a:r>
+          </a:p>
+          <a:p>
+            <a:pPr/>
+            <a:r>
+              <a:t>        md.cmp_by + md.cmp_bd + md.cmp_bm).value</a:t>
+            </a:r>
+          </a:p>
+          <a:p>
+            <a:pPr/>
+            <a:r>
+              <a:t>  }</a:t>
+            </a:r>
+          </a:p>
+        </p:txBody>
+      </p:sp>
+    </p:spTree>
+  </p:cSld>
+  <p:clrMapOvr>
+    <a:masterClrMapping/>
+  </p:clrMapOvr>
+  <p:transition xmlns:p14="http://schemas.microsoft.com/office/powerpoint/2010/main" spd="med" advClick="1"/>
+</p:sld>
+</file>
+
+<file path=ppt/slides/slide23.xml><?xml version="1.0" encoding="utf-8"?>
+<p:sld xmlns:a="http://schemas.openxmlformats.org/drawingml/2006/main" xmlns:r="http://schemas.openxmlformats.org/officeDocument/2006/relationships" xmlns:p="http://schemas.openxmlformats.org/presentationml/2006/main" showMasterSp="1" showMasterPhAnim="1">
+  <p:cSld>
+    <p:spTree>
+      <p:nvGrpSpPr>
+        <p:cNvPr id="1" name=""/>
+        <p:cNvGrpSpPr/>
+        <p:nvPr/>
+      </p:nvGrpSpPr>
+      <p:grpSpPr>
+        <a:xfrm>
+          <a:off x="0" y="0"/>
+          <a:ext cx="0" cy="0"/>
+          <a:chOff x="0" y="0"/>
+          <a:chExt cx="0" cy="0"/>
+        </a:xfrm>
+      </p:grpSpPr>
+      <p:sp>
+        <p:nvSpPr>
+          <p:cNvPr id="262" name="Use the helper functions"/>
+          <p:cNvSpPr txBox="1"/>
+          <p:nvPr>
+            <p:ph type="title"/>
+          </p:nvPr>
+        </p:nvSpPr>
+        <p:spPr>
+          <a:prstGeom prst="rect">
+            <a:avLst/>
+          </a:prstGeom>
+        </p:spPr>
+        <p:txBody>
+          <a:bodyPr/>
+          <a:lstStyle/>
+          <a:p>
+            <a:pPr/>
+            <a:r>
+              <a:t>Use the helper functions</a:t>
+            </a:r>
+          </a:p>
+        </p:txBody>
+      </p:sp>
+      <p:sp>
+        <p:nvSpPr>
+          <p:cNvPr id="263" name="val matchSummaryT = pivotSummary(matchSummary)…"/>
+          <p:cNvSpPr txBox="1"/>
+          <p:nvPr/>
+        </p:nvSpPr>
+        <p:spPr>
+          <a:xfrm>
+            <a:off x="1356085" y="1476608"/>
+            <a:ext cx="6431830" cy="2606041"/>
+          </a:xfrm>
+          <a:prstGeom prst="rect">
+            <a:avLst/>
+          </a:prstGeom>
+          <a:ln w="12700">
+            <a:miter lim="400000"/>
+          </a:ln>
+          <a:extLst>
+            <a:ext uri="{C572A759-6A51-4108-AA02-DFA0A04FC94B}">
+              <ma14:wrappingTextBoxFlag xmlns:ma14="http://schemas.microsoft.com/office/mac/drawingml/2011/main" val="1"/>
+            </a:ext>
+          </a:extLst>
+        </p:spPr>
+        <p:txBody>
+          <a:bodyPr wrap="none" lIns="45719" rIns="45719">
+            <a:spAutoFit/>
+          </a:bodyPr>
+          <a:lstStyle/>
+          <a:p>
+            <a:pPr/>
+            <a:r>
+              <a:t>    val matchSummaryT = pivotSummary(matchSummary)</a:t>
+            </a:r>
+          </a:p>
+          <a:p>
+            <a:pPr/>
+            <a:r>
+              <a:t>    val missSummaryT = pivotSummary(missSummary)</a:t>
+            </a:r>
+          </a:p>
+          <a:p>
+            <a:pPr/>
+            <a:r>
+              <a:t>    matchSummaryT.createOrReplaceTempView("match_desc")</a:t>
+            </a:r>
+          </a:p>
+          <a:p>
+            <a:pPr/>
+            <a:r>
+              <a:t>    missSummaryT.createOrReplaceTempView("miss_desc")</a:t>
+            </a:r>
+          </a:p>
+          <a:p>
+            <a:pPr/>
+            <a:r>
+              <a:t>    spark.sql("""</a:t>
+            </a:r>
+          </a:p>
+          <a:p>
+            <a:pPr/>
+            <a:r>
+              <a:t>      SELECT a.field, a.count + b.count total, a.mean - b.mean delta</a:t>
+            </a:r>
+          </a:p>
+          <a:p>
+            <a:pPr/>
+            <a:r>
+              <a:t>      FROM match_desc a INNER JOIN miss_desc b ON a.field = b.field</a:t>
+            </a:r>
+          </a:p>
+          <a:p>
+            <a:pPr/>
+            <a:r>
+              <a:t>      ORDER BY delta DESC, total DESC</a:t>
+            </a:r>
+          </a:p>
+          <a:p>
+            <a:pPr/>
+            <a:r>
+              <a:t>    """).show()</a:t>
+            </a:r>
+          </a:p>
+        </p:txBody>
+      </p:sp>
+    </p:spTree>
+  </p:cSld>
+  <p:clrMapOvr>
+    <a:masterClrMapping/>
+  </p:clrMapOvr>
+  <p:transition xmlns:p14="http://schemas.microsoft.com/office/powerpoint/2010/main" spd="med" advClick="1"/>
+</p:sld>
+</file>
+
+<file path=ppt/slides/slide24.xml><?xml version="1.0" encoding="utf-8"?>
+<p:sld xmlns:a="http://schemas.openxmlformats.org/drawingml/2006/main" xmlns:r="http://schemas.openxmlformats.org/officeDocument/2006/relationships" xmlns:p="http://schemas.openxmlformats.org/presentationml/2006/main" showMasterSp="1" showMasterPhAnim="1">
+  <p:cSld>
+    <p:spTree>
+      <p:nvGrpSpPr>
+        <p:cNvPr id="1" name=""/>
+        <p:cNvGrpSpPr/>
+        <p:nvPr/>
+      </p:nvGrpSpPr>
+      <p:grpSpPr>
+        <a:xfrm>
+          <a:off x="0" y="0"/>
+          <a:ext cx="0" cy="0"/>
+          <a:chOff x="0" y="0"/>
+          <a:chExt cx="0" cy="0"/>
+        </a:xfrm>
+      </p:grpSpPr>
+      <p:sp>
+        <p:nvSpPr>
+          <p:cNvPr id="265" name="Results of the helper functions"/>
+          <p:cNvSpPr txBox="1"/>
+          <p:nvPr>
+            <p:ph type="title"/>
+          </p:nvPr>
+        </p:nvSpPr>
+        <p:spPr>
+          <a:prstGeom prst="rect">
+            <a:avLst/>
+          </a:prstGeom>
+        </p:spPr>
+        <p:txBody>
+          <a:bodyPr/>
+          <a:lstStyle/>
+          <a:p>
+            <a:pPr/>
+            <a:r>
+              <a:t>Results of the helper functions</a:t>
+            </a:r>
+          </a:p>
+        </p:txBody>
+      </p:sp>
+      <p:sp>
+        <p:nvSpPr>
+          <p:cNvPr id="266" name="matchSummaryT: org.apache.spark.sql.DataFrame = [field: string, count: double ... 4 more fields]…"/>
+          <p:cNvSpPr txBox="1"/>
+          <p:nvPr/>
+        </p:nvSpPr>
+        <p:spPr>
+          <a:xfrm>
+            <a:off x="844608" y="1940962"/>
+            <a:ext cx="8975264" cy="3736316"/>
+          </a:xfrm>
+          <a:prstGeom prst="rect">
+            <a:avLst/>
+          </a:prstGeom>
+          <a:ln w="12700">
+            <a:miter lim="400000"/>
+          </a:ln>
+          <a:extLst>
+            <a:ext uri="{C572A759-6A51-4108-AA02-DFA0A04FC94B}">
+              <ma14:wrappingTextBoxFlag xmlns:ma14="http://schemas.microsoft.com/office/mac/drawingml/2011/main" val="1"/>
+            </a:ext>
+          </a:extLst>
+        </p:spPr>
+        <p:txBody>
+          <a:bodyPr wrap="none" lIns="45719" rIns="45719">
+            <a:spAutoFit/>
+          </a:bodyPr>
+          <a:lstStyle/>
+          <a:p>
+            <a:pPr defTabSz="457200">
+              <a:lnSpc>
+                <a:spcPts val="3000"/>
+              </a:lnSpc>
+              <a:defRPr sz="1200">
+                <a:solidFill>
+                  <a:srgbClr val="212121"/>
+                </a:solidFill>
+                <a:latin typeface="Monaco"/>
+                <a:ea typeface="Monaco"/>
+                <a:cs typeface="Monaco"/>
+                <a:sym typeface="Monaco"/>
+              </a:defRPr>
+            </a:pPr>
+            <a:r>
+              <a:t>matchSummaryT: org.apache.spark.sql.DataFrame = [field: string, count: double ... 4 more fields]</a:t>
+            </a:r>
+          </a:p>
+          <a:p>
+            <a:pPr defTabSz="457200">
+              <a:lnSpc>
+                <a:spcPts val="3000"/>
+              </a:lnSpc>
+              <a:defRPr sz="1200">
+                <a:solidFill>
+                  <a:srgbClr val="212121"/>
+                </a:solidFill>
+                <a:latin typeface="Monaco"/>
+                <a:ea typeface="Monaco"/>
+                <a:cs typeface="Monaco"/>
+                <a:sym typeface="Monaco"/>
+              </a:defRPr>
+            </a:pPr>
+            <a:r>
+              <a:t>missSummaryT: org.apache.spark.sql.DataFrame = [field: string, count: double ... 4 more fields]</a:t>
+            </a:r>
+          </a:p>
+          <a:p>
+            <a:pPr defTabSz="457200">
+              <a:lnSpc>
+                <a:spcPts val="3000"/>
+              </a:lnSpc>
+              <a:defRPr sz="1200">
+                <a:solidFill>
+                  <a:srgbClr val="212121"/>
+                </a:solidFill>
+                <a:latin typeface="Monaco"/>
+                <a:ea typeface="Monaco"/>
+                <a:cs typeface="Monaco"/>
+                <a:sym typeface="Monaco"/>
+              </a:defRPr>
+            </a:pPr>
+            <a:r>
+              <a:t>+------------+---------+--------------------+</a:t>
+            </a:r>
+          </a:p>
+          <a:p>
+            <a:pPr defTabSz="457200">
+              <a:lnSpc>
+                <a:spcPts val="3000"/>
+              </a:lnSpc>
+              <a:defRPr sz="1200">
+                <a:solidFill>
+                  <a:srgbClr val="212121"/>
+                </a:solidFill>
+                <a:latin typeface="Monaco"/>
+                <a:ea typeface="Monaco"/>
+                <a:cs typeface="Monaco"/>
+                <a:sym typeface="Monaco"/>
+              </a:defRPr>
+            </a:pPr>
+            <a:r>
+              <a:t>|       field|    total|               delta|</a:t>
+            </a:r>
+          </a:p>
+          <a:p>
+            <a:pPr defTabSz="457200">
+              <a:lnSpc>
+                <a:spcPts val="3000"/>
+              </a:lnSpc>
+              <a:defRPr sz="1200">
+                <a:solidFill>
+                  <a:srgbClr val="212121"/>
+                </a:solidFill>
+                <a:latin typeface="Monaco"/>
+                <a:ea typeface="Monaco"/>
+                <a:cs typeface="Monaco"/>
+                <a:sym typeface="Monaco"/>
+              </a:defRPr>
+            </a:pPr>
+            <a:r>
+              <a:t>+------------+---------+--------------------+</a:t>
+            </a:r>
+          </a:p>
+          <a:p>
+            <a:pPr defTabSz="457200">
+              <a:lnSpc>
+                <a:spcPts val="3000"/>
+              </a:lnSpc>
+              <a:defRPr sz="1200">
+                <a:solidFill>
+                  <a:srgbClr val="212121"/>
+                </a:solidFill>
+                <a:latin typeface="Monaco"/>
+                <a:ea typeface="Monaco"/>
+                <a:cs typeface="Monaco"/>
+                <a:sym typeface="Monaco"/>
+              </a:defRPr>
+            </a:pPr>
+            <a:r>
+              <a:t>|        id_1|5749132.0|  1255.8076310367542|</a:t>
+            </a:r>
+          </a:p>
+          <a:p>
+            <a:pPr defTabSz="457200">
+              <a:lnSpc>
+                <a:spcPts val="3000"/>
+              </a:lnSpc>
+              <a:defRPr sz="1200">
+                <a:solidFill>
+                  <a:srgbClr val="212121"/>
+                </a:solidFill>
+                <a:latin typeface="Monaco"/>
+                <a:ea typeface="Monaco"/>
+                <a:cs typeface="Monaco"/>
+                <a:sym typeface="Monaco"/>
+              </a:defRPr>
+            </a:pPr>
+            <a:r>
+              <a:t>|     cmp_plz|5736289.0|  0.9563812499852176|</a:t>
+            </a:r>
+          </a:p>
+          <a:p>
+            <a:pPr defTabSz="457200">
+              <a:lnSpc>
+                <a:spcPts val="3000"/>
+              </a:lnSpc>
+              <a:defRPr sz="1200">
+                <a:solidFill>
+                  <a:srgbClr val="212121"/>
+                </a:solidFill>
+                <a:latin typeface="Monaco"/>
+                <a:ea typeface="Monaco"/>
+                <a:cs typeface="Monaco"/>
+                <a:sym typeface="Monaco"/>
+              </a:defRPr>
+            </a:pPr>
+            <a:r>
+              <a:t>|cmp_lname_c2|   2464.0|  0.8064147192926264|</a:t>
+            </a:r>
+          </a:p>
+          <a:p>
+            <a:pPr defTabSz="457200">
+              <a:lnSpc>
+                <a:spcPts val="3000"/>
+              </a:lnSpc>
+              <a:defRPr sz="1200">
+                <a:solidFill>
+                  <a:srgbClr val="212121"/>
+                </a:solidFill>
+                <a:latin typeface="Monaco"/>
+                <a:ea typeface="Monaco"/>
+                <a:cs typeface="Monaco"/>
+                <a:sym typeface="Monaco"/>
+              </a:defRPr>
+            </a:pPr>
+            <a:r>
+              <a:t>|      cmp_by|5748337.0|  0.7762059675300512|</a:t>
+            </a:r>
+          </a:p>
+          <a:p>
+            <a:pPr defTabSz="457200">
+              <a:lnSpc>
+                <a:spcPts val="3000"/>
+              </a:lnSpc>
+              <a:defRPr sz="1200">
+                <a:solidFill>
+                  <a:srgbClr val="212121"/>
+                </a:solidFill>
+                <a:latin typeface="Monaco"/>
+                <a:ea typeface="Monaco"/>
+                <a:cs typeface="Monaco"/>
+                <a:sym typeface="Monaco"/>
+              </a:defRPr>
+            </a:pPr>
+            <a:r>
+              <a:t>|      cmp_bd|5748337.0|   0.775442311783404|</a:t>
+            </a:r>
+          </a:p>
+          <a:p>
+            <a:pPr defTabSz="457200">
+              <a:lnSpc>
+                <a:spcPts val="3000"/>
+              </a:lnSpc>
+              <a:defRPr sz="1200">
+                <a:solidFill>
+                  <a:srgbClr val="212121"/>
+                </a:solidFill>
+                <a:latin typeface="Monaco"/>
+                <a:ea typeface="Monaco"/>
+                <a:cs typeface="Monaco"/>
+                <a:sym typeface="Monaco"/>
+              </a:defRPr>
+            </a:pPr>
+            <a:r>
+              <a:t>|cmp_lname_c1|5749132.0|  0.6838772482590526|</a:t>
+            </a:r>
+          </a:p>
+          <a:p>
+            <a:pPr defTabSz="457200">
+              <a:lnSpc>
+                <a:spcPts val="3000"/>
+              </a:lnSpc>
+              <a:defRPr sz="1200">
+                <a:solidFill>
+                  <a:srgbClr val="212121"/>
+                </a:solidFill>
+                <a:latin typeface="Monaco"/>
+                <a:ea typeface="Monaco"/>
+                <a:cs typeface="Monaco"/>
+                <a:sym typeface="Monaco"/>
+              </a:defRPr>
+            </a:pPr>
+            <a:r>
+              <a:t>|      cmp_bm|5748337.0|  0.5109496938298685|</a:t>
+            </a:r>
+          </a:p>
+          <a:p>
+            <a:pPr defTabSz="457200">
+              <a:lnSpc>
+                <a:spcPts val="3000"/>
+              </a:lnSpc>
+              <a:defRPr sz="1200">
+                <a:solidFill>
+                  <a:srgbClr val="212121"/>
+                </a:solidFill>
+                <a:latin typeface="Monaco"/>
+                <a:ea typeface="Monaco"/>
+                <a:cs typeface="Monaco"/>
+                <a:sym typeface="Monaco"/>
+              </a:defRPr>
+            </a:pPr>
+            <a:r>
+              <a:t>|cmp_fname_c1|5748125.0|  0.2854529057460786|</a:t>
+            </a:r>
+          </a:p>
+          <a:p>
+            <a:pPr defTabSz="457200">
+              <a:lnSpc>
+                <a:spcPts val="3000"/>
+              </a:lnSpc>
+              <a:defRPr sz="1200">
+                <a:solidFill>
+                  <a:srgbClr val="212121"/>
+                </a:solidFill>
+                <a:latin typeface="Monaco"/>
+                <a:ea typeface="Monaco"/>
+                <a:cs typeface="Monaco"/>
+                <a:sym typeface="Monaco"/>
+              </a:defRPr>
+            </a:pPr>
+            <a:r>
+              <a:t>|cmp_fname_c2| 103698.0| 0.09104268062280008|</a:t>
+            </a:r>
+          </a:p>
+          <a:p>
+            <a:pPr defTabSz="457200">
+              <a:lnSpc>
+                <a:spcPts val="3000"/>
+              </a:lnSpc>
+              <a:defRPr sz="1200">
+                <a:solidFill>
+                  <a:srgbClr val="212121"/>
+                </a:solidFill>
+                <a:latin typeface="Monaco"/>
+                <a:ea typeface="Monaco"/>
+                <a:cs typeface="Monaco"/>
+                <a:sym typeface="Monaco"/>
+              </a:defRPr>
+            </a:pPr>
+            <a:r>
+              <a:t>|     cmp_sex|5749132.0|0.032408185250332844|</a:t>
+            </a:r>
+          </a:p>
+          <a:p>
+            <a:pPr defTabSz="457200">
+              <a:lnSpc>
+                <a:spcPts val="3000"/>
+              </a:lnSpc>
+              <a:defRPr sz="1200">
+                <a:solidFill>
+                  <a:srgbClr val="212121"/>
+                </a:solidFill>
+                <a:latin typeface="Monaco"/>
+                <a:ea typeface="Monaco"/>
+                <a:cs typeface="Monaco"/>
+                <a:sym typeface="Monaco"/>
+              </a:defRPr>
+            </a:pPr>
+            <a:r>
+              <a:t>|        id_2|5749132.0| -15383.483201807663|</a:t>
+            </a:r>
+          </a:p>
+          <a:p>
+            <a:pPr defTabSz="457200">
+              <a:lnSpc>
+                <a:spcPts val="3000"/>
+              </a:lnSpc>
+              <a:defRPr sz="1200">
+                <a:solidFill>
+                  <a:srgbClr val="212121"/>
+                </a:solidFill>
+                <a:latin typeface="Monaco"/>
+                <a:ea typeface="Monaco"/>
+                <a:cs typeface="Monaco"/>
+                <a:sym typeface="Monaco"/>
+              </a:defRPr>
+            </a:pPr>
+            <a:r>
+              <a:t>+------------+---------+--------------------+</a:t>
+            </a:r>
+          </a:p>
+        </p:txBody>
+      </p:sp>
+    </p:spTree>
+  </p:cSld>
+  <p:clrMapOvr>
+    <a:masterClrMapping/>
+  </p:clrMapOvr>
+  <p:transition xmlns:p14="http://schemas.microsoft.com/office/powerpoint/2010/main" spd="med" advClick="1"/>
+</p:sld>
+</file>
+
+<file path=ppt/slides/slide25.xml><?xml version="1.0" encoding="utf-8"?>
+<p:sld xmlns:a="http://schemas.openxmlformats.org/drawingml/2006/main" xmlns:r="http://schemas.openxmlformats.org/officeDocument/2006/relationships" xmlns:p="http://schemas.openxmlformats.org/presentationml/2006/main" showMasterSp="1" showMasterPhAnim="1">
+  <p:cSld>
+    <p:spTree>
+      <p:nvGrpSpPr>
+        <p:cNvPr id="1" name=""/>
+        <p:cNvGrpSpPr/>
+        <p:nvPr/>
+      </p:nvGrpSpPr>
+      <p:grpSpPr>
+        <a:xfrm>
+          <a:off x="0" y="0"/>
+          <a:ext cx="0" cy="0"/>
+          <a:chOff x="0" y="0"/>
+          <a:chExt cx="0" cy="0"/>
+        </a:xfrm>
+      </p:grpSpPr>
+      <p:sp>
+        <p:nvSpPr>
+          <p:cNvPr id="268" name="Final result"/>
+          <p:cNvSpPr txBox="1"/>
+          <p:nvPr>
+            <p:ph type="title"/>
+          </p:nvPr>
+        </p:nvSpPr>
+        <p:spPr>
+          <a:prstGeom prst="rect">
+            <a:avLst/>
+          </a:prstGeom>
+        </p:spPr>
+        <p:txBody>
+          <a:bodyPr/>
+          <a:lstStyle/>
+          <a:p>
+            <a:pPr/>
+            <a:r>
+              <a:t>Final result</a:t>
+            </a:r>
+          </a:p>
+        </p:txBody>
+      </p:sp>
+      <p:sp>
+        <p:nvSpPr>
+          <p:cNvPr id="269" name="val matchData = parsed.as[MatchData]…"/>
+          <p:cNvSpPr txBox="1"/>
+          <p:nvPr/>
+        </p:nvSpPr>
+        <p:spPr>
+          <a:xfrm>
+            <a:off x="2594354" y="1626456"/>
+            <a:ext cx="3955292" cy="1767841"/>
+          </a:xfrm>
+          <a:prstGeom prst="rect">
+            <a:avLst/>
+          </a:prstGeom>
+          <a:ln w="12700">
+            <a:miter lim="400000"/>
+          </a:ln>
+          <a:extLst>
+            <a:ext uri="{C572A759-6A51-4108-AA02-DFA0A04FC94B}">
+              <ma14:wrappingTextBoxFlag xmlns:ma14="http://schemas.microsoft.com/office/mac/drawingml/2011/main" val="1"/>
+            </a:ext>
+          </a:extLst>
+        </p:spPr>
+        <p:txBody>
+          <a:bodyPr wrap="none" lIns="45719" rIns="45719">
+            <a:spAutoFit/>
+          </a:bodyPr>
+          <a:lstStyle/>
+          <a:p>
+            <a:pPr/>
+            <a:r>
+              <a:t>    val matchData = parsed.as[MatchData]</a:t>
+            </a:r>
+          </a:p>
+          <a:p>
+            <a:pPr/>
+            <a:r>
+              <a:t>    val scored = matchData.map { md =&gt;</a:t>
+            </a:r>
+          </a:p>
+          <a:p>
+            <a:pPr/>
+            <a:r>
+              <a:t>      (scoreMatchData(md), md.is_match)</a:t>
+            </a:r>
+          </a:p>
+          <a:p>
+            <a:pPr/>
+            <a:r>
+              <a:t>    }.toDF("score", "is_match")</a:t>
+            </a:r>
+          </a:p>
+          <a:p>
+            <a:pPr/>
+            <a:r>
+              <a:t>    crossTabs(scored, 4.0).show()</a:t>
+            </a:r>
+          </a:p>
+        </p:txBody>
+      </p:sp>
+      <p:sp>
+        <p:nvSpPr>
+          <p:cNvPr id="270" name="matchData: org.apache.spark.sql.Dataset[MatchData] = [id_1: int, id_2: int ... 10 more fields]…"/>
+          <p:cNvSpPr txBox="1"/>
+          <p:nvPr/>
+        </p:nvSpPr>
+        <p:spPr>
+          <a:xfrm>
+            <a:off x="2028908" y="3603114"/>
+            <a:ext cx="8792355" cy="1907517"/>
+          </a:xfrm>
+          <a:prstGeom prst="rect">
+            <a:avLst/>
+          </a:prstGeom>
+          <a:ln w="12700">
+            <a:miter lim="400000"/>
+          </a:ln>
+          <a:extLst>
+            <a:ext uri="{C572A759-6A51-4108-AA02-DFA0A04FC94B}">
+              <ma14:wrappingTextBoxFlag xmlns:ma14="http://schemas.microsoft.com/office/mac/drawingml/2011/main" val="1"/>
+            </a:ext>
+          </a:extLst>
+        </p:spPr>
+        <p:txBody>
+          <a:bodyPr wrap="none" lIns="45719" rIns="45719">
+            <a:spAutoFit/>
+          </a:bodyPr>
+          <a:lstStyle/>
+          <a:p>
+            <a:pPr defTabSz="457200">
+              <a:lnSpc>
+                <a:spcPts val="3000"/>
+              </a:lnSpc>
+              <a:defRPr sz="1200">
+                <a:solidFill>
+                  <a:srgbClr val="212121"/>
+                </a:solidFill>
+                <a:latin typeface="Monaco"/>
+                <a:ea typeface="Monaco"/>
+                <a:cs typeface="Monaco"/>
+                <a:sym typeface="Monaco"/>
+              </a:defRPr>
+            </a:pPr>
+            <a:r>
+              <a:t>matchData: org.apache.spark.sql.Dataset[MatchData] = [id_1: int, id_2: int ... 10 more fields]</a:t>
+            </a:r>
+          </a:p>
+          <a:p>
+            <a:pPr defTabSz="457200">
+              <a:lnSpc>
+                <a:spcPts val="3000"/>
+              </a:lnSpc>
+              <a:defRPr sz="1200">
+                <a:solidFill>
+                  <a:srgbClr val="212121"/>
+                </a:solidFill>
+                <a:latin typeface="Monaco"/>
+                <a:ea typeface="Monaco"/>
+                <a:cs typeface="Monaco"/>
+                <a:sym typeface="Monaco"/>
+              </a:defRPr>
+            </a:pPr>
+            <a:r>
+              <a:t>scored: org.apache.spark.sql.DataFrame = [score: double, is_match: boolean]</a:t>
+            </a:r>
+          </a:p>
+          <a:p>
+            <a:pPr defTabSz="457200">
+              <a:lnSpc>
+                <a:spcPts val="3000"/>
+              </a:lnSpc>
+              <a:defRPr sz="1200">
+                <a:solidFill>
+                  <a:srgbClr val="212121"/>
+                </a:solidFill>
+                <a:latin typeface="Monaco"/>
+                <a:ea typeface="Monaco"/>
+                <a:cs typeface="Monaco"/>
+                <a:sym typeface="Monaco"/>
+              </a:defRPr>
+            </a:pPr>
+            <a:r>
+              <a:t>+-----+-----+-------+</a:t>
+            </a:r>
+          </a:p>
+          <a:p>
+            <a:pPr defTabSz="457200">
+              <a:lnSpc>
+                <a:spcPts val="3000"/>
+              </a:lnSpc>
+              <a:defRPr sz="1200">
+                <a:solidFill>
+                  <a:srgbClr val="212121"/>
+                </a:solidFill>
+                <a:latin typeface="Monaco"/>
+                <a:ea typeface="Monaco"/>
+                <a:cs typeface="Monaco"/>
+                <a:sym typeface="Monaco"/>
+              </a:defRPr>
+            </a:pPr>
+            <a:r>
+              <a:t>|above| true|  false|</a:t>
+            </a:r>
+          </a:p>
+          <a:p>
+            <a:pPr defTabSz="457200">
+              <a:lnSpc>
+                <a:spcPts val="3000"/>
+              </a:lnSpc>
+              <a:defRPr sz="1200">
+                <a:solidFill>
+                  <a:srgbClr val="212121"/>
+                </a:solidFill>
+                <a:latin typeface="Monaco"/>
+                <a:ea typeface="Monaco"/>
+                <a:cs typeface="Monaco"/>
+                <a:sym typeface="Monaco"/>
+              </a:defRPr>
+            </a:pPr>
+            <a:r>
+              <a:t>+-----+-----+-------+</a:t>
+            </a:r>
+          </a:p>
+          <a:p>
+            <a:pPr defTabSz="457200">
+              <a:lnSpc>
+                <a:spcPts val="3000"/>
+              </a:lnSpc>
+              <a:defRPr sz="1200">
+                <a:solidFill>
+                  <a:srgbClr val="212121"/>
+                </a:solidFill>
+                <a:latin typeface="Monaco"/>
+                <a:ea typeface="Monaco"/>
+                <a:cs typeface="Monaco"/>
+                <a:sym typeface="Monaco"/>
+              </a:defRPr>
+            </a:pPr>
+            <a:r>
+              <a:t>| true|20871|    637|</a:t>
+            </a:r>
+          </a:p>
+          <a:p>
+            <a:pPr defTabSz="457200">
+              <a:lnSpc>
+                <a:spcPts val="3000"/>
+              </a:lnSpc>
+              <a:defRPr sz="1200">
+                <a:solidFill>
+                  <a:srgbClr val="212121"/>
+                </a:solidFill>
+                <a:latin typeface="Monaco"/>
+                <a:ea typeface="Monaco"/>
+                <a:cs typeface="Monaco"/>
+                <a:sym typeface="Monaco"/>
+              </a:defRPr>
+            </a:pPr>
+            <a:r>
+              <a:t>|false|   60|5727564|</a:t>
+            </a:r>
+          </a:p>
+          <a:p>
+            <a:pPr defTabSz="457200">
+              <a:lnSpc>
+                <a:spcPts val="3000"/>
+              </a:lnSpc>
+              <a:defRPr sz="1200">
+                <a:solidFill>
+                  <a:srgbClr val="212121"/>
+                </a:solidFill>
+                <a:latin typeface="Monaco"/>
+                <a:ea typeface="Monaco"/>
+                <a:cs typeface="Monaco"/>
+                <a:sym typeface="Monaco"/>
+              </a:defRPr>
+            </a:pPr>
+            <a:r>
+              <a:t>+-----+-----+-------+</a:t>
             </a:r>
           </a:p>
         </p:txBody>

--- a/powerpoints/ITU Academy Slides AM4-02.pptx
+++ b/powerpoints/ITU Academy Slides AM4-02.pptx
@@ -41,6 +41,8 @@
     <p:sldId id="286" r:id="rId38"/>
     <p:sldId id="287" r:id="rId39"/>
     <p:sldId id="288" r:id="rId40"/>
+    <p:sldId id="289" r:id="rId41"/>
+    <p:sldId id="290" r:id="rId42"/>
   </p:sldIdLst>
   <p:sldSz cx="9144000" cy="6858000"/>
   <p:notesSz cx="6858000" cy="9144000"/>
@@ -515,7 +517,7 @@
       </p:grpSpPr>
       <p:sp>
         <p:nvSpPr>
-          <p:cNvPr id="140" name="Shape 140"/>
+          <p:cNvPr id="143" name="Shape 143"/>
           <p:cNvSpPr/>
           <p:nvPr>
             <p:ph type="sldImg"/>
@@ -536,7 +538,7 @@
       </p:sp>
       <p:sp>
         <p:nvSpPr>
-          <p:cNvPr id="141" name="Shape 141"/>
+          <p:cNvPr id="144" name="Shape 144"/>
           <p:cNvSpPr/>
           <p:nvPr>
             <p:ph type="body" sz="quarter" idx="1"/>
@@ -597,7 +599,7 @@
       </p:grpSpPr>
       <p:sp>
         <p:nvSpPr>
-          <p:cNvPr id="234" name="Shape 234"/>
+          <p:cNvPr id="223" name="Shape 223"/>
           <p:cNvSpPr/>
           <p:nvPr>
             <p:ph type="sldImg"/>
@@ -618,7 +620,7 @@
       </p:sp>
       <p:sp>
         <p:nvSpPr>
-          <p:cNvPr id="235" name="Shape 235"/>
+          <p:cNvPr id="224" name="Shape 224"/>
           <p:cNvSpPr/>
           <p:nvPr>
             <p:ph type="body" sz="quarter" idx="1"/>
@@ -635,49 +637,31 @@
           <a:p>
             <a:pPr/>
             <a:r>
-              <a:t>In a Zeppelin notebook running Scala, the pre-defined “spark” object will be the start of operations.</a:t>
-            </a:r>
-          </a:p>
-          <a:p>
-            <a:pPr/>
-          </a:p>
-          <a:p>
-            <a:pPr/>
-            <a:r>
-              <a:t>Explain the concept of single-assignment “val” values.</a:t>
-            </a:r>
-          </a:p>
-          <a:p>
-            <a:pPr/>
-          </a:p>
-          <a:p>
-            <a:pPr/>
-            <a:r>
-              <a:t>Explain the fields:</a:t>
-            </a:r>
-          </a:p>
-          <a:p>
-            <a:pPr/>
-            <a:r>
-              <a:t>id_1: the unique ID of user 1</a:t>
-            </a:r>
-          </a:p>
-          <a:p>
-            <a:pPr/>
-            <a:r>
-              <a:t>id_2: the unique ID of user 2 (who might be the same as user 1!)</a:t>
-            </a:r>
-          </a:p>
-          <a:p>
-            <a:pPr/>
-            <a:r>
-              <a:t>cmp_fname_c1, etc.: comparison results for various characteristics of the two users</a:t>
-            </a:r>
-          </a:p>
-          <a:p>
-            <a:pPr/>
-            <a:r>
-              <a:t>Not shown here but will be seen in the notebook: the actual result of “identical” or “not identical”</a:t>
+              <a:t>Discuss the implications of each application having its own and separate executors:</a:t>
+            </a:r>
+          </a:p>
+          <a:p>
+            <a:pPr marL="120315" indent="-120315">
+              <a:buSzPct val="100000"/>
+              <a:buChar char="-"/>
+            </a:pPr>
+            <a:r>
+              <a:t>positive: isolation of applications, no possible direct effect on each other</a:t>
+            </a:r>
+          </a:p>
+          <a:p>
+            <a:pPr marL="120315" indent="-120315">
+              <a:buSzPct val="100000"/>
+              <a:buChar char="-"/>
+            </a:pPr>
+            <a:r>
+              <a:t>negative: cannot pass information directly, only through external storage</a:t>
+            </a:r>
+          </a:p>
+          <a:p>
+            <a:pPr/>
+            <a:r>
+              <a:t>How does this impact the design of applications?</a:t>
             </a:r>
           </a:p>
         </p:txBody>
@@ -709,7 +693,7 @@
       </p:grpSpPr>
       <p:sp>
         <p:nvSpPr>
-          <p:cNvPr id="241" name="Shape 241"/>
+          <p:cNvPr id="228" name="Shape 228"/>
           <p:cNvSpPr/>
           <p:nvPr>
             <p:ph type="sldImg"/>
@@ -730,7 +714,7 @@
       </p:sp>
       <p:sp>
         <p:nvSpPr>
-          <p:cNvPr id="242" name="Shape 242"/>
+          <p:cNvPr id="229" name="Shape 229"/>
           <p:cNvSpPr/>
           <p:nvPr>
             <p:ph type="body" sz="quarter" idx="1"/>
@@ -747,7 +731,13 @@
           <a:p>
             <a:pPr/>
             <a:r>
-              <a:t>The default inferred data type is “string” for everything</a:t>
+              <a:t>Instructions in the accompanying Zeppelin notebook</a:t>
+            </a:r>
+          </a:p>
+          <a:p>
+            <a:pPr/>
+            <a:r>
+              <a:t>(this is to prepare the students for the exercise session, here only give an outline)</a:t>
             </a:r>
           </a:p>
         </p:txBody>
@@ -779,7 +769,7 @@
       </p:grpSpPr>
       <p:sp>
         <p:nvSpPr>
-          <p:cNvPr id="247" name="Shape 247"/>
+          <p:cNvPr id="233" name="Shape 233"/>
           <p:cNvSpPr/>
           <p:nvPr>
             <p:ph type="sldImg"/>
@@ -800,7 +790,7 @@
       </p:sp>
       <p:sp>
         <p:nvSpPr>
-          <p:cNvPr id="248" name="Shape 248"/>
+          <p:cNvPr id="234" name="Shape 234"/>
           <p:cNvSpPr/>
           <p:nvPr>
             <p:ph type="body" sz="quarter" idx="1"/>
@@ -817,13 +807,61 @@
           <a:p>
             <a:pPr/>
             <a:r>
-              <a:t>To get correct data types inferred, we use the method “inferSchema”.</a:t>
-            </a:r>
-          </a:p>
-          <a:p>
-            <a:pPr/>
-            <a:r>
-              <a:t>It will inspect the values in each column and assigns the appropriate data type.</a:t>
+              <a:t>Give some examples from the textbook about addresses written in different ways, names spelled with initials or spelled out fully</a:t>
+            </a:r>
+          </a:p>
+          <a:p>
+            <a:pPr/>
+            <a:r>
+              <a:t>Ask students to give examples from their own experience.</a:t>
+            </a:r>
+          </a:p>
+          <a:p>
+            <a:pPr/>
+            <a:r>
+              <a:t>How would they write their own name and address:</a:t>
+            </a:r>
+          </a:p>
+          <a:p>
+            <a:pPr marL="120315" indent="-120315">
+              <a:buSzPct val="100000"/>
+              <a:buChar char="-"/>
+            </a:pPr>
+            <a:r>
+              <a:t>on a passport application form?</a:t>
+            </a:r>
+          </a:p>
+          <a:p>
+            <a:pPr marL="120315" indent="-120315">
+              <a:buSzPct val="100000"/>
+              <a:buChar char="-"/>
+            </a:pPr>
+            <a:r>
+              <a:t>on a postcard?</a:t>
+            </a:r>
+          </a:p>
+          <a:p>
+            <a:pPr marL="120315" indent="-120315">
+              <a:buSzPct val="100000"/>
+              <a:buChar char="-"/>
+            </a:pPr>
+            <a:r>
+              <a:t>on a memo to a friend they ask to come to their house?</a:t>
+            </a:r>
+          </a:p>
+          <a:p>
+            <a:pPr marL="120315" indent="-120315">
+              <a:buSzPct val="100000"/>
+              <a:buChar char="-"/>
+            </a:pPr>
+            <a:r>
+              <a:t>on Amazon’s website for sending merchandise?</a:t>
+            </a:r>
+          </a:p>
+          <a:p>
+            <a:pPr/>
+            <a:r>
+              <a:t>etc. etc. Spot the subtle variations.</a:t>
             </a:r>
           </a:p>
         </p:txBody>
@@ -855,7 +893,7 @@
       </p:grpSpPr>
       <p:sp>
         <p:nvSpPr>
-          <p:cNvPr id="254" name="Shape 254"/>
+          <p:cNvPr id="238" name="Shape 238"/>
           <p:cNvSpPr/>
           <p:nvPr>
             <p:ph type="sldImg"/>
@@ -876,7 +914,7 @@
       </p:sp>
       <p:sp>
         <p:nvSpPr>
-          <p:cNvPr id="255" name="Shape 255"/>
+          <p:cNvPr id="239" name="Shape 239"/>
           <p:cNvSpPr/>
           <p:nvPr>
             <p:ph type="body" sz="quarter" idx="1"/>
@@ -893,13 +931,7 @@
           <a:p>
             <a:pPr/>
             <a:r>
-              <a:t>Here are the results of the datatypes found by Spark.</a:t>
-            </a:r>
-          </a:p>
-          <a:p>
-            <a:pPr/>
-            <a:r>
-              <a:t>Notice that some are “double” while others are “integer”: the inference is fairly sophisticated.</a:t>
+              <a:t>Explain the concept of “case class” in Scala</a:t>
             </a:r>
           </a:p>
         </p:txBody>
@@ -931,7 +963,7 @@
       </p:grpSpPr>
       <p:sp>
         <p:nvSpPr>
-          <p:cNvPr id="260" name="Shape 260"/>
+          <p:cNvPr id="245" name="Shape 245"/>
           <p:cNvSpPr/>
           <p:nvPr>
             <p:ph type="sldImg"/>
@@ -952,7 +984,7 @@
       </p:sp>
       <p:sp>
         <p:nvSpPr>
-          <p:cNvPr id="261" name="Shape 261"/>
+          <p:cNvPr id="246" name="Shape 246"/>
           <p:cNvSpPr/>
           <p:nvPr>
             <p:ph type="body" sz="quarter" idx="1"/>
@@ -969,37 +1001,76 @@
           <a:p>
             <a:pPr/>
             <a:r>
-              <a:t>Explain the operations:</a:t>
-            </a:r>
-          </a:p>
-          <a:p>
-            <a:pPr/>
-            <a:r>
-              <a:t>count() -&gt; see result</a:t>
-            </a:r>
-          </a:p>
-          <a:p>
-            <a:pPr/>
-            <a:r>
-              <a:t>cache() -&gt; results will be kept in memory until caching is disabled</a:t>
-            </a:r>
-          </a:p>
-          <a:p>
-            <a:pPr/>
-            <a:r>
-              <a:t>The next operation is a pipeline, explain each step:</a:t>
-            </a:r>
-          </a:p>
-          <a:p>
-            <a:pPr/>
-            <a:r>
-              <a:t>groupBy(“is_match”) -&gt; how many records are labeled “is_match”</a:t>
-            </a:r>
-          </a:p>
-          <a:p>
-            <a:pPr/>
-            <a:r>
-              <a:t>count() -&gt; etc. etc.</a:t>
+              <a:t>The slides show the wide output from Scala in Zeppelin; warn the students that what they see here is only a segment!</a:t>
+            </a:r>
+          </a:p>
+          <a:p>
+            <a:pPr/>
+            <a:r>
+              <a:t>When they do the exercises, notice how Scala helps viewing Big Data: never trying to dump millions of lines on the</a:t>
+            </a:r>
+          </a:p>
+          <a:p>
+            <a:pPr/>
+            <a:r>
+              <a:t>screen, abbreviating multi-column tables, etc. Remind students again when working with Python (Pandas etc.)</a:t>
+            </a:r>
+          </a:p>
+          <a:p>
+            <a:pPr/>
+            <a:r>
+              <a:t>about the same design issues.</a:t>
+            </a:r>
+          </a:p>
+          <a:p>
+            <a:pPr/>
+          </a:p>
+          <a:p>
+            <a:pPr/>
+            <a:r>
+              <a:t>In a Zeppelin notebook running Scala, the pre-defined “spark” object will be the start of operations.</a:t>
+            </a:r>
+          </a:p>
+          <a:p>
+            <a:pPr/>
+          </a:p>
+          <a:p>
+            <a:pPr/>
+            <a:r>
+              <a:t>Explain the concept of single-assignment “val” values.</a:t>
+            </a:r>
+          </a:p>
+          <a:p>
+            <a:pPr/>
+          </a:p>
+          <a:p>
+            <a:pPr/>
+            <a:r>
+              <a:t>Explain the fields:</a:t>
+            </a:r>
+          </a:p>
+          <a:p>
+            <a:pPr/>
+            <a:r>
+              <a:t>id_1: the unique ID of user 1</a:t>
+            </a:r>
+          </a:p>
+          <a:p>
+            <a:pPr/>
+            <a:r>
+              <a:t>id_2: the unique ID of user 2 (who might be the same as user 1!)</a:t>
+            </a:r>
+          </a:p>
+          <a:p>
+            <a:pPr/>
+            <a:r>
+              <a:t>cmp_fname_c1, etc.: comparison results for various characteristics of the two users</a:t>
+            </a:r>
+          </a:p>
+          <a:p>
+            <a:pPr/>
+            <a:r>
+              <a:t>Not shown here but will be seen in the notebook: the actual result of “identical” or “not identical”</a:t>
             </a:r>
           </a:p>
         </p:txBody>
@@ -1031,7 +1102,7 @@
       </p:grpSpPr>
       <p:sp>
         <p:nvSpPr>
-          <p:cNvPr id="266" name="Shape 266"/>
+          <p:cNvPr id="252" name="Shape 252"/>
           <p:cNvSpPr/>
           <p:nvPr>
             <p:ph type="sldImg"/>
@@ -1052,7 +1123,329 @@
       </p:sp>
       <p:sp>
         <p:nvSpPr>
-          <p:cNvPr id="267" name="Shape 267"/>
+          <p:cNvPr id="253" name="Shape 253"/>
+          <p:cNvSpPr/>
+          <p:nvPr>
+            <p:ph type="body" sz="quarter" idx="1"/>
+          </p:nvPr>
+        </p:nvSpPr>
+        <p:spPr>
+          <a:prstGeom prst="rect">
+            <a:avLst/>
+          </a:prstGeom>
+        </p:spPr>
+        <p:txBody>
+          <a:bodyPr/>
+          <a:lstStyle/>
+          <a:p>
+            <a:pPr/>
+            <a:r>
+              <a:t>The default inferred data type is “string” for everything</a:t>
+            </a:r>
+          </a:p>
+        </p:txBody>
+      </p:sp>
+    </p:spTree>
+  </p:cSld>
+  <p:clrMapOvr>
+    <a:masterClrMapping/>
+  </p:clrMapOvr>
+</p:notes>
+</file>
+
+<file path=ppt/notesSlides/notesSlide16.xml><?xml version="1.0" encoding="utf-8"?>
+<p:notes xmlns:a="http://schemas.openxmlformats.org/drawingml/2006/main" xmlns:r="http://schemas.openxmlformats.org/officeDocument/2006/relationships" xmlns:p="http://schemas.openxmlformats.org/presentationml/2006/main" showMasterSp="1" showMasterPhAnim="1">
+  <p:cSld>
+    <p:spTree>
+      <p:nvGrpSpPr>
+        <p:cNvPr id="1" name=""/>
+        <p:cNvGrpSpPr/>
+        <p:nvPr/>
+      </p:nvGrpSpPr>
+      <p:grpSpPr>
+        <a:xfrm>
+          <a:off x="0" y="0"/>
+          <a:ext cx="0" cy="0"/>
+          <a:chOff x="0" y="0"/>
+          <a:chExt cx="0" cy="0"/>
+        </a:xfrm>
+      </p:grpSpPr>
+      <p:sp>
+        <p:nvSpPr>
+          <p:cNvPr id="258" name="Shape 258"/>
+          <p:cNvSpPr/>
+          <p:nvPr>
+            <p:ph type="sldImg"/>
+          </p:nvPr>
+        </p:nvSpPr>
+        <p:spPr>
+          <a:prstGeom prst="rect">
+            <a:avLst/>
+          </a:prstGeom>
+        </p:spPr>
+        <p:txBody>
+          <a:bodyPr/>
+          <a:lstStyle/>
+          <a:p>
+            <a:pPr/>
+          </a:p>
+        </p:txBody>
+      </p:sp>
+      <p:sp>
+        <p:nvSpPr>
+          <p:cNvPr id="259" name="Shape 259"/>
+          <p:cNvSpPr/>
+          <p:nvPr>
+            <p:ph type="body" sz="quarter" idx="1"/>
+          </p:nvPr>
+        </p:nvSpPr>
+        <p:spPr>
+          <a:prstGeom prst="rect">
+            <a:avLst/>
+          </a:prstGeom>
+        </p:spPr>
+        <p:txBody>
+          <a:bodyPr/>
+          <a:lstStyle/>
+          <a:p>
+            <a:pPr/>
+            <a:r>
+              <a:t>To get correct data types inferred, we use the method “inferSchema”.</a:t>
+            </a:r>
+          </a:p>
+          <a:p>
+            <a:pPr/>
+            <a:r>
+              <a:t>It will inspect the values in each column and assigns the appropriate data type.</a:t>
+            </a:r>
+          </a:p>
+        </p:txBody>
+      </p:sp>
+    </p:spTree>
+  </p:cSld>
+  <p:clrMapOvr>
+    <a:masterClrMapping/>
+  </p:clrMapOvr>
+</p:notes>
+</file>
+
+<file path=ppt/notesSlides/notesSlide17.xml><?xml version="1.0" encoding="utf-8"?>
+<p:notes xmlns:a="http://schemas.openxmlformats.org/drawingml/2006/main" xmlns:r="http://schemas.openxmlformats.org/officeDocument/2006/relationships" xmlns:p="http://schemas.openxmlformats.org/presentationml/2006/main" showMasterSp="1" showMasterPhAnim="1">
+  <p:cSld>
+    <p:spTree>
+      <p:nvGrpSpPr>
+        <p:cNvPr id="1" name=""/>
+        <p:cNvGrpSpPr/>
+        <p:nvPr/>
+      </p:nvGrpSpPr>
+      <p:grpSpPr>
+        <a:xfrm>
+          <a:off x="0" y="0"/>
+          <a:ext cx="0" cy="0"/>
+          <a:chOff x="0" y="0"/>
+          <a:chExt cx="0" cy="0"/>
+        </a:xfrm>
+      </p:grpSpPr>
+      <p:sp>
+        <p:nvSpPr>
+          <p:cNvPr id="265" name="Shape 265"/>
+          <p:cNvSpPr/>
+          <p:nvPr>
+            <p:ph type="sldImg"/>
+          </p:nvPr>
+        </p:nvSpPr>
+        <p:spPr>
+          <a:prstGeom prst="rect">
+            <a:avLst/>
+          </a:prstGeom>
+        </p:spPr>
+        <p:txBody>
+          <a:bodyPr/>
+          <a:lstStyle/>
+          <a:p>
+            <a:pPr/>
+          </a:p>
+        </p:txBody>
+      </p:sp>
+      <p:sp>
+        <p:nvSpPr>
+          <p:cNvPr id="266" name="Shape 266"/>
+          <p:cNvSpPr/>
+          <p:nvPr>
+            <p:ph type="body" sz="quarter" idx="1"/>
+          </p:nvPr>
+        </p:nvSpPr>
+        <p:spPr>
+          <a:prstGeom prst="rect">
+            <a:avLst/>
+          </a:prstGeom>
+        </p:spPr>
+        <p:txBody>
+          <a:bodyPr/>
+          <a:lstStyle/>
+          <a:p>
+            <a:pPr/>
+            <a:r>
+              <a:t>Here are the results of the datatypes found by Spark.</a:t>
+            </a:r>
+          </a:p>
+          <a:p>
+            <a:pPr/>
+            <a:r>
+              <a:t>Notice that some are “double” while others are “integer”: the inference is fairly sophisticated.</a:t>
+            </a:r>
+          </a:p>
+        </p:txBody>
+      </p:sp>
+    </p:spTree>
+  </p:cSld>
+  <p:clrMapOvr>
+    <a:masterClrMapping/>
+  </p:clrMapOvr>
+</p:notes>
+</file>
+
+<file path=ppt/notesSlides/notesSlide18.xml><?xml version="1.0" encoding="utf-8"?>
+<p:notes xmlns:a="http://schemas.openxmlformats.org/drawingml/2006/main" xmlns:r="http://schemas.openxmlformats.org/officeDocument/2006/relationships" xmlns:p="http://schemas.openxmlformats.org/presentationml/2006/main" showMasterSp="1" showMasterPhAnim="1">
+  <p:cSld>
+    <p:spTree>
+      <p:nvGrpSpPr>
+        <p:cNvPr id="1" name=""/>
+        <p:cNvGrpSpPr/>
+        <p:nvPr/>
+      </p:nvGrpSpPr>
+      <p:grpSpPr>
+        <a:xfrm>
+          <a:off x="0" y="0"/>
+          <a:ext cx="0" cy="0"/>
+          <a:chOff x="0" y="0"/>
+          <a:chExt cx="0" cy="0"/>
+        </a:xfrm>
+      </p:grpSpPr>
+      <p:sp>
+        <p:nvSpPr>
+          <p:cNvPr id="271" name="Shape 271"/>
+          <p:cNvSpPr/>
+          <p:nvPr>
+            <p:ph type="sldImg"/>
+          </p:nvPr>
+        </p:nvSpPr>
+        <p:spPr>
+          <a:prstGeom prst="rect">
+            <a:avLst/>
+          </a:prstGeom>
+        </p:spPr>
+        <p:txBody>
+          <a:bodyPr/>
+          <a:lstStyle/>
+          <a:p>
+            <a:pPr/>
+          </a:p>
+        </p:txBody>
+      </p:sp>
+      <p:sp>
+        <p:nvSpPr>
+          <p:cNvPr id="272" name="Shape 272"/>
+          <p:cNvSpPr/>
+          <p:nvPr>
+            <p:ph type="body" sz="quarter" idx="1"/>
+          </p:nvPr>
+        </p:nvSpPr>
+        <p:spPr>
+          <a:prstGeom prst="rect">
+            <a:avLst/>
+          </a:prstGeom>
+        </p:spPr>
+        <p:txBody>
+          <a:bodyPr/>
+          <a:lstStyle/>
+          <a:p>
+            <a:pPr/>
+            <a:r>
+              <a:t>Explain the operations:</a:t>
+            </a:r>
+          </a:p>
+          <a:p>
+            <a:pPr/>
+            <a:r>
+              <a:t>count() -&gt; see result</a:t>
+            </a:r>
+          </a:p>
+          <a:p>
+            <a:pPr/>
+            <a:r>
+              <a:t>cache() -&gt; results will be kept in memory until caching is disabled</a:t>
+            </a:r>
+          </a:p>
+          <a:p>
+            <a:pPr/>
+            <a:r>
+              <a:t>The next operation is a pipeline, explain each step:</a:t>
+            </a:r>
+          </a:p>
+          <a:p>
+            <a:pPr/>
+            <a:r>
+              <a:t>groupBy(“is_match”) -&gt; how many records are labeled “is_match”</a:t>
+            </a:r>
+          </a:p>
+          <a:p>
+            <a:pPr/>
+            <a:r>
+              <a:t>count() -&gt; etc. etc.</a:t>
+            </a:r>
+          </a:p>
+        </p:txBody>
+      </p:sp>
+    </p:spTree>
+  </p:cSld>
+  <p:clrMapOvr>
+    <a:masterClrMapping/>
+  </p:clrMapOvr>
+</p:notes>
+</file>
+
+<file path=ppt/notesSlides/notesSlide19.xml><?xml version="1.0" encoding="utf-8"?>
+<p:notes xmlns:a="http://schemas.openxmlformats.org/drawingml/2006/main" xmlns:r="http://schemas.openxmlformats.org/officeDocument/2006/relationships" xmlns:p="http://schemas.openxmlformats.org/presentationml/2006/main" showMasterSp="1" showMasterPhAnim="1">
+  <p:cSld>
+    <p:spTree>
+      <p:nvGrpSpPr>
+        <p:cNvPr id="1" name=""/>
+        <p:cNvGrpSpPr/>
+        <p:nvPr/>
+      </p:nvGrpSpPr>
+      <p:grpSpPr>
+        <a:xfrm>
+          <a:off x="0" y="0"/>
+          <a:ext cx="0" cy="0"/>
+          <a:chOff x="0" y="0"/>
+          <a:chExt cx="0" cy="0"/>
+        </a:xfrm>
+      </p:grpSpPr>
+      <p:sp>
+        <p:nvSpPr>
+          <p:cNvPr id="277" name="Shape 277"/>
+          <p:cNvSpPr/>
+          <p:nvPr>
+            <p:ph type="sldImg"/>
+          </p:nvPr>
+        </p:nvSpPr>
+        <p:spPr>
+          <a:prstGeom prst="rect">
+            <a:avLst/>
+          </a:prstGeom>
+        </p:spPr>
+        <p:txBody>
+          <a:bodyPr/>
+          <a:lstStyle/>
+          <a:p>
+            <a:pPr/>
+          </a:p>
+        </p:txBody>
+      </p:sp>
+      <p:sp>
+        <p:nvSpPr>
+          <p:cNvPr id="278" name="Shape 278"/>
           <p:cNvSpPr/>
           <p:nvPr>
             <p:ph type="body" sz="quarter" idx="1"/>
@@ -1101,7 +1494,7 @@
       </p:grpSpPr>
       <p:sp>
         <p:nvSpPr>
-          <p:cNvPr id="178" name="Shape 178"/>
+          <p:cNvPr id="150" name="Shape 150"/>
           <p:cNvSpPr/>
           <p:nvPr>
             <p:ph type="sldImg"/>
@@ -1122,7 +1515,7 @@
       </p:sp>
       <p:sp>
         <p:nvSpPr>
-          <p:cNvPr id="179" name="Shape 179"/>
+          <p:cNvPr id="151" name="Shape 151"/>
           <p:cNvSpPr/>
           <p:nvPr>
             <p:ph type="body" sz="quarter" idx="1"/>
@@ -1139,53 +1532,90 @@
           <a:p>
             <a:pPr/>
             <a:r>
-              <a:t>The SMACT acronym:</a:t>
-            </a:r>
-          </a:p>
-          <a:p>
-            <a:pPr/>
-          </a:p>
-          <a:p>
-            <a:pPr/>
-            <a:r>
-              <a:t>Social Networks</a:t>
-            </a:r>
-          </a:p>
-          <a:p>
-            <a:pPr/>
-            <a:r>
-              <a:t>Mobile Systems</a:t>
-            </a:r>
-          </a:p>
-          <a:p>
-            <a:pPr/>
-            <a:r>
-              <a:t>Analytics</a:t>
-            </a:r>
-          </a:p>
-          <a:p>
-            <a:pPr/>
-            <a:r>
-              <a:t>Cloud</a:t>
-            </a:r>
-          </a:p>
-          <a:p>
-            <a:pPr/>
-            <a:r>
-              <a:t>IoT </a:t>
-            </a:r>
-          </a:p>
-          <a:p>
-            <a:pPr/>
-          </a:p>
-          <a:p>
-            <a:pPr/>
-            <a:r>
-              <a:t>IoT domains: H2T, T2H, T2T</a:t>
-            </a:r>
-          </a:p>
-          <a:p>
-            <a:pPr/>
+              <a:t>Contrast with traditional data:</a:t>
+            </a:r>
+          </a:p>
+          <a:p>
+            <a:pPr/>
+            <a:r>
+              <a:t>Volumes were assumed to be manageable in PC local storage by our statistics software</a:t>
+            </a:r>
+          </a:p>
+          <a:p>
+            <a:pPr/>
+            <a:r>
+              <a:t>Velocity: data collection would take months / years (e.g. in medicine), a data analyst (statistician) would get significant time to spend on it</a:t>
+            </a:r>
+          </a:p>
+        </p:txBody>
+      </p:sp>
+    </p:spTree>
+  </p:cSld>
+  <p:clrMapOvr>
+    <a:masterClrMapping/>
+  </p:clrMapOvr>
+</p:notes>
+</file>
+
+<file path=ppt/notesSlides/notesSlide20.xml><?xml version="1.0" encoding="utf-8"?>
+<p:notes xmlns:a="http://schemas.openxmlformats.org/drawingml/2006/main" xmlns:r="http://schemas.openxmlformats.org/officeDocument/2006/relationships" xmlns:p="http://schemas.openxmlformats.org/presentationml/2006/main" showMasterSp="1" showMasterPhAnim="1">
+  <p:cSld>
+    <p:spTree>
+      <p:nvGrpSpPr>
+        <p:cNvPr id="1" name=""/>
+        <p:cNvGrpSpPr/>
+        <p:nvPr/>
+      </p:nvGrpSpPr>
+      <p:grpSpPr>
+        <a:xfrm>
+          <a:off x="0" y="0"/>
+          <a:ext cx="0" cy="0"/>
+          <a:chOff x="0" y="0"/>
+          <a:chExt cx="0" cy="0"/>
+        </a:xfrm>
+      </p:grpSpPr>
+      <p:sp>
+        <p:nvSpPr>
+          <p:cNvPr id="302" name="Shape 302"/>
+          <p:cNvSpPr/>
+          <p:nvPr>
+            <p:ph type="sldImg"/>
+          </p:nvPr>
+        </p:nvSpPr>
+        <p:spPr>
+          <a:prstGeom prst="rect">
+            <a:avLst/>
+          </a:prstGeom>
+        </p:spPr>
+        <p:txBody>
+          <a:bodyPr/>
+          <a:lstStyle/>
+          <a:p>
+            <a:pPr/>
+          </a:p>
+        </p:txBody>
+      </p:sp>
+      <p:sp>
+        <p:nvSpPr>
+          <p:cNvPr id="303" name="Shape 303"/>
+          <p:cNvSpPr/>
+          <p:nvPr>
+            <p:ph type="body" sz="quarter" idx="1"/>
+          </p:nvPr>
+        </p:nvSpPr>
+        <p:spPr>
+          <a:prstGeom prst="rect">
+            <a:avLst/>
+          </a:prstGeom>
+        </p:spPr>
+        <p:txBody>
+          <a:bodyPr/>
+          <a:lstStyle/>
+          <a:p>
+            <a:pPr/>
+            <a:r>
+              <a:t>How would we proceed to do a full data analysis on the effect of each parameter on finding matches?</a:t>
+            </a:r>
           </a:p>
         </p:txBody>
       </p:sp>
@@ -1216,7 +1646,7 @@
       </p:grpSpPr>
       <p:sp>
         <p:nvSpPr>
-          <p:cNvPr id="183" name="Shape 183"/>
+          <p:cNvPr id="155" name="Shape 155"/>
           <p:cNvSpPr/>
           <p:nvPr>
             <p:ph type="sldImg"/>
@@ -1237,7 +1667,7 @@
       </p:sp>
       <p:sp>
         <p:nvSpPr>
-          <p:cNvPr id="184" name="Shape 184"/>
+          <p:cNvPr id="156" name="Shape 156"/>
           <p:cNvSpPr/>
           <p:nvPr>
             <p:ph type="body" sz="quarter" idx="1"/>
@@ -1254,13 +1684,19 @@
           <a:p>
             <a:pPr/>
             <a:r>
-              <a:t>Discuss specific Big Data examples: what data types, timings, extent, usage?</a:t>
-            </a:r>
-          </a:p>
-          <a:p>
-            <a:pPr/>
-            <a:r>
-              <a:t>Students should be encouraged to come up with more examples.</a:t>
+              <a:t>Contrast with traditional data:</a:t>
+            </a:r>
+          </a:p>
+          <a:p>
+            <a:pPr/>
+            <a:r>
+              <a:t>Variety: analysis required good familiarity with the domain, with established data formats and contents</a:t>
+            </a:r>
+          </a:p>
+          <a:p>
+            <a:pPr/>
+            <a:r>
+              <a:t>Veracity: much less personal attention can be given to data, weird things can now happen…</a:t>
             </a:r>
           </a:p>
         </p:txBody>
@@ -1292,7 +1728,7 @@
       </p:grpSpPr>
       <p:sp>
         <p:nvSpPr>
-          <p:cNvPr id="190" name="Shape 190"/>
+          <p:cNvPr id="160" name="Shape 160"/>
           <p:cNvSpPr/>
           <p:nvPr>
             <p:ph type="sldImg"/>
@@ -1313,7 +1749,7 @@
       </p:sp>
       <p:sp>
         <p:nvSpPr>
-          <p:cNvPr id="191" name="Shape 191"/>
+          <p:cNvPr id="161" name="Shape 161"/>
           <p:cNvSpPr/>
           <p:nvPr>
             <p:ph type="body" sz="quarter" idx="1"/>
@@ -1330,33 +1766,13 @@
           <a:p>
             <a:pPr/>
             <a:r>
-              <a:t>See: </a:t>
-            </a:r>
-            <a:r>
-              <a:rPr u="sng">
-                <a:solidFill>
-                  <a:srgbClr val="0000FF"/>
-                </a:solidFill>
-                <a:uFill>
-                  <a:solidFill>
-                    <a:srgbClr val="0000FF"/>
-                  </a:solidFill>
-                </a:uFill>
-                <a:hlinkClick r:id="rId3" invalidUrl="" action="" tgtFrame="" tooltip="" history="1" highlightClick="0" endSnd="0"/>
-              </a:rPr>
-              <a:t>https://hadoop.apache.org/docs/r1.2.1/hdfs_design.html</a:t>
-            </a:r>
-          </a:p>
-          <a:p>
-            <a:pPr/>
-            <a:r>
-              <a:t>The online document needs to be read and understood carefully</a:t>
-            </a:r>
-          </a:p>
-          <a:p>
-            <a:pPr/>
-            <a:r>
-              <a:t>Hadoop and HDFS underlies all subsequent work in the course</a:t>
+              <a:t>Contrast with traditional data:</a:t>
+            </a:r>
+          </a:p>
+          <a:p>
+            <a:pPr/>
+            <a:r>
+              <a:t>Variability: IoT devices are often ad-hoc, not refined over decades; their design and application is geared to get results quickly, instead of becoming part of the infrastructure and getting used over decades.</a:t>
             </a:r>
           </a:p>
         </p:txBody>
@@ -1388,7 +1804,7 @@
       </p:grpSpPr>
       <p:sp>
         <p:nvSpPr>
-          <p:cNvPr id="205" name="Shape 205"/>
+          <p:cNvPr id="165" name="Shape 165"/>
           <p:cNvSpPr/>
           <p:nvPr>
             <p:ph type="sldImg"/>
@@ -1409,7 +1825,7 @@
       </p:sp>
       <p:sp>
         <p:nvSpPr>
-          <p:cNvPr id="206" name="Shape 206"/>
+          <p:cNvPr id="166" name="Shape 166"/>
           <p:cNvSpPr/>
           <p:nvPr>
             <p:ph type="body" sz="quarter" idx="1"/>
@@ -1426,13 +1842,25 @@
           <a:p>
             <a:pPr/>
             <a:r>
-              <a:t>Discuss why data needs to be partitioned and distributed</a:t>
-            </a:r>
-          </a:p>
-          <a:p>
-            <a:pPr/>
-            <a:r>
-              <a:t>What do we mean by “RESILIENT”? To what?</a:t>
+              <a:t>Contrast with traditional data:</a:t>
+            </a:r>
+          </a:p>
+          <a:p>
+            <a:pPr/>
+            <a:r>
+              <a:t>we usually assumed that each data point is valuable, as collecting them involved expensive preparations and human labor.</a:t>
+            </a:r>
+          </a:p>
+          <a:p>
+            <a:pPr/>
+            <a:r>
+              <a:t>Now we can just spread devices everywhere, stream their data into the cloud, and later decide what is needed and what can be thrown away.</a:t>
+            </a:r>
+          </a:p>
+          <a:p>
+            <a:pPr/>
+            <a:r>
+              <a:t>BUT! Many businesses depend vitally on some pieces of IoT data, so even though we throw away some, the part we need is very valuable.</a:t>
             </a:r>
           </a:p>
         </p:txBody>
@@ -1464,7 +1892,7 @@
       </p:grpSpPr>
       <p:sp>
         <p:nvSpPr>
-          <p:cNvPr id="212" name="Shape 212"/>
+          <p:cNvPr id="189" name="Shape 189"/>
           <p:cNvSpPr/>
           <p:nvPr>
             <p:ph type="sldImg"/>
@@ -1485,7 +1913,7 @@
       </p:sp>
       <p:sp>
         <p:nvSpPr>
-          <p:cNvPr id="213" name="Shape 213"/>
+          <p:cNvPr id="190" name="Shape 190"/>
           <p:cNvSpPr/>
           <p:nvPr>
             <p:ph type="body" sz="quarter" idx="1"/>
@@ -1502,32 +1930,53 @@
           <a:p>
             <a:pPr/>
             <a:r>
-              <a:t>Discuss the implications of each application having its own and separate executors:</a:t>
-            </a:r>
-          </a:p>
-          <a:p>
-            <a:pPr marL="120315" indent="-120315">
-              <a:buSzPct val="100000"/>
-              <a:buChar char="-"/>
-            </a:pPr>
-            <a:r>
-              <a:t>positive: isolation of applications, no possible direct effect on each other</a:t>
-            </a:r>
-          </a:p>
-          <a:p>
-            <a:pPr marL="120315" indent="-120315">
-              <a:buSzPct val="100000"/>
-              <a:buChar char="-"/>
-            </a:pPr>
-            <a:r>
-              <a:t>negative: cannot pass information directly, only through external storage</a:t>
-            </a:r>
-          </a:p>
-          <a:p>
-            <a:pPr/>
-            <a:r>
-              <a:t>How does this impact the design of applications?</a:t>
-            </a:r>
+              <a:t>The SMACT acronym:</a:t>
+            </a:r>
+          </a:p>
+          <a:p>
+            <a:pPr/>
+          </a:p>
+          <a:p>
+            <a:pPr/>
+            <a:r>
+              <a:t>Social Networks</a:t>
+            </a:r>
+          </a:p>
+          <a:p>
+            <a:pPr/>
+            <a:r>
+              <a:t>Mobile Systems</a:t>
+            </a:r>
+          </a:p>
+          <a:p>
+            <a:pPr/>
+            <a:r>
+              <a:t>Analytics</a:t>
+            </a:r>
+          </a:p>
+          <a:p>
+            <a:pPr/>
+            <a:r>
+              <a:t>Cloud</a:t>
+            </a:r>
+          </a:p>
+          <a:p>
+            <a:pPr/>
+            <a:r>
+              <a:t>IoT </a:t>
+            </a:r>
+          </a:p>
+          <a:p>
+            <a:pPr/>
+          </a:p>
+          <a:p>
+            <a:pPr/>
+            <a:r>
+              <a:t>IoT domains: H2T, T2H, T2T</a:t>
+            </a:r>
+          </a:p>
+          <a:p>
+            <a:pPr/>
           </a:p>
         </p:txBody>
       </p:sp>
@@ -1558,7 +2007,7 @@
       </p:grpSpPr>
       <p:sp>
         <p:nvSpPr>
-          <p:cNvPr id="217" name="Shape 217"/>
+          <p:cNvPr id="194" name="Shape 194"/>
           <p:cNvSpPr/>
           <p:nvPr>
             <p:ph type="sldImg"/>
@@ -1579,7 +2028,7 @@
       </p:sp>
       <p:sp>
         <p:nvSpPr>
-          <p:cNvPr id="218" name="Shape 218"/>
+          <p:cNvPr id="195" name="Shape 195"/>
           <p:cNvSpPr/>
           <p:nvPr>
             <p:ph type="body" sz="quarter" idx="1"/>
@@ -1596,7 +2045,13 @@
           <a:p>
             <a:pPr/>
             <a:r>
-              <a:t>Instructions in the accompanying Zeppelin notebook</a:t>
+              <a:t>Discuss specific Big Data examples: what data types, timings, extent, usage?</a:t>
+            </a:r>
+          </a:p>
+          <a:p>
+            <a:pPr/>
+            <a:r>
+              <a:t>Students should be encouraged to come up with more examples.</a:t>
             </a:r>
           </a:p>
         </p:txBody>
@@ -1628,7 +2083,7 @@
       </p:grpSpPr>
       <p:sp>
         <p:nvSpPr>
-          <p:cNvPr id="222" name="Shape 222"/>
+          <p:cNvPr id="201" name="Shape 201"/>
           <p:cNvSpPr/>
           <p:nvPr>
             <p:ph type="sldImg"/>
@@ -1649,7 +2104,7 @@
       </p:sp>
       <p:sp>
         <p:nvSpPr>
-          <p:cNvPr id="223" name="Shape 223"/>
+          <p:cNvPr id="202" name="Shape 202"/>
           <p:cNvSpPr/>
           <p:nvPr>
             <p:ph type="body" sz="quarter" idx="1"/>
@@ -1666,7 +2121,33 @@
           <a:p>
             <a:pPr/>
             <a:r>
-              <a:t>Give some examples from the textbook</a:t>
+              <a:t>See: </a:t>
+            </a:r>
+            <a:r>
+              <a:rPr u="sng">
+                <a:solidFill>
+                  <a:srgbClr val="0000FF"/>
+                </a:solidFill>
+                <a:uFill>
+                  <a:solidFill>
+                    <a:srgbClr val="0000FF"/>
+                  </a:solidFill>
+                </a:uFill>
+                <a:hlinkClick r:id="rId3" invalidUrl="" action="" tgtFrame="" tooltip="" history="1" highlightClick="0" endSnd="0"/>
+              </a:rPr>
+              <a:t>https://hadoop.apache.org/docs/r1.2.1/hdfs_design.html</a:t>
+            </a:r>
+          </a:p>
+          <a:p>
+            <a:pPr/>
+            <a:r>
+              <a:t>The online document needs to be read and understood carefully</a:t>
+            </a:r>
+          </a:p>
+          <a:p>
+            <a:pPr/>
+            <a:r>
+              <a:t>Hadoop and HDFS underlies all subsequent work in the course</a:t>
             </a:r>
           </a:p>
         </p:txBody>
@@ -1698,7 +2179,7 @@
       </p:grpSpPr>
       <p:sp>
         <p:nvSpPr>
-          <p:cNvPr id="227" name="Shape 227"/>
+          <p:cNvPr id="216" name="Shape 216"/>
           <p:cNvSpPr/>
           <p:nvPr>
             <p:ph type="sldImg"/>
@@ -1719,7 +2200,7 @@
       </p:sp>
       <p:sp>
         <p:nvSpPr>
-          <p:cNvPr id="228" name="Shape 228"/>
+          <p:cNvPr id="217" name="Shape 217"/>
           <p:cNvSpPr/>
           <p:nvPr>
             <p:ph type="body" sz="quarter" idx="1"/>
@@ -1736,7 +2217,13 @@
           <a:p>
             <a:pPr/>
             <a:r>
-              <a:t>Explain the concept of “case class” in Scala</a:t>
+              <a:t>Discuss why data needs to be partitioned and distributed</a:t>
+            </a:r>
+          </a:p>
+          <a:p>
+            <a:pPr/>
+            <a:r>
+              <a:t>What do we mean by “RESILIENT”? To what?</a:t>
             </a:r>
           </a:p>
         </p:txBody>
@@ -4657,7 +5144,7 @@
       </p:grpSpPr>
       <p:sp>
         <p:nvSpPr>
-          <p:cNvPr id="154" name="The “6 Vs” of Big Data"/>
+          <p:cNvPr id="158" name="The “6 Vs” of Big Data"/>
           <p:cNvSpPr txBox="1"/>
           <p:nvPr>
             <p:ph type="title"/>
@@ -4681,14 +5168,14 @@
       </p:sp>
       <p:sp>
         <p:nvSpPr>
-          <p:cNvPr id="155" name="• Value: Value is the transformation of big data to useful information and insights that bring competitive advantage to organizations. A data value highly depends on both the underlying processes/services and the way that data is treated. For example, a certain application (e.g., medical vital sign monitoring) may need to capture all sensor data, while a weather forecast service may need just random samples of data from its sensors. As another example, a credit card provider may need to keep data for a specific period of time and discard them thereafter."/>
+          <p:cNvPr id="159" name="• Variability: This property refers to the different rates of data flow. Depending on the nature of IoT applications, different data generating components may have inconsistent data flows. Moreover, it is possible for a data source to have different rates of data load based on specific times. For example, a parking service application that utilizes IoT sensors may have a peak data load in rush hours."/>
           <p:cNvSpPr txBox="1"/>
           <p:nvPr/>
         </p:nvSpPr>
         <p:spPr>
           <a:xfrm>
-            <a:off x="675229" y="1839276"/>
-            <a:ext cx="7793542" cy="3774441"/>
+            <a:off x="1058659" y="1541780"/>
+            <a:ext cx="7026682" cy="3774441"/>
           </a:xfrm>
           <a:prstGeom prst="rect">
             <a:avLst/>
@@ -4706,15 +5193,18 @@
           <a:bodyPr lIns="45719" rIns="45719">
             <a:spAutoFit/>
           </a:bodyPr>
-          <a:lstStyle>
-            <a:lvl1pPr>
+          <a:lstStyle/>
+          <a:p>
+            <a:pPr>
               <a:defRPr sz="2400"/>
-            </a:lvl1pPr>
-          </a:lstStyle>
-          <a:p>
-            <a:pPr/>
-            <a:r>
-              <a:t>• Value: Value is the transformation of big data to useful information and insights that bring competitive advantage to organizations. A data value highly depends on both the underlying processes/services and the way that data is treated. For example, a certain application (e.g., medical vital sign monitoring) may need to capture all sensor data, while a weather forecast service may need just random samples of data from its sensors. As another example, a credit card provider may need to keep data for a specific period of time and discard them thereafter.</a:t>
+            </a:pPr>
+          </a:p>
+          <a:p>
+            <a:pPr>
+              <a:defRPr sz="2400"/>
+            </a:pPr>
+            <a:r>
+              <a:t>• Variability: This property refers to the different rates of data flow. Depending on the nature of IoT applications, different data generating components may have inconsistent data flows. Moreover, it is possible for a data source to have different rates of data load based on specific times. For example, a parking service application that utilizes IoT sensors may have a peak data load in rush hours.</a:t>
             </a:r>
           </a:p>
         </p:txBody>
@@ -4747,7 +5237,7 @@
       </p:grpSpPr>
       <p:sp>
         <p:nvSpPr>
-          <p:cNvPr id="157" name="Context for IoT Big Data: the SMACT model"/>
+          <p:cNvPr id="163" name="The “6 Vs” of Big Data"/>
           <p:cNvSpPr txBox="1"/>
           <p:nvPr>
             <p:ph type="title"/>
@@ -4764,423 +5254,21 @@
           <a:p>
             <a:pPr/>
             <a:r>
-              <a:t>Context for IoT Big Data: the SMACT model</a:t>
-            </a:r>
-          </a:p>
-        </p:txBody>
-      </p:sp>
-      <p:pic>
-        <p:nvPicPr>
-          <p:cNvPr id="158" name="Picture Placeholder 2" descr="Picture Placeholder 2"/>
-          <p:cNvPicPr>
-            <a:picLocks noChangeAspect="1"/>
-          </p:cNvPicPr>
-          <p:nvPr>
-            <p:ph type="pic" idx="13"/>
-          </p:nvPr>
-        </p:nvPicPr>
-        <p:blipFill>
-          <a:blip r:embed="rId3">
-            <a:extLst/>
-          </a:blip>
-          <a:srcRect l="0" t="0" r="0" b="0"/>
-          <a:stretch>
-            <a:fillRect/>
-          </a:stretch>
-        </p:blipFill>
-        <p:spPr>
-          <a:prstGeom prst="rect">
-            <a:avLst/>
-          </a:prstGeom>
-        </p:spPr>
-      </p:pic>
-      <p:sp>
-        <p:nvSpPr>
-          <p:cNvPr id="159" name="The SMACT technologies…"/>
-          <p:cNvSpPr txBox="1"/>
-          <p:nvPr>
-            <p:ph type="body" sz="quarter" idx="1"/>
-          </p:nvPr>
-        </p:nvSpPr>
-        <p:spPr>
-          <a:prstGeom prst="rect">
-            <a:avLst/>
-          </a:prstGeom>
-        </p:spPr>
-        <p:txBody>
-          <a:bodyPr/>
-          <a:lstStyle/>
-          <a:p>
-            <a:pPr/>
-            <a:r>
-              <a:t>The SMACT technologies</a:t>
-            </a:r>
-          </a:p>
-          <a:p>
-            <a:pPr/>
-            <a:r>
-              <a:t>(reference: Big-Data Analytics p.15, Fig.1.7)</a:t>
-            </a:r>
-          </a:p>
-        </p:txBody>
-      </p:sp>
-      <p:sp>
-        <p:nvSpPr>
-          <p:cNvPr id="160" name="Big Data Analytics"/>
-          <p:cNvSpPr/>
-          <p:nvPr/>
-        </p:nvSpPr>
-        <p:spPr>
-          <a:xfrm>
-            <a:off x="1988766" y="913535"/>
-            <a:ext cx="1562464" cy="1103883"/>
-          </a:xfrm>
-          <a:prstGeom prst="ellipse">
-            <a:avLst/>
-          </a:prstGeom>
-          <a:solidFill>
-            <a:srgbClr val="FFFFFF"/>
-          </a:solidFill>
-          <a:ln w="25400">
-            <a:solidFill>
-              <a:schemeClr val="accent1"/>
-            </a:solidFill>
-          </a:ln>
-          <a:effectLst>
-            <a:outerShdw sx="100000" sy="100000" kx="0" ky="0" algn="b" rotWithShape="0" blurRad="38100" dist="23000" dir="5400000">
-              <a:srgbClr val="000000">
-                <a:alpha val="35000"/>
-              </a:srgbClr>
-            </a:outerShdw>
-          </a:effectLst>
-          <a:extLst>
-            <a:ext uri="{C572A759-6A51-4108-AA02-DFA0A04FC94B}">
-              <ma14:wrappingTextBoxFlag xmlns:ma14="http://schemas.microsoft.com/office/mac/drawingml/2011/main" val="1"/>
-            </a:ext>
-          </a:extLst>
-        </p:spPr>
-        <p:txBody>
-          <a:bodyPr lIns="45719" rIns="45719" anchor="ctr"/>
-          <a:lstStyle>
-            <a:lvl1pPr algn="ctr"/>
-          </a:lstStyle>
-          <a:p>
-            <a:pPr/>
-            <a:r>
-              <a:t>Big Data Analytics</a:t>
-            </a:r>
-          </a:p>
-        </p:txBody>
-      </p:sp>
-      <p:sp>
-        <p:nvSpPr>
-          <p:cNvPr id="161" name="Social Networks"/>
-          <p:cNvSpPr/>
-          <p:nvPr/>
-        </p:nvSpPr>
-        <p:spPr>
-          <a:xfrm>
-            <a:off x="5539361" y="832255"/>
-            <a:ext cx="1562464" cy="1103883"/>
-          </a:xfrm>
-          <a:prstGeom prst="ellipse">
-            <a:avLst/>
-          </a:prstGeom>
-          <a:solidFill>
-            <a:srgbClr val="FFFFFF"/>
-          </a:solidFill>
-          <a:ln w="25400">
-            <a:solidFill>
-              <a:schemeClr val="accent1"/>
-            </a:solidFill>
-          </a:ln>
-          <a:effectLst>
-            <a:outerShdw sx="100000" sy="100000" kx="0" ky="0" algn="b" rotWithShape="0" blurRad="38100" dist="23000" dir="5400000">
-              <a:srgbClr val="000000">
-                <a:alpha val="35000"/>
-              </a:srgbClr>
-            </a:outerShdw>
-          </a:effectLst>
-          <a:extLst>
-            <a:ext uri="{C572A759-6A51-4108-AA02-DFA0A04FC94B}">
-              <ma14:wrappingTextBoxFlag xmlns:ma14="http://schemas.microsoft.com/office/mac/drawingml/2011/main" val="1"/>
-            </a:ext>
-          </a:extLst>
-        </p:spPr>
-        <p:txBody>
-          <a:bodyPr lIns="45719" rIns="45719" anchor="ctr"/>
-          <a:lstStyle>
-            <a:lvl1pPr algn="ctr"/>
-          </a:lstStyle>
-          <a:p>
-            <a:pPr/>
-            <a:r>
-              <a:t>Social Networks</a:t>
-            </a:r>
-          </a:p>
-        </p:txBody>
-      </p:sp>
-      <p:sp>
-        <p:nvSpPr>
-          <p:cNvPr id="162" name="Cloud Platforms"/>
-          <p:cNvSpPr/>
-          <p:nvPr/>
-        </p:nvSpPr>
-        <p:spPr>
-          <a:xfrm>
-            <a:off x="3790768" y="1978594"/>
-            <a:ext cx="1562464" cy="1103883"/>
-          </a:xfrm>
-          <a:prstGeom prst="ellipse">
-            <a:avLst/>
-          </a:prstGeom>
-          <a:solidFill>
-            <a:srgbClr val="FFFFFF"/>
-          </a:solidFill>
-          <a:ln w="25400">
-            <a:solidFill>
-              <a:schemeClr val="accent1"/>
-            </a:solidFill>
-          </a:ln>
-          <a:effectLst>
-            <a:outerShdw sx="100000" sy="100000" kx="0" ky="0" algn="b" rotWithShape="0" blurRad="38100" dist="23000" dir="5400000">
-              <a:srgbClr val="000000">
-                <a:alpha val="35000"/>
-              </a:srgbClr>
-            </a:outerShdw>
-          </a:effectLst>
-          <a:extLst>
-            <a:ext uri="{C572A759-6A51-4108-AA02-DFA0A04FC94B}">
-              <ma14:wrappingTextBoxFlag xmlns:ma14="http://schemas.microsoft.com/office/mac/drawingml/2011/main" val="1"/>
-            </a:ext>
-          </a:extLst>
-        </p:spPr>
-        <p:txBody>
-          <a:bodyPr lIns="45719" rIns="45719" anchor="ctr"/>
-          <a:lstStyle>
-            <a:lvl1pPr algn="ctr"/>
-          </a:lstStyle>
-          <a:p>
-            <a:pPr/>
-            <a:r>
-              <a:t>Cloud Platforms</a:t>
-            </a:r>
-          </a:p>
-        </p:txBody>
-      </p:sp>
-      <p:sp>
-        <p:nvSpPr>
-          <p:cNvPr id="163" name="IoT"/>
-          <p:cNvSpPr/>
-          <p:nvPr/>
-        </p:nvSpPr>
-        <p:spPr>
-          <a:xfrm>
-            <a:off x="1988766" y="3284487"/>
-            <a:ext cx="1562464" cy="1103883"/>
-          </a:xfrm>
-          <a:prstGeom prst="ellipse">
-            <a:avLst/>
-          </a:prstGeom>
-          <a:solidFill>
-            <a:srgbClr val="FFFFFF"/>
-          </a:solidFill>
-          <a:ln w="25400">
-            <a:solidFill>
-              <a:schemeClr val="accent1"/>
-            </a:solidFill>
-          </a:ln>
-          <a:effectLst>
-            <a:outerShdw sx="100000" sy="100000" kx="0" ky="0" algn="b" rotWithShape="0" blurRad="38100" dist="23000" dir="5400000">
-              <a:srgbClr val="000000">
-                <a:alpha val="35000"/>
-              </a:srgbClr>
-            </a:outerShdw>
-          </a:effectLst>
-          <a:extLst>
-            <a:ext uri="{C572A759-6A51-4108-AA02-DFA0A04FC94B}">
-              <ma14:wrappingTextBoxFlag xmlns:ma14="http://schemas.microsoft.com/office/mac/drawingml/2011/main" val="1"/>
-            </a:ext>
-          </a:extLst>
-        </p:spPr>
-        <p:txBody>
-          <a:bodyPr lIns="45719" rIns="45719" anchor="ctr"/>
-          <a:lstStyle>
-            <a:lvl1pPr algn="ctr"/>
-          </a:lstStyle>
-          <a:p>
-            <a:pPr/>
-            <a:r>
-              <a:t>IoT</a:t>
-            </a:r>
-          </a:p>
-        </p:txBody>
-      </p:sp>
-      <p:sp>
-        <p:nvSpPr>
-          <p:cNvPr id="164" name="Mobile Systems"/>
-          <p:cNvSpPr/>
-          <p:nvPr/>
-        </p:nvSpPr>
-        <p:spPr>
-          <a:xfrm>
-            <a:off x="5344808" y="3284487"/>
-            <a:ext cx="1562464" cy="1103883"/>
-          </a:xfrm>
-          <a:prstGeom prst="ellipse">
-            <a:avLst/>
-          </a:prstGeom>
-          <a:solidFill>
-            <a:srgbClr val="FFFFFF"/>
-          </a:solidFill>
-          <a:ln w="25400">
-            <a:solidFill>
-              <a:schemeClr val="accent1"/>
-            </a:solidFill>
-          </a:ln>
-          <a:effectLst>
-            <a:outerShdw sx="100000" sy="100000" kx="0" ky="0" algn="b" rotWithShape="0" blurRad="38100" dist="23000" dir="5400000">
-              <a:srgbClr val="000000">
-                <a:alpha val="35000"/>
-              </a:srgbClr>
-            </a:outerShdw>
-          </a:effectLst>
-          <a:extLst>
-            <a:ext uri="{C572A759-6A51-4108-AA02-DFA0A04FC94B}">
-              <ma14:wrappingTextBoxFlag xmlns:ma14="http://schemas.microsoft.com/office/mac/drawingml/2011/main" val="1"/>
-            </a:ext>
-          </a:extLst>
-        </p:spPr>
-        <p:txBody>
-          <a:bodyPr lIns="45719" rIns="45719" anchor="ctr"/>
-          <a:lstStyle>
-            <a:lvl1pPr algn="ctr"/>
-          </a:lstStyle>
-          <a:p>
-            <a:pPr/>
-            <a:r>
-              <a:t>Mobile Systems</a:t>
-            </a:r>
-          </a:p>
-        </p:txBody>
-      </p:sp>
-      <p:sp>
-        <p:nvSpPr>
-          <p:cNvPr id="165" name="Line"/>
-          <p:cNvSpPr/>
-          <p:nvPr/>
-        </p:nvSpPr>
-        <p:spPr>
-          <a:xfrm flipV="1">
-            <a:off x="2769997" y="2043159"/>
-            <a:ext cx="1" cy="1254032"/>
-          </a:xfrm>
-          <a:prstGeom prst="line">
-            <a:avLst/>
-          </a:prstGeom>
-          <a:ln w="25400">
-            <a:solidFill>
-              <a:schemeClr val="accent1"/>
-            </a:solidFill>
-          </a:ln>
-          <a:effectLst>
-            <a:outerShdw sx="100000" sy="100000" kx="0" ky="0" algn="b" rotWithShape="0" blurRad="38100" dist="20000" dir="5400000">
-              <a:srgbClr val="000000">
-                <a:alpha val="38000"/>
-              </a:srgbClr>
-            </a:outerShdw>
-          </a:effectLst>
-        </p:spPr>
-        <p:txBody>
-          <a:bodyPr lIns="45719" rIns="45719"/>
-          <a:lstStyle/>
-          <a:p>
-            <a:pPr/>
-          </a:p>
-        </p:txBody>
-      </p:sp>
-      <p:sp>
-        <p:nvSpPr>
-          <p:cNvPr id="166" name="Line"/>
-          <p:cNvSpPr/>
-          <p:nvPr/>
-        </p:nvSpPr>
-        <p:spPr>
-          <a:xfrm flipV="1">
-            <a:off x="3296170" y="2996332"/>
-            <a:ext cx="850020" cy="463779"/>
-          </a:xfrm>
-          <a:prstGeom prst="line">
-            <a:avLst/>
-          </a:prstGeom>
-          <a:ln w="25400">
-            <a:solidFill>
-              <a:schemeClr val="accent1"/>
-            </a:solidFill>
-          </a:ln>
-          <a:effectLst>
-            <a:outerShdw sx="100000" sy="100000" kx="0" ky="0" algn="b" rotWithShape="0" blurRad="38100" dist="20000" dir="5400000">
-              <a:srgbClr val="000000">
-                <a:alpha val="38000"/>
-              </a:srgbClr>
-            </a:outerShdw>
-          </a:effectLst>
-        </p:spPr>
-        <p:txBody>
-          <a:bodyPr lIns="45719" rIns="45719"/>
-          <a:lstStyle/>
-          <a:p>
-            <a:pPr/>
-          </a:p>
-        </p:txBody>
-      </p:sp>
-      <p:sp>
-        <p:nvSpPr>
-          <p:cNvPr id="167" name="Rounded Rectangle"/>
-          <p:cNvSpPr/>
-          <p:nvPr/>
-        </p:nvSpPr>
-        <p:spPr>
-          <a:xfrm>
-            <a:off x="1894191" y="718765"/>
-            <a:ext cx="5282594" cy="2481589"/>
-          </a:xfrm>
-          <a:prstGeom prst="roundRect">
-            <a:avLst>
-              <a:gd name="adj" fmla="val 15000"/>
-            </a:avLst>
-          </a:prstGeom>
-          <a:ln w="25400">
-            <a:solidFill>
-              <a:schemeClr val="accent1"/>
-            </a:solidFill>
-          </a:ln>
-          <a:effectLst>
-            <a:outerShdw sx="100000" sy="100000" kx="0" ky="0" algn="b" rotWithShape="0" blurRad="38100" dist="23000" dir="5400000">
-              <a:srgbClr val="000000">
-                <a:alpha val="35000"/>
-              </a:srgbClr>
-            </a:outerShdw>
-          </a:effectLst>
-        </p:spPr>
-        <p:txBody>
-          <a:bodyPr lIns="45719" rIns="45719" anchor="ctr"/>
-          <a:lstStyle/>
-          <a:p>
-            <a:pPr/>
-          </a:p>
-        </p:txBody>
-      </p:sp>
-      <p:sp>
-        <p:nvSpPr>
-          <p:cNvPr id="168" name="Internet"/>
+              <a:t>The “6 Vs” of Big Data</a:t>
+            </a:r>
+          </a:p>
+        </p:txBody>
+      </p:sp>
+      <p:sp>
+        <p:nvSpPr>
+          <p:cNvPr id="164" name="• Value: Value is the transformation of big data to useful information and insights that bring competitive advantage to organizations. A data value highly depends on both the underlying processes/services and the way that data is treated. For example, a certain application (e.g., medical vital sign monitoring) may need to capture all sensor data, while a weather forecast service may need just random samples of data from its sensors. As another example, a credit card provider may need to keep data for a specific period of time and discard them thereafter."/>
           <p:cNvSpPr txBox="1"/>
           <p:nvPr/>
         </p:nvSpPr>
         <p:spPr>
           <a:xfrm>
-            <a:off x="4294611" y="714388"/>
-            <a:ext cx="856467" cy="370841"/>
+            <a:off x="675229" y="1839276"/>
+            <a:ext cx="7793542" cy="3774441"/>
           </a:xfrm>
           <a:prstGeom prst="rect">
             <a:avLst/>
@@ -5195,334 +5283,22 @@
           </a:extLst>
         </p:spPr>
         <p:txBody>
-          <a:bodyPr wrap="none" lIns="45719" rIns="45719">
+          <a:bodyPr lIns="45719" rIns="45719">
             <a:spAutoFit/>
           </a:bodyPr>
-          <a:lstStyle/>
-          <a:p>
-            <a:pPr/>
-            <a:r>
-              <a:t>Internet</a:t>
-            </a:r>
-          </a:p>
-        </p:txBody>
-      </p:sp>
-      <p:sp>
-        <p:nvSpPr>
-          <p:cNvPr id="169" name="Line"/>
-          <p:cNvSpPr/>
-          <p:nvPr/>
-        </p:nvSpPr>
-        <p:spPr>
-          <a:xfrm>
-            <a:off x="3296170" y="1836925"/>
-            <a:ext cx="557759" cy="557759"/>
-          </a:xfrm>
-          <a:prstGeom prst="line">
-            <a:avLst/>
-          </a:prstGeom>
-          <a:ln w="25400">
-            <a:solidFill>
-              <a:schemeClr val="accent1"/>
-            </a:solidFill>
-          </a:ln>
-          <a:effectLst>
-            <a:outerShdw sx="100000" sy="100000" kx="0" ky="0" algn="b" rotWithShape="0" blurRad="38100" dist="20000" dir="5400000">
-              <a:srgbClr val="000000">
-                <a:alpha val="38000"/>
-              </a:srgbClr>
-            </a:outerShdw>
-          </a:effectLst>
-        </p:spPr>
-        <p:txBody>
-          <a:bodyPr lIns="45719" rIns="45719"/>
-          <a:lstStyle/>
-          <a:p>
-            <a:pPr/>
-          </a:p>
-        </p:txBody>
-      </p:sp>
-      <p:sp>
-        <p:nvSpPr>
-          <p:cNvPr id="170" name="Line"/>
-          <p:cNvSpPr/>
-          <p:nvPr/>
-        </p:nvSpPr>
-        <p:spPr>
-          <a:xfrm flipH="1">
-            <a:off x="5319187" y="1704263"/>
-            <a:ext cx="380231" cy="674281"/>
-          </a:xfrm>
-          <a:prstGeom prst="line">
-            <a:avLst/>
-          </a:prstGeom>
-          <a:ln w="25400">
-            <a:solidFill>
-              <a:schemeClr val="accent1"/>
-            </a:solidFill>
-          </a:ln>
-          <a:effectLst>
-            <a:outerShdw sx="100000" sy="100000" kx="0" ky="0" algn="b" rotWithShape="0" blurRad="38100" dist="20000" dir="5400000">
-              <a:srgbClr val="000000">
-                <a:alpha val="38000"/>
-              </a:srgbClr>
-            </a:outerShdw>
-          </a:effectLst>
-        </p:spPr>
-        <p:txBody>
-          <a:bodyPr lIns="45719" rIns="45719"/>
-          <a:lstStyle/>
-          <a:p>
-            <a:pPr/>
-          </a:p>
-        </p:txBody>
-      </p:sp>
-      <p:sp>
-        <p:nvSpPr>
-          <p:cNvPr id="171" name="Learning"/>
-          <p:cNvSpPr txBox="1"/>
-          <p:nvPr/>
-        </p:nvSpPr>
-        <p:spPr>
-          <a:xfrm>
-            <a:off x="3269450" y="1577339"/>
-            <a:ext cx="903460" cy="370841"/>
-          </a:xfrm>
-          <a:prstGeom prst="rect">
-            <a:avLst/>
-          </a:prstGeom>
-          <a:ln w="12700">
-            <a:miter lim="400000"/>
-          </a:ln>
-          <a:extLst>
-            <a:ext uri="{C572A759-6A51-4108-AA02-DFA0A04FC94B}">
-              <ma14:wrappingTextBoxFlag xmlns:ma14="http://schemas.microsoft.com/office/mac/drawingml/2011/main" val="1"/>
-            </a:ext>
-          </a:extLst>
-        </p:spPr>
-        <p:txBody>
-          <a:bodyPr wrap="none" lIns="45719" rIns="45719">
-            <a:spAutoFit/>
-          </a:bodyPr>
-          <a:lstStyle/>
-          <a:p>
-            <a:pPr/>
-            <a:r>
-              <a:t>Learning</a:t>
-            </a:r>
-          </a:p>
-        </p:txBody>
-      </p:sp>
-      <p:sp>
-        <p:nvSpPr>
-          <p:cNvPr id="172" name="Mining"/>
-          <p:cNvSpPr txBox="1"/>
-          <p:nvPr/>
-        </p:nvSpPr>
-        <p:spPr>
-          <a:xfrm>
-            <a:off x="5570642" y="1934678"/>
-            <a:ext cx="752325" cy="370841"/>
-          </a:xfrm>
-          <a:prstGeom prst="rect">
-            <a:avLst/>
-          </a:prstGeom>
-          <a:ln w="12700">
-            <a:miter lim="400000"/>
-          </a:ln>
-          <a:extLst>
-            <a:ext uri="{C572A759-6A51-4108-AA02-DFA0A04FC94B}">
-              <ma14:wrappingTextBoxFlag xmlns:ma14="http://schemas.microsoft.com/office/mac/drawingml/2011/main" val="1"/>
-            </a:ext>
-          </a:extLst>
-        </p:spPr>
-        <p:txBody>
-          <a:bodyPr wrap="none" lIns="45719" rIns="45719">
-            <a:spAutoFit/>
-          </a:bodyPr>
-          <a:lstStyle/>
-          <a:p>
-            <a:pPr/>
-            <a:r>
-              <a:t>Mining</a:t>
-            </a:r>
-          </a:p>
-        </p:txBody>
-      </p:sp>
-      <p:sp>
-        <p:nvSpPr>
-          <p:cNvPr id="173" name="Sensing"/>
-          <p:cNvSpPr txBox="1"/>
-          <p:nvPr/>
-        </p:nvSpPr>
-        <p:spPr>
-          <a:xfrm>
-            <a:off x="2527301" y="2281262"/>
-            <a:ext cx="812600" cy="370841"/>
-          </a:xfrm>
-          <a:prstGeom prst="rect">
-            <a:avLst/>
-          </a:prstGeom>
-          <a:ln w="12700">
-            <a:miter lim="400000"/>
-          </a:ln>
-          <a:extLst>
-            <a:ext uri="{C572A759-6A51-4108-AA02-DFA0A04FC94B}">
-              <ma14:wrappingTextBoxFlag xmlns:ma14="http://schemas.microsoft.com/office/mac/drawingml/2011/main" val="1"/>
-            </a:ext>
-          </a:extLst>
-        </p:spPr>
-        <p:txBody>
-          <a:bodyPr wrap="none" lIns="45719" rIns="45719">
-            <a:spAutoFit/>
-          </a:bodyPr>
-          <a:lstStyle/>
-          <a:p>
-            <a:pPr/>
-            <a:r>
-              <a:t>Sensing</a:t>
-            </a:r>
-          </a:p>
-        </p:txBody>
-      </p:sp>
-      <p:sp>
-        <p:nvSpPr>
-          <p:cNvPr id="174" name="Mining"/>
-          <p:cNvSpPr txBox="1"/>
-          <p:nvPr/>
-        </p:nvSpPr>
-        <p:spPr>
-          <a:xfrm>
-            <a:off x="3552829" y="3243579"/>
-            <a:ext cx="752324" cy="370841"/>
-          </a:xfrm>
-          <a:prstGeom prst="rect">
-            <a:avLst/>
-          </a:prstGeom>
-          <a:ln w="12700">
-            <a:miter lim="400000"/>
-          </a:ln>
-          <a:extLst>
-            <a:ext uri="{C572A759-6A51-4108-AA02-DFA0A04FC94B}">
-              <ma14:wrappingTextBoxFlag xmlns:ma14="http://schemas.microsoft.com/office/mac/drawingml/2011/main" val="1"/>
-            </a:ext>
-          </a:extLst>
-        </p:spPr>
-        <p:txBody>
-          <a:bodyPr wrap="none" lIns="45719" rIns="45719">
-            <a:spAutoFit/>
-          </a:bodyPr>
-          <a:lstStyle/>
-          <a:p>
-            <a:pPr/>
-            <a:r>
-              <a:t>Mining</a:t>
-            </a:r>
-          </a:p>
-        </p:txBody>
-      </p:sp>
-      <p:sp>
-        <p:nvSpPr>
-          <p:cNvPr id="175" name="Line"/>
-          <p:cNvSpPr/>
-          <p:nvPr/>
-        </p:nvSpPr>
-        <p:spPr>
-          <a:xfrm>
-            <a:off x="4941356" y="3032252"/>
-            <a:ext cx="627592" cy="391939"/>
-          </a:xfrm>
-          <a:prstGeom prst="line">
-            <a:avLst/>
-          </a:prstGeom>
-          <a:ln w="25400">
-            <a:solidFill>
-              <a:schemeClr val="accent1"/>
-            </a:solidFill>
-          </a:ln>
-          <a:effectLst>
-            <a:outerShdw sx="100000" sy="100000" kx="0" ky="0" algn="b" rotWithShape="0" blurRad="38100" dist="20000" dir="5400000">
-              <a:srgbClr val="000000">
-                <a:alpha val="38000"/>
-              </a:srgbClr>
-            </a:outerShdw>
-          </a:effectLst>
-        </p:spPr>
-        <p:txBody>
-          <a:bodyPr lIns="45719" rIns="45719"/>
-          <a:lstStyle/>
-          <a:p>
-            <a:pPr/>
-          </a:p>
-        </p:txBody>
-      </p:sp>
-      <p:sp>
-        <p:nvSpPr>
-          <p:cNvPr id="176" name="Aggregation"/>
-          <p:cNvSpPr txBox="1"/>
-          <p:nvPr/>
-        </p:nvSpPr>
-        <p:spPr>
-          <a:xfrm>
-            <a:off x="5268425" y="2745739"/>
-            <a:ext cx="1224594" cy="370841"/>
-          </a:xfrm>
-          <a:prstGeom prst="rect">
-            <a:avLst/>
-          </a:prstGeom>
-          <a:ln w="12700">
-            <a:miter lim="400000"/>
-          </a:ln>
-          <a:extLst>
-            <a:ext uri="{C572A759-6A51-4108-AA02-DFA0A04FC94B}">
-              <ma14:wrappingTextBoxFlag xmlns:ma14="http://schemas.microsoft.com/office/mac/drawingml/2011/main" val="1"/>
-            </a:ext>
-          </a:extLst>
-        </p:spPr>
-        <p:txBody>
-          <a:bodyPr wrap="none" lIns="45719" rIns="45719">
-            <a:spAutoFit/>
-          </a:bodyPr>
-          <a:lstStyle/>
-          <a:p>
-            <a:pPr/>
-            <a:r>
-              <a:t>Aggregation</a:t>
-            </a:r>
-          </a:p>
-        </p:txBody>
-      </p:sp>
-      <p:cxnSp>
-        <p:nvCxnSpPr>
-          <p:cNvPr id="177" name="Connection Line"/>
-          <p:cNvCxnSpPr>
-            <a:stCxn id="161" idx="0"/>
-            <a:endCxn id="163" idx="0"/>
-          </p:cNvCxnSpPr>
-          <p:nvPr/>
-        </p:nvCxnSpPr>
-        <p:spPr>
-          <a:xfrm flipH="1">
-            <a:off x="2769997" y="1384196"/>
-            <a:ext cx="3550597" cy="2452233"/>
-          </a:xfrm>
-          <a:prstGeom prst="straightConnector1">
-            <a:avLst/>
-          </a:prstGeom>
-          <a:ln w="25400">
-            <a:solidFill>
-              <a:schemeClr val="accent1"/>
-            </a:solidFill>
-          </a:ln>
-          <a:effectLst>
-            <a:outerShdw sx="100000" sy="100000" kx="0" ky="0" algn="b" rotWithShape="0" blurRad="38100" dist="20000" dir="5400000">
-              <a:srgbClr val="000000">
-                <a:alpha val="38000"/>
-              </a:srgbClr>
-            </a:outerShdw>
-          </a:effectLst>
-        </p:spPr>
-      </p:cxnSp>
+          <a:lstStyle>
+            <a:lvl1pPr>
+              <a:defRPr sz="2400"/>
+            </a:lvl1pPr>
+          </a:lstStyle>
+          <a:p>
+            <a:pPr/>
+            <a:r>
+              <a:t>• Value: Value is the transformation of big data to useful information and insights that bring competitive advantage to organizations. A data value highly depends on both the underlying processes/services and the way that data is treated. For example, a certain application (e.g., medical vital sign monitoring) may need to capture all sensor data, while a weather forecast service may need just random samples of data from its sensors. As another example, a credit card provider may need to keep data for a specific period of time and discard them thereafter.</a:t>
+            </a:r>
+          </a:p>
+        </p:txBody>
+      </p:sp>
     </p:spTree>
   </p:cSld>
   <p:clrMapOvr>
@@ -5551,7 +5327,7 @@
       </p:grpSpPr>
       <p:sp>
         <p:nvSpPr>
-          <p:cNvPr id="181" name="Use Cases"/>
+          <p:cNvPr id="168" name="Context for IoT Big Data: the SMACT model"/>
           <p:cNvSpPr txBox="1"/>
           <p:nvPr>
             <p:ph type="title"/>
@@ -5568,17 +5344,42 @@
           <a:p>
             <a:pPr/>
             <a:r>
-              <a:t>Use Cases</a:t>
-            </a:r>
-          </a:p>
-        </p:txBody>
-      </p:sp>
-      <p:sp>
-        <p:nvSpPr>
-          <p:cNvPr id="182" name="IoT sensor data from farm…"/>
+              <a:t>Context for IoT Big Data: the SMACT model</a:t>
+            </a:r>
+          </a:p>
+        </p:txBody>
+      </p:sp>
+      <p:pic>
+        <p:nvPicPr>
+          <p:cNvPr id="169" name="Picture Placeholder 2" descr="Picture Placeholder 2"/>
+          <p:cNvPicPr>
+            <a:picLocks noChangeAspect="1"/>
+          </p:cNvPicPr>
+          <p:nvPr>
+            <p:ph type="pic" idx="13"/>
+          </p:nvPr>
+        </p:nvPicPr>
+        <p:blipFill>
+          <a:blip r:embed="rId3">
+            <a:extLst/>
+          </a:blip>
+          <a:srcRect l="0" t="0" r="0" b="0"/>
+          <a:stretch>
+            <a:fillRect/>
+          </a:stretch>
+        </p:blipFill>
+        <p:spPr>
+          <a:prstGeom prst="rect">
+            <a:avLst/>
+          </a:prstGeom>
+        </p:spPr>
+      </p:pic>
+      <p:sp>
+        <p:nvSpPr>
+          <p:cNvPr id="170" name="The SMACT technologies…"/>
           <p:cNvSpPr txBox="1"/>
           <p:nvPr>
-            <p:ph type="body" idx="1"/>
+            <p:ph type="body" sz="quarter" idx="1"/>
           </p:nvPr>
         </p:nvSpPr>
         <p:spPr>
@@ -5592,35 +5393,716 @@
           <a:p>
             <a:pPr/>
             <a:r>
-              <a:t>IoT sensor data from farm</a:t>
-            </a:r>
-          </a:p>
-          <a:p>
-            <a:pPr/>
-            <a:r>
-              <a:t>GIS data from vehicle fleet</a:t>
-            </a:r>
-          </a:p>
-          <a:p>
-            <a:pPr/>
-            <a:r>
-              <a:t>Smart power grid, telemetering</a:t>
-            </a:r>
-          </a:p>
-          <a:p>
-            <a:pPr/>
-            <a:r>
-              <a:t>Telemedicine</a:t>
-            </a:r>
-          </a:p>
-          <a:p>
-            <a:pPr/>
-            <a:r>
-              <a:t>RFID tracking of products</a:t>
-            </a:r>
-          </a:p>
-        </p:txBody>
-      </p:sp>
+              <a:t>The SMACT technologies</a:t>
+            </a:r>
+          </a:p>
+          <a:p>
+            <a:pPr/>
+            <a:r>
+              <a:t>(reference: Big-Data Analytics p.15, Fig.1.7)</a:t>
+            </a:r>
+          </a:p>
+        </p:txBody>
+      </p:sp>
+      <p:sp>
+        <p:nvSpPr>
+          <p:cNvPr id="171" name="Big Data Analytics"/>
+          <p:cNvSpPr/>
+          <p:nvPr/>
+        </p:nvSpPr>
+        <p:spPr>
+          <a:xfrm>
+            <a:off x="1988766" y="913535"/>
+            <a:ext cx="1562464" cy="1103883"/>
+          </a:xfrm>
+          <a:prstGeom prst="ellipse">
+            <a:avLst/>
+          </a:prstGeom>
+          <a:solidFill>
+            <a:srgbClr val="FFFFFF"/>
+          </a:solidFill>
+          <a:ln w="25400">
+            <a:solidFill>
+              <a:schemeClr val="accent1"/>
+            </a:solidFill>
+          </a:ln>
+          <a:effectLst>
+            <a:outerShdw sx="100000" sy="100000" kx="0" ky="0" algn="b" rotWithShape="0" blurRad="38100" dist="23000" dir="5400000">
+              <a:srgbClr val="000000">
+                <a:alpha val="35000"/>
+              </a:srgbClr>
+            </a:outerShdw>
+          </a:effectLst>
+          <a:extLst>
+            <a:ext uri="{C572A759-6A51-4108-AA02-DFA0A04FC94B}">
+              <ma14:wrappingTextBoxFlag xmlns:ma14="http://schemas.microsoft.com/office/mac/drawingml/2011/main" val="1"/>
+            </a:ext>
+          </a:extLst>
+        </p:spPr>
+        <p:txBody>
+          <a:bodyPr lIns="45719" rIns="45719" anchor="ctr"/>
+          <a:lstStyle>
+            <a:lvl1pPr algn="ctr"/>
+          </a:lstStyle>
+          <a:p>
+            <a:pPr/>
+            <a:r>
+              <a:t>Big Data Analytics</a:t>
+            </a:r>
+          </a:p>
+        </p:txBody>
+      </p:sp>
+      <p:sp>
+        <p:nvSpPr>
+          <p:cNvPr id="172" name="Social Networks"/>
+          <p:cNvSpPr/>
+          <p:nvPr/>
+        </p:nvSpPr>
+        <p:spPr>
+          <a:xfrm>
+            <a:off x="5539361" y="832255"/>
+            <a:ext cx="1562464" cy="1103883"/>
+          </a:xfrm>
+          <a:prstGeom prst="ellipse">
+            <a:avLst/>
+          </a:prstGeom>
+          <a:solidFill>
+            <a:srgbClr val="FFFFFF"/>
+          </a:solidFill>
+          <a:ln w="25400">
+            <a:solidFill>
+              <a:schemeClr val="accent1"/>
+            </a:solidFill>
+          </a:ln>
+          <a:effectLst>
+            <a:outerShdw sx="100000" sy="100000" kx="0" ky="0" algn="b" rotWithShape="0" blurRad="38100" dist="23000" dir="5400000">
+              <a:srgbClr val="000000">
+                <a:alpha val="35000"/>
+              </a:srgbClr>
+            </a:outerShdw>
+          </a:effectLst>
+          <a:extLst>
+            <a:ext uri="{C572A759-6A51-4108-AA02-DFA0A04FC94B}">
+              <ma14:wrappingTextBoxFlag xmlns:ma14="http://schemas.microsoft.com/office/mac/drawingml/2011/main" val="1"/>
+            </a:ext>
+          </a:extLst>
+        </p:spPr>
+        <p:txBody>
+          <a:bodyPr lIns="45719" rIns="45719" anchor="ctr"/>
+          <a:lstStyle>
+            <a:lvl1pPr algn="ctr"/>
+          </a:lstStyle>
+          <a:p>
+            <a:pPr/>
+            <a:r>
+              <a:t>Social Networks</a:t>
+            </a:r>
+          </a:p>
+        </p:txBody>
+      </p:sp>
+      <p:sp>
+        <p:nvSpPr>
+          <p:cNvPr id="173" name="Cloud Platforms"/>
+          <p:cNvSpPr/>
+          <p:nvPr/>
+        </p:nvSpPr>
+        <p:spPr>
+          <a:xfrm>
+            <a:off x="3790768" y="1978594"/>
+            <a:ext cx="1562464" cy="1103883"/>
+          </a:xfrm>
+          <a:prstGeom prst="ellipse">
+            <a:avLst/>
+          </a:prstGeom>
+          <a:solidFill>
+            <a:srgbClr val="FFFFFF"/>
+          </a:solidFill>
+          <a:ln w="25400">
+            <a:solidFill>
+              <a:schemeClr val="accent1"/>
+            </a:solidFill>
+          </a:ln>
+          <a:effectLst>
+            <a:outerShdw sx="100000" sy="100000" kx="0" ky="0" algn="b" rotWithShape="0" blurRad="38100" dist="23000" dir="5400000">
+              <a:srgbClr val="000000">
+                <a:alpha val="35000"/>
+              </a:srgbClr>
+            </a:outerShdw>
+          </a:effectLst>
+          <a:extLst>
+            <a:ext uri="{C572A759-6A51-4108-AA02-DFA0A04FC94B}">
+              <ma14:wrappingTextBoxFlag xmlns:ma14="http://schemas.microsoft.com/office/mac/drawingml/2011/main" val="1"/>
+            </a:ext>
+          </a:extLst>
+        </p:spPr>
+        <p:txBody>
+          <a:bodyPr lIns="45719" rIns="45719" anchor="ctr"/>
+          <a:lstStyle>
+            <a:lvl1pPr algn="ctr"/>
+          </a:lstStyle>
+          <a:p>
+            <a:pPr/>
+            <a:r>
+              <a:t>Cloud Platforms</a:t>
+            </a:r>
+          </a:p>
+        </p:txBody>
+      </p:sp>
+      <p:sp>
+        <p:nvSpPr>
+          <p:cNvPr id="174" name="IoT"/>
+          <p:cNvSpPr/>
+          <p:nvPr/>
+        </p:nvSpPr>
+        <p:spPr>
+          <a:xfrm>
+            <a:off x="1988766" y="3284487"/>
+            <a:ext cx="1562464" cy="1103883"/>
+          </a:xfrm>
+          <a:prstGeom prst="ellipse">
+            <a:avLst/>
+          </a:prstGeom>
+          <a:solidFill>
+            <a:srgbClr val="FFFFFF"/>
+          </a:solidFill>
+          <a:ln w="25400">
+            <a:solidFill>
+              <a:schemeClr val="accent1"/>
+            </a:solidFill>
+          </a:ln>
+          <a:effectLst>
+            <a:outerShdw sx="100000" sy="100000" kx="0" ky="0" algn="b" rotWithShape="0" blurRad="38100" dist="23000" dir="5400000">
+              <a:srgbClr val="000000">
+                <a:alpha val="35000"/>
+              </a:srgbClr>
+            </a:outerShdw>
+          </a:effectLst>
+          <a:extLst>
+            <a:ext uri="{C572A759-6A51-4108-AA02-DFA0A04FC94B}">
+              <ma14:wrappingTextBoxFlag xmlns:ma14="http://schemas.microsoft.com/office/mac/drawingml/2011/main" val="1"/>
+            </a:ext>
+          </a:extLst>
+        </p:spPr>
+        <p:txBody>
+          <a:bodyPr lIns="45719" rIns="45719" anchor="ctr"/>
+          <a:lstStyle>
+            <a:lvl1pPr algn="ctr"/>
+          </a:lstStyle>
+          <a:p>
+            <a:pPr/>
+            <a:r>
+              <a:t>IoT</a:t>
+            </a:r>
+          </a:p>
+        </p:txBody>
+      </p:sp>
+      <p:sp>
+        <p:nvSpPr>
+          <p:cNvPr id="175" name="Mobile Systems"/>
+          <p:cNvSpPr/>
+          <p:nvPr/>
+        </p:nvSpPr>
+        <p:spPr>
+          <a:xfrm>
+            <a:off x="5344808" y="3284487"/>
+            <a:ext cx="1562464" cy="1103883"/>
+          </a:xfrm>
+          <a:prstGeom prst="ellipse">
+            <a:avLst/>
+          </a:prstGeom>
+          <a:solidFill>
+            <a:srgbClr val="FFFFFF"/>
+          </a:solidFill>
+          <a:ln w="25400">
+            <a:solidFill>
+              <a:schemeClr val="accent1"/>
+            </a:solidFill>
+          </a:ln>
+          <a:effectLst>
+            <a:outerShdw sx="100000" sy="100000" kx="0" ky="0" algn="b" rotWithShape="0" blurRad="38100" dist="23000" dir="5400000">
+              <a:srgbClr val="000000">
+                <a:alpha val="35000"/>
+              </a:srgbClr>
+            </a:outerShdw>
+          </a:effectLst>
+          <a:extLst>
+            <a:ext uri="{C572A759-6A51-4108-AA02-DFA0A04FC94B}">
+              <ma14:wrappingTextBoxFlag xmlns:ma14="http://schemas.microsoft.com/office/mac/drawingml/2011/main" val="1"/>
+            </a:ext>
+          </a:extLst>
+        </p:spPr>
+        <p:txBody>
+          <a:bodyPr lIns="45719" rIns="45719" anchor="ctr"/>
+          <a:lstStyle>
+            <a:lvl1pPr algn="ctr"/>
+          </a:lstStyle>
+          <a:p>
+            <a:pPr/>
+            <a:r>
+              <a:t>Mobile Systems</a:t>
+            </a:r>
+          </a:p>
+        </p:txBody>
+      </p:sp>
+      <p:sp>
+        <p:nvSpPr>
+          <p:cNvPr id="176" name="Line"/>
+          <p:cNvSpPr/>
+          <p:nvPr/>
+        </p:nvSpPr>
+        <p:spPr>
+          <a:xfrm flipV="1">
+            <a:off x="2769997" y="2043159"/>
+            <a:ext cx="1" cy="1254032"/>
+          </a:xfrm>
+          <a:prstGeom prst="line">
+            <a:avLst/>
+          </a:prstGeom>
+          <a:ln w="25400">
+            <a:solidFill>
+              <a:schemeClr val="accent1"/>
+            </a:solidFill>
+          </a:ln>
+          <a:effectLst>
+            <a:outerShdw sx="100000" sy="100000" kx="0" ky="0" algn="b" rotWithShape="0" blurRad="38100" dist="20000" dir="5400000">
+              <a:srgbClr val="000000">
+                <a:alpha val="38000"/>
+              </a:srgbClr>
+            </a:outerShdw>
+          </a:effectLst>
+        </p:spPr>
+        <p:txBody>
+          <a:bodyPr lIns="45719" rIns="45719"/>
+          <a:lstStyle/>
+          <a:p>
+            <a:pPr/>
+          </a:p>
+        </p:txBody>
+      </p:sp>
+      <p:sp>
+        <p:nvSpPr>
+          <p:cNvPr id="177" name="Line"/>
+          <p:cNvSpPr/>
+          <p:nvPr/>
+        </p:nvSpPr>
+        <p:spPr>
+          <a:xfrm flipV="1">
+            <a:off x="3296170" y="2996332"/>
+            <a:ext cx="850020" cy="463779"/>
+          </a:xfrm>
+          <a:prstGeom prst="line">
+            <a:avLst/>
+          </a:prstGeom>
+          <a:ln w="25400">
+            <a:solidFill>
+              <a:schemeClr val="accent1"/>
+            </a:solidFill>
+          </a:ln>
+          <a:effectLst>
+            <a:outerShdw sx="100000" sy="100000" kx="0" ky="0" algn="b" rotWithShape="0" blurRad="38100" dist="20000" dir="5400000">
+              <a:srgbClr val="000000">
+                <a:alpha val="38000"/>
+              </a:srgbClr>
+            </a:outerShdw>
+          </a:effectLst>
+        </p:spPr>
+        <p:txBody>
+          <a:bodyPr lIns="45719" rIns="45719"/>
+          <a:lstStyle/>
+          <a:p>
+            <a:pPr/>
+          </a:p>
+        </p:txBody>
+      </p:sp>
+      <p:sp>
+        <p:nvSpPr>
+          <p:cNvPr id="178" name="Rounded Rectangle"/>
+          <p:cNvSpPr/>
+          <p:nvPr/>
+        </p:nvSpPr>
+        <p:spPr>
+          <a:xfrm>
+            <a:off x="1894191" y="718765"/>
+            <a:ext cx="5282594" cy="2481589"/>
+          </a:xfrm>
+          <a:prstGeom prst="roundRect">
+            <a:avLst>
+              <a:gd name="adj" fmla="val 15000"/>
+            </a:avLst>
+          </a:prstGeom>
+          <a:ln w="25400">
+            <a:solidFill>
+              <a:schemeClr val="accent1"/>
+            </a:solidFill>
+          </a:ln>
+          <a:effectLst>
+            <a:outerShdw sx="100000" sy="100000" kx="0" ky="0" algn="b" rotWithShape="0" blurRad="38100" dist="23000" dir="5400000">
+              <a:srgbClr val="000000">
+                <a:alpha val="35000"/>
+              </a:srgbClr>
+            </a:outerShdw>
+          </a:effectLst>
+        </p:spPr>
+        <p:txBody>
+          <a:bodyPr lIns="45719" rIns="45719" anchor="ctr"/>
+          <a:lstStyle/>
+          <a:p>
+            <a:pPr/>
+          </a:p>
+        </p:txBody>
+      </p:sp>
+      <p:sp>
+        <p:nvSpPr>
+          <p:cNvPr id="179" name="Internet"/>
+          <p:cNvSpPr txBox="1"/>
+          <p:nvPr/>
+        </p:nvSpPr>
+        <p:spPr>
+          <a:xfrm>
+            <a:off x="4294611" y="714388"/>
+            <a:ext cx="856467" cy="370841"/>
+          </a:xfrm>
+          <a:prstGeom prst="rect">
+            <a:avLst/>
+          </a:prstGeom>
+          <a:ln w="12700">
+            <a:miter lim="400000"/>
+          </a:ln>
+          <a:extLst>
+            <a:ext uri="{C572A759-6A51-4108-AA02-DFA0A04FC94B}">
+              <ma14:wrappingTextBoxFlag xmlns:ma14="http://schemas.microsoft.com/office/mac/drawingml/2011/main" val="1"/>
+            </a:ext>
+          </a:extLst>
+        </p:spPr>
+        <p:txBody>
+          <a:bodyPr wrap="none" lIns="45719" rIns="45719">
+            <a:spAutoFit/>
+          </a:bodyPr>
+          <a:lstStyle/>
+          <a:p>
+            <a:pPr/>
+            <a:r>
+              <a:t>Internet</a:t>
+            </a:r>
+          </a:p>
+        </p:txBody>
+      </p:sp>
+      <p:sp>
+        <p:nvSpPr>
+          <p:cNvPr id="180" name="Line"/>
+          <p:cNvSpPr/>
+          <p:nvPr/>
+        </p:nvSpPr>
+        <p:spPr>
+          <a:xfrm>
+            <a:off x="3296170" y="1836925"/>
+            <a:ext cx="557759" cy="557759"/>
+          </a:xfrm>
+          <a:prstGeom prst="line">
+            <a:avLst/>
+          </a:prstGeom>
+          <a:ln w="25400">
+            <a:solidFill>
+              <a:schemeClr val="accent1"/>
+            </a:solidFill>
+          </a:ln>
+          <a:effectLst>
+            <a:outerShdw sx="100000" sy="100000" kx="0" ky="0" algn="b" rotWithShape="0" blurRad="38100" dist="20000" dir="5400000">
+              <a:srgbClr val="000000">
+                <a:alpha val="38000"/>
+              </a:srgbClr>
+            </a:outerShdw>
+          </a:effectLst>
+        </p:spPr>
+        <p:txBody>
+          <a:bodyPr lIns="45719" rIns="45719"/>
+          <a:lstStyle/>
+          <a:p>
+            <a:pPr/>
+          </a:p>
+        </p:txBody>
+      </p:sp>
+      <p:sp>
+        <p:nvSpPr>
+          <p:cNvPr id="181" name="Line"/>
+          <p:cNvSpPr/>
+          <p:nvPr/>
+        </p:nvSpPr>
+        <p:spPr>
+          <a:xfrm flipH="1">
+            <a:off x="5319187" y="1704263"/>
+            <a:ext cx="380231" cy="674281"/>
+          </a:xfrm>
+          <a:prstGeom prst="line">
+            <a:avLst/>
+          </a:prstGeom>
+          <a:ln w="25400">
+            <a:solidFill>
+              <a:schemeClr val="accent1"/>
+            </a:solidFill>
+          </a:ln>
+          <a:effectLst>
+            <a:outerShdw sx="100000" sy="100000" kx="0" ky="0" algn="b" rotWithShape="0" blurRad="38100" dist="20000" dir="5400000">
+              <a:srgbClr val="000000">
+                <a:alpha val="38000"/>
+              </a:srgbClr>
+            </a:outerShdw>
+          </a:effectLst>
+        </p:spPr>
+        <p:txBody>
+          <a:bodyPr lIns="45719" rIns="45719"/>
+          <a:lstStyle/>
+          <a:p>
+            <a:pPr/>
+          </a:p>
+        </p:txBody>
+      </p:sp>
+      <p:sp>
+        <p:nvSpPr>
+          <p:cNvPr id="182" name="Learning"/>
+          <p:cNvSpPr txBox="1"/>
+          <p:nvPr/>
+        </p:nvSpPr>
+        <p:spPr>
+          <a:xfrm>
+            <a:off x="3269450" y="1577339"/>
+            <a:ext cx="903460" cy="370841"/>
+          </a:xfrm>
+          <a:prstGeom prst="rect">
+            <a:avLst/>
+          </a:prstGeom>
+          <a:ln w="12700">
+            <a:miter lim="400000"/>
+          </a:ln>
+          <a:extLst>
+            <a:ext uri="{C572A759-6A51-4108-AA02-DFA0A04FC94B}">
+              <ma14:wrappingTextBoxFlag xmlns:ma14="http://schemas.microsoft.com/office/mac/drawingml/2011/main" val="1"/>
+            </a:ext>
+          </a:extLst>
+        </p:spPr>
+        <p:txBody>
+          <a:bodyPr wrap="none" lIns="45719" rIns="45719">
+            <a:spAutoFit/>
+          </a:bodyPr>
+          <a:lstStyle/>
+          <a:p>
+            <a:pPr/>
+            <a:r>
+              <a:t>Learning</a:t>
+            </a:r>
+          </a:p>
+        </p:txBody>
+      </p:sp>
+      <p:sp>
+        <p:nvSpPr>
+          <p:cNvPr id="183" name="Mining"/>
+          <p:cNvSpPr txBox="1"/>
+          <p:nvPr/>
+        </p:nvSpPr>
+        <p:spPr>
+          <a:xfrm>
+            <a:off x="5570642" y="1934678"/>
+            <a:ext cx="752325" cy="370841"/>
+          </a:xfrm>
+          <a:prstGeom prst="rect">
+            <a:avLst/>
+          </a:prstGeom>
+          <a:ln w="12700">
+            <a:miter lim="400000"/>
+          </a:ln>
+          <a:extLst>
+            <a:ext uri="{C572A759-6A51-4108-AA02-DFA0A04FC94B}">
+              <ma14:wrappingTextBoxFlag xmlns:ma14="http://schemas.microsoft.com/office/mac/drawingml/2011/main" val="1"/>
+            </a:ext>
+          </a:extLst>
+        </p:spPr>
+        <p:txBody>
+          <a:bodyPr wrap="none" lIns="45719" rIns="45719">
+            <a:spAutoFit/>
+          </a:bodyPr>
+          <a:lstStyle/>
+          <a:p>
+            <a:pPr/>
+            <a:r>
+              <a:t>Mining</a:t>
+            </a:r>
+          </a:p>
+        </p:txBody>
+      </p:sp>
+      <p:sp>
+        <p:nvSpPr>
+          <p:cNvPr id="184" name="Sensing"/>
+          <p:cNvSpPr txBox="1"/>
+          <p:nvPr/>
+        </p:nvSpPr>
+        <p:spPr>
+          <a:xfrm>
+            <a:off x="2527301" y="2281262"/>
+            <a:ext cx="812600" cy="370841"/>
+          </a:xfrm>
+          <a:prstGeom prst="rect">
+            <a:avLst/>
+          </a:prstGeom>
+          <a:ln w="12700">
+            <a:miter lim="400000"/>
+          </a:ln>
+          <a:extLst>
+            <a:ext uri="{C572A759-6A51-4108-AA02-DFA0A04FC94B}">
+              <ma14:wrappingTextBoxFlag xmlns:ma14="http://schemas.microsoft.com/office/mac/drawingml/2011/main" val="1"/>
+            </a:ext>
+          </a:extLst>
+        </p:spPr>
+        <p:txBody>
+          <a:bodyPr wrap="none" lIns="45719" rIns="45719">
+            <a:spAutoFit/>
+          </a:bodyPr>
+          <a:lstStyle/>
+          <a:p>
+            <a:pPr/>
+            <a:r>
+              <a:t>Sensing</a:t>
+            </a:r>
+          </a:p>
+        </p:txBody>
+      </p:sp>
+      <p:sp>
+        <p:nvSpPr>
+          <p:cNvPr id="185" name="Mining"/>
+          <p:cNvSpPr txBox="1"/>
+          <p:nvPr/>
+        </p:nvSpPr>
+        <p:spPr>
+          <a:xfrm>
+            <a:off x="3552829" y="3243579"/>
+            <a:ext cx="752324" cy="370841"/>
+          </a:xfrm>
+          <a:prstGeom prst="rect">
+            <a:avLst/>
+          </a:prstGeom>
+          <a:ln w="12700">
+            <a:miter lim="400000"/>
+          </a:ln>
+          <a:extLst>
+            <a:ext uri="{C572A759-6A51-4108-AA02-DFA0A04FC94B}">
+              <ma14:wrappingTextBoxFlag xmlns:ma14="http://schemas.microsoft.com/office/mac/drawingml/2011/main" val="1"/>
+            </a:ext>
+          </a:extLst>
+        </p:spPr>
+        <p:txBody>
+          <a:bodyPr wrap="none" lIns="45719" rIns="45719">
+            <a:spAutoFit/>
+          </a:bodyPr>
+          <a:lstStyle/>
+          <a:p>
+            <a:pPr/>
+            <a:r>
+              <a:t>Mining</a:t>
+            </a:r>
+          </a:p>
+        </p:txBody>
+      </p:sp>
+      <p:sp>
+        <p:nvSpPr>
+          <p:cNvPr id="186" name="Line"/>
+          <p:cNvSpPr/>
+          <p:nvPr/>
+        </p:nvSpPr>
+        <p:spPr>
+          <a:xfrm>
+            <a:off x="4941356" y="3032252"/>
+            <a:ext cx="627592" cy="391939"/>
+          </a:xfrm>
+          <a:prstGeom prst="line">
+            <a:avLst/>
+          </a:prstGeom>
+          <a:ln w="25400">
+            <a:solidFill>
+              <a:schemeClr val="accent1"/>
+            </a:solidFill>
+          </a:ln>
+          <a:effectLst>
+            <a:outerShdw sx="100000" sy="100000" kx="0" ky="0" algn="b" rotWithShape="0" blurRad="38100" dist="20000" dir="5400000">
+              <a:srgbClr val="000000">
+                <a:alpha val="38000"/>
+              </a:srgbClr>
+            </a:outerShdw>
+          </a:effectLst>
+        </p:spPr>
+        <p:txBody>
+          <a:bodyPr lIns="45719" rIns="45719"/>
+          <a:lstStyle/>
+          <a:p>
+            <a:pPr/>
+          </a:p>
+        </p:txBody>
+      </p:sp>
+      <p:sp>
+        <p:nvSpPr>
+          <p:cNvPr id="187" name="Aggregation"/>
+          <p:cNvSpPr txBox="1"/>
+          <p:nvPr/>
+        </p:nvSpPr>
+        <p:spPr>
+          <a:xfrm>
+            <a:off x="5268425" y="2745739"/>
+            <a:ext cx="1224594" cy="370841"/>
+          </a:xfrm>
+          <a:prstGeom prst="rect">
+            <a:avLst/>
+          </a:prstGeom>
+          <a:ln w="12700">
+            <a:miter lim="400000"/>
+          </a:ln>
+          <a:extLst>
+            <a:ext uri="{C572A759-6A51-4108-AA02-DFA0A04FC94B}">
+              <ma14:wrappingTextBoxFlag xmlns:ma14="http://schemas.microsoft.com/office/mac/drawingml/2011/main" val="1"/>
+            </a:ext>
+          </a:extLst>
+        </p:spPr>
+        <p:txBody>
+          <a:bodyPr wrap="none" lIns="45719" rIns="45719">
+            <a:spAutoFit/>
+          </a:bodyPr>
+          <a:lstStyle/>
+          <a:p>
+            <a:pPr/>
+            <a:r>
+              <a:t>Aggregation</a:t>
+            </a:r>
+          </a:p>
+        </p:txBody>
+      </p:sp>
+      <p:cxnSp>
+        <p:nvCxnSpPr>
+          <p:cNvPr id="188" name="Connection Line"/>
+          <p:cNvCxnSpPr>
+            <a:stCxn id="172" idx="0"/>
+            <a:endCxn id="174" idx="0"/>
+          </p:cNvCxnSpPr>
+          <p:nvPr/>
+        </p:nvCxnSpPr>
+        <p:spPr>
+          <a:xfrm flipH="1">
+            <a:off x="2769997" y="1384196"/>
+            <a:ext cx="3550597" cy="2452233"/>
+          </a:xfrm>
+          <a:prstGeom prst="straightConnector1">
+            <a:avLst/>
+          </a:prstGeom>
+          <a:ln w="25400">
+            <a:solidFill>
+              <a:schemeClr val="accent1"/>
+            </a:solidFill>
+          </a:ln>
+          <a:effectLst>
+            <a:outerShdw sx="100000" sy="100000" kx="0" ky="0" algn="b" rotWithShape="0" blurRad="38100" dist="20000" dir="5400000">
+              <a:srgbClr val="000000">
+                <a:alpha val="38000"/>
+              </a:srgbClr>
+            </a:outerShdw>
+          </a:effectLst>
+        </p:spPr>
+      </p:cxnSp>
     </p:spTree>
   </p:cSld>
   <p:clrMapOvr>
@@ -5649,7 +6131,7 @@
       </p:grpSpPr>
       <p:sp>
         <p:nvSpPr>
-          <p:cNvPr id="186" name="Structure of Apache Hadoop Big Data cluster"/>
+          <p:cNvPr id="192" name="Use Cases"/>
           <p:cNvSpPr txBox="1"/>
           <p:nvPr>
             <p:ph type="title"/>
@@ -5666,42 +6148,17 @@
           <a:p>
             <a:pPr/>
             <a:r>
-              <a:t>Structure of Apache Hadoop Big Data cluster</a:t>
-            </a:r>
-          </a:p>
-        </p:txBody>
-      </p:sp>
-      <p:pic>
-        <p:nvPicPr>
-          <p:cNvPr id="187" name="Picture Placeholder 2" descr="Picture Placeholder 2"/>
-          <p:cNvPicPr>
-            <a:picLocks noChangeAspect="1"/>
-          </p:cNvPicPr>
-          <p:nvPr>
-            <p:ph type="pic" idx="13"/>
-          </p:nvPr>
-        </p:nvPicPr>
-        <p:blipFill>
-          <a:blip r:embed="rId3">
-            <a:extLst/>
-          </a:blip>
-          <a:srcRect l="3928" t="0" r="3928" b="0"/>
-          <a:stretch>
-            <a:fillRect/>
-          </a:stretch>
-        </p:blipFill>
-        <p:spPr>
-          <a:prstGeom prst="rect">
-            <a:avLst/>
-          </a:prstGeom>
-        </p:spPr>
-      </p:pic>
-      <p:sp>
-        <p:nvSpPr>
-          <p:cNvPr id="188" name="The data is distributed over the Datanodes, with replication.…"/>
+              <a:t>Use Cases</a:t>
+            </a:r>
+          </a:p>
+        </p:txBody>
+      </p:sp>
+      <p:sp>
+        <p:nvSpPr>
+          <p:cNvPr id="193" name="IoT sensor data from farm…"/>
           <p:cNvSpPr txBox="1"/>
           <p:nvPr>
-            <p:ph type="body" sz="quarter" idx="1"/>
+            <p:ph type="body" idx="1"/>
           </p:nvPr>
         </p:nvSpPr>
         <p:spPr>
@@ -5713,63 +6170,33 @@
           <a:bodyPr/>
           <a:lstStyle/>
           <a:p>
-            <a:pPr defTabSz="850391">
-              <a:defRPr sz="1302"/>
-            </a:pPr>
-            <a:r>
-              <a:t>The data is distributed over the Datanodes, with replication.</a:t>
-            </a:r>
-          </a:p>
-          <a:p>
-            <a:pPr defTabSz="850391">
-              <a:defRPr sz="1302"/>
-            </a:pPr>
-            <a:r>
-              <a:t>Clients access (read / write) the nodes in parallel.</a:t>
-            </a:r>
-          </a:p>
-          <a:p>
-            <a:pPr defTabSz="850391">
-              <a:defRPr sz="1302"/>
-            </a:pPr>
-            <a:r>
-              <a:t>Overall organization is achieved by the Metadata in the Namenode.</a:t>
-            </a:r>
-          </a:p>
-        </p:txBody>
-      </p:sp>
-      <p:sp>
-        <p:nvSpPr>
-          <p:cNvPr id="189" name="https://hadoop.apache.org/docs/r1.2.1/hdfs_design.html"/>
-          <p:cNvSpPr txBox="1"/>
-          <p:nvPr/>
-        </p:nvSpPr>
-        <p:spPr>
-          <a:xfrm>
-            <a:off x="3429707" y="4686516"/>
-            <a:ext cx="5462288" cy="370841"/>
-          </a:xfrm>
-          <a:prstGeom prst="rect">
-            <a:avLst/>
-          </a:prstGeom>
-          <a:ln w="12700">
-            <a:miter lim="400000"/>
-          </a:ln>
-          <a:extLst>
-            <a:ext uri="{C572A759-6A51-4108-AA02-DFA0A04FC94B}">
-              <ma14:wrappingTextBoxFlag xmlns:ma14="http://schemas.microsoft.com/office/mac/drawingml/2011/main" val="1"/>
-            </a:ext>
-          </a:extLst>
-        </p:spPr>
-        <p:txBody>
-          <a:bodyPr wrap="none" lIns="45719" rIns="45719">
-            <a:spAutoFit/>
-          </a:bodyPr>
-          <a:lstStyle/>
-          <a:p>
-            <a:pPr/>
-            <a:r>
-              <a:t>https://hadoop.apache.org/docs/r1.2.1/hdfs_design.html</a:t>
+            <a:pPr/>
+            <a:r>
+              <a:t>IoT sensor data from farm</a:t>
+            </a:r>
+          </a:p>
+          <a:p>
+            <a:pPr/>
+            <a:r>
+              <a:t>GIS data from vehicle fleet</a:t>
+            </a:r>
+          </a:p>
+          <a:p>
+            <a:pPr/>
+            <a:r>
+              <a:t>Smart power grid, telemetering</a:t>
+            </a:r>
+          </a:p>
+          <a:p>
+            <a:pPr/>
+            <a:r>
+              <a:t>Telemedicine</a:t>
+            </a:r>
+          </a:p>
+          <a:p>
+            <a:pPr/>
+            <a:r>
+              <a:t>RFID tracking of products</a:t>
             </a:r>
           </a:p>
         </p:txBody>
@@ -5802,7 +6229,7 @@
       </p:grpSpPr>
       <p:sp>
         <p:nvSpPr>
-          <p:cNvPr id="193" name="Apache Spark architecture"/>
+          <p:cNvPr id="197" name="Structure of Apache Hadoop Big Data cluster"/>
           <p:cNvSpPr txBox="1"/>
           <p:nvPr>
             <p:ph type="title"/>
@@ -5819,14 +6246,14 @@
           <a:p>
             <a:pPr/>
             <a:r>
-              <a:t>Apache Spark architecture</a:t>
+              <a:t>Structure of Apache Hadoop Big Data cluster</a:t>
             </a:r>
           </a:p>
         </p:txBody>
       </p:sp>
       <p:pic>
         <p:nvPicPr>
-          <p:cNvPr id="194" name="Picture Placeholder 2" descr="Picture Placeholder 2"/>
+          <p:cNvPr id="198" name="Picture Placeholder 2" descr="Picture Placeholder 2"/>
           <p:cNvPicPr>
             <a:picLocks noChangeAspect="1"/>
           </p:cNvPicPr>
@@ -5838,6 +6265,7 @@
           <a:blip r:embed="rId3">
             <a:extLst/>
           </a:blip>
+          <a:srcRect l="3928" t="0" r="3928" b="0"/>
           <a:stretch>
             <a:fillRect/>
           </a:stretch>
@@ -5850,7 +6278,7 @@
       </p:pic>
       <p:sp>
         <p:nvSpPr>
-          <p:cNvPr id="195" name="The data is represented as an RDD (Resilient Distributed Dataset)…"/>
+          <p:cNvPr id="199" name="The data is distributed over the Datanodes, with replication.…"/>
           <p:cNvSpPr txBox="1"/>
           <p:nvPr>
             <p:ph type="body" sz="quarter" idx="1"/>
@@ -5865,50 +6293,48 @@
           <a:bodyPr/>
           <a:lstStyle/>
           <a:p>
-            <a:pPr/>
-            <a:r>
-              <a:t>The data is represented as an RDD (Resilient Distributed Dataset)</a:t>
-            </a:r>
-          </a:p>
-          <a:p>
-            <a:pPr/>
-            <a:r>
-              <a:t>Worker tasks access partitions of the RDD </a:t>
-            </a:r>
-          </a:p>
-        </p:txBody>
-      </p:sp>
-      <p:sp>
-        <p:nvSpPr>
-          <p:cNvPr id="196" name="SparkContext"/>
-          <p:cNvSpPr/>
+            <a:pPr defTabSz="850391">
+              <a:defRPr sz="1302"/>
+            </a:pPr>
+            <a:r>
+              <a:t>The data is distributed over the Datanodes, with replication.</a:t>
+            </a:r>
+          </a:p>
+          <a:p>
+            <a:pPr defTabSz="850391">
+              <a:defRPr sz="1302"/>
+            </a:pPr>
+            <a:r>
+              <a:t>Clients access (read / write) the nodes in parallel.</a:t>
+            </a:r>
+          </a:p>
+          <a:p>
+            <a:pPr defTabSz="850391">
+              <a:defRPr sz="1302"/>
+            </a:pPr>
+            <a:r>
+              <a:t>Overall organization is achieved by the Metadata in the Namenode.</a:t>
+            </a:r>
+          </a:p>
+        </p:txBody>
+      </p:sp>
+      <p:sp>
+        <p:nvSpPr>
+          <p:cNvPr id="200" name="https://hadoop.apache.org/docs/r1.2.1/hdfs_design.html"/>
+          <p:cNvSpPr txBox="1"/>
           <p:nvPr/>
         </p:nvSpPr>
         <p:spPr>
           <a:xfrm>
-            <a:off x="1833836" y="2245013"/>
-            <a:ext cx="1428646" cy="779463"/>
+            <a:off x="3429707" y="4686516"/>
+            <a:ext cx="5462288" cy="370841"/>
           </a:xfrm>
-          <a:prstGeom prst="roundRect">
-            <a:avLst>
-              <a:gd name="adj" fmla="val 28387"/>
-            </a:avLst>
-          </a:prstGeom>
-          <a:solidFill>
-            <a:srgbClr val="FFFFFF"/>
-          </a:solidFill>
-          <a:ln w="25400">
-            <a:solidFill>
-              <a:schemeClr val="accent1"/>
-            </a:solidFill>
+          <a:prstGeom prst="rect">
+            <a:avLst/>
+          </a:prstGeom>
+          <a:ln w="12700">
+            <a:miter lim="400000"/>
           </a:ln>
-          <a:effectLst>
-            <a:outerShdw sx="100000" sy="100000" kx="0" ky="0" algn="b" rotWithShape="0" blurRad="38100" dist="23000" dir="5400000">
-              <a:srgbClr val="000000">
-                <a:alpha val="35000"/>
-              </a:srgbClr>
-            </a:outerShdw>
-          </a:effectLst>
           <a:extLst>
             <a:ext uri="{C572A759-6A51-4108-AA02-DFA0A04FC94B}">
               <ma14:wrappingTextBoxFlag xmlns:ma14="http://schemas.microsoft.com/office/mac/drawingml/2011/main" val="1"/>
@@ -5916,353 +6342,15 @@
           </a:extLst>
         </p:spPr>
         <p:txBody>
-          <a:bodyPr lIns="45719" rIns="45719" anchor="ctr"/>
-          <a:lstStyle/>
-          <a:p>
-            <a:pPr/>
-            <a:r>
-              <a:t>SparkContext</a:t>
-            </a:r>
-          </a:p>
-        </p:txBody>
-      </p:sp>
-      <p:sp>
-        <p:nvSpPr>
-          <p:cNvPr id="197" name="Cluster Manager"/>
-          <p:cNvSpPr/>
-          <p:nvPr/>
-        </p:nvSpPr>
-        <p:spPr>
-          <a:xfrm>
-            <a:off x="3991177" y="2280443"/>
-            <a:ext cx="1088622" cy="779463"/>
-          </a:xfrm>
-          <a:prstGeom prst="roundRect">
-            <a:avLst>
-              <a:gd name="adj" fmla="val 28387"/>
-            </a:avLst>
-          </a:prstGeom>
-          <a:solidFill>
-            <a:srgbClr val="FFFFFF"/>
-          </a:solidFill>
-          <a:ln w="25400">
-            <a:solidFill>
-              <a:schemeClr val="accent1"/>
-            </a:solidFill>
-          </a:ln>
-          <a:effectLst>
-            <a:outerShdw sx="100000" sy="100000" kx="0" ky="0" algn="b" rotWithShape="0" blurRad="38100" dist="23000" dir="5400000">
-              <a:srgbClr val="000000">
-                <a:alpha val="35000"/>
-              </a:srgbClr>
-            </a:outerShdw>
-          </a:effectLst>
-          <a:extLst>
-            <a:ext uri="{C572A759-6A51-4108-AA02-DFA0A04FC94B}">
-              <ma14:wrappingTextBoxFlag xmlns:ma14="http://schemas.microsoft.com/office/mac/drawingml/2011/main" val="1"/>
-            </a:ext>
-          </a:extLst>
-        </p:spPr>
-        <p:txBody>
-          <a:bodyPr lIns="45719" rIns="45719" anchor="ctr"/>
-          <a:lstStyle/>
-          <a:p>
-            <a:pPr/>
-            <a:r>
-              <a:t>Cluster Manager</a:t>
-            </a:r>
-          </a:p>
-        </p:txBody>
-      </p:sp>
-      <p:sp>
-        <p:nvSpPr>
-          <p:cNvPr id="198" name="Worker"/>
-          <p:cNvSpPr/>
-          <p:nvPr/>
-        </p:nvSpPr>
-        <p:spPr>
-          <a:xfrm>
-            <a:off x="5669084" y="1316121"/>
-            <a:ext cx="1428646" cy="541339"/>
-          </a:xfrm>
-          <a:prstGeom prst="roundRect">
-            <a:avLst>
-              <a:gd name="adj" fmla="val 40875"/>
-            </a:avLst>
-          </a:prstGeom>
-          <a:solidFill>
-            <a:srgbClr val="FFFFFF"/>
-          </a:solidFill>
-          <a:ln w="25400">
-            <a:solidFill>
-              <a:schemeClr val="accent1"/>
-            </a:solidFill>
-          </a:ln>
-          <a:effectLst>
-            <a:outerShdw sx="100000" sy="100000" kx="0" ky="0" algn="b" rotWithShape="0" blurRad="38100" dist="23000" dir="5400000">
-              <a:srgbClr val="000000">
-                <a:alpha val="35000"/>
-              </a:srgbClr>
-            </a:outerShdw>
-          </a:effectLst>
-          <a:extLst>
-            <a:ext uri="{C572A759-6A51-4108-AA02-DFA0A04FC94B}">
-              <ma14:wrappingTextBoxFlag xmlns:ma14="http://schemas.microsoft.com/office/mac/drawingml/2011/main" val="1"/>
-            </a:ext>
-          </a:extLst>
-        </p:spPr>
-        <p:txBody>
-          <a:bodyPr lIns="45719" rIns="45719" anchor="ctr"/>
-          <a:lstStyle/>
-          <a:p>
-            <a:pPr/>
-            <a:r>
-              <a:t>Worker</a:t>
-            </a:r>
-          </a:p>
-        </p:txBody>
-      </p:sp>
-      <p:sp>
-        <p:nvSpPr>
-          <p:cNvPr id="199" name="Worker"/>
-          <p:cNvSpPr/>
-          <p:nvPr/>
-        </p:nvSpPr>
-        <p:spPr>
-          <a:xfrm>
-            <a:off x="5669084" y="2483137"/>
-            <a:ext cx="1428646" cy="541339"/>
-          </a:xfrm>
-          <a:prstGeom prst="roundRect">
-            <a:avLst>
-              <a:gd name="adj" fmla="val 40875"/>
-            </a:avLst>
-          </a:prstGeom>
-          <a:solidFill>
-            <a:srgbClr val="FFFFFF"/>
-          </a:solidFill>
-          <a:ln w="25400">
-            <a:solidFill>
-              <a:schemeClr val="accent1"/>
-            </a:solidFill>
-          </a:ln>
-          <a:effectLst>
-            <a:outerShdw sx="100000" sy="100000" kx="0" ky="0" algn="b" rotWithShape="0" blurRad="38100" dist="23000" dir="5400000">
-              <a:srgbClr val="000000">
-                <a:alpha val="35000"/>
-              </a:srgbClr>
-            </a:outerShdw>
-          </a:effectLst>
-          <a:extLst>
-            <a:ext uri="{C572A759-6A51-4108-AA02-DFA0A04FC94B}">
-              <ma14:wrappingTextBoxFlag xmlns:ma14="http://schemas.microsoft.com/office/mac/drawingml/2011/main" val="1"/>
-            </a:ext>
-          </a:extLst>
-        </p:spPr>
-        <p:txBody>
-          <a:bodyPr lIns="45719" rIns="45719" anchor="ctr"/>
-          <a:lstStyle/>
-          <a:p>
-            <a:pPr/>
-            <a:r>
-              <a:t>Worker</a:t>
-            </a:r>
-          </a:p>
-        </p:txBody>
-      </p:sp>
-      <p:sp>
-        <p:nvSpPr>
-          <p:cNvPr id="200" name="Worker"/>
-          <p:cNvSpPr/>
-          <p:nvPr/>
-        </p:nvSpPr>
-        <p:spPr>
-          <a:xfrm>
-            <a:off x="5669084" y="3648219"/>
-            <a:ext cx="1428646" cy="541339"/>
-          </a:xfrm>
-          <a:prstGeom prst="roundRect">
-            <a:avLst>
-              <a:gd name="adj" fmla="val 40875"/>
-            </a:avLst>
-          </a:prstGeom>
-          <a:solidFill>
-            <a:srgbClr val="FFFFFF"/>
-          </a:solidFill>
-          <a:ln w="25400">
-            <a:solidFill>
-              <a:schemeClr val="accent1"/>
-            </a:solidFill>
-          </a:ln>
-          <a:effectLst>
-            <a:outerShdw sx="100000" sy="100000" kx="0" ky="0" algn="b" rotWithShape="0" blurRad="38100" dist="23000" dir="5400000">
-              <a:srgbClr val="000000">
-                <a:alpha val="35000"/>
-              </a:srgbClr>
-            </a:outerShdw>
-          </a:effectLst>
-          <a:extLst>
-            <a:ext uri="{C572A759-6A51-4108-AA02-DFA0A04FC94B}">
-              <ma14:wrappingTextBoxFlag xmlns:ma14="http://schemas.microsoft.com/office/mac/drawingml/2011/main" val="1"/>
-            </a:ext>
-          </a:extLst>
-        </p:spPr>
-        <p:txBody>
-          <a:bodyPr lIns="45719" rIns="45719" anchor="ctr"/>
-          <a:lstStyle/>
-          <a:p>
-            <a:pPr/>
-            <a:r>
-              <a:t>Worker</a:t>
-            </a:r>
-          </a:p>
-        </p:txBody>
-      </p:sp>
-      <p:sp>
-        <p:nvSpPr>
-          <p:cNvPr id="201" name="Line"/>
-          <p:cNvSpPr/>
-          <p:nvPr/>
-        </p:nvSpPr>
-        <p:spPr>
-          <a:xfrm flipV="1">
-            <a:off x="5055680" y="1624837"/>
-            <a:ext cx="611021" cy="1049258"/>
-          </a:xfrm>
-          <a:prstGeom prst="line">
-            <a:avLst/>
-          </a:prstGeom>
-          <a:ln w="25400">
-            <a:solidFill>
-              <a:schemeClr val="accent1"/>
-            </a:solidFill>
-            <a:headEnd type="triangle"/>
-            <a:tailEnd type="triangle"/>
-          </a:ln>
-          <a:effectLst>
-            <a:outerShdw sx="100000" sy="100000" kx="0" ky="0" algn="b" rotWithShape="0" blurRad="38100" dist="20000" dir="5400000">
-              <a:srgbClr val="000000">
-                <a:alpha val="38000"/>
-              </a:srgbClr>
-            </a:outerShdw>
-          </a:effectLst>
-        </p:spPr>
-        <p:txBody>
-          <a:bodyPr lIns="45719" rIns="45719"/>
-          <a:lstStyle/>
-          <a:p>
-            <a:pPr/>
-          </a:p>
-        </p:txBody>
-      </p:sp>
-      <p:sp>
-        <p:nvSpPr>
-          <p:cNvPr id="202" name="Line"/>
-          <p:cNvSpPr/>
-          <p:nvPr/>
-        </p:nvSpPr>
-        <p:spPr>
-          <a:xfrm>
-            <a:off x="5055681" y="2833519"/>
-            <a:ext cx="611020" cy="1190962"/>
-          </a:xfrm>
-          <a:prstGeom prst="line">
-            <a:avLst/>
-          </a:prstGeom>
-          <a:ln w="25400">
-            <a:solidFill>
-              <a:schemeClr val="accent1"/>
-            </a:solidFill>
-            <a:headEnd type="triangle"/>
-            <a:tailEnd type="triangle"/>
-          </a:ln>
-          <a:effectLst>
-            <a:outerShdw sx="100000" sy="100000" kx="0" ky="0" algn="b" rotWithShape="0" blurRad="38100" dist="20000" dir="5400000">
-              <a:srgbClr val="000000">
-                <a:alpha val="38000"/>
-              </a:srgbClr>
-            </a:outerShdw>
-          </a:effectLst>
-        </p:spPr>
-        <p:txBody>
-          <a:bodyPr lIns="45719" rIns="45719"/>
-          <a:lstStyle/>
-          <a:p>
-            <a:pPr/>
-          </a:p>
-        </p:txBody>
-      </p:sp>
-      <p:sp>
-        <p:nvSpPr>
-          <p:cNvPr id="203" name="Line"/>
-          <p:cNvSpPr/>
-          <p:nvPr/>
-        </p:nvSpPr>
-        <p:spPr>
-          <a:xfrm>
-            <a:off x="5055680" y="2753806"/>
-            <a:ext cx="611021" cy="1"/>
-          </a:xfrm>
-          <a:prstGeom prst="line">
-            <a:avLst/>
-          </a:prstGeom>
-          <a:ln w="25400">
-            <a:solidFill>
-              <a:schemeClr val="accent1"/>
-            </a:solidFill>
-            <a:headEnd type="triangle"/>
-            <a:tailEnd type="triangle"/>
-          </a:ln>
-          <a:effectLst>
-            <a:outerShdw sx="100000" sy="100000" kx="0" ky="0" algn="b" rotWithShape="0" blurRad="38100" dist="20000" dir="5400000">
-              <a:srgbClr val="000000">
-                <a:alpha val="38000"/>
-              </a:srgbClr>
-            </a:outerShdw>
-          </a:effectLst>
-        </p:spPr>
-        <p:txBody>
-          <a:bodyPr lIns="45719" rIns="45719"/>
-          <a:lstStyle/>
-          <a:p>
-            <a:pPr/>
-          </a:p>
-        </p:txBody>
-      </p:sp>
-      <p:sp>
-        <p:nvSpPr>
-          <p:cNvPr id="204" name="Line"/>
-          <p:cNvSpPr/>
-          <p:nvPr/>
-        </p:nvSpPr>
-        <p:spPr>
-          <a:xfrm>
-            <a:off x="3321319" y="2670175"/>
-            <a:ext cx="611021" cy="0"/>
-          </a:xfrm>
-          <a:prstGeom prst="line">
-            <a:avLst/>
-          </a:prstGeom>
-          <a:ln w="25400">
-            <a:solidFill>
-              <a:schemeClr val="accent1"/>
-            </a:solidFill>
-            <a:headEnd type="triangle"/>
-            <a:tailEnd type="triangle"/>
-          </a:ln>
-          <a:effectLst>
-            <a:outerShdw sx="100000" sy="100000" kx="0" ky="0" algn="b" rotWithShape="0" blurRad="38100" dist="20000" dir="5400000">
-              <a:srgbClr val="000000">
-                <a:alpha val="38000"/>
-              </a:srgbClr>
-            </a:outerShdw>
-          </a:effectLst>
-        </p:spPr>
-        <p:txBody>
-          <a:bodyPr lIns="45719" rIns="45719"/>
-          <a:lstStyle/>
-          <a:p>
-            <a:pPr/>
+          <a:bodyPr wrap="none" lIns="45719" rIns="45719">
+            <a:spAutoFit/>
+          </a:bodyPr>
+          <a:lstStyle/>
+          <a:p>
+            <a:pPr/>
+            <a:r>
+              <a:t>https://hadoop.apache.org/docs/r1.2.1/hdfs_design.html</a:t>
+            </a:r>
           </a:p>
         </p:txBody>
       </p:sp>
@@ -6294,7 +6382,7 @@
       </p:grpSpPr>
       <p:sp>
         <p:nvSpPr>
-          <p:cNvPr id="208" name="Spark in more details"/>
+          <p:cNvPr id="204" name="Apache Spark architecture"/>
           <p:cNvSpPr txBox="1"/>
           <p:nvPr>
             <p:ph type="title"/>
@@ -6311,14 +6399,14 @@
           <a:p>
             <a:pPr/>
             <a:r>
-              <a:t>Spark in more details</a:t>
+              <a:t>Apache Spark architecture</a:t>
             </a:r>
           </a:p>
         </p:txBody>
       </p:sp>
       <p:pic>
         <p:nvPicPr>
-          <p:cNvPr id="209" name="Picture Placeholder 2" descr="Picture Placeholder 2"/>
+          <p:cNvPr id="205" name="Picture Placeholder 2" descr="Picture Placeholder 2"/>
           <p:cNvPicPr>
             <a:picLocks noChangeAspect="1"/>
           </p:cNvPicPr>
@@ -6330,16 +6418,12 @@
           <a:blip r:embed="rId3">
             <a:extLst/>
           </a:blip>
-          <a:srcRect l="537" t="0" r="537" b="0"/>
+          <a:srcRect l="0" t="0" r="0" b="0"/>
           <a:stretch>
             <a:fillRect/>
           </a:stretch>
         </p:blipFill>
         <p:spPr>
-          <a:xfrm>
-            <a:off x="1792288" y="1339512"/>
-            <a:ext cx="5486401" cy="2661326"/>
-          </a:xfrm>
           <a:prstGeom prst="rect">
             <a:avLst/>
           </a:prstGeom>
@@ -6347,7 +6431,7 @@
       </p:pic>
       <p:sp>
         <p:nvSpPr>
-          <p:cNvPr id="210" name="The cluster manager handles assigning worker nodes.…"/>
+          <p:cNvPr id="206" name="The data is represented as an RDD (Resilient Distributed Dataset)…"/>
           <p:cNvSpPr txBox="1"/>
           <p:nvPr>
             <p:ph type="body" sz="quarter" idx="1"/>
@@ -6364,34 +6448,53 @@
           <a:p>
             <a:pPr/>
             <a:r>
-              <a:t>The cluster manager handles assigning worker nodes.</a:t>
-            </a:r>
-          </a:p>
-          <a:p>
-            <a:pPr/>
-            <a:r>
-              <a:t>SparkContext communicates directly with the executors</a:t>
-            </a:r>
-          </a:p>
-        </p:txBody>
-      </p:sp>
-      <p:sp>
-        <p:nvSpPr>
-          <p:cNvPr id="211" name="https://spark.apache.org/docs/latest/cluster-overview.html"/>
-          <p:cNvSpPr txBox="1"/>
+              <a:t>The data is represented as an</a:t>
+            </a:r>
+            <a:r>
+              <a:rPr b="1" i="1"/>
+              <a:t> RDD (Resilient Distributed Dataset)</a:t>
+            </a:r>
+            <a:endParaRPr b="1" i="1"/>
+          </a:p>
+          <a:p>
+            <a:pPr/>
+            <a:r>
+              <a:t>Worker tasks access partitions of the RDD </a:t>
+            </a:r>
+          </a:p>
+        </p:txBody>
+      </p:sp>
+      <p:sp>
+        <p:nvSpPr>
+          <p:cNvPr id="207" name="SparkContext"/>
+          <p:cNvSpPr/>
           <p:nvPr/>
         </p:nvSpPr>
         <p:spPr>
           <a:xfrm>
-            <a:off x="2760175" y="4215328"/>
-            <a:ext cx="5620456" cy="370841"/>
+            <a:off x="1833836" y="2245013"/>
+            <a:ext cx="1428646" cy="779463"/>
           </a:xfrm>
-          <a:prstGeom prst="rect">
-            <a:avLst/>
-          </a:prstGeom>
-          <a:ln w="12700">
-            <a:miter lim="400000"/>
+          <a:prstGeom prst="roundRect">
+            <a:avLst>
+              <a:gd name="adj" fmla="val 28387"/>
+            </a:avLst>
+          </a:prstGeom>
+          <a:solidFill>
+            <a:srgbClr val="FFFFFF"/>
+          </a:solidFill>
+          <a:ln w="25400">
+            <a:solidFill>
+              <a:schemeClr val="accent1"/>
+            </a:solidFill>
           </a:ln>
+          <a:effectLst>
+            <a:outerShdw sx="100000" sy="100000" kx="0" ky="0" algn="b" rotWithShape="0" blurRad="38100" dist="23000" dir="5400000">
+              <a:srgbClr val="000000">
+                <a:alpha val="35000"/>
+              </a:srgbClr>
+            </a:outerShdw>
+          </a:effectLst>
           <a:extLst>
             <a:ext uri="{C572A759-6A51-4108-AA02-DFA0A04FC94B}">
               <ma14:wrappingTextBoxFlag xmlns:ma14="http://schemas.microsoft.com/office/mac/drawingml/2011/main" val="1"/>
@@ -6399,15 +6502,353 @@
           </a:extLst>
         </p:spPr>
         <p:txBody>
-          <a:bodyPr wrap="none" lIns="45719" rIns="45719">
-            <a:spAutoFit/>
-          </a:bodyPr>
-          <a:lstStyle/>
-          <a:p>
-            <a:pPr/>
-            <a:r>
-              <a:t>https://spark.apache.org/docs/latest/cluster-overview.html</a:t>
-            </a:r>
+          <a:bodyPr lIns="45719" rIns="45719" anchor="ctr"/>
+          <a:lstStyle/>
+          <a:p>
+            <a:pPr/>
+            <a:r>
+              <a:t>SparkContext</a:t>
+            </a:r>
+          </a:p>
+        </p:txBody>
+      </p:sp>
+      <p:sp>
+        <p:nvSpPr>
+          <p:cNvPr id="208" name="Cluster Manager"/>
+          <p:cNvSpPr/>
+          <p:nvPr/>
+        </p:nvSpPr>
+        <p:spPr>
+          <a:xfrm>
+            <a:off x="3991177" y="2280443"/>
+            <a:ext cx="1088622" cy="779463"/>
+          </a:xfrm>
+          <a:prstGeom prst="roundRect">
+            <a:avLst>
+              <a:gd name="adj" fmla="val 28387"/>
+            </a:avLst>
+          </a:prstGeom>
+          <a:solidFill>
+            <a:srgbClr val="FFFFFF"/>
+          </a:solidFill>
+          <a:ln w="25400">
+            <a:solidFill>
+              <a:schemeClr val="accent1"/>
+            </a:solidFill>
+          </a:ln>
+          <a:effectLst>
+            <a:outerShdw sx="100000" sy="100000" kx="0" ky="0" algn="b" rotWithShape="0" blurRad="38100" dist="23000" dir="5400000">
+              <a:srgbClr val="000000">
+                <a:alpha val="35000"/>
+              </a:srgbClr>
+            </a:outerShdw>
+          </a:effectLst>
+          <a:extLst>
+            <a:ext uri="{C572A759-6A51-4108-AA02-DFA0A04FC94B}">
+              <ma14:wrappingTextBoxFlag xmlns:ma14="http://schemas.microsoft.com/office/mac/drawingml/2011/main" val="1"/>
+            </a:ext>
+          </a:extLst>
+        </p:spPr>
+        <p:txBody>
+          <a:bodyPr lIns="45719" rIns="45719" anchor="ctr"/>
+          <a:lstStyle/>
+          <a:p>
+            <a:pPr/>
+            <a:r>
+              <a:t>Cluster Manager</a:t>
+            </a:r>
+          </a:p>
+        </p:txBody>
+      </p:sp>
+      <p:sp>
+        <p:nvSpPr>
+          <p:cNvPr id="209" name="Worker"/>
+          <p:cNvSpPr/>
+          <p:nvPr/>
+        </p:nvSpPr>
+        <p:spPr>
+          <a:xfrm>
+            <a:off x="5669084" y="1316121"/>
+            <a:ext cx="1428646" cy="541339"/>
+          </a:xfrm>
+          <a:prstGeom prst="roundRect">
+            <a:avLst>
+              <a:gd name="adj" fmla="val 40875"/>
+            </a:avLst>
+          </a:prstGeom>
+          <a:solidFill>
+            <a:srgbClr val="FFFFFF"/>
+          </a:solidFill>
+          <a:ln w="25400">
+            <a:solidFill>
+              <a:schemeClr val="accent1"/>
+            </a:solidFill>
+          </a:ln>
+          <a:effectLst>
+            <a:outerShdw sx="100000" sy="100000" kx="0" ky="0" algn="b" rotWithShape="0" blurRad="38100" dist="23000" dir="5400000">
+              <a:srgbClr val="000000">
+                <a:alpha val="35000"/>
+              </a:srgbClr>
+            </a:outerShdw>
+          </a:effectLst>
+          <a:extLst>
+            <a:ext uri="{C572A759-6A51-4108-AA02-DFA0A04FC94B}">
+              <ma14:wrappingTextBoxFlag xmlns:ma14="http://schemas.microsoft.com/office/mac/drawingml/2011/main" val="1"/>
+            </a:ext>
+          </a:extLst>
+        </p:spPr>
+        <p:txBody>
+          <a:bodyPr lIns="45719" rIns="45719" anchor="ctr"/>
+          <a:lstStyle/>
+          <a:p>
+            <a:pPr/>
+            <a:r>
+              <a:t>Worker</a:t>
+            </a:r>
+          </a:p>
+        </p:txBody>
+      </p:sp>
+      <p:sp>
+        <p:nvSpPr>
+          <p:cNvPr id="210" name="Worker"/>
+          <p:cNvSpPr/>
+          <p:nvPr/>
+        </p:nvSpPr>
+        <p:spPr>
+          <a:xfrm>
+            <a:off x="5669084" y="2483137"/>
+            <a:ext cx="1428646" cy="541339"/>
+          </a:xfrm>
+          <a:prstGeom prst="roundRect">
+            <a:avLst>
+              <a:gd name="adj" fmla="val 40875"/>
+            </a:avLst>
+          </a:prstGeom>
+          <a:solidFill>
+            <a:srgbClr val="FFFFFF"/>
+          </a:solidFill>
+          <a:ln w="25400">
+            <a:solidFill>
+              <a:schemeClr val="accent1"/>
+            </a:solidFill>
+          </a:ln>
+          <a:effectLst>
+            <a:outerShdw sx="100000" sy="100000" kx="0" ky="0" algn="b" rotWithShape="0" blurRad="38100" dist="23000" dir="5400000">
+              <a:srgbClr val="000000">
+                <a:alpha val="35000"/>
+              </a:srgbClr>
+            </a:outerShdw>
+          </a:effectLst>
+          <a:extLst>
+            <a:ext uri="{C572A759-6A51-4108-AA02-DFA0A04FC94B}">
+              <ma14:wrappingTextBoxFlag xmlns:ma14="http://schemas.microsoft.com/office/mac/drawingml/2011/main" val="1"/>
+            </a:ext>
+          </a:extLst>
+        </p:spPr>
+        <p:txBody>
+          <a:bodyPr lIns="45719" rIns="45719" anchor="ctr"/>
+          <a:lstStyle/>
+          <a:p>
+            <a:pPr/>
+            <a:r>
+              <a:t>Worker</a:t>
+            </a:r>
+          </a:p>
+        </p:txBody>
+      </p:sp>
+      <p:sp>
+        <p:nvSpPr>
+          <p:cNvPr id="211" name="Worker"/>
+          <p:cNvSpPr/>
+          <p:nvPr/>
+        </p:nvSpPr>
+        <p:spPr>
+          <a:xfrm>
+            <a:off x="5669084" y="3648219"/>
+            <a:ext cx="1428646" cy="541339"/>
+          </a:xfrm>
+          <a:prstGeom prst="roundRect">
+            <a:avLst>
+              <a:gd name="adj" fmla="val 40875"/>
+            </a:avLst>
+          </a:prstGeom>
+          <a:solidFill>
+            <a:srgbClr val="FFFFFF"/>
+          </a:solidFill>
+          <a:ln w="25400">
+            <a:solidFill>
+              <a:schemeClr val="accent1"/>
+            </a:solidFill>
+          </a:ln>
+          <a:effectLst>
+            <a:outerShdw sx="100000" sy="100000" kx="0" ky="0" algn="b" rotWithShape="0" blurRad="38100" dist="23000" dir="5400000">
+              <a:srgbClr val="000000">
+                <a:alpha val="35000"/>
+              </a:srgbClr>
+            </a:outerShdw>
+          </a:effectLst>
+          <a:extLst>
+            <a:ext uri="{C572A759-6A51-4108-AA02-DFA0A04FC94B}">
+              <ma14:wrappingTextBoxFlag xmlns:ma14="http://schemas.microsoft.com/office/mac/drawingml/2011/main" val="1"/>
+            </a:ext>
+          </a:extLst>
+        </p:spPr>
+        <p:txBody>
+          <a:bodyPr lIns="45719" rIns="45719" anchor="ctr"/>
+          <a:lstStyle/>
+          <a:p>
+            <a:pPr/>
+            <a:r>
+              <a:t>Worker</a:t>
+            </a:r>
+          </a:p>
+        </p:txBody>
+      </p:sp>
+      <p:sp>
+        <p:nvSpPr>
+          <p:cNvPr id="212" name="Line"/>
+          <p:cNvSpPr/>
+          <p:nvPr/>
+        </p:nvSpPr>
+        <p:spPr>
+          <a:xfrm flipV="1">
+            <a:off x="5055680" y="1624837"/>
+            <a:ext cx="611021" cy="1049258"/>
+          </a:xfrm>
+          <a:prstGeom prst="line">
+            <a:avLst/>
+          </a:prstGeom>
+          <a:ln w="25400">
+            <a:solidFill>
+              <a:schemeClr val="accent1"/>
+            </a:solidFill>
+            <a:headEnd type="triangle"/>
+            <a:tailEnd type="triangle"/>
+          </a:ln>
+          <a:effectLst>
+            <a:outerShdw sx="100000" sy="100000" kx="0" ky="0" algn="b" rotWithShape="0" blurRad="38100" dist="20000" dir="5400000">
+              <a:srgbClr val="000000">
+                <a:alpha val="38000"/>
+              </a:srgbClr>
+            </a:outerShdw>
+          </a:effectLst>
+        </p:spPr>
+        <p:txBody>
+          <a:bodyPr lIns="45719" rIns="45719"/>
+          <a:lstStyle/>
+          <a:p>
+            <a:pPr/>
+          </a:p>
+        </p:txBody>
+      </p:sp>
+      <p:sp>
+        <p:nvSpPr>
+          <p:cNvPr id="213" name="Line"/>
+          <p:cNvSpPr/>
+          <p:nvPr/>
+        </p:nvSpPr>
+        <p:spPr>
+          <a:xfrm>
+            <a:off x="5055681" y="2833519"/>
+            <a:ext cx="611020" cy="1190962"/>
+          </a:xfrm>
+          <a:prstGeom prst="line">
+            <a:avLst/>
+          </a:prstGeom>
+          <a:ln w="25400">
+            <a:solidFill>
+              <a:schemeClr val="accent1"/>
+            </a:solidFill>
+            <a:headEnd type="triangle"/>
+            <a:tailEnd type="triangle"/>
+          </a:ln>
+          <a:effectLst>
+            <a:outerShdw sx="100000" sy="100000" kx="0" ky="0" algn="b" rotWithShape="0" blurRad="38100" dist="20000" dir="5400000">
+              <a:srgbClr val="000000">
+                <a:alpha val="38000"/>
+              </a:srgbClr>
+            </a:outerShdw>
+          </a:effectLst>
+        </p:spPr>
+        <p:txBody>
+          <a:bodyPr lIns="45719" rIns="45719"/>
+          <a:lstStyle/>
+          <a:p>
+            <a:pPr/>
+          </a:p>
+        </p:txBody>
+      </p:sp>
+      <p:sp>
+        <p:nvSpPr>
+          <p:cNvPr id="214" name="Line"/>
+          <p:cNvSpPr/>
+          <p:nvPr/>
+        </p:nvSpPr>
+        <p:spPr>
+          <a:xfrm>
+            <a:off x="5055680" y="2753806"/>
+            <a:ext cx="611021" cy="1"/>
+          </a:xfrm>
+          <a:prstGeom prst="line">
+            <a:avLst/>
+          </a:prstGeom>
+          <a:ln w="25400">
+            <a:solidFill>
+              <a:schemeClr val="accent1"/>
+            </a:solidFill>
+            <a:headEnd type="triangle"/>
+            <a:tailEnd type="triangle"/>
+          </a:ln>
+          <a:effectLst>
+            <a:outerShdw sx="100000" sy="100000" kx="0" ky="0" algn="b" rotWithShape="0" blurRad="38100" dist="20000" dir="5400000">
+              <a:srgbClr val="000000">
+                <a:alpha val="38000"/>
+              </a:srgbClr>
+            </a:outerShdw>
+          </a:effectLst>
+        </p:spPr>
+        <p:txBody>
+          <a:bodyPr lIns="45719" rIns="45719"/>
+          <a:lstStyle/>
+          <a:p>
+            <a:pPr/>
+          </a:p>
+        </p:txBody>
+      </p:sp>
+      <p:sp>
+        <p:nvSpPr>
+          <p:cNvPr id="215" name="Line"/>
+          <p:cNvSpPr/>
+          <p:nvPr/>
+        </p:nvSpPr>
+        <p:spPr>
+          <a:xfrm>
+            <a:off x="3321319" y="2670175"/>
+            <a:ext cx="611021" cy="0"/>
+          </a:xfrm>
+          <a:prstGeom prst="line">
+            <a:avLst/>
+          </a:prstGeom>
+          <a:ln w="25400">
+            <a:solidFill>
+              <a:schemeClr val="accent1"/>
+            </a:solidFill>
+            <a:headEnd type="triangle"/>
+            <a:tailEnd type="triangle"/>
+          </a:ln>
+          <a:effectLst>
+            <a:outerShdw sx="100000" sy="100000" kx="0" ky="0" algn="b" rotWithShape="0" blurRad="38100" dist="20000" dir="5400000">
+              <a:srgbClr val="000000">
+                <a:alpha val="38000"/>
+              </a:srgbClr>
+            </a:outerShdw>
+          </a:effectLst>
+        </p:spPr>
+        <p:txBody>
+          <a:bodyPr lIns="45719" rIns="45719"/>
+          <a:lstStyle/>
+          <a:p>
+            <a:pPr/>
           </a:p>
         </p:txBody>
       </p:sp>
@@ -6439,7 +6880,7 @@
       </p:grpSpPr>
       <p:sp>
         <p:nvSpPr>
-          <p:cNvPr id="215" name="Using Spark locally"/>
+          <p:cNvPr id="219" name="Spark in more details"/>
           <p:cNvSpPr txBox="1"/>
           <p:nvPr>
             <p:ph type="title"/>
@@ -6456,17 +6897,46 @@
           <a:p>
             <a:pPr/>
             <a:r>
-              <a:t>Using Spark locally</a:t>
-            </a:r>
-          </a:p>
-        </p:txBody>
-      </p:sp>
-      <p:sp>
-        <p:nvSpPr>
-          <p:cNvPr id="216" name="Download and install Spark for your platform…"/>
+              <a:t>Spark in more details</a:t>
+            </a:r>
+          </a:p>
+        </p:txBody>
+      </p:sp>
+      <p:pic>
+        <p:nvPicPr>
+          <p:cNvPr id="220" name="Picture Placeholder 2" descr="Picture Placeholder 2"/>
+          <p:cNvPicPr>
+            <a:picLocks noChangeAspect="1"/>
+          </p:cNvPicPr>
+          <p:nvPr>
+            <p:ph type="pic" idx="13"/>
+          </p:nvPr>
+        </p:nvPicPr>
+        <p:blipFill>
+          <a:blip r:embed="rId3">
+            <a:extLst/>
+          </a:blip>
+          <a:srcRect l="537" t="233" r="537" b="233"/>
+          <a:stretch>
+            <a:fillRect/>
+          </a:stretch>
+        </p:blipFill>
+        <p:spPr>
+          <a:xfrm>
+            <a:off x="1611879" y="1393926"/>
+            <a:ext cx="5847218" cy="2823111"/>
+          </a:xfrm>
+          <a:prstGeom prst="rect">
+            <a:avLst/>
+          </a:prstGeom>
+        </p:spPr>
+      </p:pic>
+      <p:sp>
+        <p:nvSpPr>
+          <p:cNvPr id="221" name="The cluster manager handles assigning worker nodes.…"/>
           <p:cNvSpPr txBox="1"/>
           <p:nvPr>
-            <p:ph type="body" idx="1"/>
+            <p:ph type="body" sz="quarter" idx="1"/>
           </p:nvPr>
         </p:nvSpPr>
         <p:spPr>
@@ -6480,28 +6950,49 @@
           <a:p>
             <a:pPr/>
             <a:r>
-              <a:t>Download and install Spark for your platform</a:t>
-            </a:r>
-            <a:br/>
-          </a:p>
-          <a:p>
-            <a:pPr/>
-            <a:r>
-              <a:t>Start the Scala interpreter</a:t>
-            </a:r>
-            <a:br/>
-          </a:p>
-          <a:p>
-            <a:pPr/>
-            <a:r>
-              <a:t>Create an RDD</a:t>
-            </a:r>
-            <a:br/>
-          </a:p>
-          <a:p>
-            <a:pPr/>
-            <a:r>
-              <a:t>Run Scala commands</a:t>
+              <a:t>The cluster manager handles assigning worker nodes.</a:t>
+            </a:r>
+          </a:p>
+          <a:p>
+            <a:pPr/>
+            <a:r>
+              <a:t>SparkContext communicates directly with the executors</a:t>
+            </a:r>
+          </a:p>
+        </p:txBody>
+      </p:sp>
+      <p:sp>
+        <p:nvSpPr>
+          <p:cNvPr id="222" name="https://spark.apache.org/docs/latest/cluster-overview.html"/>
+          <p:cNvSpPr txBox="1"/>
+          <p:nvPr/>
+        </p:nvSpPr>
+        <p:spPr>
+          <a:xfrm>
+            <a:off x="2760175" y="4215328"/>
+            <a:ext cx="5620456" cy="370841"/>
+          </a:xfrm>
+          <a:prstGeom prst="rect">
+            <a:avLst/>
+          </a:prstGeom>
+          <a:ln w="12700">
+            <a:miter lim="400000"/>
+          </a:ln>
+          <a:extLst>
+            <a:ext uri="{C572A759-6A51-4108-AA02-DFA0A04FC94B}">
+              <ma14:wrappingTextBoxFlag xmlns:ma14="http://schemas.microsoft.com/office/mac/drawingml/2011/main" val="1"/>
+            </a:ext>
+          </a:extLst>
+        </p:spPr>
+        <p:txBody>
+          <a:bodyPr wrap="none" lIns="45719" rIns="45719">
+            <a:spAutoFit/>
+          </a:bodyPr>
+          <a:lstStyle/>
+          <a:p>
+            <a:pPr/>
+            <a:r>
+              <a:t>https://spark.apache.org/docs/latest/cluster-overview.html</a:t>
             </a:r>
           </a:p>
         </p:txBody>
@@ -6534,7 +7025,7 @@
       </p:grpSpPr>
       <p:sp>
         <p:nvSpPr>
-          <p:cNvPr id="220" name="Example task: Record Linkage"/>
+          <p:cNvPr id="226" name="Using Spark locally"/>
           <p:cNvSpPr txBox="1"/>
           <p:nvPr>
             <p:ph type="title"/>
@@ -6551,14 +7042,14 @@
           <a:p>
             <a:pPr/>
             <a:r>
-              <a:t>Example task: Record Linkage</a:t>
-            </a:r>
-          </a:p>
-        </p:txBody>
-      </p:sp>
-      <p:sp>
-        <p:nvSpPr>
-          <p:cNvPr id="221" name="We have a database with records, some of them from the same source…"/>
+              <a:t>Using Spark locally</a:t>
+            </a:r>
+          </a:p>
+        </p:txBody>
+      </p:sp>
+      <p:sp>
+        <p:nvSpPr>
+          <p:cNvPr id="227" name="Download and install Spark for your platform…"/>
           <p:cNvSpPr txBox="1"/>
           <p:nvPr>
             <p:ph type="body" idx="1"/>
@@ -6575,25 +7066,28 @@
           <a:p>
             <a:pPr/>
             <a:r>
-              <a:t>We have a database with records, some of them from the same source</a:t>
-            </a:r>
-          </a:p>
-          <a:p>
-            <a:pPr/>
-            <a:r>
-              <a:t>However, they have subtle differences: small pieces missing from addresses, names written with abbreviations, misspellings, etc.</a:t>
-            </a:r>
-          </a:p>
-          <a:p>
-            <a:pPr/>
-            <a:r>
-              <a:t>How can we identify and collect linked records?</a:t>
-            </a:r>
-          </a:p>
-          <a:p>
-            <a:pPr/>
-            <a:r>
-              <a:t>Test database: “linkage”</a:t>
+              <a:t>Download and install Spark for your platform</a:t>
+            </a:r>
+            <a:br/>
+          </a:p>
+          <a:p>
+            <a:pPr/>
+            <a:r>
+              <a:t>Start the Scala interpreter</a:t>
+            </a:r>
+            <a:br/>
+          </a:p>
+          <a:p>
+            <a:pPr/>
+            <a:r>
+              <a:t>Create an RDD</a:t>
+            </a:r>
+            <a:br/>
+          </a:p>
+          <a:p>
+            <a:pPr/>
+            <a:r>
+              <a:t>Run Scala commands</a:t>
             </a:r>
           </a:p>
         </p:txBody>
@@ -6626,7 +7120,7 @@
       </p:grpSpPr>
       <p:sp>
         <p:nvSpPr>
-          <p:cNvPr id="225" name="Start Spark, define schema for RDD"/>
+          <p:cNvPr id="231" name="Example task: Record Linkage"/>
           <p:cNvSpPr txBox="1"/>
           <p:nvPr>
             <p:ph type="title"/>
@@ -6643,136 +7137,49 @@
           <a:p>
             <a:pPr/>
             <a:r>
-              <a:t>Start Spark, define schema for RDD</a:t>
-            </a:r>
-          </a:p>
-        </p:txBody>
-      </p:sp>
-      <p:sp>
-        <p:nvSpPr>
-          <p:cNvPr id="226" name="import org.apache.spark.sql.{DataFrame, Dataset, Row, SparkSession}…"/>
+              <a:t>Example task: Record Linkage</a:t>
+            </a:r>
+          </a:p>
+        </p:txBody>
+      </p:sp>
+      <p:sp>
+        <p:nvSpPr>
+          <p:cNvPr id="232" name="We have a database with records, some of them from the same source…"/>
           <p:cNvSpPr txBox="1"/>
-          <p:nvPr/>
-        </p:nvSpPr>
-        <p:spPr>
-          <a:xfrm>
-            <a:off x="1272984" y="1296315"/>
-            <a:ext cx="6598033" cy="5120641"/>
-          </a:xfrm>
-          <a:prstGeom prst="rect">
-            <a:avLst/>
-          </a:prstGeom>
-          <a:ln w="12700">
-            <a:miter lim="400000"/>
-          </a:ln>
-          <a:extLst>
-            <a:ext uri="{C572A759-6A51-4108-AA02-DFA0A04FC94B}">
-              <ma14:wrappingTextBoxFlag xmlns:ma14="http://schemas.microsoft.com/office/mac/drawingml/2011/main" val="1"/>
-            </a:ext>
-          </a:extLst>
-        </p:spPr>
-        <p:txBody>
-          <a:bodyPr wrap="none" lIns="45719" rIns="45719">
-            <a:spAutoFit/>
-          </a:bodyPr>
-          <a:lstStyle/>
-          <a:p>
-            <a:pPr/>
-            <a:r>
-              <a:t>import org.apache.spark.sql.{DataFrame, Dataset, Row, SparkSession}</a:t>
-            </a:r>
-          </a:p>
-          <a:p>
-            <a:pPr/>
-            <a:r>
-              <a:t>import org.apache.spark.sql.functions._ // for lit(), first(), etc.</a:t>
-            </a:r>
-          </a:p>
-          <a:p>
-            <a:pPr/>
-          </a:p>
-          <a:p>
-            <a:pPr/>
-            <a:r>
-              <a:t>case class MatchData(</a:t>
-            </a:r>
-          </a:p>
-          <a:p>
-            <a:pPr/>
-            <a:r>
-              <a:t>  id_1: Int,</a:t>
-            </a:r>
-          </a:p>
-          <a:p>
-            <a:pPr/>
-            <a:r>
-              <a:t>  id_2: Int,</a:t>
-            </a:r>
-          </a:p>
-          <a:p>
-            <a:pPr/>
-            <a:r>
-              <a:t>  cmp_fname_c1: Option[Double],</a:t>
-            </a:r>
-          </a:p>
-          <a:p>
-            <a:pPr/>
-            <a:r>
-              <a:t>  cmp_fname_c2: Option[Double],</a:t>
-            </a:r>
-          </a:p>
-          <a:p>
-            <a:pPr/>
-            <a:r>
-              <a:t>  cmp_lname_c1: Option[Double],</a:t>
-            </a:r>
-          </a:p>
-          <a:p>
-            <a:pPr/>
-            <a:r>
-              <a:t>  cmp_lname_c2: Option[Double],</a:t>
-            </a:r>
-          </a:p>
-          <a:p>
-            <a:pPr/>
-            <a:r>
-              <a:t>  cmp_sex: Option[Int],</a:t>
-            </a:r>
-          </a:p>
-          <a:p>
-            <a:pPr/>
-            <a:r>
-              <a:t>  cmp_bd: Option[Int],</a:t>
-            </a:r>
-          </a:p>
-          <a:p>
-            <a:pPr/>
-            <a:r>
-              <a:t>  cmp_bm: Option[Int],</a:t>
-            </a:r>
-          </a:p>
-          <a:p>
-            <a:pPr/>
-            <a:r>
-              <a:t>  cmp_by: Option[Int],</a:t>
-            </a:r>
-          </a:p>
-          <a:p>
-            <a:pPr/>
-            <a:r>
-              <a:t>  cmp_plz: Option[Int],</a:t>
-            </a:r>
-          </a:p>
-          <a:p>
-            <a:pPr/>
-            <a:r>
-              <a:t>  is_match: Boolean</a:t>
-            </a:r>
-          </a:p>
-          <a:p>
-            <a:pPr/>
-            <a:r>
-              <a:t>)</a:t>
+          <p:nvPr>
+            <p:ph type="body" idx="1"/>
+          </p:nvPr>
+        </p:nvSpPr>
+        <p:spPr>
+          <a:prstGeom prst="rect">
+            <a:avLst/>
+          </a:prstGeom>
+        </p:spPr>
+        <p:txBody>
+          <a:bodyPr/>
+          <a:lstStyle/>
+          <a:p>
+            <a:pPr/>
+            <a:r>
+              <a:t>We have a database with records, some of them from the same source</a:t>
+            </a:r>
+          </a:p>
+          <a:p>
+            <a:pPr/>
+            <a:r>
+              <a:t>However, they have subtle differences: small pieces missing from addresses, names written with abbreviations, misspellings, etc.</a:t>
+            </a:r>
+          </a:p>
+          <a:p>
+            <a:pPr/>
+            <a:r>
+              <a:t>How can we identify and collect linked records?</a:t>
+            </a:r>
+          </a:p>
+          <a:p>
+            <a:pPr/>
+            <a:r>
+              <a:t>Test database: “linkage”</a:t>
             </a:r>
           </a:p>
         </p:txBody>
@@ -6805,7 +7212,7 @@
       </p:grpSpPr>
       <p:sp>
         <p:nvSpPr>
-          <p:cNvPr id="230" name="Connect to the RDD, inspect it"/>
+          <p:cNvPr id="236" name="Start Spark, define schema for RDD"/>
           <p:cNvSpPr txBox="1"/>
           <p:nvPr>
             <p:ph type="title"/>
@@ -6822,21 +7229,21 @@
           <a:p>
             <a:pPr/>
             <a:r>
-              <a:t>Connect to the RDD, inspect it</a:t>
-            </a:r>
-          </a:p>
-        </p:txBody>
-      </p:sp>
-      <p:sp>
-        <p:nvSpPr>
-          <p:cNvPr id="231" name="import spark.implicits._…"/>
+              <a:t>Start Spark, define schema for RDD</a:t>
+            </a:r>
+          </a:p>
+        </p:txBody>
+      </p:sp>
+      <p:sp>
+        <p:nvSpPr>
+          <p:cNvPr id="237" name="import org.apache.spark.sql.{DataFrame, Dataset, Row, SparkSession}…"/>
           <p:cNvSpPr txBox="1"/>
           <p:nvPr/>
         </p:nvSpPr>
         <p:spPr>
           <a:xfrm>
-            <a:off x="1319083" y="1230498"/>
-            <a:ext cx="3934307" cy="1767841"/>
+            <a:off x="1272984" y="1296315"/>
+            <a:ext cx="6598033" cy="5120641"/>
           </a:xfrm>
           <a:prstGeom prst="rect">
             <a:avLst/>
@@ -6858,362 +7265,100 @@
           <a:p>
             <a:pPr/>
             <a:r>
-              <a:t>    import spark.implicits._</a:t>
-            </a:r>
-          </a:p>
-          <a:p>
-            <a:pPr/>
-            <a:r>
-              <a:t> </a:t>
-            </a:r>
-          </a:p>
-          <a:p>
-            <a:pPr/>
-            <a:r>
-              <a:t>    val preview = spark.read.csv("linkage")</a:t>
-            </a:r>
-          </a:p>
-          <a:p>
-            <a:pPr>
-              <a:defRPr b="1"/>
-            </a:pPr>
-            <a:r>
-              <a:t>    preview.show()</a:t>
-            </a:r>
-          </a:p>
-          <a:p>
-            <a:pPr/>
-          </a:p>
-        </p:txBody>
-      </p:sp>
-      <p:sp>
-        <p:nvSpPr>
-          <p:cNvPr id="232" name="preview: org.apache.spark.sql.DataFrame = [_c0: string, _c1: string ... 10 more fields]…"/>
-          <p:cNvSpPr txBox="1"/>
-          <p:nvPr/>
-        </p:nvSpPr>
-        <p:spPr>
-          <a:xfrm>
-            <a:off x="168379" y="3395743"/>
-            <a:ext cx="12765466" cy="3126716"/>
-          </a:xfrm>
-          <a:prstGeom prst="rect">
-            <a:avLst/>
-          </a:prstGeom>
-          <a:ln w="12700">
-            <a:miter lim="400000"/>
-          </a:ln>
-          <a:extLst>
-            <a:ext uri="{C572A759-6A51-4108-AA02-DFA0A04FC94B}">
-              <ma14:wrappingTextBoxFlag xmlns:ma14="http://schemas.microsoft.com/office/mac/drawingml/2011/main" val="1"/>
-            </a:ext>
-          </a:extLst>
-        </p:spPr>
-        <p:txBody>
-          <a:bodyPr lIns="45719" rIns="45719">
-            <a:spAutoFit/>
-          </a:bodyPr>
-          <a:lstStyle/>
-          <a:p>
-            <a:pPr defTabSz="457200">
-              <a:lnSpc>
-                <a:spcPts val="3000"/>
-              </a:lnSpc>
-              <a:defRPr sz="1200">
-                <a:solidFill>
-                  <a:srgbClr val="212121"/>
-                </a:solidFill>
-                <a:latin typeface="Monaco"/>
-                <a:ea typeface="Monaco"/>
-                <a:cs typeface="Monaco"/>
-                <a:sym typeface="Monaco"/>
-              </a:defRPr>
-            </a:pPr>
-            <a:r>
-              <a:t>preview: org.apache.spark.sql.DataFrame = [_c0: string, _c1: string ... 10 more fields]</a:t>
-            </a:r>
-          </a:p>
-          <a:p>
-            <a:pPr defTabSz="457200">
-              <a:lnSpc>
-                <a:spcPts val="3000"/>
-              </a:lnSpc>
-              <a:defRPr sz="1200">
-                <a:solidFill>
-                  <a:srgbClr val="212121"/>
-                </a:solidFill>
-                <a:latin typeface="Monaco"/>
-                <a:ea typeface="Monaco"/>
-                <a:cs typeface="Monaco"/>
-                <a:sym typeface="Monaco"/>
-              </a:defRPr>
-            </a:pPr>
-            <a:r>
-              <a:t>+-----+-----+------------+------------+------------+------------+-------+------+------+------+-------+--------+</a:t>
-            </a:r>
-          </a:p>
-          <a:p>
-            <a:pPr defTabSz="457200">
-              <a:lnSpc>
-                <a:spcPts val="3000"/>
-              </a:lnSpc>
-              <a:defRPr sz="1200">
-                <a:solidFill>
-                  <a:srgbClr val="212121"/>
-                </a:solidFill>
-                <a:latin typeface="Monaco"/>
-                <a:ea typeface="Monaco"/>
-                <a:cs typeface="Monaco"/>
-                <a:sym typeface="Monaco"/>
-              </a:defRPr>
-            </a:pPr>
-            <a:r>
-              <a:t>|  _c0|  _c1|         _c2|         _c3|         _c4|         _c5|    _c6|   _c7|   _c8|   _c9|   _c10|    _c11|</a:t>
-            </a:r>
-          </a:p>
-          <a:p>
-            <a:pPr defTabSz="457200">
-              <a:lnSpc>
-                <a:spcPts val="3000"/>
-              </a:lnSpc>
-              <a:defRPr sz="1200">
-                <a:solidFill>
-                  <a:srgbClr val="212121"/>
-                </a:solidFill>
-                <a:latin typeface="Monaco"/>
-                <a:ea typeface="Monaco"/>
-                <a:cs typeface="Monaco"/>
-                <a:sym typeface="Monaco"/>
-              </a:defRPr>
-            </a:pPr>
-            <a:r>
-              <a:t>+-----+-----+------------+------------+------------+------------+-------+------+------+------+-------+--------+</a:t>
-            </a:r>
-          </a:p>
-          <a:p>
-            <a:pPr defTabSz="457200">
-              <a:lnSpc>
-                <a:spcPts val="3000"/>
-              </a:lnSpc>
-              <a:defRPr sz="1200">
-                <a:solidFill>
-                  <a:srgbClr val="212121"/>
-                </a:solidFill>
-                <a:latin typeface="Monaco"/>
-                <a:ea typeface="Monaco"/>
-                <a:cs typeface="Monaco"/>
-                <a:sym typeface="Monaco"/>
-              </a:defRPr>
-            </a:pPr>
-            <a:r>
-              <a:t>| id_1| id_2|cmp_fname_c1|cmp_fname_c2|cmp_lname_c1|cmp_lname_c2|cmp_sex|cmp_bd|cmp_bm|cmp_by|cmp_plz|is_match|</a:t>
-            </a:r>
-          </a:p>
-          <a:p>
-            <a:pPr defTabSz="457200">
-              <a:lnSpc>
-                <a:spcPts val="3000"/>
-              </a:lnSpc>
-              <a:defRPr sz="1200">
-                <a:solidFill>
-                  <a:srgbClr val="212121"/>
-                </a:solidFill>
-                <a:latin typeface="Monaco"/>
-                <a:ea typeface="Monaco"/>
-                <a:cs typeface="Monaco"/>
-                <a:sym typeface="Monaco"/>
-              </a:defRPr>
-            </a:pPr>
-            <a:r>
-              <a:t>| 3148| 8326|           1|           ?|           1|           ?|      1|     1|     1|     1|      1|    TRUE|</a:t>
-            </a:r>
-          </a:p>
-          <a:p>
-            <a:pPr defTabSz="457200">
-              <a:lnSpc>
-                <a:spcPts val="3000"/>
-              </a:lnSpc>
-              <a:defRPr sz="1200">
-                <a:solidFill>
-                  <a:srgbClr val="212121"/>
-                </a:solidFill>
-                <a:latin typeface="Monaco"/>
-                <a:ea typeface="Monaco"/>
-                <a:cs typeface="Monaco"/>
-                <a:sym typeface="Monaco"/>
-              </a:defRPr>
-            </a:pPr>
-            <a:r>
-              <a:t>|14055|94934|           1|           ?|           1|           ?|      1|     1|     1|     1|      1|    TRUE|</a:t>
-            </a:r>
-          </a:p>
-          <a:p>
-            <a:pPr defTabSz="457200">
-              <a:lnSpc>
-                <a:spcPts val="3000"/>
-              </a:lnSpc>
-              <a:defRPr sz="1200">
-                <a:solidFill>
-                  <a:srgbClr val="212121"/>
-                </a:solidFill>
-                <a:latin typeface="Monaco"/>
-                <a:ea typeface="Monaco"/>
-                <a:cs typeface="Monaco"/>
-                <a:sym typeface="Monaco"/>
-              </a:defRPr>
-            </a:pPr>
-            <a:r>
-              <a:t>|33948|34740|           1|           ?|           1|           ?|      1|     1|     1|     1|      1|    TRUE|</a:t>
-            </a:r>
-          </a:p>
-          <a:p>
-            <a:pPr defTabSz="457200">
-              <a:lnSpc>
-                <a:spcPts val="3000"/>
-              </a:lnSpc>
-              <a:defRPr sz="1200">
-                <a:solidFill>
-                  <a:srgbClr val="212121"/>
-                </a:solidFill>
-                <a:latin typeface="Monaco"/>
-                <a:ea typeface="Monaco"/>
-                <a:cs typeface="Monaco"/>
-                <a:sym typeface="Monaco"/>
-              </a:defRPr>
-            </a:pPr>
-            <a:r>
-              <a:t>|  946|71870|           1|           ?|           1|           ?|      1|     1|     1|     1|      1|    TRUE|</a:t>
-            </a:r>
-          </a:p>
-          <a:p>
-            <a:pPr defTabSz="457200">
-              <a:lnSpc>
-                <a:spcPts val="3000"/>
-              </a:lnSpc>
-              <a:defRPr sz="1200">
-                <a:solidFill>
-                  <a:srgbClr val="212121"/>
-                </a:solidFill>
-                <a:latin typeface="Monaco"/>
-                <a:ea typeface="Monaco"/>
-                <a:cs typeface="Monaco"/>
-                <a:sym typeface="Monaco"/>
-              </a:defRPr>
-            </a:pPr>
-            <a:r>
-              <a:t>|64880|71676|           1|           ?|           1|           ?|      1|     1|     1|     1|      1|    TRUE|</a:t>
-            </a:r>
-          </a:p>
-          <a:p>
-            <a:pPr defTabSz="457200">
-              <a:lnSpc>
-                <a:spcPts val="3000"/>
-              </a:lnSpc>
-              <a:defRPr sz="1200">
-                <a:solidFill>
-                  <a:srgbClr val="212121"/>
-                </a:solidFill>
-                <a:latin typeface="Monaco"/>
-                <a:ea typeface="Monaco"/>
-                <a:cs typeface="Monaco"/>
-                <a:sym typeface="Monaco"/>
-              </a:defRPr>
-            </a:pPr>
-            <a:r>
-              <a:t>|25739|45991|           1|           ?|           1|           ?|      1|     1|     1|     1|      1|    TRUE|</a:t>
-            </a:r>
-          </a:p>
-          <a:p>
-            <a:pPr defTabSz="457200">
-              <a:lnSpc>
-                <a:spcPts val="3000"/>
-              </a:lnSpc>
-              <a:defRPr sz="1200">
-                <a:solidFill>
-                  <a:srgbClr val="212121"/>
-                </a:solidFill>
-                <a:latin typeface="Monaco"/>
-                <a:ea typeface="Monaco"/>
-                <a:cs typeface="Monaco"/>
-                <a:sym typeface="Monaco"/>
-              </a:defRPr>
-            </a:pPr>
-            <a:r>
-              <a:t>|62415|93584|           1|           ?|           1|           ?|      1|     1|     1|     1|      0|    TRUE|</a:t>
-            </a:r>
-          </a:p>
-          <a:p>
-            <a:pPr defTabSz="457200">
-              <a:lnSpc>
-                <a:spcPts val="3000"/>
-              </a:lnSpc>
-              <a:defRPr sz="1200">
-                <a:solidFill>
-                  <a:srgbClr val="212121"/>
-                </a:solidFill>
-                <a:latin typeface="Monaco"/>
-                <a:ea typeface="Monaco"/>
-                <a:cs typeface="Monaco"/>
-                <a:sym typeface="Monaco"/>
-              </a:defRPr>
-            </a:pPr>
-            <a:r>
-              <a:t>|27995|31399|           1|           ?|           1|           ?|      1|     1|     1|     1|      1|    TRUE|</a:t>
-            </a:r>
-          </a:p>
-          <a:p>
-            <a:pPr defTabSz="457200">
-              <a:lnSpc>
-                <a:spcPts val="3000"/>
-              </a:lnSpc>
-              <a:defRPr sz="1200">
-                <a:solidFill>
-                  <a:srgbClr val="212121"/>
-                </a:solidFill>
-                <a:latin typeface="Monaco"/>
-                <a:ea typeface="Monaco"/>
-                <a:cs typeface="Monaco"/>
-                <a:sym typeface="Monaco"/>
-              </a:defRPr>
-            </a:pPr>
-            <a:r>
-              <a:t>| 4909|12238|           1|           ?|           1|           ?|      1|     1|     1|     1|      1|    TRUE|</a:t>
-            </a:r>
-          </a:p>
-        </p:txBody>
-      </p:sp>
-      <p:sp>
-        <p:nvSpPr>
-          <p:cNvPr id="233" name="The head of the raw RDD:"/>
-          <p:cNvSpPr txBox="1"/>
-          <p:nvPr/>
-        </p:nvSpPr>
-        <p:spPr>
-          <a:xfrm>
-            <a:off x="387376" y="3011620"/>
-            <a:ext cx="2484908" cy="370841"/>
-          </a:xfrm>
-          <a:prstGeom prst="rect">
-            <a:avLst/>
-          </a:prstGeom>
-          <a:ln w="12700">
-            <a:miter lim="400000"/>
-          </a:ln>
-          <a:extLst>
-            <a:ext uri="{C572A759-6A51-4108-AA02-DFA0A04FC94B}">
-              <ma14:wrappingTextBoxFlag xmlns:ma14="http://schemas.microsoft.com/office/mac/drawingml/2011/main" val="1"/>
-            </a:ext>
-          </a:extLst>
-        </p:spPr>
-        <p:txBody>
-          <a:bodyPr wrap="none" lIns="45719" rIns="45719">
-            <a:spAutoFit/>
-          </a:bodyPr>
-          <a:lstStyle/>
-          <a:p>
-            <a:pPr/>
-            <a:r>
-              <a:t>The head of the raw RDD:</a:t>
+              <a:t>import org.apache.spark.sql.{DataFrame, Dataset, Row, SparkSession}</a:t>
+            </a:r>
+          </a:p>
+          <a:p>
+            <a:pPr/>
+            <a:r>
+              <a:t>import org.apache.spark.sql.functions._ // for lit(), first(), etc.</a:t>
+            </a:r>
+          </a:p>
+          <a:p>
+            <a:pPr/>
+          </a:p>
+          <a:p>
+            <a:pPr/>
+            <a:r>
+              <a:t>case class MatchData(</a:t>
+            </a:r>
+          </a:p>
+          <a:p>
+            <a:pPr/>
+            <a:r>
+              <a:t>  id_1: Int,</a:t>
+            </a:r>
+          </a:p>
+          <a:p>
+            <a:pPr/>
+            <a:r>
+              <a:t>  id_2: Int,</a:t>
+            </a:r>
+          </a:p>
+          <a:p>
+            <a:pPr/>
+            <a:r>
+              <a:t>  cmp_fname_c1: Option[Double],</a:t>
+            </a:r>
+          </a:p>
+          <a:p>
+            <a:pPr/>
+            <a:r>
+              <a:t>  cmp_fname_c2: Option[Double],</a:t>
+            </a:r>
+          </a:p>
+          <a:p>
+            <a:pPr/>
+            <a:r>
+              <a:t>  cmp_lname_c1: Option[Double],</a:t>
+            </a:r>
+          </a:p>
+          <a:p>
+            <a:pPr/>
+            <a:r>
+              <a:t>  cmp_lname_c2: Option[Double],</a:t>
+            </a:r>
+          </a:p>
+          <a:p>
+            <a:pPr/>
+            <a:r>
+              <a:t>  cmp_sex: Option[Int],</a:t>
+            </a:r>
+          </a:p>
+          <a:p>
+            <a:pPr/>
+            <a:r>
+              <a:t>  cmp_bd: Option[Int],</a:t>
+            </a:r>
+          </a:p>
+          <a:p>
+            <a:pPr/>
+            <a:r>
+              <a:t>  cmp_bm: Option[Int],</a:t>
+            </a:r>
+          </a:p>
+          <a:p>
+            <a:pPr/>
+            <a:r>
+              <a:t>  cmp_by: Option[Int],</a:t>
+            </a:r>
+          </a:p>
+          <a:p>
+            <a:pPr/>
+            <a:r>
+              <a:t>  cmp_plz: Option[Int],</a:t>
+            </a:r>
+          </a:p>
+          <a:p>
+            <a:pPr/>
+            <a:r>
+              <a:t>  is_match: Boolean</a:t>
+            </a:r>
+          </a:p>
+          <a:p>
+            <a:pPr/>
+            <a:r>
+              <a:t>)</a:t>
             </a:r>
           </a:p>
         </p:txBody>
@@ -7320,7 +7465,7 @@
       </p:grpSpPr>
       <p:sp>
         <p:nvSpPr>
-          <p:cNvPr id="237" name="Inspect the RDD (2)"/>
+          <p:cNvPr id="241" name="Connect to the RDD, inspect it"/>
           <p:cNvSpPr txBox="1"/>
           <p:nvPr>
             <p:ph type="title"/>
@@ -7337,21 +7482,21 @@
           <a:p>
             <a:pPr/>
             <a:r>
-              <a:t>Inspect the RDD (2)</a:t>
-            </a:r>
-          </a:p>
-        </p:txBody>
-      </p:sp>
-      <p:sp>
-        <p:nvSpPr>
-          <p:cNvPr id="238" name="import spark.implicits._…"/>
+              <a:t>Connect to the RDD, inspect it</a:t>
+            </a:r>
+          </a:p>
+        </p:txBody>
+      </p:sp>
+      <p:sp>
+        <p:nvSpPr>
+          <p:cNvPr id="242" name="import spark.implicits._…"/>
           <p:cNvSpPr txBox="1"/>
           <p:nvPr/>
         </p:nvSpPr>
         <p:spPr>
           <a:xfrm>
             <a:off x="1319083" y="1230498"/>
-            <a:ext cx="6505834" cy="1767841"/>
+            <a:ext cx="3934307" cy="1767841"/>
           </a:xfrm>
           <a:prstGeom prst="rect">
             <a:avLst/>
@@ -7385,13 +7530,7 @@
           <a:p>
             <a:pPr/>
             <a:r>
-              <a:t>    val preview = spark.read.csv("/Volumes/Transcend/DATA/linkage")</a:t>
-            </a:r>
-          </a:p>
-          <a:p>
-            <a:pPr/>
-            <a:r>
-              <a:t>    preview.show()</a:t>
+              <a:t>    val preview = spark.read.csv("linkage")</a:t>
             </a:r>
           </a:p>
           <a:p>
@@ -7399,21 +7538,24 @@
               <a:defRPr b="1"/>
             </a:pPr>
             <a:r>
-              <a:t>    preview.printSchema()</a:t>
-            </a:r>
-          </a:p>
-        </p:txBody>
-      </p:sp>
-      <p:sp>
-        <p:nvSpPr>
-          <p:cNvPr id="239" name="root…"/>
+              <a:t>    preview.show()</a:t>
+            </a:r>
+          </a:p>
+          <a:p>
+            <a:pPr/>
+          </a:p>
+        </p:txBody>
+      </p:sp>
+      <p:sp>
+        <p:nvSpPr>
+          <p:cNvPr id="243" name="preview: org.apache.spark.sql.DataFrame = [_c0: string, _c1: string ... 10 more fields]…"/>
           <p:cNvSpPr txBox="1"/>
           <p:nvPr/>
         </p:nvSpPr>
         <p:spPr>
           <a:xfrm>
-            <a:off x="2873742" y="2933381"/>
-            <a:ext cx="3396517" cy="2923516"/>
+            <a:off x="374277" y="3395742"/>
+            <a:ext cx="12765466" cy="3126717"/>
           </a:xfrm>
           <a:prstGeom prst="rect">
             <a:avLst/>
@@ -7428,7 +7570,7 @@
           </a:extLst>
         </p:spPr>
         <p:txBody>
-          <a:bodyPr wrap="none" lIns="45719" rIns="45719">
+          <a:bodyPr lIns="45719" rIns="45719">
             <a:spAutoFit/>
           </a:bodyPr>
           <a:lstStyle/>
@@ -7448,7 +7590,7 @@
               </a:defRPr>
             </a:pPr>
             <a:r>
-              <a:t>root</a:t>
+              <a:t>preview: org.apache.spark.sql.DataFrame = [_c0: string, _c1: string ... 10 more fields]</a:t>
             </a:r>
           </a:p>
           <a:p>
@@ -7467,7 +7609,7 @@
               </a:defRPr>
             </a:pPr>
             <a:r>
-              <a:t> |-- _c0: string (nullable = true)</a:t>
+              <a:t>+-----+-----+------------+------------+------------+------------+-------+------+------+------+-------+--------+</a:t>
             </a:r>
           </a:p>
           <a:p>
@@ -7486,7 +7628,7 @@
               </a:defRPr>
             </a:pPr>
             <a:r>
-              <a:t> |-- _c1: string (nullable = true)</a:t>
+              <a:t>|  _c0|  _c1|         _c2|         _c3|         _c4|         _c5|    _c6|   _c7|   _c8|   _c9|   _c10|    _c11|</a:t>
             </a:r>
           </a:p>
           <a:p>
@@ -7505,7 +7647,7 @@
               </a:defRPr>
             </a:pPr>
             <a:r>
-              <a:t> |-- _c2: string (nullable = true)</a:t>
+              <a:t>+-----+-----+------------+------------+------------+------------+-------+------+------+------+-------+--------+</a:t>
             </a:r>
           </a:p>
           <a:p>
@@ -7524,7 +7666,7 @@
               </a:defRPr>
             </a:pPr>
             <a:r>
-              <a:t> |-- _c3: string (nullable = true)</a:t>
+              <a:t>| id_1| id_2|cmp_fname_c1|cmp_fname_c2|cmp_lname_c1|cmp_lname_c2|cmp_sex|cmp_bd|cmp_bm|cmp_by|cmp_plz|is_match|</a:t>
             </a:r>
           </a:p>
           <a:p>
@@ -7543,7 +7685,7 @@
               </a:defRPr>
             </a:pPr>
             <a:r>
-              <a:t> |-- _c4: string (nullable = true)</a:t>
+              <a:t>| 3148| 8326|           1|           ?|           1|           ?|      1|     1|     1|     1|      1|    TRUE|</a:t>
             </a:r>
           </a:p>
           <a:p>
@@ -7562,7 +7704,7 @@
               </a:defRPr>
             </a:pPr>
             <a:r>
-              <a:t> |-- _c5: string (nullable = true)</a:t>
+              <a:t>|14055|94934|           1|           ?|           1|           ?|      1|     1|     1|     1|      1|    TRUE|</a:t>
             </a:r>
           </a:p>
           <a:p>
@@ -7581,7 +7723,7 @@
               </a:defRPr>
             </a:pPr>
             <a:r>
-              <a:t> |-- _c6: string (nullable = true)</a:t>
+              <a:t>|33948|34740|           1|           ?|           1|           ?|      1|     1|     1|     1|      1|    TRUE|</a:t>
             </a:r>
           </a:p>
           <a:p>
@@ -7600,7 +7742,7 @@
               </a:defRPr>
             </a:pPr>
             <a:r>
-              <a:t> |-- _c7: string (nullable = true)</a:t>
+              <a:t>|  946|71870|           1|           ?|           1|           ?|      1|     1|     1|     1|      1|    TRUE|</a:t>
             </a:r>
           </a:p>
           <a:p>
@@ -7619,7 +7761,7 @@
               </a:defRPr>
             </a:pPr>
             <a:r>
-              <a:t> |-- _c8: string (nullable = true)</a:t>
+              <a:t>|64880|71676|           1|           ?|           1|           ?|      1|     1|     1|     1|      1|    TRUE|</a:t>
             </a:r>
           </a:p>
           <a:p>
@@ -7638,7 +7780,7 @@
               </a:defRPr>
             </a:pPr>
             <a:r>
-              <a:t> |-- _c9: string (nullable = true)</a:t>
+              <a:t>|25739|45991|           1|           ?|           1|           ?|      1|     1|     1|     1|      1|    TRUE|</a:t>
             </a:r>
           </a:p>
           <a:p>
@@ -7657,7 +7799,7 @@
               </a:defRPr>
             </a:pPr>
             <a:r>
-              <a:t> |-- _c10: string (nullable = true)</a:t>
+              <a:t>|62415|93584|           1|           ?|           1|           ?|      1|     1|     1|     1|      0|    TRUE|</a:t>
             </a:r>
           </a:p>
           <a:p>
@@ -7676,21 +7818,40 @@
               </a:defRPr>
             </a:pPr>
             <a:r>
-              <a:t> |-- _c11: string (nullable = true)</a:t>
-            </a:r>
-          </a:p>
-        </p:txBody>
-      </p:sp>
-      <p:sp>
-        <p:nvSpPr>
-          <p:cNvPr id="240" name="The default data structure:…"/>
+              <a:t>|27995|31399|           1|           ?|           1|           ?|      1|     1|     1|     1|      1|    TRUE|</a:t>
+            </a:r>
+          </a:p>
+          <a:p>
+            <a:pPr defTabSz="457200">
+              <a:lnSpc>
+                <a:spcPts val="3000"/>
+              </a:lnSpc>
+              <a:defRPr sz="1200">
+                <a:solidFill>
+                  <a:srgbClr val="212121"/>
+                </a:solidFill>
+                <a:latin typeface="Monaco"/>
+                <a:ea typeface="Monaco"/>
+                <a:cs typeface="Monaco"/>
+                <a:sym typeface="Monaco"/>
+              </a:defRPr>
+            </a:pPr>
+            <a:r>
+              <a:t>| 4909|12238|           1|           ?|           1|           ?|      1|     1|     1|     1|      1|    TRUE|</a:t>
+            </a:r>
+          </a:p>
+        </p:txBody>
+      </p:sp>
+      <p:sp>
+        <p:nvSpPr>
+          <p:cNvPr id="244" name="The head of the raw RDD:"/>
           <p:cNvSpPr txBox="1"/>
           <p:nvPr/>
         </p:nvSpPr>
         <p:spPr>
           <a:xfrm>
-            <a:off x="244831" y="2964179"/>
-            <a:ext cx="2630797" cy="929641"/>
+            <a:off x="387376" y="3011620"/>
+            <a:ext cx="2484908" cy="370841"/>
           </a:xfrm>
           <a:prstGeom prst="rect">
             <a:avLst/>
@@ -7712,16 +7873,7 @@
           <a:p>
             <a:pPr/>
             <a:r>
-              <a:t>The default data structure:</a:t>
-            </a:r>
-          </a:p>
-          <a:p>
-            <a:pPr/>
-          </a:p>
-          <a:p>
-            <a:pPr/>
-            <a:r>
-              <a:t>(not what we wanted)</a:t>
+              <a:t>The head of the raw RDD:</a:t>
             </a:r>
           </a:p>
         </p:txBody>
@@ -7754,7 +7906,7 @@
       </p:grpSpPr>
       <p:sp>
         <p:nvSpPr>
-          <p:cNvPr id="244" name="Parse the RDD"/>
+          <p:cNvPr id="248" name="Inspect the RDD (2)"/>
           <p:cNvSpPr txBox="1"/>
           <p:nvPr>
             <p:ph type="title"/>
@@ -7771,21 +7923,21 @@
           <a:p>
             <a:pPr/>
             <a:r>
-              <a:t>Parse the RDD</a:t>
-            </a:r>
-          </a:p>
-        </p:txBody>
-      </p:sp>
-      <p:sp>
-        <p:nvSpPr>
-          <p:cNvPr id="245" name="val parsed = spark.read…"/>
+              <a:t>Inspect the RDD (2)</a:t>
+            </a:r>
+          </a:p>
+        </p:txBody>
+      </p:sp>
+      <p:sp>
+        <p:nvSpPr>
+          <p:cNvPr id="249" name="import spark.implicits._…"/>
           <p:cNvSpPr txBox="1"/>
           <p:nvPr/>
         </p:nvSpPr>
         <p:spPr>
           <a:xfrm>
-            <a:off x="2393548" y="1373043"/>
-            <a:ext cx="4356904" cy="1767841"/>
+            <a:off x="1319083" y="1230498"/>
+            <a:ext cx="6505834" cy="1767841"/>
           </a:xfrm>
           <a:prstGeom prst="rect">
             <a:avLst/>
@@ -7807,31 +7959,25 @@
           <a:p>
             <a:pPr/>
             <a:r>
-              <a:t>val parsed = spark.read</a:t>
-            </a:r>
-          </a:p>
-          <a:p>
-            <a:pPr/>
-            <a:r>
-              <a:t>      .option("header", "true")</a:t>
-            </a:r>
-          </a:p>
-          <a:p>
-            <a:pPr/>
-            <a:r>
-              <a:t>      .option("nullValue", "?")</a:t>
-            </a:r>
-          </a:p>
-          <a:p>
-            <a:pPr/>
-            <a:r>
-              <a:t>      .option("inferSchema", "true")</a:t>
-            </a:r>
-          </a:p>
-          <a:p>
-            <a:pPr/>
-            <a:r>
-              <a:t>      .csv("/Volumes/Transcend/DATA/linkage")</a:t>
+              <a:t>    import spark.implicits._</a:t>
+            </a:r>
+          </a:p>
+          <a:p>
+            <a:pPr/>
+            <a:r>
+              <a:t> </a:t>
+            </a:r>
+          </a:p>
+          <a:p>
+            <a:pPr/>
+            <a:r>
+              <a:t>    val preview = spark.read.csv("/Volumes/Transcend/DATA/linkage")</a:t>
+            </a:r>
+          </a:p>
+          <a:p>
+            <a:pPr/>
+            <a:r>
+              <a:t>    preview.show()</a:t>
             </a:r>
           </a:p>
           <a:p>
@@ -7839,21 +7985,21 @@
               <a:defRPr b="1"/>
             </a:pPr>
             <a:r>
-              <a:t>    parsed.show()</a:t>
-            </a:r>
-          </a:p>
-        </p:txBody>
-      </p:sp>
-      <p:sp>
-        <p:nvSpPr>
-          <p:cNvPr id="246" name="parsed: org.apache.spark.sql.DataFrame = [id_1: int, id_2: int ... 10 more fields]…"/>
+              <a:t>    preview.printSchema()</a:t>
+            </a:r>
+          </a:p>
+        </p:txBody>
+      </p:sp>
+      <p:sp>
+        <p:nvSpPr>
+          <p:cNvPr id="250" name="root…"/>
           <p:cNvSpPr txBox="1"/>
           <p:nvPr/>
         </p:nvSpPr>
         <p:spPr>
           <a:xfrm>
-            <a:off x="771411" y="3300712"/>
-            <a:ext cx="12130757" cy="3126717"/>
+            <a:off x="2873742" y="2933381"/>
+            <a:ext cx="3396517" cy="2923516"/>
           </a:xfrm>
           <a:prstGeom prst="rect">
             <a:avLst/>
@@ -7868,7 +8014,7 @@
           </a:extLst>
         </p:spPr>
         <p:txBody>
-          <a:bodyPr lIns="45719" rIns="45719">
+          <a:bodyPr wrap="none" lIns="45719" rIns="45719">
             <a:spAutoFit/>
           </a:bodyPr>
           <a:lstStyle/>
@@ -7888,7 +8034,7 @@
               </a:defRPr>
             </a:pPr>
             <a:r>
-              <a:t>parsed: org.apache.spark.sql.DataFrame = [id_1: int, id_2: int ... 10 more fields]</a:t>
+              <a:t>root</a:t>
             </a:r>
           </a:p>
           <a:p>
@@ -7907,7 +8053,7 @@
               </a:defRPr>
             </a:pPr>
             <a:r>
-              <a:t>+-----+-----+------------+------------+------------+------------+-------+------+------+------+-------+--------+</a:t>
+              <a:t> |-- _c0: string (nullable = true)</a:t>
             </a:r>
           </a:p>
           <a:p>
@@ -7926,7 +8072,7 @@
               </a:defRPr>
             </a:pPr>
             <a:r>
-              <a:t>| id_1| id_2|cmp_fname_c1|cmp_fname_c2|cmp_lname_c1|cmp_lname_c2|cmp_sex|cmp_bd|cmp_bm|cmp_by|cmp_plz|is_match|</a:t>
+              <a:t> |-- _c1: string (nullable = true)</a:t>
             </a:r>
           </a:p>
           <a:p>
@@ -7945,7 +8091,7 @@
               </a:defRPr>
             </a:pPr>
             <a:r>
-              <a:t>+-----+-----+------------+------------+------------+------------+-------+------+------+------+-------+--------+</a:t>
+              <a:t> |-- _c2: string (nullable = true)</a:t>
             </a:r>
           </a:p>
           <a:p>
@@ -7964,7 +8110,7 @@
               </a:defRPr>
             </a:pPr>
             <a:r>
-              <a:t>| 3148| 8326|         1.0|        null|         1.0|        null|      1|     1|     1|     1|      1|    true|</a:t>
+              <a:t> |-- _c3: string (nullable = true)</a:t>
             </a:r>
           </a:p>
           <a:p>
@@ -7983,7 +8129,7 @@
               </a:defRPr>
             </a:pPr>
             <a:r>
-              <a:t>|14055|94934|         1.0|        null|         1.0|        null|      1|     1|     1|     1|      1|    true|</a:t>
+              <a:t> |-- _c4: string (nullable = true)</a:t>
             </a:r>
           </a:p>
           <a:p>
@@ -8002,7 +8148,7 @@
               </a:defRPr>
             </a:pPr>
             <a:r>
-              <a:t>|33948|34740|         1.0|        null|         1.0|        null|      1|     1|     1|     1|      1|    true|</a:t>
+              <a:t> |-- _c5: string (nullable = true)</a:t>
             </a:r>
           </a:p>
           <a:p>
@@ -8021,7 +8167,7 @@
               </a:defRPr>
             </a:pPr>
             <a:r>
-              <a:t>|  946|71870|         1.0|        null|         1.0|        null|      1|     1|     1|     1|      1|    true|</a:t>
+              <a:t> |-- _c6: string (nullable = true)</a:t>
             </a:r>
           </a:p>
           <a:p>
@@ -8040,7 +8186,7 @@
               </a:defRPr>
             </a:pPr>
             <a:r>
-              <a:t>|64880|71676|         1.0|        null|         1.0|        null|      1|     1|     1|     1|      1|    true|</a:t>
+              <a:t> |-- _c7: string (nullable = true)</a:t>
             </a:r>
           </a:p>
           <a:p>
@@ -8059,7 +8205,7 @@
               </a:defRPr>
             </a:pPr>
             <a:r>
-              <a:t>|25739|45991|         1.0|        null|         1.0|        null|      1|     1|     1|     1|      1|    true|</a:t>
+              <a:t> |-- _c8: string (nullable = true)</a:t>
             </a:r>
           </a:p>
           <a:p>
@@ -8078,7 +8224,7 @@
               </a:defRPr>
             </a:pPr>
             <a:r>
-              <a:t>|62415|93584|         1.0|        null|         1.0|        null|      1|     1|     1|     1|      0|    true|</a:t>
+              <a:t> |-- _c9: string (nullable = true)</a:t>
             </a:r>
           </a:p>
           <a:p>
@@ -8097,7 +8243,7 @@
               </a:defRPr>
             </a:pPr>
             <a:r>
-              <a:t>|27995|31399|         1.0|        null|         1.0|        null|      1|     1|     1|     1|      1|    true|</a:t>
+              <a:t> |-- _c10: string (nullable = true)</a:t>
             </a:r>
           </a:p>
           <a:p>
@@ -8116,26 +8262,52 @@
               </a:defRPr>
             </a:pPr>
             <a:r>
-              <a:t>| 4909|12238|         1.0|        null|         1.0|        null|      1|     1|     1|     1|      1|    true|</a:t>
-            </a:r>
-          </a:p>
-          <a:p>
-            <a:pPr defTabSz="457200">
-              <a:lnSpc>
-                <a:spcPts val="3000"/>
-              </a:lnSpc>
-              <a:defRPr sz="1200">
-                <a:solidFill>
-                  <a:srgbClr val="212121"/>
-                </a:solidFill>
-                <a:latin typeface="Monaco"/>
-                <a:ea typeface="Monaco"/>
-                <a:cs typeface="Monaco"/>
-                <a:sym typeface="Monaco"/>
-              </a:defRPr>
-            </a:pPr>
-            <a:r>
-              <a:t>|15161|16743|         1.0|        null|         1.0|        null|      1|     1|     1|     1|      1|    true|</a:t>
+              <a:t> |-- _c11: string (nullable = true)</a:t>
+            </a:r>
+          </a:p>
+        </p:txBody>
+      </p:sp>
+      <p:sp>
+        <p:nvSpPr>
+          <p:cNvPr id="251" name="The default data structure:…"/>
+          <p:cNvSpPr txBox="1"/>
+          <p:nvPr/>
+        </p:nvSpPr>
+        <p:spPr>
+          <a:xfrm>
+            <a:off x="244831" y="2964179"/>
+            <a:ext cx="2630797" cy="929641"/>
+          </a:xfrm>
+          <a:prstGeom prst="rect">
+            <a:avLst/>
+          </a:prstGeom>
+          <a:ln w="12700">
+            <a:miter lim="400000"/>
+          </a:ln>
+          <a:extLst>
+            <a:ext uri="{C572A759-6A51-4108-AA02-DFA0A04FC94B}">
+              <ma14:wrappingTextBoxFlag xmlns:ma14="http://schemas.microsoft.com/office/mac/drawingml/2011/main" val="1"/>
+            </a:ext>
+          </a:extLst>
+        </p:spPr>
+        <p:txBody>
+          <a:bodyPr wrap="none" lIns="45719" rIns="45719">
+            <a:spAutoFit/>
+          </a:bodyPr>
+          <a:lstStyle/>
+          <a:p>
+            <a:pPr/>
+            <a:r>
+              <a:t>The default data structure:</a:t>
+            </a:r>
+          </a:p>
+          <a:p>
+            <a:pPr/>
+          </a:p>
+          <a:p>
+            <a:pPr/>
+            <a:r>
+              <a:t>(not what we wanted)</a:t>
             </a:r>
           </a:p>
         </p:txBody>
@@ -8168,7 +8340,7 @@
       </p:grpSpPr>
       <p:sp>
         <p:nvSpPr>
-          <p:cNvPr id="250" name="Parse the  RDD (2)"/>
+          <p:cNvPr id="255" name="Parse the RDD"/>
           <p:cNvSpPr txBox="1"/>
           <p:nvPr>
             <p:ph type="title"/>
@@ -8185,21 +8357,21 @@
           <a:p>
             <a:pPr/>
             <a:r>
-              <a:t>Parse the  RDD (2)</a:t>
-            </a:r>
-          </a:p>
-        </p:txBody>
-      </p:sp>
-      <p:sp>
-        <p:nvSpPr>
-          <p:cNvPr id="251" name="val parsed = spark.read…"/>
+              <a:t>Parse the RDD</a:t>
+            </a:r>
+          </a:p>
+        </p:txBody>
+      </p:sp>
+      <p:sp>
+        <p:nvSpPr>
+          <p:cNvPr id="256" name="val parsed = spark.read…"/>
           <p:cNvSpPr txBox="1"/>
           <p:nvPr/>
         </p:nvSpPr>
         <p:spPr>
           <a:xfrm>
             <a:off x="2393548" y="1373043"/>
-            <a:ext cx="4356904" cy="2047241"/>
+            <a:ext cx="4356904" cy="1767841"/>
           </a:xfrm>
           <a:prstGeom prst="rect">
             <a:avLst/>
@@ -8249,31 +8421,25 @@
             </a:r>
           </a:p>
           <a:p>
-            <a:pPr/>
-            <a:r>
-              <a:t>    parsed.show()</a:t>
-            </a:r>
-          </a:p>
-          <a:p>
             <a:pPr>
               <a:defRPr b="1"/>
             </a:pPr>
             <a:r>
-              <a:t>   parsed.printSchema()</a:t>
-            </a:r>
-          </a:p>
-        </p:txBody>
-      </p:sp>
-      <p:sp>
-        <p:nvSpPr>
-          <p:cNvPr id="252" name="root…"/>
+              <a:t>    parsed.show()</a:t>
+            </a:r>
+          </a:p>
+        </p:txBody>
+      </p:sp>
+      <p:sp>
+        <p:nvSpPr>
+          <p:cNvPr id="257" name="parsed: org.apache.spark.sql.DataFrame = [id_1: int, id_2: int ... 10 more fields]…"/>
           <p:cNvSpPr txBox="1"/>
           <p:nvPr/>
         </p:nvSpPr>
         <p:spPr>
           <a:xfrm>
-            <a:off x="2507922" y="3630267"/>
-            <a:ext cx="4128156" cy="2923517"/>
+            <a:off x="771411" y="3300712"/>
+            <a:ext cx="12130757" cy="3126717"/>
           </a:xfrm>
           <a:prstGeom prst="rect">
             <a:avLst/>
@@ -8288,7 +8454,7 @@
           </a:extLst>
         </p:spPr>
         <p:txBody>
-          <a:bodyPr wrap="none" lIns="45719" rIns="45719">
+          <a:bodyPr lIns="45719" rIns="45719">
             <a:spAutoFit/>
           </a:bodyPr>
           <a:lstStyle/>
@@ -8308,7 +8474,7 @@
               </a:defRPr>
             </a:pPr>
             <a:r>
-              <a:t>root</a:t>
+              <a:t>parsed: org.apache.spark.sql.DataFrame = [id_1: int, id_2: int ... 10 more fields]</a:t>
             </a:r>
           </a:p>
           <a:p>
@@ -8327,7 +8493,7 @@
               </a:defRPr>
             </a:pPr>
             <a:r>
-              <a:t> |-- id_1: integer (nullable = true)</a:t>
+              <a:t>+-----+-----+------------+------------+------------+------------+-------+------+------+------+-------+--------+</a:t>
             </a:r>
           </a:p>
           <a:p>
@@ -8346,7 +8512,7 @@
               </a:defRPr>
             </a:pPr>
             <a:r>
-              <a:t> |-- id_2: integer (nullable = true)</a:t>
+              <a:t>| id_1| id_2|cmp_fname_c1|cmp_fname_c2|cmp_lname_c1|cmp_lname_c2|cmp_sex|cmp_bd|cmp_bm|cmp_by|cmp_plz|is_match|</a:t>
             </a:r>
           </a:p>
           <a:p>
@@ -8365,7 +8531,7 @@
               </a:defRPr>
             </a:pPr>
             <a:r>
-              <a:t> |-- cmp_fname_c1: double (nullable = true)</a:t>
+              <a:t>+-----+-----+------------+------------+------------+------------+-------+------+------+------+-------+--------+</a:t>
             </a:r>
           </a:p>
           <a:p>
@@ -8384,7 +8550,7 @@
               </a:defRPr>
             </a:pPr>
             <a:r>
-              <a:t> |-- cmp_fname_c2: double (nullable = true)</a:t>
+              <a:t>| 3148| 8326|         1.0|        null|         1.0|        null|      1|     1|     1|     1|      1|    true|</a:t>
             </a:r>
           </a:p>
           <a:p>
@@ -8403,7 +8569,7 @@
               </a:defRPr>
             </a:pPr>
             <a:r>
-              <a:t> |-- cmp_lname_c1: double (nullable = true)</a:t>
+              <a:t>|14055|94934|         1.0|        null|         1.0|        null|      1|     1|     1|     1|      1|    true|</a:t>
             </a:r>
           </a:p>
           <a:p>
@@ -8422,7 +8588,7 @@
               </a:defRPr>
             </a:pPr>
             <a:r>
-              <a:t> |-- cmp_lname_c2: double (nullable = true)</a:t>
+              <a:t>|33948|34740|         1.0|        null|         1.0|        null|      1|     1|     1|     1|      1|    true|</a:t>
             </a:r>
           </a:p>
           <a:p>
@@ -8441,7 +8607,7 @@
               </a:defRPr>
             </a:pPr>
             <a:r>
-              <a:t> |-- cmp_sex: integer (nullable = true)</a:t>
+              <a:t>|  946|71870|         1.0|        null|         1.0|        null|      1|     1|     1|     1|      1|    true|</a:t>
             </a:r>
           </a:p>
           <a:p>
@@ -8460,7 +8626,7 @@
               </a:defRPr>
             </a:pPr>
             <a:r>
-              <a:t> |-- cmp_bd: integer (nullable = true)</a:t>
+              <a:t>|64880|71676|         1.0|        null|         1.0|        null|      1|     1|     1|     1|      1|    true|</a:t>
             </a:r>
           </a:p>
           <a:p>
@@ -8479,7 +8645,7 @@
               </a:defRPr>
             </a:pPr>
             <a:r>
-              <a:t> |-- cmp_bm: integer (nullable = true)</a:t>
+              <a:t>|25739|45991|         1.0|        null|         1.0|        null|      1|     1|     1|     1|      1|    true|</a:t>
             </a:r>
           </a:p>
           <a:p>
@@ -8498,7 +8664,7 @@
               </a:defRPr>
             </a:pPr>
             <a:r>
-              <a:t> |-- cmp_by: integer (nullable = true)</a:t>
+              <a:t>|62415|93584|         1.0|        null|         1.0|        null|      1|     1|     1|     1|      0|    true|</a:t>
             </a:r>
           </a:p>
           <a:p>
@@ -8517,7 +8683,7 @@
               </a:defRPr>
             </a:pPr>
             <a:r>
-              <a:t> |-- cmp_plz: integer (nullable = true)</a:t>
+              <a:t>|27995|31399|         1.0|        null|         1.0|        null|      1|     1|     1|     1|      1|    true|</a:t>
             </a:r>
           </a:p>
           <a:p>
@@ -8536,49 +8702,26 @@
               </a:defRPr>
             </a:pPr>
             <a:r>
-              <a:t> |-- is_match: boolean (nullable = true)</a:t>
-            </a:r>
-          </a:p>
-        </p:txBody>
-      </p:sp>
-      <p:sp>
-        <p:nvSpPr>
-          <p:cNvPr id="253" name="The inferred…"/>
-          <p:cNvSpPr txBox="1"/>
-          <p:nvPr/>
-        </p:nvSpPr>
-        <p:spPr>
-          <a:xfrm>
-            <a:off x="450730" y="3803611"/>
-            <a:ext cx="1526417" cy="929641"/>
-          </a:xfrm>
-          <a:prstGeom prst="rect">
-            <a:avLst/>
-          </a:prstGeom>
-          <a:ln w="12700">
-            <a:miter lim="400000"/>
-          </a:ln>
-          <a:extLst>
-            <a:ext uri="{C572A759-6A51-4108-AA02-DFA0A04FC94B}">
-              <ma14:wrappingTextBoxFlag xmlns:ma14="http://schemas.microsoft.com/office/mac/drawingml/2011/main" val="1"/>
-            </a:ext>
-          </a:extLst>
-        </p:spPr>
-        <p:txBody>
-          <a:bodyPr wrap="none" lIns="45719" rIns="45719">
-            <a:spAutoFit/>
-          </a:bodyPr>
-          <a:lstStyle/>
-          <a:p>
-            <a:pPr/>
-            <a:r>
-              <a:t>The inferred </a:t>
-            </a:r>
-          </a:p>
-          <a:p>
-            <a:pPr/>
-            <a:r>
-              <a:t>data structure:</a:t>
+              <a:t>| 4909|12238|         1.0|        null|         1.0|        null|      1|     1|     1|     1|      1|    true|</a:t>
+            </a:r>
+          </a:p>
+          <a:p>
+            <a:pPr defTabSz="457200">
+              <a:lnSpc>
+                <a:spcPts val="3000"/>
+              </a:lnSpc>
+              <a:defRPr sz="1200">
+                <a:solidFill>
+                  <a:srgbClr val="212121"/>
+                </a:solidFill>
+                <a:latin typeface="Monaco"/>
+                <a:ea typeface="Monaco"/>
+                <a:cs typeface="Monaco"/>
+                <a:sym typeface="Monaco"/>
+              </a:defRPr>
+            </a:pPr>
+            <a:r>
+              <a:t>|15161|16743|         1.0|        null|         1.0|        null|      1|     1|     1|     1|      1|    true|</a:t>
             </a:r>
           </a:p>
         </p:txBody>
@@ -8611,7 +8754,7 @@
       </p:grpSpPr>
       <p:sp>
         <p:nvSpPr>
-          <p:cNvPr id="257" name="Count the matches in the data"/>
+          <p:cNvPr id="261" name="Parse the  RDD (2)"/>
           <p:cNvSpPr txBox="1"/>
           <p:nvPr>
             <p:ph type="title"/>
@@ -8628,21 +8771,21 @@
           <a:p>
             <a:pPr/>
             <a:r>
-              <a:t>Count the matches in the data</a:t>
-            </a:r>
-          </a:p>
-        </p:txBody>
-      </p:sp>
-      <p:sp>
-        <p:nvSpPr>
-          <p:cNvPr id="258" name="parsed.count()…"/>
+              <a:t>Parse the  RDD (2)</a:t>
+            </a:r>
+          </a:p>
+        </p:txBody>
+      </p:sp>
+      <p:sp>
+        <p:nvSpPr>
+          <p:cNvPr id="262" name="val parsed = spark.read…"/>
           <p:cNvSpPr txBox="1"/>
           <p:nvPr/>
         </p:nvSpPr>
         <p:spPr>
           <a:xfrm>
-            <a:off x="1254957" y="1652443"/>
-            <a:ext cx="6634086" cy="1209041"/>
+            <a:off x="2393548" y="1373043"/>
+            <a:ext cx="4356904" cy="2047241"/>
           </a:xfrm>
           <a:prstGeom prst="rect">
             <a:avLst/>
@@ -8664,33 +8807,59 @@
           <a:p>
             <a:pPr/>
             <a:r>
-              <a:t>    parsed.count()</a:t>
-            </a:r>
-          </a:p>
-          <a:p>
-            <a:pPr/>
-            <a:r>
-              <a:t>    parsed.cache()</a:t>
-            </a:r>
-          </a:p>
-          <a:p>
-            <a:pPr/>
-            <a:r>
-              <a:t>    parsed.groupBy("is_match").count().orderBy($"count".desc).show()</a:t>
-            </a:r>
-          </a:p>
-        </p:txBody>
-      </p:sp>
-      <p:sp>
-        <p:nvSpPr>
-          <p:cNvPr id="259" name="res28: Long = 5749132…"/>
+              <a:t>val parsed = spark.read</a:t>
+            </a:r>
+          </a:p>
+          <a:p>
+            <a:pPr/>
+            <a:r>
+              <a:t>      .option("header", "true")</a:t>
+            </a:r>
+          </a:p>
+          <a:p>
+            <a:pPr/>
+            <a:r>
+              <a:t>      .option("nullValue", "?")</a:t>
+            </a:r>
+          </a:p>
+          <a:p>
+            <a:pPr/>
+            <a:r>
+              <a:t>      .option("inferSchema", "true")</a:t>
+            </a:r>
+          </a:p>
+          <a:p>
+            <a:pPr/>
+            <a:r>
+              <a:t>      .csv("/Volumes/Transcend/DATA/linkage")</a:t>
+            </a:r>
+          </a:p>
+          <a:p>
+            <a:pPr/>
+            <a:r>
+              <a:t>    parsed.show()</a:t>
+            </a:r>
+          </a:p>
+          <a:p>
+            <a:pPr>
+              <a:defRPr b="1"/>
+            </a:pPr>
+            <a:r>
+              <a:t>   parsed.printSchema()</a:t>
+            </a:r>
+          </a:p>
+        </p:txBody>
+      </p:sp>
+      <p:sp>
+        <p:nvSpPr>
+          <p:cNvPr id="263" name="root…"/>
           <p:cNvSpPr txBox="1"/>
           <p:nvPr/>
         </p:nvSpPr>
         <p:spPr>
           <a:xfrm>
-            <a:off x="1908352" y="3096288"/>
-            <a:ext cx="5865799" cy="1907516"/>
+            <a:off x="2507922" y="3630267"/>
+            <a:ext cx="4128156" cy="2923517"/>
           </a:xfrm>
           <a:prstGeom prst="rect">
             <a:avLst/>
@@ -8725,7 +8894,7 @@
               </a:defRPr>
             </a:pPr>
             <a:r>
-              <a:t>res28: Long = 5749132</a:t>
+              <a:t>root</a:t>
             </a:r>
           </a:p>
           <a:p>
@@ -8744,7 +8913,7 @@
               </a:defRPr>
             </a:pPr>
             <a:r>
-              <a:t>res29: parsed.type = [id_1: int, id_2: int ... 10 more fields]</a:t>
+              <a:t> |-- id_1: integer (nullable = true)</a:t>
             </a:r>
           </a:p>
           <a:p>
@@ -8763,7 +8932,7 @@
               </a:defRPr>
             </a:pPr>
             <a:r>
-              <a:t>+--------+-------+</a:t>
+              <a:t> |-- id_2: integer (nullable = true)</a:t>
             </a:r>
           </a:p>
           <a:p>
@@ -8782,7 +8951,7 @@
               </a:defRPr>
             </a:pPr>
             <a:r>
-              <a:t>|is_match|  count|</a:t>
+              <a:t> |-- cmp_fname_c1: double (nullable = true)</a:t>
             </a:r>
           </a:p>
           <a:p>
@@ -8801,7 +8970,7 @@
               </a:defRPr>
             </a:pPr>
             <a:r>
-              <a:t>+--------+-------+</a:t>
+              <a:t> |-- cmp_fname_c2: double (nullable = true)</a:t>
             </a:r>
           </a:p>
           <a:p>
@@ -8820,7 +8989,7 @@
               </a:defRPr>
             </a:pPr>
             <a:r>
-              <a:t>|   false|5728201|</a:t>
+              <a:t> |-- cmp_lname_c1: double (nullable = true)</a:t>
             </a:r>
           </a:p>
           <a:p>
@@ -8839,7 +9008,7 @@
               </a:defRPr>
             </a:pPr>
             <a:r>
-              <a:t>|    true|  20931|</a:t>
+              <a:t> |-- cmp_lname_c2: double (nullable = true)</a:t>
             </a:r>
           </a:p>
           <a:p>
@@ -8858,7 +9027,144 @@
               </a:defRPr>
             </a:pPr>
             <a:r>
-              <a:t>+--------+-------+</a:t>
+              <a:t> |-- cmp_sex: integer (nullable = true)</a:t>
+            </a:r>
+          </a:p>
+          <a:p>
+            <a:pPr defTabSz="457200">
+              <a:lnSpc>
+                <a:spcPts val="3000"/>
+              </a:lnSpc>
+              <a:defRPr sz="1200">
+                <a:solidFill>
+                  <a:srgbClr val="212121"/>
+                </a:solidFill>
+                <a:latin typeface="Monaco"/>
+                <a:ea typeface="Monaco"/>
+                <a:cs typeface="Monaco"/>
+                <a:sym typeface="Monaco"/>
+              </a:defRPr>
+            </a:pPr>
+            <a:r>
+              <a:t> |-- cmp_bd: integer (nullable = true)</a:t>
+            </a:r>
+          </a:p>
+          <a:p>
+            <a:pPr defTabSz="457200">
+              <a:lnSpc>
+                <a:spcPts val="3000"/>
+              </a:lnSpc>
+              <a:defRPr sz="1200">
+                <a:solidFill>
+                  <a:srgbClr val="212121"/>
+                </a:solidFill>
+                <a:latin typeface="Monaco"/>
+                <a:ea typeface="Monaco"/>
+                <a:cs typeface="Monaco"/>
+                <a:sym typeface="Monaco"/>
+              </a:defRPr>
+            </a:pPr>
+            <a:r>
+              <a:t> |-- cmp_bm: integer (nullable = true)</a:t>
+            </a:r>
+          </a:p>
+          <a:p>
+            <a:pPr defTabSz="457200">
+              <a:lnSpc>
+                <a:spcPts val="3000"/>
+              </a:lnSpc>
+              <a:defRPr sz="1200">
+                <a:solidFill>
+                  <a:srgbClr val="212121"/>
+                </a:solidFill>
+                <a:latin typeface="Monaco"/>
+                <a:ea typeface="Monaco"/>
+                <a:cs typeface="Monaco"/>
+                <a:sym typeface="Monaco"/>
+              </a:defRPr>
+            </a:pPr>
+            <a:r>
+              <a:t> |-- cmp_by: integer (nullable = true)</a:t>
+            </a:r>
+          </a:p>
+          <a:p>
+            <a:pPr defTabSz="457200">
+              <a:lnSpc>
+                <a:spcPts val="3000"/>
+              </a:lnSpc>
+              <a:defRPr sz="1200">
+                <a:solidFill>
+                  <a:srgbClr val="212121"/>
+                </a:solidFill>
+                <a:latin typeface="Monaco"/>
+                <a:ea typeface="Monaco"/>
+                <a:cs typeface="Monaco"/>
+                <a:sym typeface="Monaco"/>
+              </a:defRPr>
+            </a:pPr>
+            <a:r>
+              <a:t> |-- cmp_plz: integer (nullable = true)</a:t>
+            </a:r>
+          </a:p>
+          <a:p>
+            <a:pPr defTabSz="457200">
+              <a:lnSpc>
+                <a:spcPts val="3000"/>
+              </a:lnSpc>
+              <a:defRPr sz="1200">
+                <a:solidFill>
+                  <a:srgbClr val="212121"/>
+                </a:solidFill>
+                <a:latin typeface="Monaco"/>
+                <a:ea typeface="Monaco"/>
+                <a:cs typeface="Monaco"/>
+                <a:sym typeface="Monaco"/>
+              </a:defRPr>
+            </a:pPr>
+            <a:r>
+              <a:t> |-- is_match: boolean (nullable = true)</a:t>
+            </a:r>
+          </a:p>
+        </p:txBody>
+      </p:sp>
+      <p:sp>
+        <p:nvSpPr>
+          <p:cNvPr id="264" name="The inferred…"/>
+          <p:cNvSpPr txBox="1"/>
+          <p:nvPr/>
+        </p:nvSpPr>
+        <p:spPr>
+          <a:xfrm>
+            <a:off x="450730" y="3803611"/>
+            <a:ext cx="1526417" cy="929641"/>
+          </a:xfrm>
+          <a:prstGeom prst="rect">
+            <a:avLst/>
+          </a:prstGeom>
+          <a:ln w="12700">
+            <a:miter lim="400000"/>
+          </a:ln>
+          <a:extLst>
+            <a:ext uri="{C572A759-6A51-4108-AA02-DFA0A04FC94B}">
+              <ma14:wrappingTextBoxFlag xmlns:ma14="http://schemas.microsoft.com/office/mac/drawingml/2011/main" val="1"/>
+            </a:ext>
+          </a:extLst>
+        </p:spPr>
+        <p:txBody>
+          <a:bodyPr wrap="none" lIns="45719" rIns="45719">
+            <a:spAutoFit/>
+          </a:bodyPr>
+          <a:lstStyle/>
+          <a:p>
+            <a:pPr/>
+            <a:r>
+              <a:t>The inferred </a:t>
+            </a:r>
+          </a:p>
+          <a:p>
+            <a:pPr/>
+            <a:r>
+              <a:t>data structure:</a:t>
             </a:r>
           </a:p>
         </p:txBody>
@@ -8891,7 +9197,7 @@
       </p:grpSpPr>
       <p:sp>
         <p:nvSpPr>
-          <p:cNvPr id="263" name="Can do it with SQL"/>
+          <p:cNvPr id="268" name="Count the matches in the data"/>
           <p:cNvSpPr txBox="1"/>
           <p:nvPr>
             <p:ph type="title"/>
@@ -8908,21 +9214,21 @@
           <a:p>
             <a:pPr/>
             <a:r>
-              <a:t>Can do it with SQL</a:t>
-            </a:r>
-          </a:p>
-        </p:txBody>
-      </p:sp>
-      <p:sp>
-        <p:nvSpPr>
-          <p:cNvPr id="264" name="parsed.createOrReplaceTempView(&quot;linkage&quot;)…"/>
+              <a:t>Count the matches in the data</a:t>
+            </a:r>
+          </a:p>
+        </p:txBody>
+      </p:sp>
+      <p:sp>
+        <p:nvSpPr>
+          <p:cNvPr id="269" name="parsed.count()…"/>
           <p:cNvSpPr txBox="1"/>
           <p:nvPr/>
         </p:nvSpPr>
         <p:spPr>
           <a:xfrm>
-            <a:off x="2306874" y="1518433"/>
-            <a:ext cx="4530252" cy="2047241"/>
+            <a:off x="1254957" y="1652443"/>
+            <a:ext cx="6634086" cy="1209041"/>
           </a:xfrm>
           <a:prstGeom prst="rect">
             <a:avLst/>
@@ -8944,57 +9250,33 @@
           <a:p>
             <a:pPr/>
             <a:r>
-              <a:t>    parsed.createOrReplaceTempView("linkage")</a:t>
-            </a:r>
-          </a:p>
-          <a:p>
-            <a:pPr/>
-            <a:r>
-              <a:t>    spark.sql("""</a:t>
-            </a:r>
-          </a:p>
-          <a:p>
-            <a:pPr/>
-            <a:r>
-              <a:t>      SELECT is_match, COUNT(*) cnt</a:t>
-            </a:r>
-          </a:p>
-          <a:p>
-            <a:pPr/>
-            <a:r>
-              <a:t>      FROM linkage</a:t>
-            </a:r>
-          </a:p>
-          <a:p>
-            <a:pPr/>
-            <a:r>
-              <a:t>      GROUP BY is_match</a:t>
-            </a:r>
-          </a:p>
-          <a:p>
-            <a:pPr/>
-            <a:r>
-              <a:t>      ORDER BY cnt DESC</a:t>
-            </a:r>
-          </a:p>
-          <a:p>
-            <a:pPr/>
-            <a:r>
-              <a:t>    """).show()</a:t>
-            </a:r>
-          </a:p>
-        </p:txBody>
-      </p:sp>
-      <p:sp>
-        <p:nvSpPr>
-          <p:cNvPr id="265" name="+--------+-------+…"/>
+              <a:t>    parsed.count()</a:t>
+            </a:r>
+          </a:p>
+          <a:p>
+            <a:pPr/>
+            <a:r>
+              <a:t>    parsed.cache()</a:t>
+            </a:r>
+          </a:p>
+          <a:p>
+            <a:pPr/>
+            <a:r>
+              <a:t>    parsed.groupBy("is_match").count().orderBy($"count".desc).show()</a:t>
+            </a:r>
+          </a:p>
+        </p:txBody>
+      </p:sp>
+      <p:sp>
+        <p:nvSpPr>
+          <p:cNvPr id="270" name="res28: Long = 5749132…"/>
           <p:cNvSpPr txBox="1"/>
           <p:nvPr/>
         </p:nvSpPr>
         <p:spPr>
           <a:xfrm>
-            <a:off x="3651108" y="3993024"/>
-            <a:ext cx="1841784" cy="1501116"/>
+            <a:off x="1908352" y="3096288"/>
+            <a:ext cx="5865799" cy="1907516"/>
           </a:xfrm>
           <a:prstGeom prst="rect">
             <a:avLst/>
@@ -9029,7 +9311,7 @@
               </a:defRPr>
             </a:pPr>
             <a:r>
-              <a:t>+--------+-------+</a:t>
+              <a:t>res28: Long = 5749132</a:t>
             </a:r>
           </a:p>
           <a:p>
@@ -9048,7 +9330,45 @@
               </a:defRPr>
             </a:pPr>
             <a:r>
-              <a:t>|is_match|    cnt|</a:t>
+              <a:t>res29: parsed.type = [id_1: int, id_2: int ... 10 more fields]</a:t>
+            </a:r>
+          </a:p>
+          <a:p>
+            <a:pPr defTabSz="457200">
+              <a:lnSpc>
+                <a:spcPts val="3000"/>
+              </a:lnSpc>
+              <a:defRPr sz="1200">
+                <a:solidFill>
+                  <a:srgbClr val="212121"/>
+                </a:solidFill>
+                <a:latin typeface="Monaco"/>
+                <a:ea typeface="Monaco"/>
+                <a:cs typeface="Monaco"/>
+                <a:sym typeface="Monaco"/>
+              </a:defRPr>
+            </a:pPr>
+            <a:r>
+              <a:t>+--------+-------+</a:t>
+            </a:r>
+          </a:p>
+          <a:p>
+            <a:pPr defTabSz="457200">
+              <a:lnSpc>
+                <a:spcPts val="3000"/>
+              </a:lnSpc>
+              <a:defRPr sz="1200">
+                <a:solidFill>
+                  <a:srgbClr val="212121"/>
+                </a:solidFill>
+                <a:latin typeface="Monaco"/>
+                <a:ea typeface="Monaco"/>
+                <a:cs typeface="Monaco"/>
+                <a:sym typeface="Monaco"/>
+              </a:defRPr>
+            </a:pPr>
+            <a:r>
+              <a:t>|is_match|  count|</a:t>
             </a:r>
           </a:p>
           <a:p>
@@ -9157,7 +9477,7 @@
       </p:grpSpPr>
       <p:sp>
         <p:nvSpPr>
-          <p:cNvPr id="269" name="Get description"/>
+          <p:cNvPr id="274" name="Can do it with SQL"/>
           <p:cNvSpPr txBox="1"/>
           <p:nvPr>
             <p:ph type="title"/>
@@ -9174,21 +9494,21 @@
           <a:p>
             <a:pPr/>
             <a:r>
-              <a:t>Get description</a:t>
-            </a:r>
-          </a:p>
-        </p:txBody>
-      </p:sp>
-      <p:sp>
-        <p:nvSpPr>
-          <p:cNvPr id="270" name="val summary = parsed.describe()…"/>
+              <a:t>Can do it with SQL</a:t>
+            </a:r>
+          </a:p>
+        </p:txBody>
+      </p:sp>
+      <p:sp>
+        <p:nvSpPr>
+          <p:cNvPr id="275" name="parsed.createOrReplaceTempView(&quot;linkage&quot;)…"/>
           <p:cNvSpPr txBox="1"/>
           <p:nvPr/>
         </p:nvSpPr>
         <p:spPr>
           <a:xfrm>
-            <a:off x="996833" y="1525736"/>
-            <a:ext cx="7150334" cy="1209041"/>
+            <a:off x="2306874" y="1518433"/>
+            <a:ext cx="4530252" cy="2047241"/>
           </a:xfrm>
           <a:prstGeom prst="rect">
             <a:avLst/>
@@ -9210,33 +9530,57 @@
           <a:p>
             <a:pPr/>
             <a:r>
-              <a:t>    val summary = parsed.describe()</a:t>
-            </a:r>
-          </a:p>
-          <a:p>
-            <a:pPr/>
-            <a:r>
-              <a:t>    summary.show()</a:t>
-            </a:r>
-          </a:p>
-          <a:p>
-            <a:pPr/>
-            <a:r>
-              <a:t>    summary.select("summary", "cmp_fname_c1", "cmp_fname_c2").show()</a:t>
-            </a:r>
-          </a:p>
-        </p:txBody>
-      </p:sp>
-      <p:sp>
-        <p:nvSpPr>
-          <p:cNvPr id="271" name="summary: org.apache.spark.sql.DataFrame = [summary: string, id_1: string ... 10 more fields]…"/>
+              <a:t>    parsed.createOrReplaceTempView("linkage")</a:t>
+            </a:r>
+          </a:p>
+          <a:p>
+            <a:pPr/>
+            <a:r>
+              <a:t>    spark.sql("""</a:t>
+            </a:r>
+          </a:p>
+          <a:p>
+            <a:pPr/>
+            <a:r>
+              <a:t>      SELECT is_match, COUNT(*) cnt</a:t>
+            </a:r>
+          </a:p>
+          <a:p>
+            <a:pPr/>
+            <a:r>
+              <a:t>      FROM linkage</a:t>
+            </a:r>
+          </a:p>
+          <a:p>
+            <a:pPr/>
+            <a:r>
+              <a:t>      GROUP BY is_match</a:t>
+            </a:r>
+          </a:p>
+          <a:p>
+            <a:pPr/>
+            <a:r>
+              <a:t>      ORDER BY cnt DESC</a:t>
+            </a:r>
+          </a:p>
+          <a:p>
+            <a:pPr/>
+            <a:r>
+              <a:t>    """).show()</a:t>
+            </a:r>
+          </a:p>
+        </p:txBody>
+      </p:sp>
+      <p:sp>
+        <p:nvSpPr>
+          <p:cNvPr id="276" name="+--------+-------+…"/>
           <p:cNvSpPr txBox="1"/>
           <p:nvPr/>
         </p:nvSpPr>
         <p:spPr>
           <a:xfrm>
-            <a:off x="847723" y="2495656"/>
-            <a:ext cx="21356031" cy="4345916"/>
+            <a:off x="3651108" y="3993024"/>
+            <a:ext cx="1841784" cy="1501116"/>
           </a:xfrm>
           <a:prstGeom prst="rect">
             <a:avLst/>
@@ -9251,7 +9595,7 @@
           </a:extLst>
         </p:spPr>
         <p:txBody>
-          <a:bodyPr lIns="45719" rIns="45719">
+          <a:bodyPr wrap="none" lIns="45719" rIns="45719">
             <a:spAutoFit/>
           </a:bodyPr>
           <a:lstStyle/>
@@ -9271,7 +9615,7 @@
               </a:defRPr>
             </a:pPr>
             <a:r>
-              <a:t>summary: org.apache.spark.sql.DataFrame = [summary: string, id_1: string ... 10 more fields]</a:t>
+              <a:t>+--------+-------+</a:t>
             </a:r>
           </a:p>
           <a:p>
@@ -9290,7 +9634,7 @@
               </a:defRPr>
             </a:pPr>
             <a:r>
-              <a:t>+-------+------------------+------------------+------------------+------------------+------------------+-------------------+------------------+-------------------+-------------------+-------------------+-------------------+</a:t>
+              <a:t>|is_match|    cnt|</a:t>
             </a:r>
           </a:p>
           <a:p>
@@ -9309,7 +9653,7 @@
               </a:defRPr>
             </a:pPr>
             <a:r>
-              <a:t>|summary|              id_1|              id_2|      cmp_fname_c1|      cmp_fname_c2|      cmp_lname_c1|       cmp_lname_c2|           cmp_sex|             cmp_bd|             cmp_bm|             cmp_by|            cmp_plz|</a:t>
+              <a:t>+--------+-------+</a:t>
             </a:r>
           </a:p>
           <a:p>
@@ -9328,7 +9672,7 @@
               </a:defRPr>
             </a:pPr>
             <a:r>
-              <a:t>+-------+------------------+------------------+------------------+------------------+------------------+-------------------+------------------+-------------------+-------------------+-------------------+-------------------+</a:t>
+              <a:t>|   false|5728201|</a:t>
             </a:r>
           </a:p>
           <a:p>
@@ -9347,7 +9691,7 @@
               </a:defRPr>
             </a:pPr>
             <a:r>
-              <a:t>|  count|           5749132|           5749132|           5748125|            103698|           5749132|               2464|           5749132|            5748337|            5748337|            5748337|            5736289|</a:t>
+              <a:t>|    true|  20931|</a:t>
             </a:r>
           </a:p>
           <a:p>
@@ -9366,270 +9710,7 @@
               </a:defRPr>
             </a:pPr>
             <a:r>
-              <a:t>|   mean| 33324.48559643438| 66587.43558331935|0.7129024704436274|0.9000176718903216|0.3156278193084133|0.31841283153174377| 0.955001381078048|0.22446526708507172|0.48885529849763504| 0.2227485966810923|0.00552866147434343|</a:t>
-            </a:r>
-          </a:p>
-          <a:p>
-            <a:pPr defTabSz="457200">
-              <a:lnSpc>
-                <a:spcPts val="3000"/>
-              </a:lnSpc>
-              <a:defRPr sz="1200">
-                <a:solidFill>
-                  <a:srgbClr val="212121"/>
-                </a:solidFill>
-                <a:latin typeface="Monaco"/>
-                <a:ea typeface="Monaco"/>
-                <a:cs typeface="Monaco"/>
-                <a:sym typeface="Monaco"/>
-              </a:defRPr>
-            </a:pPr>
-            <a:r>
-              <a:t>| stddev|23659.859374488213|23620.487613269885|0.3887583596162788|0.2713176105782331|0.3342336339615816|0.36856706620066537|0.2073011111689795| 0.4172297223846255| 0.4998758236779038|0.41609096298317344|0.07414914925420066|</a:t>
-            </a:r>
-          </a:p>
-          <a:p>
-            <a:pPr defTabSz="457200">
-              <a:lnSpc>
-                <a:spcPts val="3000"/>
-              </a:lnSpc>
-              <a:defRPr sz="1200">
-                <a:solidFill>
-                  <a:srgbClr val="212121"/>
-                </a:solidFill>
-                <a:latin typeface="Monaco"/>
-                <a:ea typeface="Monaco"/>
-                <a:cs typeface="Monaco"/>
-                <a:sym typeface="Monaco"/>
-              </a:defRPr>
-            </a:pPr>
-            <a:r>
-              <a:t>|    min|                 1|                 6|               0.0|               0.0|               0.0|                0.0|                 0|                  0|                  0|                  0|                  0|</a:t>
-            </a:r>
-          </a:p>
-          <a:p>
-            <a:pPr defTabSz="457200">
-              <a:lnSpc>
-                <a:spcPts val="3000"/>
-              </a:lnSpc>
-              <a:defRPr sz="1200">
-                <a:solidFill>
-                  <a:srgbClr val="212121"/>
-                </a:solidFill>
-                <a:latin typeface="Monaco"/>
-                <a:ea typeface="Monaco"/>
-                <a:cs typeface="Monaco"/>
-                <a:sym typeface="Monaco"/>
-              </a:defRPr>
-            </a:pPr>
-            <a:r>
-              <a:t>|    max|             99980|            100000|               1.0|               1.0|               1.0|                1.0|                 1|                  1|                  1|                  1|                  1|</a:t>
-            </a:r>
-          </a:p>
-          <a:p>
-            <a:pPr defTabSz="457200">
-              <a:lnSpc>
-                <a:spcPts val="3000"/>
-              </a:lnSpc>
-              <a:defRPr sz="1200">
-                <a:solidFill>
-                  <a:srgbClr val="212121"/>
-                </a:solidFill>
-                <a:latin typeface="Monaco"/>
-                <a:ea typeface="Monaco"/>
-                <a:cs typeface="Monaco"/>
-                <a:sym typeface="Monaco"/>
-              </a:defRPr>
-            </a:pPr>
-            <a:r>
-              <a:t>+-------+------------------+------------------+------------------+------------------+------------------+-------------------+------------------+-------------------+-------------------+-------------------+-------------------+</a:t>
-            </a:r>
-          </a:p>
-          <a:p>
-            <a:pPr defTabSz="457200">
-              <a:lnSpc>
-                <a:spcPts val="3000"/>
-              </a:lnSpc>
-              <a:defRPr sz="1200">
-                <a:solidFill>
-                  <a:srgbClr val="212121"/>
-                </a:solidFill>
-                <a:latin typeface="Monaco"/>
-                <a:ea typeface="Monaco"/>
-                <a:cs typeface="Monaco"/>
-                <a:sym typeface="Monaco"/>
-              </a:defRPr>
-            </a:pPr>
-          </a:p>
-          <a:p>
-            <a:pPr defTabSz="457200">
-              <a:lnSpc>
-                <a:spcPts val="3000"/>
-              </a:lnSpc>
-              <a:defRPr sz="1200">
-                <a:solidFill>
-                  <a:srgbClr val="212121"/>
-                </a:solidFill>
-                <a:latin typeface="Monaco"/>
-                <a:ea typeface="Monaco"/>
-                <a:cs typeface="Monaco"/>
-                <a:sym typeface="Monaco"/>
-              </a:defRPr>
-            </a:pPr>
-            <a:r>
-              <a:t>+-------+------------------+------------------+</a:t>
-            </a:r>
-          </a:p>
-          <a:p>
-            <a:pPr defTabSz="457200">
-              <a:lnSpc>
-                <a:spcPts val="3000"/>
-              </a:lnSpc>
-              <a:defRPr sz="1200">
-                <a:solidFill>
-                  <a:srgbClr val="212121"/>
-                </a:solidFill>
-                <a:latin typeface="Monaco"/>
-                <a:ea typeface="Monaco"/>
-                <a:cs typeface="Monaco"/>
-                <a:sym typeface="Monaco"/>
-              </a:defRPr>
-            </a:pPr>
-            <a:r>
-              <a:t>|summary|      cmp_fname_c1|      cmp_fname_c2|</a:t>
-            </a:r>
-          </a:p>
-          <a:p>
-            <a:pPr defTabSz="457200">
-              <a:lnSpc>
-                <a:spcPts val="3000"/>
-              </a:lnSpc>
-              <a:defRPr sz="1200">
-                <a:solidFill>
-                  <a:srgbClr val="212121"/>
-                </a:solidFill>
-                <a:latin typeface="Monaco"/>
-                <a:ea typeface="Monaco"/>
-                <a:cs typeface="Monaco"/>
-                <a:sym typeface="Monaco"/>
-              </a:defRPr>
-            </a:pPr>
-            <a:r>
-              <a:t>+-------+------------------+------------------+</a:t>
-            </a:r>
-          </a:p>
-          <a:p>
-            <a:pPr defTabSz="457200">
-              <a:lnSpc>
-                <a:spcPts val="3000"/>
-              </a:lnSpc>
-              <a:defRPr sz="1200">
-                <a:solidFill>
-                  <a:srgbClr val="212121"/>
-                </a:solidFill>
-                <a:latin typeface="Monaco"/>
-                <a:ea typeface="Monaco"/>
-                <a:cs typeface="Monaco"/>
-                <a:sym typeface="Monaco"/>
-              </a:defRPr>
-            </a:pPr>
-            <a:r>
-              <a:t>|  count|           5748125|            103698|</a:t>
-            </a:r>
-          </a:p>
-          <a:p>
-            <a:pPr defTabSz="457200">
-              <a:lnSpc>
-                <a:spcPts val="3000"/>
-              </a:lnSpc>
-              <a:defRPr sz="1200">
-                <a:solidFill>
-                  <a:srgbClr val="212121"/>
-                </a:solidFill>
-                <a:latin typeface="Monaco"/>
-                <a:ea typeface="Monaco"/>
-                <a:cs typeface="Monaco"/>
-                <a:sym typeface="Monaco"/>
-              </a:defRPr>
-            </a:pPr>
-            <a:r>
-              <a:t>|   mean|0.7129024704436274|0.9000176718903216|</a:t>
-            </a:r>
-          </a:p>
-          <a:p>
-            <a:pPr defTabSz="457200">
-              <a:lnSpc>
-                <a:spcPts val="3000"/>
-              </a:lnSpc>
-              <a:defRPr sz="1200">
-                <a:solidFill>
-                  <a:srgbClr val="212121"/>
-                </a:solidFill>
-                <a:latin typeface="Monaco"/>
-                <a:ea typeface="Monaco"/>
-                <a:cs typeface="Monaco"/>
-                <a:sym typeface="Monaco"/>
-              </a:defRPr>
-            </a:pPr>
-            <a:r>
-              <a:t>| stddev|0.3887583596162788|0.2713176105782331|</a:t>
-            </a:r>
-          </a:p>
-          <a:p>
-            <a:pPr defTabSz="457200">
-              <a:lnSpc>
-                <a:spcPts val="3000"/>
-              </a:lnSpc>
-              <a:defRPr sz="1200">
-                <a:solidFill>
-                  <a:srgbClr val="212121"/>
-                </a:solidFill>
-                <a:latin typeface="Monaco"/>
-                <a:ea typeface="Monaco"/>
-                <a:cs typeface="Monaco"/>
-                <a:sym typeface="Monaco"/>
-              </a:defRPr>
-            </a:pPr>
-            <a:r>
-              <a:t>|    min|               0.0|               0.0|</a:t>
-            </a:r>
-          </a:p>
-          <a:p>
-            <a:pPr defTabSz="457200">
-              <a:lnSpc>
-                <a:spcPts val="3000"/>
-              </a:lnSpc>
-              <a:defRPr sz="1200">
-                <a:solidFill>
-                  <a:srgbClr val="212121"/>
-                </a:solidFill>
-                <a:latin typeface="Monaco"/>
-                <a:ea typeface="Monaco"/>
-                <a:cs typeface="Monaco"/>
-                <a:sym typeface="Monaco"/>
-              </a:defRPr>
-            </a:pPr>
-            <a:r>
-              <a:t>|    max|               1.0|               1.0|</a:t>
-            </a:r>
-          </a:p>
-          <a:p>
-            <a:pPr defTabSz="457200">
-              <a:lnSpc>
-                <a:spcPts val="3000"/>
-              </a:lnSpc>
-              <a:defRPr sz="1200">
-                <a:solidFill>
-                  <a:srgbClr val="212121"/>
-                </a:solidFill>
-                <a:latin typeface="Monaco"/>
-                <a:ea typeface="Monaco"/>
-                <a:cs typeface="Monaco"/>
-                <a:sym typeface="Monaco"/>
-              </a:defRPr>
-            </a:pPr>
-            <a:r>
-              <a:t>+-------+------------------+------------------+</a:t>
+              <a:t>+--------+-------+</a:t>
             </a:r>
           </a:p>
         </p:txBody>
@@ -9662,7 +9743,7 @@
       </p:grpSpPr>
       <p:sp>
         <p:nvSpPr>
-          <p:cNvPr id="273" name="Define helper functions"/>
+          <p:cNvPr id="280" name="Get description"/>
           <p:cNvSpPr txBox="1"/>
           <p:nvPr>
             <p:ph type="title"/>
@@ -9679,21 +9760,21 @@
           <a:p>
             <a:pPr/>
             <a:r>
-              <a:t>Define helper functions</a:t>
-            </a:r>
-          </a:p>
-        </p:txBody>
-      </p:sp>
-      <p:sp>
-        <p:nvSpPr>
-          <p:cNvPr id="274" name="def longForm(desc: DataFrame): DataFrame = {…"/>
+              <a:t>Get description</a:t>
+            </a:r>
+          </a:p>
+        </p:txBody>
+      </p:sp>
+      <p:sp>
+        <p:nvSpPr>
+          <p:cNvPr id="281" name="val summary = parsed.describe()…"/>
           <p:cNvSpPr txBox="1"/>
           <p:nvPr/>
         </p:nvSpPr>
         <p:spPr>
           <a:xfrm>
-            <a:off x="687475" y="1431938"/>
-            <a:ext cx="7769050" cy="2885441"/>
+            <a:off x="996833" y="1525736"/>
+            <a:ext cx="7150334" cy="1209041"/>
           </a:xfrm>
           <a:prstGeom prst="rect">
             <a:avLst/>
@@ -9715,55 +9796,426 @@
           <a:p>
             <a:pPr/>
             <a:r>
-              <a:t>  def longForm(desc: DataFrame): DataFrame = {</a:t>
-            </a:r>
-          </a:p>
-          <a:p>
-            <a:pPr/>
-            <a:r>
-              <a:t>    import desc.sparkSession.implicits._ // For toDF RDD -&gt; DataFrame conversion</a:t>
-            </a:r>
-          </a:p>
-          <a:p>
-            <a:pPr/>
-            <a:r>
-              <a:t>    val schema = desc.schema</a:t>
-            </a:r>
-          </a:p>
-          <a:p>
-            <a:pPr/>
-            <a:r>
-              <a:t>    desc.flatMap(row =&gt; {</a:t>
-            </a:r>
-          </a:p>
-          <a:p>
-            <a:pPr/>
-            <a:r>
-              <a:t>      val metric = row.getString(0)</a:t>
-            </a:r>
-          </a:p>
-          <a:p>
-            <a:pPr/>
-            <a:r>
-              <a:t>      (1 until row.size).map(i =&gt; (metric, schema(i).name, row.getString(i).toDouble))</a:t>
-            </a:r>
-          </a:p>
-          <a:p>
-            <a:pPr/>
-            <a:r>
-              <a:t>    })</a:t>
-            </a:r>
-          </a:p>
-          <a:p>
-            <a:pPr/>
-            <a:r>
-              <a:t>    .toDF("metric", "field", "value")</a:t>
-            </a:r>
-          </a:p>
-          <a:p>
-            <a:pPr/>
-            <a:r>
-              <a:t>  }</a:t>
+              <a:t>    val summary = parsed.describe()</a:t>
+            </a:r>
+          </a:p>
+          <a:p>
+            <a:pPr/>
+            <a:r>
+              <a:t>    summary.show()</a:t>
+            </a:r>
+          </a:p>
+          <a:p>
+            <a:pPr/>
+            <a:r>
+              <a:t>    summary.select("summary", "cmp_fname_c1", "cmp_fname_c2").show()</a:t>
+            </a:r>
+          </a:p>
+        </p:txBody>
+      </p:sp>
+      <p:sp>
+        <p:nvSpPr>
+          <p:cNvPr id="282" name="summary: org.apache.spark.sql.DataFrame = [summary: string, id_1: string ... 10 more fields]…"/>
+          <p:cNvSpPr txBox="1"/>
+          <p:nvPr/>
+        </p:nvSpPr>
+        <p:spPr>
+          <a:xfrm>
+            <a:off x="847723" y="2495656"/>
+            <a:ext cx="21356031" cy="4345916"/>
+          </a:xfrm>
+          <a:prstGeom prst="rect">
+            <a:avLst/>
+          </a:prstGeom>
+          <a:ln w="12700">
+            <a:miter lim="400000"/>
+          </a:ln>
+          <a:extLst>
+            <a:ext uri="{C572A759-6A51-4108-AA02-DFA0A04FC94B}">
+              <ma14:wrappingTextBoxFlag xmlns:ma14="http://schemas.microsoft.com/office/mac/drawingml/2011/main" val="1"/>
+            </a:ext>
+          </a:extLst>
+        </p:spPr>
+        <p:txBody>
+          <a:bodyPr lIns="45719" rIns="45719">
+            <a:spAutoFit/>
+          </a:bodyPr>
+          <a:lstStyle/>
+          <a:p>
+            <a:pPr defTabSz="457200">
+              <a:lnSpc>
+                <a:spcPts val="3000"/>
+              </a:lnSpc>
+              <a:defRPr sz="1200">
+                <a:solidFill>
+                  <a:srgbClr val="212121"/>
+                </a:solidFill>
+                <a:latin typeface="Monaco"/>
+                <a:ea typeface="Monaco"/>
+                <a:cs typeface="Monaco"/>
+                <a:sym typeface="Monaco"/>
+              </a:defRPr>
+            </a:pPr>
+            <a:r>
+              <a:t>summary: org.apache.spark.sql.DataFrame = [summary: string, id_1: string ... 10 more fields]</a:t>
+            </a:r>
+          </a:p>
+          <a:p>
+            <a:pPr defTabSz="457200">
+              <a:lnSpc>
+                <a:spcPts val="3000"/>
+              </a:lnSpc>
+              <a:defRPr sz="1200">
+                <a:solidFill>
+                  <a:srgbClr val="212121"/>
+                </a:solidFill>
+                <a:latin typeface="Monaco"/>
+                <a:ea typeface="Monaco"/>
+                <a:cs typeface="Monaco"/>
+                <a:sym typeface="Monaco"/>
+              </a:defRPr>
+            </a:pPr>
+            <a:r>
+              <a:t>+-------+------------------+------------------+------------------+------------------+------------------+-------------------+------------------+-------------------+-------------------+-------------------+-------------------+</a:t>
+            </a:r>
+          </a:p>
+          <a:p>
+            <a:pPr defTabSz="457200">
+              <a:lnSpc>
+                <a:spcPts val="3000"/>
+              </a:lnSpc>
+              <a:defRPr sz="1200">
+                <a:solidFill>
+                  <a:srgbClr val="212121"/>
+                </a:solidFill>
+                <a:latin typeface="Monaco"/>
+                <a:ea typeface="Monaco"/>
+                <a:cs typeface="Monaco"/>
+                <a:sym typeface="Monaco"/>
+              </a:defRPr>
+            </a:pPr>
+            <a:r>
+              <a:t>|summary|              id_1|              id_2|      cmp_fname_c1|      cmp_fname_c2|      cmp_lname_c1|       cmp_lname_c2|           cmp_sex|             cmp_bd|             cmp_bm|             cmp_by|            cmp_plz|</a:t>
+            </a:r>
+          </a:p>
+          <a:p>
+            <a:pPr defTabSz="457200">
+              <a:lnSpc>
+                <a:spcPts val="3000"/>
+              </a:lnSpc>
+              <a:defRPr sz="1200">
+                <a:solidFill>
+                  <a:srgbClr val="212121"/>
+                </a:solidFill>
+                <a:latin typeface="Monaco"/>
+                <a:ea typeface="Monaco"/>
+                <a:cs typeface="Monaco"/>
+                <a:sym typeface="Monaco"/>
+              </a:defRPr>
+            </a:pPr>
+            <a:r>
+              <a:t>+-------+------------------+------------------+------------------+------------------+------------------+-------------------+------------------+-------------------+-------------------+-------------------+-------------------+</a:t>
+            </a:r>
+          </a:p>
+          <a:p>
+            <a:pPr defTabSz="457200">
+              <a:lnSpc>
+                <a:spcPts val="3000"/>
+              </a:lnSpc>
+              <a:defRPr sz="1200">
+                <a:solidFill>
+                  <a:srgbClr val="212121"/>
+                </a:solidFill>
+                <a:latin typeface="Monaco"/>
+                <a:ea typeface="Monaco"/>
+                <a:cs typeface="Monaco"/>
+                <a:sym typeface="Monaco"/>
+              </a:defRPr>
+            </a:pPr>
+            <a:r>
+              <a:t>|  count|           5749132|           5749132|           5748125|            103698|           5749132|               2464|           5749132|            5748337|            5748337|            5748337|            5736289|</a:t>
+            </a:r>
+          </a:p>
+          <a:p>
+            <a:pPr defTabSz="457200">
+              <a:lnSpc>
+                <a:spcPts val="3000"/>
+              </a:lnSpc>
+              <a:defRPr sz="1200">
+                <a:solidFill>
+                  <a:srgbClr val="212121"/>
+                </a:solidFill>
+                <a:latin typeface="Monaco"/>
+                <a:ea typeface="Monaco"/>
+                <a:cs typeface="Monaco"/>
+                <a:sym typeface="Monaco"/>
+              </a:defRPr>
+            </a:pPr>
+            <a:r>
+              <a:t>|   mean| 33324.48559643438| 66587.43558331935|0.7129024704436274|0.9000176718903216|0.3156278193084133|0.31841283153174377| 0.955001381078048|0.22446526708507172|0.48885529849763504| 0.2227485966810923|0.00552866147434343|</a:t>
+            </a:r>
+          </a:p>
+          <a:p>
+            <a:pPr defTabSz="457200">
+              <a:lnSpc>
+                <a:spcPts val="3000"/>
+              </a:lnSpc>
+              <a:defRPr sz="1200">
+                <a:solidFill>
+                  <a:srgbClr val="212121"/>
+                </a:solidFill>
+                <a:latin typeface="Monaco"/>
+                <a:ea typeface="Monaco"/>
+                <a:cs typeface="Monaco"/>
+                <a:sym typeface="Monaco"/>
+              </a:defRPr>
+            </a:pPr>
+            <a:r>
+              <a:t>| stddev|23659.859374488213|23620.487613269885|0.3887583596162788|0.2713176105782331|0.3342336339615816|0.36856706620066537|0.2073011111689795| 0.4172297223846255| 0.4998758236779038|0.41609096298317344|0.07414914925420066|</a:t>
+            </a:r>
+          </a:p>
+          <a:p>
+            <a:pPr defTabSz="457200">
+              <a:lnSpc>
+                <a:spcPts val="3000"/>
+              </a:lnSpc>
+              <a:defRPr sz="1200">
+                <a:solidFill>
+                  <a:srgbClr val="212121"/>
+                </a:solidFill>
+                <a:latin typeface="Monaco"/>
+                <a:ea typeface="Monaco"/>
+                <a:cs typeface="Monaco"/>
+                <a:sym typeface="Monaco"/>
+              </a:defRPr>
+            </a:pPr>
+            <a:r>
+              <a:t>|    min|                 1|                 6|               0.0|               0.0|               0.0|                0.0|                 0|                  0|                  0|                  0|                  0|</a:t>
+            </a:r>
+          </a:p>
+          <a:p>
+            <a:pPr defTabSz="457200">
+              <a:lnSpc>
+                <a:spcPts val="3000"/>
+              </a:lnSpc>
+              <a:defRPr sz="1200">
+                <a:solidFill>
+                  <a:srgbClr val="212121"/>
+                </a:solidFill>
+                <a:latin typeface="Monaco"/>
+                <a:ea typeface="Monaco"/>
+                <a:cs typeface="Monaco"/>
+                <a:sym typeface="Monaco"/>
+              </a:defRPr>
+            </a:pPr>
+            <a:r>
+              <a:t>|    max|             99980|            100000|               1.0|               1.0|               1.0|                1.0|                 1|                  1|                  1|                  1|                  1|</a:t>
+            </a:r>
+          </a:p>
+          <a:p>
+            <a:pPr defTabSz="457200">
+              <a:lnSpc>
+                <a:spcPts val="3000"/>
+              </a:lnSpc>
+              <a:defRPr sz="1200">
+                <a:solidFill>
+                  <a:srgbClr val="212121"/>
+                </a:solidFill>
+                <a:latin typeface="Monaco"/>
+                <a:ea typeface="Monaco"/>
+                <a:cs typeface="Monaco"/>
+                <a:sym typeface="Monaco"/>
+              </a:defRPr>
+            </a:pPr>
+            <a:r>
+              <a:t>+-------+------------------+------------------+------------------+------------------+------------------+-------------------+------------------+-------------------+-------------------+-------------------+-------------------+</a:t>
+            </a:r>
+          </a:p>
+          <a:p>
+            <a:pPr defTabSz="457200">
+              <a:lnSpc>
+                <a:spcPts val="3000"/>
+              </a:lnSpc>
+              <a:defRPr sz="1200">
+                <a:solidFill>
+                  <a:srgbClr val="212121"/>
+                </a:solidFill>
+                <a:latin typeface="Monaco"/>
+                <a:ea typeface="Monaco"/>
+                <a:cs typeface="Monaco"/>
+                <a:sym typeface="Monaco"/>
+              </a:defRPr>
+            </a:pPr>
+          </a:p>
+          <a:p>
+            <a:pPr defTabSz="457200">
+              <a:lnSpc>
+                <a:spcPts val="3000"/>
+              </a:lnSpc>
+              <a:defRPr sz="1200">
+                <a:solidFill>
+                  <a:srgbClr val="212121"/>
+                </a:solidFill>
+                <a:latin typeface="Monaco"/>
+                <a:ea typeface="Monaco"/>
+                <a:cs typeface="Monaco"/>
+                <a:sym typeface="Monaco"/>
+              </a:defRPr>
+            </a:pPr>
+            <a:r>
+              <a:t>+-------+------------------+------------------+</a:t>
+            </a:r>
+          </a:p>
+          <a:p>
+            <a:pPr defTabSz="457200">
+              <a:lnSpc>
+                <a:spcPts val="3000"/>
+              </a:lnSpc>
+              <a:defRPr sz="1200">
+                <a:solidFill>
+                  <a:srgbClr val="212121"/>
+                </a:solidFill>
+                <a:latin typeface="Monaco"/>
+                <a:ea typeface="Monaco"/>
+                <a:cs typeface="Monaco"/>
+                <a:sym typeface="Monaco"/>
+              </a:defRPr>
+            </a:pPr>
+            <a:r>
+              <a:t>|summary|      cmp_fname_c1|      cmp_fname_c2|</a:t>
+            </a:r>
+          </a:p>
+          <a:p>
+            <a:pPr defTabSz="457200">
+              <a:lnSpc>
+                <a:spcPts val="3000"/>
+              </a:lnSpc>
+              <a:defRPr sz="1200">
+                <a:solidFill>
+                  <a:srgbClr val="212121"/>
+                </a:solidFill>
+                <a:latin typeface="Monaco"/>
+                <a:ea typeface="Monaco"/>
+                <a:cs typeface="Monaco"/>
+                <a:sym typeface="Monaco"/>
+              </a:defRPr>
+            </a:pPr>
+            <a:r>
+              <a:t>+-------+------------------+------------------+</a:t>
+            </a:r>
+          </a:p>
+          <a:p>
+            <a:pPr defTabSz="457200">
+              <a:lnSpc>
+                <a:spcPts val="3000"/>
+              </a:lnSpc>
+              <a:defRPr sz="1200">
+                <a:solidFill>
+                  <a:srgbClr val="212121"/>
+                </a:solidFill>
+                <a:latin typeface="Monaco"/>
+                <a:ea typeface="Monaco"/>
+                <a:cs typeface="Monaco"/>
+                <a:sym typeface="Monaco"/>
+              </a:defRPr>
+            </a:pPr>
+            <a:r>
+              <a:t>|  count|           5748125|            103698|</a:t>
+            </a:r>
+          </a:p>
+          <a:p>
+            <a:pPr defTabSz="457200">
+              <a:lnSpc>
+                <a:spcPts val="3000"/>
+              </a:lnSpc>
+              <a:defRPr sz="1200">
+                <a:solidFill>
+                  <a:srgbClr val="212121"/>
+                </a:solidFill>
+                <a:latin typeface="Monaco"/>
+                <a:ea typeface="Monaco"/>
+                <a:cs typeface="Monaco"/>
+                <a:sym typeface="Monaco"/>
+              </a:defRPr>
+            </a:pPr>
+            <a:r>
+              <a:t>|   mean|0.7129024704436274|0.9000176718903216|</a:t>
+            </a:r>
+          </a:p>
+          <a:p>
+            <a:pPr defTabSz="457200">
+              <a:lnSpc>
+                <a:spcPts val="3000"/>
+              </a:lnSpc>
+              <a:defRPr sz="1200">
+                <a:solidFill>
+                  <a:srgbClr val="212121"/>
+                </a:solidFill>
+                <a:latin typeface="Monaco"/>
+                <a:ea typeface="Monaco"/>
+                <a:cs typeface="Monaco"/>
+                <a:sym typeface="Monaco"/>
+              </a:defRPr>
+            </a:pPr>
+            <a:r>
+              <a:t>| stddev|0.3887583596162788|0.2713176105782331|</a:t>
+            </a:r>
+          </a:p>
+          <a:p>
+            <a:pPr defTabSz="457200">
+              <a:lnSpc>
+                <a:spcPts val="3000"/>
+              </a:lnSpc>
+              <a:defRPr sz="1200">
+                <a:solidFill>
+                  <a:srgbClr val="212121"/>
+                </a:solidFill>
+                <a:latin typeface="Monaco"/>
+                <a:ea typeface="Monaco"/>
+                <a:cs typeface="Monaco"/>
+                <a:sym typeface="Monaco"/>
+              </a:defRPr>
+            </a:pPr>
+            <a:r>
+              <a:t>|    min|               0.0|               0.0|</a:t>
+            </a:r>
+          </a:p>
+          <a:p>
+            <a:pPr defTabSz="457200">
+              <a:lnSpc>
+                <a:spcPts val="3000"/>
+              </a:lnSpc>
+              <a:defRPr sz="1200">
+                <a:solidFill>
+                  <a:srgbClr val="212121"/>
+                </a:solidFill>
+                <a:latin typeface="Monaco"/>
+                <a:ea typeface="Monaco"/>
+                <a:cs typeface="Monaco"/>
+                <a:sym typeface="Monaco"/>
+              </a:defRPr>
+            </a:pPr>
+            <a:r>
+              <a:t>|    max|               1.0|               1.0|</a:t>
+            </a:r>
+          </a:p>
+          <a:p>
+            <a:pPr defTabSz="457200">
+              <a:lnSpc>
+                <a:spcPts val="3000"/>
+              </a:lnSpc>
+              <a:defRPr sz="1200">
+                <a:solidFill>
+                  <a:srgbClr val="212121"/>
+                </a:solidFill>
+                <a:latin typeface="Monaco"/>
+                <a:ea typeface="Monaco"/>
+                <a:cs typeface="Monaco"/>
+                <a:sym typeface="Monaco"/>
+              </a:defRPr>
+            </a:pPr>
+            <a:r>
+              <a:t>+-------+------------------+------------------+</a:t>
             </a:r>
           </a:p>
         </p:txBody>
@@ -9796,7 +10248,7 @@
       </p:grpSpPr>
       <p:sp>
         <p:nvSpPr>
-          <p:cNvPr id="276" name="Define helper functions"/>
+          <p:cNvPr id="284" name="Define helper functions"/>
           <p:cNvSpPr txBox="1"/>
           <p:nvPr>
             <p:ph type="title"/>
@@ -9820,14 +10272,14 @@
       </p:sp>
       <p:sp>
         <p:nvSpPr>
-          <p:cNvPr id="277" name="def pivotSummary(desc: DataFrame): DataFrame = {…"/>
+          <p:cNvPr id="285" name="def longForm(desc: DataFrame): DataFrame = {…"/>
           <p:cNvSpPr txBox="1"/>
           <p:nvPr/>
         </p:nvSpPr>
         <p:spPr>
           <a:xfrm>
-            <a:off x="1436285" y="1740169"/>
-            <a:ext cx="6271430" cy="2047241"/>
+            <a:off x="687475" y="1431938"/>
+            <a:ext cx="7769050" cy="2885441"/>
           </a:xfrm>
           <a:prstGeom prst="rect">
             <a:avLst/>
@@ -9849,31 +10301,49 @@
           <a:p>
             <a:pPr/>
             <a:r>
-              <a:t> def pivotSummary(desc: DataFrame): DataFrame = {</a:t>
-            </a:r>
-          </a:p>
-          <a:p>
-            <a:pPr/>
-            <a:r>
-              <a:t>    val lf = longForm(desc)</a:t>
-            </a:r>
-          </a:p>
-          <a:p>
-            <a:pPr/>
-            <a:r>
-              <a:t>    lf.groupBy("field").</a:t>
-            </a:r>
-          </a:p>
-          <a:p>
-            <a:pPr/>
-            <a:r>
-              <a:t>      pivot("metric", Seq("count", "mean", "stddev", "min", "max")).</a:t>
-            </a:r>
-          </a:p>
-          <a:p>
-            <a:pPr/>
-            <a:r>
-              <a:t>      agg(first("value"))</a:t>
+              <a:t>  def longForm(desc: DataFrame): DataFrame = {</a:t>
+            </a:r>
+          </a:p>
+          <a:p>
+            <a:pPr/>
+            <a:r>
+              <a:t>    import desc.sparkSession.implicits._ // For toDF RDD -&gt; DataFrame conversion</a:t>
+            </a:r>
+          </a:p>
+          <a:p>
+            <a:pPr/>
+            <a:r>
+              <a:t>    val schema = desc.schema</a:t>
+            </a:r>
+          </a:p>
+          <a:p>
+            <a:pPr/>
+            <a:r>
+              <a:t>    desc.flatMap(row =&gt; {</a:t>
+            </a:r>
+          </a:p>
+          <a:p>
+            <a:pPr/>
+            <a:r>
+              <a:t>      val metric = row.getString(0)</a:t>
+            </a:r>
+          </a:p>
+          <a:p>
+            <a:pPr/>
+            <a:r>
+              <a:t>      (1 until row.size).map(i =&gt; (metric, schema(i).name, row.getString(i).toDouble))</a:t>
+            </a:r>
+          </a:p>
+          <a:p>
+            <a:pPr/>
+            <a:r>
+              <a:t>    })</a:t>
+            </a:r>
+          </a:p>
+          <a:p>
+            <a:pPr/>
+            <a:r>
+              <a:t>    .toDF("metric", "field", "value")</a:t>
             </a:r>
           </a:p>
           <a:p>
@@ -9912,7 +10382,7 @@
       </p:grpSpPr>
       <p:sp>
         <p:nvSpPr>
-          <p:cNvPr id="279" name="Define helper functions"/>
+          <p:cNvPr id="287" name="Define helper functions"/>
           <p:cNvSpPr txBox="1"/>
           <p:nvPr>
             <p:ph type="title"/>
@@ -9936,14 +10406,14 @@
       </p:sp>
       <p:sp>
         <p:nvSpPr>
-          <p:cNvPr id="280" name="def crossTabs(scored: DataFrame, t: Double): DataFrame = {…"/>
+          <p:cNvPr id="288" name="def pivotSummary(desc: DataFrame): DataFrame = {…"/>
           <p:cNvSpPr txBox="1"/>
           <p:nvPr/>
         </p:nvSpPr>
         <p:spPr>
           <a:xfrm>
-            <a:off x="1663769" y="1156615"/>
-            <a:ext cx="5816462" cy="5400041"/>
+            <a:off x="1436285" y="1740169"/>
+            <a:ext cx="6271430" cy="2047241"/>
           </a:xfrm>
           <a:prstGeom prst="rect">
             <a:avLst/>
@@ -9965,97 +10435,31 @@
           <a:p>
             <a:pPr/>
             <a:r>
-              <a:t>   def crossTabs(scored: DataFrame, t: Double): DataFrame = {</a:t>
-            </a:r>
-          </a:p>
-          <a:p>
-            <a:pPr/>
-            <a:r>
-              <a:t>    scored.</a:t>
-            </a:r>
-          </a:p>
-          <a:p>
-            <a:pPr/>
-            <a:r>
-              <a:t>      selectExpr(s"score &gt;= $t as above", "is_match").</a:t>
-            </a:r>
-          </a:p>
-          <a:p>
-            <a:pPr/>
-            <a:r>
-              <a:t>      groupBy("above").</a:t>
-            </a:r>
-          </a:p>
-          <a:p>
-            <a:pPr/>
-            <a:r>
-              <a:t>      pivot("is_match", Seq("true", "false")).</a:t>
-            </a:r>
-          </a:p>
-          <a:p>
-            <a:pPr/>
-            <a:r>
-              <a:t>      count()</a:t>
-            </a:r>
-          </a:p>
-          <a:p>
-            <a:pPr/>
-            <a:r>
-              <a:t>  }</a:t>
-            </a:r>
-          </a:p>
-          <a:p>
-            <a:pPr/>
-          </a:p>
-          <a:p>
-            <a:pPr/>
-            <a:r>
-              <a:t>  case class Score(value: Double) {</a:t>
-            </a:r>
-          </a:p>
-          <a:p>
-            <a:pPr/>
-            <a:r>
-              <a:t>    def +(oi: Option[Int]) = {</a:t>
-            </a:r>
-          </a:p>
-          <a:p>
-            <a:pPr/>
-            <a:r>
-              <a:t>      Score(value + oi.getOrElse(0))</a:t>
-            </a:r>
-          </a:p>
-          <a:p>
-            <a:pPr/>
-            <a:r>
-              <a:t>    }</a:t>
-            </a:r>
-          </a:p>
-          <a:p>
-            <a:pPr/>
-            <a:r>
-              <a:t>  }</a:t>
-            </a:r>
-          </a:p>
-          <a:p>
-            <a:pPr/>
-          </a:p>
-          <a:p>
-            <a:pPr/>
-            <a:r>
-              <a:t>  def scoreMatchData(md: MatchData): Double = {</a:t>
-            </a:r>
-          </a:p>
-          <a:p>
-            <a:pPr/>
-            <a:r>
-              <a:t>    (Score(md.cmp_lname_c1.getOrElse(0.0)) + md.cmp_plz +</a:t>
-            </a:r>
-          </a:p>
-          <a:p>
-            <a:pPr/>
-            <a:r>
-              <a:t>        md.cmp_by + md.cmp_bd + md.cmp_bm).value</a:t>
+              <a:t> def pivotSummary(desc: DataFrame): DataFrame = {</a:t>
+            </a:r>
+          </a:p>
+          <a:p>
+            <a:pPr/>
+            <a:r>
+              <a:t>    val lf = longForm(desc)</a:t>
+            </a:r>
+          </a:p>
+          <a:p>
+            <a:pPr/>
+            <a:r>
+              <a:t>    lf.groupBy("field").</a:t>
+            </a:r>
+          </a:p>
+          <a:p>
+            <a:pPr/>
+            <a:r>
+              <a:t>      pivot("metric", Seq("count", "mean", "stddev", "min", "max")).</a:t>
+            </a:r>
+          </a:p>
+          <a:p>
+            <a:pPr/>
+            <a:r>
+              <a:t>      agg(first("value"))</a:t>
             </a:r>
           </a:p>
           <a:p>
@@ -10094,7 +10498,7 @@
       </p:grpSpPr>
       <p:sp>
         <p:nvSpPr>
-          <p:cNvPr id="282" name="Use the helper functions"/>
+          <p:cNvPr id="290" name="Define helper functions"/>
           <p:cNvSpPr txBox="1"/>
           <p:nvPr>
             <p:ph type="title"/>
@@ -10111,21 +10515,21 @@
           <a:p>
             <a:pPr/>
             <a:r>
-              <a:t>Use the helper functions</a:t>
-            </a:r>
-          </a:p>
-        </p:txBody>
-      </p:sp>
-      <p:sp>
-        <p:nvSpPr>
-          <p:cNvPr id="283" name="val matchSummaryT = pivotSummary(matchSummary)…"/>
+              <a:t>Define helper functions</a:t>
+            </a:r>
+          </a:p>
+        </p:txBody>
+      </p:sp>
+      <p:sp>
+        <p:nvSpPr>
+          <p:cNvPr id="291" name="def crossTabs(scored: DataFrame, t: Double): DataFrame = {…"/>
           <p:cNvSpPr txBox="1"/>
           <p:nvPr/>
         </p:nvSpPr>
         <p:spPr>
           <a:xfrm>
-            <a:off x="1356085" y="1476608"/>
-            <a:ext cx="6431830" cy="2606041"/>
+            <a:off x="1663769" y="1156615"/>
+            <a:ext cx="5816462" cy="5400041"/>
           </a:xfrm>
           <a:prstGeom prst="rect">
             <a:avLst/>
@@ -10147,55 +10551,103 @@
           <a:p>
             <a:pPr/>
             <a:r>
-              <a:t>    val matchSummaryT = pivotSummary(matchSummary)</a:t>
-            </a:r>
-          </a:p>
-          <a:p>
-            <a:pPr/>
-            <a:r>
-              <a:t>    val missSummaryT = pivotSummary(missSummary)</a:t>
-            </a:r>
-          </a:p>
-          <a:p>
-            <a:pPr/>
-            <a:r>
-              <a:t>    matchSummaryT.createOrReplaceTempView("match_desc")</a:t>
-            </a:r>
-          </a:p>
-          <a:p>
-            <a:pPr/>
-            <a:r>
-              <a:t>    missSummaryT.createOrReplaceTempView("miss_desc")</a:t>
-            </a:r>
-          </a:p>
-          <a:p>
-            <a:pPr/>
-            <a:r>
-              <a:t>    spark.sql("""</a:t>
-            </a:r>
-          </a:p>
-          <a:p>
-            <a:pPr/>
-            <a:r>
-              <a:t>      SELECT a.field, a.count + b.count total, a.mean - b.mean delta</a:t>
-            </a:r>
-          </a:p>
-          <a:p>
-            <a:pPr/>
-            <a:r>
-              <a:t>      FROM match_desc a INNER JOIN miss_desc b ON a.field = b.field</a:t>
-            </a:r>
-          </a:p>
-          <a:p>
-            <a:pPr/>
-            <a:r>
-              <a:t>      ORDER BY delta DESC, total DESC</a:t>
-            </a:r>
-          </a:p>
-          <a:p>
-            <a:pPr/>
-            <a:r>
-              <a:t>    """).show()</a:t>
+              <a:t>   def crossTabs(scored: DataFrame, t: Double): DataFrame = {</a:t>
+            </a:r>
+          </a:p>
+          <a:p>
+            <a:pPr/>
+            <a:r>
+              <a:t>    scored.</a:t>
+            </a:r>
+          </a:p>
+          <a:p>
+            <a:pPr/>
+            <a:r>
+              <a:t>      selectExpr(s"score &gt;= $t as above", "is_match").</a:t>
+            </a:r>
+          </a:p>
+          <a:p>
+            <a:pPr/>
+            <a:r>
+              <a:t>      groupBy("above").</a:t>
+            </a:r>
+          </a:p>
+          <a:p>
+            <a:pPr/>
+            <a:r>
+              <a:t>      pivot("is_match", Seq("true", "false")).</a:t>
+            </a:r>
+          </a:p>
+          <a:p>
+            <a:pPr/>
+            <a:r>
+              <a:t>      count()</a:t>
+            </a:r>
+          </a:p>
+          <a:p>
+            <a:pPr/>
+            <a:r>
+              <a:t>  }</a:t>
+            </a:r>
+          </a:p>
+          <a:p>
+            <a:pPr/>
+          </a:p>
+          <a:p>
+            <a:pPr/>
+            <a:r>
+              <a:t>  case class Score(value: Double) {</a:t>
+            </a:r>
+          </a:p>
+          <a:p>
+            <a:pPr/>
+            <a:r>
+              <a:t>    def +(oi: Option[Int]) = {</a:t>
+            </a:r>
+          </a:p>
+          <a:p>
+            <a:pPr/>
+            <a:r>
+              <a:t>      Score(value + oi.getOrElse(0))</a:t>
+            </a:r>
+          </a:p>
+          <a:p>
+            <a:pPr/>
+            <a:r>
+              <a:t>    }</a:t>
+            </a:r>
+          </a:p>
+          <a:p>
+            <a:pPr/>
+            <a:r>
+              <a:t>  }</a:t>
+            </a:r>
+          </a:p>
+          <a:p>
+            <a:pPr/>
+          </a:p>
+          <a:p>
+            <a:pPr/>
+            <a:r>
+              <a:t>  def scoreMatchData(md: MatchData): Double = {</a:t>
+            </a:r>
+          </a:p>
+          <a:p>
+            <a:pPr/>
+            <a:r>
+              <a:t>    (Score(md.cmp_lname_c1.getOrElse(0.0)) + md.cmp_plz +</a:t>
+            </a:r>
+          </a:p>
+          <a:p>
+            <a:pPr/>
+            <a:r>
+              <a:t>        md.cmp_by + md.cmp_bd + md.cmp_bm).value</a:t>
+            </a:r>
+          </a:p>
+          <a:p>
+            <a:pPr/>
+            <a:r>
+              <a:t>  }</a:t>
             </a:r>
           </a:p>
         </p:txBody>
@@ -10286,23 +10738,6 @@
               <a:buFontTx/>
               <a:buNone/>
             </a:pPr>
-            <a:r>
-              <a:t>But BD requires new technologies and skills, so that the important parts of information, hidden in huge volumes of </a:t>
-            </a:r>
-            <a:r>
-              <a:rPr i="1"/>
-              <a:t>noise</a:t>
-            </a:r>
-            <a:r>
-              <a:t>, could be </a:t>
-            </a:r>
-            <a:r>
-              <a:rPr i="1"/>
-              <a:t>mined out</a:t>
-            </a:r>
-            <a:r>
-              <a:t>.</a:t>
-            </a:r>
           </a:p>
           <a:p>
             <a:pPr marL="0" indent="0">
@@ -10311,7 +10746,7 @@
               <a:buNone/>
             </a:pPr>
             <a:r>
-              <a:t>This lecture introduces some basic BD concepts, tools, and gives leads for further study. </a:t>
+              <a:t>Big Data is now used by most large enterprises, and small to medium companies are also getting involved.</a:t>
             </a:r>
           </a:p>
         </p:txBody>
@@ -10344,7 +10779,7 @@
       </p:grpSpPr>
       <p:sp>
         <p:nvSpPr>
-          <p:cNvPr id="285" name="Results of the helper functions"/>
+          <p:cNvPr id="293" name="Use the helper functions"/>
           <p:cNvSpPr txBox="1"/>
           <p:nvPr>
             <p:ph type="title"/>
@@ -10361,21 +10796,21 @@
           <a:p>
             <a:pPr/>
             <a:r>
-              <a:t>Results of the helper functions</a:t>
-            </a:r>
-          </a:p>
-        </p:txBody>
-      </p:sp>
-      <p:sp>
-        <p:nvSpPr>
-          <p:cNvPr id="286" name="matchSummaryT: org.apache.spark.sql.DataFrame = [field: string, count: double ... 4 more fields]…"/>
+              <a:t>Use the helper functions</a:t>
+            </a:r>
+          </a:p>
+        </p:txBody>
+      </p:sp>
+      <p:sp>
+        <p:nvSpPr>
+          <p:cNvPr id="294" name="val matchSummaryT = pivotSummary(matchSummary)…"/>
           <p:cNvSpPr txBox="1"/>
           <p:nvPr/>
         </p:nvSpPr>
         <p:spPr>
           <a:xfrm>
-            <a:off x="844608" y="1940962"/>
-            <a:ext cx="8975264" cy="3736316"/>
+            <a:off x="1356085" y="1476608"/>
+            <a:ext cx="6431830" cy="2606041"/>
           </a:xfrm>
           <a:prstGeom prst="rect">
             <a:avLst/>
@@ -10395,326 +10830,57 @@
           </a:bodyPr>
           <a:lstStyle/>
           <a:p>
-            <a:pPr defTabSz="457200">
-              <a:lnSpc>
-                <a:spcPts val="3000"/>
-              </a:lnSpc>
-              <a:defRPr sz="1200">
-                <a:solidFill>
-                  <a:srgbClr val="212121"/>
-                </a:solidFill>
-                <a:latin typeface="Monaco"/>
-                <a:ea typeface="Monaco"/>
-                <a:cs typeface="Monaco"/>
-                <a:sym typeface="Monaco"/>
-              </a:defRPr>
-            </a:pPr>
-            <a:r>
-              <a:t>matchSummaryT: org.apache.spark.sql.DataFrame = [field: string, count: double ... 4 more fields]</a:t>
-            </a:r>
-          </a:p>
-          <a:p>
-            <a:pPr defTabSz="457200">
-              <a:lnSpc>
-                <a:spcPts val="3000"/>
-              </a:lnSpc>
-              <a:defRPr sz="1200">
-                <a:solidFill>
-                  <a:srgbClr val="212121"/>
-                </a:solidFill>
-                <a:latin typeface="Monaco"/>
-                <a:ea typeface="Monaco"/>
-                <a:cs typeface="Monaco"/>
-                <a:sym typeface="Monaco"/>
-              </a:defRPr>
-            </a:pPr>
-            <a:r>
-              <a:t>missSummaryT: org.apache.spark.sql.DataFrame = [field: string, count: double ... 4 more fields]</a:t>
-            </a:r>
-          </a:p>
-          <a:p>
-            <a:pPr defTabSz="457200">
-              <a:lnSpc>
-                <a:spcPts val="3000"/>
-              </a:lnSpc>
-              <a:defRPr sz="1200">
-                <a:solidFill>
-                  <a:srgbClr val="212121"/>
-                </a:solidFill>
-                <a:latin typeface="Monaco"/>
-                <a:ea typeface="Monaco"/>
-                <a:cs typeface="Monaco"/>
-                <a:sym typeface="Monaco"/>
-              </a:defRPr>
-            </a:pPr>
-            <a:r>
-              <a:t>+------------+---------+--------------------+</a:t>
-            </a:r>
-          </a:p>
-          <a:p>
-            <a:pPr defTabSz="457200">
-              <a:lnSpc>
-                <a:spcPts val="3000"/>
-              </a:lnSpc>
-              <a:defRPr sz="1200">
-                <a:solidFill>
-                  <a:srgbClr val="212121"/>
-                </a:solidFill>
-                <a:latin typeface="Monaco"/>
-                <a:ea typeface="Monaco"/>
-                <a:cs typeface="Monaco"/>
-                <a:sym typeface="Monaco"/>
-              </a:defRPr>
-            </a:pPr>
-            <a:r>
-              <a:t>|       field|    total|               delta|</a:t>
-            </a:r>
-          </a:p>
-          <a:p>
-            <a:pPr defTabSz="457200">
-              <a:lnSpc>
-                <a:spcPts val="3000"/>
-              </a:lnSpc>
-              <a:defRPr sz="1200">
-                <a:solidFill>
-                  <a:srgbClr val="212121"/>
-                </a:solidFill>
-                <a:latin typeface="Monaco"/>
-                <a:ea typeface="Monaco"/>
-                <a:cs typeface="Monaco"/>
-                <a:sym typeface="Monaco"/>
-              </a:defRPr>
-            </a:pPr>
-            <a:r>
-              <a:t>+------------+---------+--------------------+</a:t>
-            </a:r>
-          </a:p>
-          <a:p>
-            <a:pPr defTabSz="457200">
-              <a:lnSpc>
-                <a:spcPts val="3000"/>
-              </a:lnSpc>
-              <a:defRPr sz="1200">
-                <a:solidFill>
-                  <a:srgbClr val="212121"/>
-                </a:solidFill>
-                <a:latin typeface="Monaco"/>
-                <a:ea typeface="Monaco"/>
-                <a:cs typeface="Monaco"/>
-                <a:sym typeface="Monaco"/>
-              </a:defRPr>
-            </a:pPr>
-            <a:r>
-              <a:t>|        id_1|5749132.0|  1255.8076310367542|</a:t>
-            </a:r>
-          </a:p>
-          <a:p>
-            <a:pPr defTabSz="457200">
-              <a:lnSpc>
-                <a:spcPts val="3000"/>
-              </a:lnSpc>
-              <a:defRPr sz="1200">
-                <a:solidFill>
-                  <a:srgbClr val="212121"/>
-                </a:solidFill>
-                <a:latin typeface="Monaco"/>
-                <a:ea typeface="Monaco"/>
-                <a:cs typeface="Monaco"/>
-                <a:sym typeface="Monaco"/>
-              </a:defRPr>
-            </a:pPr>
-            <a:r>
-              <a:t>|     cmp_plz|5736289.0|  0.9563812499852176|</a:t>
-            </a:r>
-          </a:p>
-          <a:p>
-            <a:pPr defTabSz="457200">
-              <a:lnSpc>
-                <a:spcPts val="3000"/>
-              </a:lnSpc>
-              <a:defRPr sz="1200">
-                <a:solidFill>
-                  <a:srgbClr val="212121"/>
-                </a:solidFill>
-                <a:latin typeface="Monaco"/>
-                <a:ea typeface="Monaco"/>
-                <a:cs typeface="Monaco"/>
-                <a:sym typeface="Monaco"/>
-              </a:defRPr>
-            </a:pPr>
-            <a:r>
-              <a:t>|cmp_lname_c2|   2464.0|  0.8064147192926264|</a:t>
-            </a:r>
-          </a:p>
-          <a:p>
-            <a:pPr defTabSz="457200">
-              <a:lnSpc>
-                <a:spcPts val="3000"/>
-              </a:lnSpc>
-              <a:defRPr sz="1200">
-                <a:solidFill>
-                  <a:srgbClr val="212121"/>
-                </a:solidFill>
-                <a:latin typeface="Monaco"/>
-                <a:ea typeface="Monaco"/>
-                <a:cs typeface="Monaco"/>
-                <a:sym typeface="Monaco"/>
-              </a:defRPr>
-            </a:pPr>
-            <a:r>
-              <a:t>|      cmp_by|5748337.0|  0.7762059675300512|</a:t>
-            </a:r>
-          </a:p>
-          <a:p>
-            <a:pPr defTabSz="457200">
-              <a:lnSpc>
-                <a:spcPts val="3000"/>
-              </a:lnSpc>
-              <a:defRPr sz="1200">
-                <a:solidFill>
-                  <a:srgbClr val="212121"/>
-                </a:solidFill>
-                <a:latin typeface="Monaco"/>
-                <a:ea typeface="Monaco"/>
-                <a:cs typeface="Monaco"/>
-                <a:sym typeface="Monaco"/>
-              </a:defRPr>
-            </a:pPr>
-            <a:r>
-              <a:t>|      cmp_bd|5748337.0|   0.775442311783404|</a:t>
-            </a:r>
-          </a:p>
-          <a:p>
-            <a:pPr defTabSz="457200">
-              <a:lnSpc>
-                <a:spcPts val="3000"/>
-              </a:lnSpc>
-              <a:defRPr sz="1200">
-                <a:solidFill>
-                  <a:srgbClr val="212121"/>
-                </a:solidFill>
-                <a:latin typeface="Monaco"/>
-                <a:ea typeface="Monaco"/>
-                <a:cs typeface="Monaco"/>
-                <a:sym typeface="Monaco"/>
-              </a:defRPr>
-            </a:pPr>
-            <a:r>
-              <a:t>|cmp_lname_c1|5749132.0|  0.6838772482590526|</a:t>
-            </a:r>
-          </a:p>
-          <a:p>
-            <a:pPr defTabSz="457200">
-              <a:lnSpc>
-                <a:spcPts val="3000"/>
-              </a:lnSpc>
-              <a:defRPr sz="1200">
-                <a:solidFill>
-                  <a:srgbClr val="212121"/>
-                </a:solidFill>
-                <a:latin typeface="Monaco"/>
-                <a:ea typeface="Monaco"/>
-                <a:cs typeface="Monaco"/>
-                <a:sym typeface="Monaco"/>
-              </a:defRPr>
-            </a:pPr>
-            <a:r>
-              <a:t>|      cmp_bm|5748337.0|  0.5109496938298685|</a:t>
-            </a:r>
-          </a:p>
-          <a:p>
-            <a:pPr defTabSz="457200">
-              <a:lnSpc>
-                <a:spcPts val="3000"/>
-              </a:lnSpc>
-              <a:defRPr sz="1200">
-                <a:solidFill>
-                  <a:srgbClr val="212121"/>
-                </a:solidFill>
-                <a:latin typeface="Monaco"/>
-                <a:ea typeface="Monaco"/>
-                <a:cs typeface="Monaco"/>
-                <a:sym typeface="Monaco"/>
-              </a:defRPr>
-            </a:pPr>
-            <a:r>
-              <a:t>|cmp_fname_c1|5748125.0|  0.2854529057460786|</a:t>
-            </a:r>
-          </a:p>
-          <a:p>
-            <a:pPr defTabSz="457200">
-              <a:lnSpc>
-                <a:spcPts val="3000"/>
-              </a:lnSpc>
-              <a:defRPr sz="1200">
-                <a:solidFill>
-                  <a:srgbClr val="212121"/>
-                </a:solidFill>
-                <a:latin typeface="Monaco"/>
-                <a:ea typeface="Monaco"/>
-                <a:cs typeface="Monaco"/>
-                <a:sym typeface="Monaco"/>
-              </a:defRPr>
-            </a:pPr>
-            <a:r>
-              <a:t>|cmp_fname_c2| 103698.0| 0.09104268062280008|</a:t>
-            </a:r>
-          </a:p>
-          <a:p>
-            <a:pPr defTabSz="457200">
-              <a:lnSpc>
-                <a:spcPts val="3000"/>
-              </a:lnSpc>
-              <a:defRPr sz="1200">
-                <a:solidFill>
-                  <a:srgbClr val="212121"/>
-                </a:solidFill>
-                <a:latin typeface="Monaco"/>
-                <a:ea typeface="Monaco"/>
-                <a:cs typeface="Monaco"/>
-                <a:sym typeface="Monaco"/>
-              </a:defRPr>
-            </a:pPr>
-            <a:r>
-              <a:t>|     cmp_sex|5749132.0|0.032408185250332844|</a:t>
-            </a:r>
-          </a:p>
-          <a:p>
-            <a:pPr defTabSz="457200">
-              <a:lnSpc>
-                <a:spcPts val="3000"/>
-              </a:lnSpc>
-              <a:defRPr sz="1200">
-                <a:solidFill>
-                  <a:srgbClr val="212121"/>
-                </a:solidFill>
-                <a:latin typeface="Monaco"/>
-                <a:ea typeface="Monaco"/>
-                <a:cs typeface="Monaco"/>
-                <a:sym typeface="Monaco"/>
-              </a:defRPr>
-            </a:pPr>
-            <a:r>
-              <a:t>|        id_2|5749132.0| -15383.483201807663|</a:t>
-            </a:r>
-          </a:p>
-          <a:p>
-            <a:pPr defTabSz="457200">
-              <a:lnSpc>
-                <a:spcPts val="3000"/>
-              </a:lnSpc>
-              <a:defRPr sz="1200">
-                <a:solidFill>
-                  <a:srgbClr val="212121"/>
-                </a:solidFill>
-                <a:latin typeface="Monaco"/>
-                <a:ea typeface="Monaco"/>
-                <a:cs typeface="Monaco"/>
-                <a:sym typeface="Monaco"/>
-              </a:defRPr>
-            </a:pPr>
-            <a:r>
-              <a:t>+------------+---------+--------------------+</a:t>
+            <a:pPr/>
+            <a:r>
+              <a:t>    val matchSummaryT = pivotSummary(matchSummary)</a:t>
+            </a:r>
+          </a:p>
+          <a:p>
+            <a:pPr/>
+            <a:r>
+              <a:t>    val missSummaryT = pivotSummary(missSummary)</a:t>
+            </a:r>
+          </a:p>
+          <a:p>
+            <a:pPr/>
+            <a:r>
+              <a:t>    matchSummaryT.createOrReplaceTempView("match_desc")</a:t>
+            </a:r>
+          </a:p>
+          <a:p>
+            <a:pPr/>
+            <a:r>
+              <a:t>    missSummaryT.createOrReplaceTempView("miss_desc")</a:t>
+            </a:r>
+          </a:p>
+          <a:p>
+            <a:pPr/>
+            <a:r>
+              <a:t>    spark.sql("""</a:t>
+            </a:r>
+          </a:p>
+          <a:p>
+            <a:pPr/>
+            <a:r>
+              <a:t>      SELECT a.field, a.count + b.count total, a.mean - b.mean delta</a:t>
+            </a:r>
+          </a:p>
+          <a:p>
+            <a:pPr/>
+            <a:r>
+              <a:t>      FROM match_desc a INNER JOIN miss_desc b ON a.field = b.field</a:t>
+            </a:r>
+          </a:p>
+          <a:p>
+            <a:pPr/>
+            <a:r>
+              <a:t>      ORDER BY delta DESC, total DESC</a:t>
+            </a:r>
+          </a:p>
+          <a:p>
+            <a:pPr/>
+            <a:r>
+              <a:t>    """).show()</a:t>
             </a:r>
           </a:p>
         </p:txBody>
@@ -10747,7 +10913,7 @@
       </p:grpSpPr>
       <p:sp>
         <p:nvSpPr>
-          <p:cNvPr id="288" name="Final result"/>
+          <p:cNvPr id="296" name="Results of the helper functions"/>
           <p:cNvSpPr txBox="1"/>
           <p:nvPr>
             <p:ph type="title"/>
@@ -10764,81 +10930,21 @@
           <a:p>
             <a:pPr/>
             <a:r>
-              <a:t>Final result</a:t>
-            </a:r>
-          </a:p>
-        </p:txBody>
-      </p:sp>
-      <p:sp>
-        <p:nvSpPr>
-          <p:cNvPr id="289" name="val matchData = parsed.as[MatchData]…"/>
+              <a:t>Results of the helper functions</a:t>
+            </a:r>
+          </a:p>
+        </p:txBody>
+      </p:sp>
+      <p:sp>
+        <p:nvSpPr>
+          <p:cNvPr id="297" name="matchSummaryT: org.apache.spark.sql.DataFrame = [field: string, count: double ... 4 more fields]…"/>
           <p:cNvSpPr txBox="1"/>
           <p:nvPr/>
         </p:nvSpPr>
         <p:spPr>
           <a:xfrm>
-            <a:off x="2594354" y="1626456"/>
-            <a:ext cx="3955292" cy="1767841"/>
-          </a:xfrm>
-          <a:prstGeom prst="rect">
-            <a:avLst/>
-          </a:prstGeom>
-          <a:ln w="12700">
-            <a:miter lim="400000"/>
-          </a:ln>
-          <a:extLst>
-            <a:ext uri="{C572A759-6A51-4108-AA02-DFA0A04FC94B}">
-              <ma14:wrappingTextBoxFlag xmlns:ma14="http://schemas.microsoft.com/office/mac/drawingml/2011/main" val="1"/>
-            </a:ext>
-          </a:extLst>
-        </p:spPr>
-        <p:txBody>
-          <a:bodyPr wrap="none" lIns="45719" rIns="45719">
-            <a:spAutoFit/>
-          </a:bodyPr>
-          <a:lstStyle/>
-          <a:p>
-            <a:pPr/>
-            <a:r>
-              <a:t>    val matchData = parsed.as[MatchData]</a:t>
-            </a:r>
-          </a:p>
-          <a:p>
-            <a:pPr/>
-            <a:r>
-              <a:t>    val scored = matchData.map { md =&gt;</a:t>
-            </a:r>
-          </a:p>
-          <a:p>
-            <a:pPr/>
-            <a:r>
-              <a:t>      (scoreMatchData(md), md.is_match)</a:t>
-            </a:r>
-          </a:p>
-          <a:p>
-            <a:pPr/>
-            <a:r>
-              <a:t>    }.toDF("score", "is_match")</a:t>
-            </a:r>
-          </a:p>
-          <a:p>
-            <a:pPr/>
-            <a:r>
-              <a:t>    crossTabs(scored, 4.0).show()</a:t>
-            </a:r>
-          </a:p>
-        </p:txBody>
-      </p:sp>
-      <p:sp>
-        <p:nvSpPr>
-          <p:cNvPr id="290" name="matchData: org.apache.spark.sql.Dataset[MatchData] = [id_1: int, id_2: int ... 10 more fields]…"/>
-          <p:cNvSpPr txBox="1"/>
-          <p:nvPr/>
-        </p:nvSpPr>
-        <p:spPr>
-          <a:xfrm>
-            <a:off x="2028908" y="3603114"/>
-            <a:ext cx="8792355" cy="1907517"/>
+            <a:off x="844608" y="1940962"/>
+            <a:ext cx="8975264" cy="3736316"/>
           </a:xfrm>
           <a:prstGeom prst="rect">
             <a:avLst/>
@@ -10873,7 +10979,7 @@
               </a:defRPr>
             </a:pPr>
             <a:r>
-              <a:t>matchData: org.apache.spark.sql.Dataset[MatchData] = [id_1: int, id_2: int ... 10 more fields]</a:t>
+              <a:t>matchSummaryT: org.apache.spark.sql.DataFrame = [field: string, count: double ... 4 more fields]</a:t>
             </a:r>
           </a:p>
           <a:p>
@@ -10892,7 +10998,7 @@
               </a:defRPr>
             </a:pPr>
             <a:r>
-              <a:t>scored: org.apache.spark.sql.DataFrame = [score: double, is_match: boolean]</a:t>
+              <a:t>missSummaryT: org.apache.spark.sql.DataFrame = [field: string, count: double ... 4 more fields]</a:t>
             </a:r>
           </a:p>
           <a:p>
@@ -10911,7 +11017,7 @@
               </a:defRPr>
             </a:pPr>
             <a:r>
-              <a:t>+-----+-----+-------+</a:t>
+              <a:t>+------------+---------+--------------------+</a:t>
             </a:r>
           </a:p>
           <a:p>
@@ -10930,7 +11036,7 @@
               </a:defRPr>
             </a:pPr>
             <a:r>
-              <a:t>|above| true|  false|</a:t>
+              <a:t>|       field|    total|               delta|</a:t>
             </a:r>
           </a:p>
           <a:p>
@@ -10949,7 +11055,7 @@
               </a:defRPr>
             </a:pPr>
             <a:r>
-              <a:t>+-----+-----+-------+</a:t>
+              <a:t>+------------+---------+--------------------+</a:t>
             </a:r>
           </a:p>
           <a:p>
@@ -10968,7 +11074,7 @@
               </a:defRPr>
             </a:pPr>
             <a:r>
-              <a:t>| true|20871|    637|</a:t>
+              <a:t>|        id_1|5749132.0|  1255.8076310367542|</a:t>
             </a:r>
           </a:p>
           <a:p>
@@ -10987,7 +11093,7 @@
               </a:defRPr>
             </a:pPr>
             <a:r>
-              <a:t>|false|   60|5727564|</a:t>
+              <a:t>|     cmp_plz|5736289.0|  0.9563812499852176|</a:t>
             </a:r>
           </a:p>
           <a:p>
@@ -11006,7 +11112,178 @@
               </a:defRPr>
             </a:pPr>
             <a:r>
-              <a:t>+-----+-----+-------+</a:t>
+              <a:t>|cmp_lname_c2|   2464.0|  0.8064147192926264|</a:t>
+            </a:r>
+          </a:p>
+          <a:p>
+            <a:pPr defTabSz="457200">
+              <a:lnSpc>
+                <a:spcPts val="3000"/>
+              </a:lnSpc>
+              <a:defRPr sz="1200">
+                <a:solidFill>
+                  <a:srgbClr val="212121"/>
+                </a:solidFill>
+                <a:latin typeface="Monaco"/>
+                <a:ea typeface="Monaco"/>
+                <a:cs typeface="Monaco"/>
+                <a:sym typeface="Monaco"/>
+              </a:defRPr>
+            </a:pPr>
+            <a:r>
+              <a:t>|      cmp_by|5748337.0|  0.7762059675300512|</a:t>
+            </a:r>
+          </a:p>
+          <a:p>
+            <a:pPr defTabSz="457200">
+              <a:lnSpc>
+                <a:spcPts val="3000"/>
+              </a:lnSpc>
+              <a:defRPr sz="1200">
+                <a:solidFill>
+                  <a:srgbClr val="212121"/>
+                </a:solidFill>
+                <a:latin typeface="Monaco"/>
+                <a:ea typeface="Monaco"/>
+                <a:cs typeface="Monaco"/>
+                <a:sym typeface="Monaco"/>
+              </a:defRPr>
+            </a:pPr>
+            <a:r>
+              <a:t>|      cmp_bd|5748337.0|   0.775442311783404|</a:t>
+            </a:r>
+          </a:p>
+          <a:p>
+            <a:pPr defTabSz="457200">
+              <a:lnSpc>
+                <a:spcPts val="3000"/>
+              </a:lnSpc>
+              <a:defRPr sz="1200">
+                <a:solidFill>
+                  <a:srgbClr val="212121"/>
+                </a:solidFill>
+                <a:latin typeface="Monaco"/>
+                <a:ea typeface="Monaco"/>
+                <a:cs typeface="Monaco"/>
+                <a:sym typeface="Monaco"/>
+              </a:defRPr>
+            </a:pPr>
+            <a:r>
+              <a:t>|cmp_lname_c1|5749132.0|  0.6838772482590526|</a:t>
+            </a:r>
+          </a:p>
+          <a:p>
+            <a:pPr defTabSz="457200">
+              <a:lnSpc>
+                <a:spcPts val="3000"/>
+              </a:lnSpc>
+              <a:defRPr sz="1200">
+                <a:solidFill>
+                  <a:srgbClr val="212121"/>
+                </a:solidFill>
+                <a:latin typeface="Monaco"/>
+                <a:ea typeface="Monaco"/>
+                <a:cs typeface="Monaco"/>
+                <a:sym typeface="Monaco"/>
+              </a:defRPr>
+            </a:pPr>
+            <a:r>
+              <a:t>|      cmp_bm|5748337.0|  0.5109496938298685|</a:t>
+            </a:r>
+          </a:p>
+          <a:p>
+            <a:pPr defTabSz="457200">
+              <a:lnSpc>
+                <a:spcPts val="3000"/>
+              </a:lnSpc>
+              <a:defRPr sz="1200">
+                <a:solidFill>
+                  <a:srgbClr val="212121"/>
+                </a:solidFill>
+                <a:latin typeface="Monaco"/>
+                <a:ea typeface="Monaco"/>
+                <a:cs typeface="Monaco"/>
+                <a:sym typeface="Monaco"/>
+              </a:defRPr>
+            </a:pPr>
+            <a:r>
+              <a:t>|cmp_fname_c1|5748125.0|  0.2854529057460786|</a:t>
+            </a:r>
+          </a:p>
+          <a:p>
+            <a:pPr defTabSz="457200">
+              <a:lnSpc>
+                <a:spcPts val="3000"/>
+              </a:lnSpc>
+              <a:defRPr sz="1200">
+                <a:solidFill>
+                  <a:srgbClr val="212121"/>
+                </a:solidFill>
+                <a:latin typeface="Monaco"/>
+                <a:ea typeface="Monaco"/>
+                <a:cs typeface="Monaco"/>
+                <a:sym typeface="Monaco"/>
+              </a:defRPr>
+            </a:pPr>
+            <a:r>
+              <a:t>|cmp_fname_c2| 103698.0| 0.09104268062280008|</a:t>
+            </a:r>
+          </a:p>
+          <a:p>
+            <a:pPr defTabSz="457200">
+              <a:lnSpc>
+                <a:spcPts val="3000"/>
+              </a:lnSpc>
+              <a:defRPr sz="1200">
+                <a:solidFill>
+                  <a:srgbClr val="212121"/>
+                </a:solidFill>
+                <a:latin typeface="Monaco"/>
+                <a:ea typeface="Monaco"/>
+                <a:cs typeface="Monaco"/>
+                <a:sym typeface="Monaco"/>
+              </a:defRPr>
+            </a:pPr>
+            <a:r>
+              <a:t>|     cmp_sex|5749132.0|0.032408185250332844|</a:t>
+            </a:r>
+          </a:p>
+          <a:p>
+            <a:pPr defTabSz="457200">
+              <a:lnSpc>
+                <a:spcPts val="3000"/>
+              </a:lnSpc>
+              <a:defRPr sz="1200">
+                <a:solidFill>
+                  <a:srgbClr val="212121"/>
+                </a:solidFill>
+                <a:latin typeface="Monaco"/>
+                <a:ea typeface="Monaco"/>
+                <a:cs typeface="Monaco"/>
+                <a:sym typeface="Monaco"/>
+              </a:defRPr>
+            </a:pPr>
+            <a:r>
+              <a:t>|        id_2|5749132.0| -15383.483201807663|</a:t>
+            </a:r>
+          </a:p>
+          <a:p>
+            <a:pPr defTabSz="457200">
+              <a:lnSpc>
+                <a:spcPts val="3000"/>
+              </a:lnSpc>
+              <a:defRPr sz="1200">
+                <a:solidFill>
+                  <a:srgbClr val="212121"/>
+                </a:solidFill>
+                <a:latin typeface="Monaco"/>
+                <a:ea typeface="Monaco"/>
+                <a:cs typeface="Monaco"/>
+                <a:sym typeface="Monaco"/>
+              </a:defRPr>
+            </a:pPr>
+            <a:r>
+              <a:t>+------------+---------+--------------------+</a:t>
             </a:r>
           </a:p>
         </p:txBody>
@@ -11039,7 +11316,7 @@
       </p:grpSpPr>
       <p:sp>
         <p:nvSpPr>
-          <p:cNvPr id="292" name="Assignment"/>
+          <p:cNvPr id="299" name="Final result"/>
           <p:cNvSpPr txBox="1"/>
           <p:nvPr>
             <p:ph type="title"/>
@@ -11056,77 +11333,249 @@
           <a:p>
             <a:pPr/>
             <a:r>
-              <a:t>Assignment</a:t>
-            </a:r>
-          </a:p>
-        </p:txBody>
-      </p:sp>
-      <p:sp>
-        <p:nvSpPr>
-          <p:cNvPr id="293" name="Find a dataset in CSV form…"/>
+              <a:t>Final result</a:t>
+            </a:r>
+          </a:p>
+        </p:txBody>
+      </p:sp>
+      <p:sp>
+        <p:nvSpPr>
+          <p:cNvPr id="300" name="val matchData = parsed.as[MatchData]…"/>
           <p:cNvSpPr txBox="1"/>
-          <p:nvPr>
-            <p:ph type="body" idx="1"/>
-          </p:nvPr>
+          <p:nvPr/>
         </p:nvSpPr>
         <p:spPr>
           <a:xfrm>
-            <a:off x="457200" y="1600200"/>
-            <a:ext cx="8229600" cy="4793606"/>
+            <a:off x="2594354" y="1626456"/>
+            <a:ext cx="3955292" cy="1767841"/>
           </a:xfrm>
           <a:prstGeom prst="rect">
             <a:avLst/>
           </a:prstGeom>
-        </p:spPr>
-        <p:txBody>
-          <a:bodyPr/>
-          <a:lstStyle/>
-          <a:p>
-            <a:pPr/>
-            <a:r>
-              <a:t>Find a dataset in CSV form</a:t>
-            </a:r>
-          </a:p>
-          <a:p>
-            <a:pPr/>
-            <a:r>
-              <a:t>Place it in a directory where Spark can see it</a:t>
-            </a:r>
-          </a:p>
-          <a:p>
-            <a:pPr/>
-            <a:r>
-              <a:t>Open it in Scala</a:t>
-            </a:r>
-          </a:p>
-          <a:p>
-            <a:pPr/>
-            <a:r>
-              <a:t>Explore it:</a:t>
-            </a:r>
-          </a:p>
-          <a:p>
-            <a:pPr lvl="2" marL="1257300" indent="-342900"/>
-            <a:r>
-              <a:t>print out a few rows</a:t>
-            </a:r>
-          </a:p>
-          <a:p>
-            <a:pPr lvl="2" marL="1257300" indent="-342900"/>
-            <a:r>
-              <a:t>find the datatype of each column</a:t>
-            </a:r>
-          </a:p>
-          <a:p>
-            <a:pPr lvl="2" marL="1257300" indent="-342900"/>
-            <a:r>
-              <a:t>try to get descriptive statistics</a:t>
-            </a:r>
-          </a:p>
-          <a:p>
-            <a:pPr/>
-            <a:r>
-              <a:t>Try to extract interesting information</a:t>
+          <a:ln w="12700">
+            <a:miter lim="400000"/>
+          </a:ln>
+          <a:extLst>
+            <a:ext uri="{C572A759-6A51-4108-AA02-DFA0A04FC94B}">
+              <ma14:wrappingTextBoxFlag xmlns:ma14="http://schemas.microsoft.com/office/mac/drawingml/2011/main" val="1"/>
+            </a:ext>
+          </a:extLst>
+        </p:spPr>
+        <p:txBody>
+          <a:bodyPr wrap="none" lIns="45719" rIns="45719">
+            <a:spAutoFit/>
+          </a:bodyPr>
+          <a:lstStyle/>
+          <a:p>
+            <a:pPr/>
+            <a:r>
+              <a:t>    val matchData = parsed.as[MatchData]</a:t>
+            </a:r>
+          </a:p>
+          <a:p>
+            <a:pPr/>
+            <a:r>
+              <a:t>    val scored = matchData.map { md =&gt;</a:t>
+            </a:r>
+          </a:p>
+          <a:p>
+            <a:pPr/>
+            <a:r>
+              <a:t>      (scoreMatchData(md), md.is_match)</a:t>
+            </a:r>
+          </a:p>
+          <a:p>
+            <a:pPr/>
+            <a:r>
+              <a:t>    }.toDF("score", "is_match")</a:t>
+            </a:r>
+          </a:p>
+          <a:p>
+            <a:pPr/>
+            <a:r>
+              <a:t>    crossTabs(scored, 4.0).show()</a:t>
+            </a:r>
+          </a:p>
+        </p:txBody>
+      </p:sp>
+      <p:sp>
+        <p:nvSpPr>
+          <p:cNvPr id="301" name="matchData: org.apache.spark.sql.Dataset[MatchData] = [id_1: int, id_2: int ... 10 more fields]…"/>
+          <p:cNvSpPr txBox="1"/>
+          <p:nvPr/>
+        </p:nvSpPr>
+        <p:spPr>
+          <a:xfrm>
+            <a:off x="2028908" y="3603114"/>
+            <a:ext cx="8792355" cy="1907517"/>
+          </a:xfrm>
+          <a:prstGeom prst="rect">
+            <a:avLst/>
+          </a:prstGeom>
+          <a:ln w="12700">
+            <a:miter lim="400000"/>
+          </a:ln>
+          <a:extLst>
+            <a:ext uri="{C572A759-6A51-4108-AA02-DFA0A04FC94B}">
+              <ma14:wrappingTextBoxFlag xmlns:ma14="http://schemas.microsoft.com/office/mac/drawingml/2011/main" val="1"/>
+            </a:ext>
+          </a:extLst>
+        </p:spPr>
+        <p:txBody>
+          <a:bodyPr wrap="none" lIns="45719" rIns="45719">
+            <a:spAutoFit/>
+          </a:bodyPr>
+          <a:lstStyle/>
+          <a:p>
+            <a:pPr defTabSz="457200">
+              <a:lnSpc>
+                <a:spcPts val="3000"/>
+              </a:lnSpc>
+              <a:defRPr sz="1200">
+                <a:solidFill>
+                  <a:srgbClr val="212121"/>
+                </a:solidFill>
+                <a:latin typeface="Monaco"/>
+                <a:ea typeface="Monaco"/>
+                <a:cs typeface="Monaco"/>
+                <a:sym typeface="Monaco"/>
+              </a:defRPr>
+            </a:pPr>
+            <a:r>
+              <a:t>matchData: org.apache.spark.sql.Dataset[MatchData] = [id_1: int, id_2: int ... 10 more fields]</a:t>
+            </a:r>
+          </a:p>
+          <a:p>
+            <a:pPr defTabSz="457200">
+              <a:lnSpc>
+                <a:spcPts val="3000"/>
+              </a:lnSpc>
+              <a:defRPr sz="1200">
+                <a:solidFill>
+                  <a:srgbClr val="212121"/>
+                </a:solidFill>
+                <a:latin typeface="Monaco"/>
+                <a:ea typeface="Monaco"/>
+                <a:cs typeface="Monaco"/>
+                <a:sym typeface="Monaco"/>
+              </a:defRPr>
+            </a:pPr>
+            <a:r>
+              <a:t>scored: org.apache.spark.sql.DataFrame = [score: double, is_match: boolean]</a:t>
+            </a:r>
+          </a:p>
+          <a:p>
+            <a:pPr defTabSz="457200">
+              <a:lnSpc>
+                <a:spcPts val="3000"/>
+              </a:lnSpc>
+              <a:defRPr sz="1200">
+                <a:solidFill>
+                  <a:srgbClr val="212121"/>
+                </a:solidFill>
+                <a:latin typeface="Monaco"/>
+                <a:ea typeface="Monaco"/>
+                <a:cs typeface="Monaco"/>
+                <a:sym typeface="Monaco"/>
+              </a:defRPr>
+            </a:pPr>
+            <a:r>
+              <a:t>+-----+-----+-------+</a:t>
+            </a:r>
+          </a:p>
+          <a:p>
+            <a:pPr defTabSz="457200">
+              <a:lnSpc>
+                <a:spcPts val="3000"/>
+              </a:lnSpc>
+              <a:defRPr sz="1200">
+                <a:solidFill>
+                  <a:srgbClr val="212121"/>
+                </a:solidFill>
+                <a:latin typeface="Monaco"/>
+                <a:ea typeface="Monaco"/>
+                <a:cs typeface="Monaco"/>
+                <a:sym typeface="Monaco"/>
+              </a:defRPr>
+            </a:pPr>
+            <a:r>
+              <a:t>|above| true|  false|</a:t>
+            </a:r>
+          </a:p>
+          <a:p>
+            <a:pPr defTabSz="457200">
+              <a:lnSpc>
+                <a:spcPts val="3000"/>
+              </a:lnSpc>
+              <a:defRPr sz="1200">
+                <a:solidFill>
+                  <a:srgbClr val="212121"/>
+                </a:solidFill>
+                <a:latin typeface="Monaco"/>
+                <a:ea typeface="Monaco"/>
+                <a:cs typeface="Monaco"/>
+                <a:sym typeface="Monaco"/>
+              </a:defRPr>
+            </a:pPr>
+            <a:r>
+              <a:t>+-----+-----+-------+</a:t>
+            </a:r>
+          </a:p>
+          <a:p>
+            <a:pPr defTabSz="457200">
+              <a:lnSpc>
+                <a:spcPts val="3000"/>
+              </a:lnSpc>
+              <a:defRPr sz="1200">
+                <a:solidFill>
+                  <a:srgbClr val="212121"/>
+                </a:solidFill>
+                <a:latin typeface="Monaco"/>
+                <a:ea typeface="Monaco"/>
+                <a:cs typeface="Monaco"/>
+                <a:sym typeface="Monaco"/>
+              </a:defRPr>
+            </a:pPr>
+            <a:r>
+              <a:t>| true|20871|    637|</a:t>
+            </a:r>
+          </a:p>
+          <a:p>
+            <a:pPr defTabSz="457200">
+              <a:lnSpc>
+                <a:spcPts val="3000"/>
+              </a:lnSpc>
+              <a:defRPr sz="1200">
+                <a:solidFill>
+                  <a:srgbClr val="212121"/>
+                </a:solidFill>
+                <a:latin typeface="Monaco"/>
+                <a:ea typeface="Monaco"/>
+                <a:cs typeface="Monaco"/>
+                <a:sym typeface="Monaco"/>
+              </a:defRPr>
+            </a:pPr>
+            <a:r>
+              <a:t>|false|   60|5727564|</a:t>
+            </a:r>
+          </a:p>
+          <a:p>
+            <a:pPr defTabSz="457200">
+              <a:lnSpc>
+                <a:spcPts val="3000"/>
+              </a:lnSpc>
+              <a:defRPr sz="1200">
+                <a:solidFill>
+                  <a:srgbClr val="212121"/>
+                </a:solidFill>
+                <a:latin typeface="Monaco"/>
+                <a:ea typeface="Monaco"/>
+                <a:cs typeface="Monaco"/>
+                <a:sym typeface="Monaco"/>
+              </a:defRPr>
+            </a:pPr>
+            <a:r>
+              <a:t>+-----+-----+-------+</a:t>
             </a:r>
           </a:p>
         </p:txBody>
@@ -11159,7 +11608,7 @@
       </p:grpSpPr>
       <p:sp>
         <p:nvSpPr>
-          <p:cNvPr id="295" name="Summary of the lecture"/>
+          <p:cNvPr id="305" name="Assignment"/>
           <p:cNvSpPr txBox="1"/>
           <p:nvPr>
             <p:ph type="title"/>
@@ -11176,6 +11625,126 @@
           <a:p>
             <a:pPr/>
             <a:r>
+              <a:t>Assignment</a:t>
+            </a:r>
+          </a:p>
+        </p:txBody>
+      </p:sp>
+      <p:sp>
+        <p:nvSpPr>
+          <p:cNvPr id="306" name="Find a dataset in CSV form…"/>
+          <p:cNvSpPr txBox="1"/>
+          <p:nvPr>
+            <p:ph type="body" idx="1"/>
+          </p:nvPr>
+        </p:nvSpPr>
+        <p:spPr>
+          <a:xfrm>
+            <a:off x="457200" y="1600200"/>
+            <a:ext cx="8229600" cy="4793606"/>
+          </a:xfrm>
+          <a:prstGeom prst="rect">
+            <a:avLst/>
+          </a:prstGeom>
+        </p:spPr>
+        <p:txBody>
+          <a:bodyPr/>
+          <a:lstStyle/>
+          <a:p>
+            <a:pPr/>
+            <a:r>
+              <a:t>Find a dataset in CSV form</a:t>
+            </a:r>
+          </a:p>
+          <a:p>
+            <a:pPr/>
+            <a:r>
+              <a:t>Place it in a directory where Spark can see it</a:t>
+            </a:r>
+          </a:p>
+          <a:p>
+            <a:pPr/>
+            <a:r>
+              <a:t>Open it in Scala</a:t>
+            </a:r>
+          </a:p>
+          <a:p>
+            <a:pPr/>
+            <a:r>
+              <a:t>Explore it:</a:t>
+            </a:r>
+          </a:p>
+          <a:p>
+            <a:pPr lvl="2" marL="1257300" indent="-342900"/>
+            <a:r>
+              <a:t>print out a few rows</a:t>
+            </a:r>
+          </a:p>
+          <a:p>
+            <a:pPr lvl="2" marL="1257300" indent="-342900"/>
+            <a:r>
+              <a:t>find the datatype of each column</a:t>
+            </a:r>
+          </a:p>
+          <a:p>
+            <a:pPr lvl="2" marL="1257300" indent="-342900"/>
+            <a:r>
+              <a:t>try to get descriptive statistics</a:t>
+            </a:r>
+          </a:p>
+          <a:p>
+            <a:pPr/>
+            <a:r>
+              <a:t>Try to extract interesting information</a:t>
+            </a:r>
+          </a:p>
+        </p:txBody>
+      </p:sp>
+    </p:spTree>
+  </p:cSld>
+  <p:clrMapOvr>
+    <a:masterClrMapping/>
+  </p:clrMapOvr>
+  <p:transition xmlns:p14="http://schemas.microsoft.com/office/powerpoint/2010/main" spd="med" advClick="1"/>
+</p:sld>
+</file>
+
+<file path=ppt/slides/slide34.xml><?xml version="1.0" encoding="utf-8"?>
+<p:sld xmlns:a="http://schemas.openxmlformats.org/drawingml/2006/main" xmlns:r="http://schemas.openxmlformats.org/officeDocument/2006/relationships" xmlns:p="http://schemas.openxmlformats.org/presentationml/2006/main" showMasterSp="1" showMasterPhAnim="1">
+  <p:cSld>
+    <p:spTree>
+      <p:nvGrpSpPr>
+        <p:cNvPr id="1" name=""/>
+        <p:cNvGrpSpPr/>
+        <p:nvPr/>
+      </p:nvGrpSpPr>
+      <p:grpSpPr>
+        <a:xfrm>
+          <a:off x="0" y="0"/>
+          <a:ext cx="0" cy="0"/>
+          <a:chOff x="0" y="0"/>
+          <a:chExt cx="0" cy="0"/>
+        </a:xfrm>
+      </p:grpSpPr>
+      <p:sp>
+        <p:nvSpPr>
+          <p:cNvPr id="308" name="Summary of the lecture"/>
+          <p:cNvSpPr txBox="1"/>
+          <p:nvPr>
+            <p:ph type="title"/>
+          </p:nvPr>
+        </p:nvSpPr>
+        <p:spPr>
+          <a:prstGeom prst="rect">
+            <a:avLst/>
+          </a:prstGeom>
+        </p:spPr>
+        <p:txBody>
+          <a:bodyPr/>
+          <a:lstStyle/>
+          <a:p>
+            <a:pPr/>
+            <a:r>
               <a:t>Summary of the lecture</a:t>
             </a:r>
           </a:p>
@@ -11183,7 +11752,7 @@
       </p:sp>
       <p:sp>
         <p:nvSpPr>
-          <p:cNvPr id="296" name="We have reviewed BD in the SMACT framework, focusing on the “6V”-s common to all BD fields.…"/>
+          <p:cNvPr id="309" name="We have reviewed BD in the SMACT framework, focusing on the “6V”-s common to all BD fields.…"/>
           <p:cNvSpPr txBox="1"/>
           <p:nvPr>
             <p:ph type="body" idx="1"/>
@@ -11217,9 +11786,6 @@
               <a:buFontTx/>
               <a:buNone/>
             </a:pPr>
-            <a:r>
-              <a:t>We have used the popular Hadoop/Spark data cluster model with Scala to introduce RDD (Resilient Distributed Datasets) and get the first taste of dealing with BD.</a:t>
-            </a:r>
           </a:p>
           <a:p>
             <a:pPr marL="0" indent="0">
@@ -11228,7 +11794,106 @@
               <a:buNone/>
             </a:pPr>
             <a:r>
+              <a:t>We have used the popular Hadoop/Spark data cluster model with Scala to introduce RDD (Resilient Distributed Datasets) and get the first taste of dealing with BD.</a:t>
+            </a:r>
+          </a:p>
+        </p:txBody>
+      </p:sp>
+    </p:spTree>
+  </p:cSld>
+  <p:clrMapOvr>
+    <a:masterClrMapping/>
+  </p:clrMapOvr>
+  <p:transition xmlns:p14="http://schemas.microsoft.com/office/powerpoint/2010/main" spd="med" advClick="1"/>
+</p:sld>
+</file>
+
+<file path=ppt/slides/slide35.xml><?xml version="1.0" encoding="utf-8"?>
+<p:sld xmlns:a="http://schemas.openxmlformats.org/drawingml/2006/main" xmlns:r="http://schemas.openxmlformats.org/officeDocument/2006/relationships" xmlns:p="http://schemas.openxmlformats.org/presentationml/2006/main" showMasterSp="1" showMasterPhAnim="1">
+  <p:cSld>
+    <p:spTree>
+      <p:nvGrpSpPr>
+        <p:cNvPr id="1" name=""/>
+        <p:cNvGrpSpPr/>
+        <p:nvPr/>
+      </p:nvGrpSpPr>
+      <p:grpSpPr>
+        <a:xfrm>
+          <a:off x="0" y="0"/>
+          <a:ext cx="0" cy="0"/>
+          <a:chOff x="0" y="0"/>
+          <a:chExt cx="0" cy="0"/>
+        </a:xfrm>
+      </p:grpSpPr>
+      <p:sp>
+        <p:nvSpPr>
+          <p:cNvPr id="311" name="Summary of the lecture"/>
+          <p:cNvSpPr txBox="1"/>
+          <p:nvPr>
+            <p:ph type="title"/>
+          </p:nvPr>
+        </p:nvSpPr>
+        <p:spPr>
+          <a:prstGeom prst="rect">
+            <a:avLst/>
+          </a:prstGeom>
+        </p:spPr>
+        <p:txBody>
+          <a:bodyPr/>
+          <a:lstStyle/>
+          <a:p>
+            <a:pPr/>
+            <a:r>
+              <a:t>Summary of the lecture</a:t>
+            </a:r>
+          </a:p>
+        </p:txBody>
+      </p:sp>
+      <p:sp>
+        <p:nvSpPr>
+          <p:cNvPr id="312" name="By actually executing a simple BD processing task, we now have the foundations to proceed to more advanced explorations.…"/>
+          <p:cNvSpPr txBox="1"/>
+          <p:nvPr>
+            <p:ph type="body" idx="1"/>
+          </p:nvPr>
+        </p:nvSpPr>
+        <p:spPr>
+          <a:xfrm>
+            <a:off x="457200" y="1600200"/>
+            <a:ext cx="8229600" cy="4827758"/>
+          </a:xfrm>
+          <a:prstGeom prst="rect">
+            <a:avLst/>
+          </a:prstGeom>
+        </p:spPr>
+        <p:txBody>
+          <a:bodyPr/>
+          <a:lstStyle/>
+          <a:p>
+            <a:pPr marL="0" indent="0">
+              <a:buSzTx/>
+              <a:buFontTx/>
+              <a:buNone/>
+            </a:pPr>
+            <a:r>
               <a:t>By actually executing a simple BD processing task, we now have the foundations to proceed to more advanced explorations.</a:t>
+            </a:r>
+          </a:p>
+          <a:p>
+            <a:pPr marL="0" indent="0">
+              <a:buSzTx/>
+              <a:buFontTx/>
+              <a:buNone/>
+            </a:pPr>
+          </a:p>
+          <a:p>
+            <a:pPr marL="0" indent="0">
+              <a:buSzTx/>
+              <a:buFontTx/>
+              <a:buNone/>
+            </a:pPr>
+            <a:r>
+              <a:t>Students are now ready to learn data analysis techniques using local datasets, so that they can transfer the methods to RDDs.</a:t>
             </a:r>
           </a:p>
         </p:txBody>
@@ -11261,7 +11926,7 @@
       </p:grpSpPr>
       <p:sp>
         <p:nvSpPr>
-          <p:cNvPr id="132" name="Contents of the Course"/>
+          <p:cNvPr id="132" name="Outline of the lecture"/>
           <p:cNvSpPr txBox="1"/>
           <p:nvPr>
             <p:ph type="title"/>
@@ -11278,20 +11943,24 @@
           <a:p>
             <a:pPr/>
             <a:r>
-              <a:t>Contents of the Course</a:t>
-            </a:r>
-          </a:p>
-        </p:txBody>
-      </p:sp>
-      <p:sp>
-        <p:nvSpPr>
-          <p:cNvPr id="133" name="Introduction: Background of IoT, Big Data, AI…"/>
+              <a:t>Outline of the lecture</a:t>
+            </a:r>
+          </a:p>
+        </p:txBody>
+      </p:sp>
+      <p:sp>
+        <p:nvSpPr>
+          <p:cNvPr id="133" name="But BD requires new technologies and skills, so that the important parts of information, hidden in huge volumes of noise, could be mined out.…"/>
           <p:cNvSpPr txBox="1"/>
           <p:nvPr>
             <p:ph type="body" idx="1"/>
           </p:nvPr>
         </p:nvSpPr>
         <p:spPr>
+          <a:xfrm>
+            <a:off x="457200" y="1600200"/>
+            <a:ext cx="8229600" cy="4796452"/>
+          </a:xfrm>
           <a:prstGeom prst="rect">
             <a:avLst/>
           </a:prstGeom>
@@ -11300,59 +11969,44 @@
           <a:bodyPr/>
           <a:lstStyle/>
           <a:p>
-            <a:pPr>
-              <a:defRPr b="1"/>
+            <a:pPr marL="0" indent="0">
+              <a:buSzTx/>
+              <a:buFontTx/>
+              <a:buNone/>
             </a:pPr>
             <a:r>
-              <a:t>Introduction: </a:t>
-            </a:r>
-            <a:r>
-              <a:rPr b="0"/>
-              <a:t>Background of IoT, </a:t>
-            </a:r>
-            <a:r>
-              <a:t>Big Data</a:t>
-            </a:r>
-            <a:r>
-              <a:rPr b="0"/>
-              <a:t>, AI</a:t>
-            </a:r>
-            <a:endParaRPr b="0"/>
-          </a:p>
-          <a:p>
-            <a:pPr/>
-            <a:r>
-              <a:t>Collect, analyze data from IoT on a large scale</a:t>
-            </a:r>
-          </a:p>
-          <a:p>
-            <a:pPr/>
-            <a:r>
-              <a:t>Elements and practice of statistics</a:t>
-            </a:r>
-          </a:p>
-          <a:p>
-            <a:pPr/>
-            <a:r>
-              <a:t>AI methods for data science</a:t>
-            </a:r>
-          </a:p>
-          <a:p>
-            <a:pPr/>
-            <a:r>
-              <a:t>Practical usage of AI for Big Data from IoT</a:t>
-            </a:r>
-          </a:p>
-          <a:p>
-            <a:pPr/>
-            <a:r>
-              <a:t>Getting further with AI: internal workings</a:t>
-            </a:r>
-          </a:p>
-          <a:p>
-            <a:pPr/>
-            <a:r>
-              <a:t>Moving into the real world</a:t>
+              <a:t>But BD requires new technologies and skills, so that the important parts of information, hidden in huge volumes of </a:t>
+            </a:r>
+            <a:r>
+              <a:rPr i="1"/>
+              <a:t>noise</a:t>
+            </a:r>
+            <a:r>
+              <a:t>, could be </a:t>
+            </a:r>
+            <a:r>
+              <a:rPr i="1"/>
+              <a:t>mined out</a:t>
+            </a:r>
+            <a:r>
+              <a:t>.</a:t>
+            </a:r>
+          </a:p>
+          <a:p>
+            <a:pPr marL="0" indent="0">
+              <a:buSzTx/>
+              <a:buFontTx/>
+              <a:buNone/>
+            </a:pPr>
+          </a:p>
+          <a:p>
+            <a:pPr marL="0" indent="0">
+              <a:buSzTx/>
+              <a:buFontTx/>
+              <a:buNone/>
+            </a:pPr>
+            <a:r>
+              <a:t>This lecture introduces some basic BD concepts, tools, and gives leads for further study. </a:t>
             </a:r>
           </a:p>
         </p:txBody>
@@ -11385,7 +12039,7 @@
       </p:grpSpPr>
       <p:sp>
         <p:nvSpPr>
-          <p:cNvPr id="135" name="Lecture 2: Big Data basics"/>
+          <p:cNvPr id="135" name="Where are we in the Course?"/>
           <p:cNvSpPr txBox="1"/>
           <p:nvPr>
             <p:ph type="title"/>
@@ -11402,14 +12056,14 @@
           <a:p>
             <a:pPr/>
             <a:r>
-              <a:t>Lecture 2: Big Data basics</a:t>
-            </a:r>
-          </a:p>
-        </p:txBody>
-      </p:sp>
-      <p:sp>
-        <p:nvSpPr>
-          <p:cNvPr id="136" name="Motivation, general characteristics of BD…"/>
+              <a:t>Where are we in the Course?</a:t>
+            </a:r>
+          </a:p>
+        </p:txBody>
+      </p:sp>
+      <p:sp>
+        <p:nvSpPr>
+          <p:cNvPr id="136" name="Introduction: Background of IoT, Big Data, AI…"/>
           <p:cNvSpPr txBox="1"/>
           <p:nvPr>
             <p:ph type="body" idx="1"/>
@@ -11426,43 +12080,45 @@
           <a:p>
             <a:pPr/>
             <a:r>
-              <a:t>Motivation, general characteristics of BD</a:t>
-            </a:r>
-          </a:p>
-          <a:p>
-            <a:pPr/>
-            <a:r>
-              <a:t>Apache Hadoop and Spark</a:t>
-            </a:r>
-          </a:p>
-          <a:p>
-            <a:pPr/>
-            <a:r>
-              <a:t>PySpark vs. Scala</a:t>
-            </a:r>
-          </a:p>
-          <a:p>
-            <a:pPr/>
-            <a:r>
-              <a:t>Creating a Spark cluster</a:t>
-            </a:r>
-          </a:p>
-          <a:p>
-            <a:pPr/>
-            <a:r>
-              <a:t>Accessing and processing</a:t>
-            </a:r>
-          </a:p>
-          <a:p>
-            <a:pPr/>
-            <a:r>
-              <a:t>Example: </a:t>
-            </a:r>
-          </a:p>
-          <a:p>
-            <a:pPr/>
-            <a:r>
-              <a:t>Topics for study</a:t>
+              <a:t>Introduction: Background of IoT, Big Data, AI</a:t>
+            </a:r>
+          </a:p>
+          <a:p>
+            <a:pPr>
+              <a:defRPr b="1"/>
+            </a:pPr>
+            <a:r>
+              <a:t>Collect, analyze data from IoT on a large scale</a:t>
+            </a:r>
+          </a:p>
+          <a:p>
+            <a:pPr/>
+            <a:r>
+              <a:t>Elements and practice of statistics</a:t>
+            </a:r>
+          </a:p>
+          <a:p>
+            <a:pPr/>
+            <a:r>
+              <a:t>AI methods for data science</a:t>
+            </a:r>
+          </a:p>
+          <a:p>
+            <a:pPr/>
+            <a:r>
+              <a:t>Practical usage of AI for Big Data from IoT</a:t>
+            </a:r>
+          </a:p>
+          <a:p>
+            <a:pPr/>
+            <a:r>
+              <a:t>Getting further with AI: internal workings</a:t>
+            </a:r>
+          </a:p>
+          <a:p>
+            <a:pPr/>
+            <a:r>
+              <a:t>Moving into the real world</a:t>
             </a:r>
           </a:p>
         </p:txBody>
@@ -11495,7 +12151,7 @@
       </p:grpSpPr>
       <p:sp>
         <p:nvSpPr>
-          <p:cNvPr id="138" name="Motivation"/>
+          <p:cNvPr id="138" name="Lecture 2: Big Data basics"/>
           <p:cNvSpPr txBox="1"/>
           <p:nvPr>
             <p:ph type="title"/>
@@ -11512,14 +12168,14 @@
           <a:p>
             <a:pPr/>
             <a:r>
-              <a:t>Motivation</a:t>
-            </a:r>
-          </a:p>
-        </p:txBody>
-      </p:sp>
-      <p:sp>
-        <p:nvSpPr>
-          <p:cNvPr id="139" name="Data bigger than local storage…"/>
+              <a:t>Lecture 2: Big Data basics</a:t>
+            </a:r>
+          </a:p>
+        </p:txBody>
+      </p:sp>
+      <p:sp>
+        <p:nvSpPr>
+          <p:cNvPr id="139" name="Motivation, general characteristics of BD…"/>
           <p:cNvSpPr txBox="1"/>
           <p:nvPr>
             <p:ph type="body" idx="1"/>
@@ -11536,31 +12192,43 @@
           <a:p>
             <a:pPr/>
             <a:r>
-              <a:t>Data bigger than local storage</a:t>
-            </a:r>
-          </a:p>
-          <a:p>
-            <a:pPr/>
-            <a:r>
-              <a:t>Analysis requiring huge computing power</a:t>
-            </a:r>
-          </a:p>
-          <a:p>
-            <a:pPr/>
-            <a:r>
-              <a:t>Redundancy: cluster components will fail</a:t>
-            </a:r>
-          </a:p>
-          <a:p>
-            <a:pPr/>
-            <a:r>
-              <a:t>Parallel access: same data, different uses</a:t>
-            </a:r>
-          </a:p>
-          <a:p>
-            <a:pPr/>
-            <a:r>
-              <a:t>Virtualization: removing dependence on physical computing environments</a:t>
+              <a:t>Motivation, general characteristics of BD</a:t>
+            </a:r>
+          </a:p>
+          <a:p>
+            <a:pPr/>
+            <a:r>
+              <a:t>Apache Hadoop and Spark</a:t>
+            </a:r>
+          </a:p>
+          <a:p>
+            <a:pPr/>
+            <a:r>
+              <a:t>PySpark vs. Scala</a:t>
+            </a:r>
+          </a:p>
+          <a:p>
+            <a:pPr/>
+            <a:r>
+              <a:t>Creating a Spark cluster</a:t>
+            </a:r>
+          </a:p>
+          <a:p>
+            <a:pPr/>
+            <a:r>
+              <a:t>Accessing and processing</a:t>
+            </a:r>
+          </a:p>
+          <a:p>
+            <a:pPr/>
+            <a:r>
+              <a:t>Example: </a:t>
+            </a:r>
+          </a:p>
+          <a:p>
+            <a:pPr/>
+            <a:r>
+              <a:t>Topics for study</a:t>
             </a:r>
           </a:p>
         </p:txBody>
@@ -11593,7 +12261,7 @@
       </p:grpSpPr>
       <p:sp>
         <p:nvSpPr>
-          <p:cNvPr id="143" name="The “6 Vs” of Big Data in IoT"/>
+          <p:cNvPr id="141" name="Motivation"/>
           <p:cNvSpPr txBox="1"/>
           <p:nvPr>
             <p:ph type="title"/>
@@ -11610,129 +12278,55 @@
           <a:p>
             <a:pPr/>
             <a:r>
-              <a:t>The “6 Vs” of Big Data in IoT</a:t>
-            </a:r>
-          </a:p>
-        </p:txBody>
-      </p:sp>
-      <p:sp>
-        <p:nvSpPr>
-          <p:cNvPr id="144" name="• Volume: Data volume is a determining factor to consider an IoT dataset as big data or traditional massive/ very large data.  • Velocity: The rate of IoT big data production and processing is high enough to support the availability of big data in real-time. This justifies the needs for advanced tools and technologies for analytics."/>
+              <a:t>Motivation</a:t>
+            </a:r>
+          </a:p>
+        </p:txBody>
+      </p:sp>
+      <p:sp>
+        <p:nvSpPr>
+          <p:cNvPr id="142" name="Data bigger than local storage…"/>
           <p:cNvSpPr txBox="1"/>
-          <p:nvPr/>
-        </p:nvSpPr>
-        <p:spPr>
-          <a:xfrm>
-            <a:off x="873755" y="1822206"/>
-            <a:ext cx="7695005" cy="3774441"/>
-          </a:xfrm>
-          <a:prstGeom prst="rect">
-            <a:avLst/>
-          </a:prstGeom>
-          <a:ln w="12700">
-            <a:miter lim="400000"/>
-          </a:ln>
-          <a:extLst>
-            <a:ext uri="{C572A759-6A51-4108-AA02-DFA0A04FC94B}">
-              <ma14:wrappingTextBoxFlag xmlns:ma14="http://schemas.microsoft.com/office/mac/drawingml/2011/main" val="1"/>
-            </a:ext>
-          </a:extLst>
-        </p:spPr>
-        <p:txBody>
-          <a:bodyPr lIns="45719" rIns="45719">
-            <a:spAutoFit/>
-          </a:bodyPr>
-          <a:lstStyle/>
-          <a:p>
-            <a:pPr>
-              <a:defRPr sz="2400"/>
-            </a:pPr>
-            <a:r>
-              <a:t>• Volume: Data volume is a determining factor to consider an IoT dataset as big data or traditional massive/ very large data.</a:t>
-            </a:r>
-            <a:br/>
-            <a:br/>
-            <a:r>
-              <a:t>• Velocity: The rate of IoT big data production and processing is high enough to support the availability of big data in real-time. This justifies the needs for advanced tools and technologies for analytics.</a:t>
-            </a:r>
-            <a:br/>
-          </a:p>
-        </p:txBody>
-      </p:sp>
-      <p:sp>
-        <p:nvSpPr>
-          <p:cNvPr id="145" name="Deep Learning for IoT Big Data and Streaming Analytics: A Survey…"/>
-          <p:cNvSpPr txBox="1"/>
-          <p:nvPr/>
-        </p:nvSpPr>
-        <p:spPr>
-          <a:xfrm>
-            <a:off x="279444" y="5339930"/>
-            <a:ext cx="8585112" cy="929641"/>
-          </a:xfrm>
-          <a:prstGeom prst="rect">
-            <a:avLst/>
-          </a:prstGeom>
-          <a:ln w="12700">
-            <a:miter lim="400000"/>
-          </a:ln>
-          <a:extLst>
-            <a:ext uri="{C572A759-6A51-4108-AA02-DFA0A04FC94B}">
-              <ma14:wrappingTextBoxFlag xmlns:ma14="http://schemas.microsoft.com/office/mac/drawingml/2011/main" val="1"/>
-            </a:ext>
-          </a:extLst>
-        </p:spPr>
-        <p:txBody>
-          <a:bodyPr wrap="none" lIns="45719" rIns="45719">
-            <a:spAutoFit/>
-          </a:bodyPr>
-          <a:lstStyle/>
-          <a:p>
-            <a:pPr/>
-            <a:r>
-              <a:t>Deep Learning for IoT Big Data and Streaming Analytics: A Survey</a:t>
-            </a:r>
-          </a:p>
-          <a:p>
-            <a:pPr/>
-            <a:r>
-              <a:t>Mehdi Mohammadi, Graduate Student Member, IEEE, Ala Al-Fuqaha, Senior Member, IEEE, Sameh Sorour, Senior Member, IEEE, Mohsen Guizani, Fellow, IEEE</a:t>
-            </a:r>
-          </a:p>
-        </p:txBody>
-      </p:sp>
-      <p:sp>
-        <p:nvSpPr>
-          <p:cNvPr id="146" name="https://arxiv.org/pdf/1712.04301.pdf"/>
-          <p:cNvSpPr txBox="1"/>
-          <p:nvPr/>
-        </p:nvSpPr>
-        <p:spPr>
-          <a:xfrm>
-            <a:off x="1506841" y="6252864"/>
-            <a:ext cx="3564507" cy="370841"/>
-          </a:xfrm>
-          <a:prstGeom prst="rect">
-            <a:avLst/>
-          </a:prstGeom>
-          <a:ln w="12700">
-            <a:miter lim="400000"/>
-          </a:ln>
-          <a:extLst>
-            <a:ext uri="{C572A759-6A51-4108-AA02-DFA0A04FC94B}">
-              <ma14:wrappingTextBoxFlag xmlns:ma14="http://schemas.microsoft.com/office/mac/drawingml/2011/main" val="1"/>
-            </a:ext>
-          </a:extLst>
-        </p:spPr>
-        <p:txBody>
-          <a:bodyPr wrap="none" lIns="45719" rIns="45719">
-            <a:spAutoFit/>
-          </a:bodyPr>
-          <a:lstStyle/>
-          <a:p>
-            <a:pPr/>
-            <a:r>
-              <a:t>https://arxiv.org/pdf/1712.04301.pdf</a:t>
+          <p:nvPr>
+            <p:ph type="body" idx="1"/>
+          </p:nvPr>
+        </p:nvSpPr>
+        <p:spPr>
+          <a:prstGeom prst="rect">
+            <a:avLst/>
+          </a:prstGeom>
+        </p:spPr>
+        <p:txBody>
+          <a:bodyPr/>
+          <a:lstStyle/>
+          <a:p>
+            <a:pPr/>
+            <a:r>
+              <a:t>Data bigger than local storage</a:t>
+            </a:r>
+          </a:p>
+          <a:p>
+            <a:pPr/>
+            <a:r>
+              <a:t>Analysis requiring huge computing power</a:t>
+            </a:r>
+          </a:p>
+          <a:p>
+            <a:pPr/>
+            <a:r>
+              <a:t>Redundancy: cluster components will fail</a:t>
+            </a:r>
+          </a:p>
+          <a:p>
+            <a:pPr/>
+            <a:r>
+              <a:t>Parallel access: same data, different uses</a:t>
+            </a:r>
+          </a:p>
+          <a:p>
+            <a:pPr/>
+            <a:r>
+              <a:t>Virtualization: removing dependence on physical computing environments</a:t>
             </a:r>
           </a:p>
         </p:txBody>
@@ -11765,7 +12359,7 @@
       </p:grpSpPr>
       <p:sp>
         <p:nvSpPr>
-          <p:cNvPr id="148" name="The “6 Vs” of Big Data"/>
+          <p:cNvPr id="146" name="The “6 Vs” of Big Data in IoT"/>
           <p:cNvSpPr txBox="1"/>
           <p:nvPr>
             <p:ph type="title"/>
@@ -11782,21 +12376,21 @@
           <a:p>
             <a:pPr/>
             <a:r>
-              <a:t>The “6 Vs” of Big Data</a:t>
-            </a:r>
-          </a:p>
-        </p:txBody>
-      </p:sp>
-      <p:sp>
-        <p:nvSpPr>
-          <p:cNvPr id="149" name="• Variety: Generally, big data comes in different forms and types. It may consist of structured, semi-structured, and unstructured data. A wide variety of data types may be produced by IoT such as text, audio, video, sensory data…"/>
+              <a:t>The “6 Vs” of Big Data in IoT</a:t>
+            </a:r>
+          </a:p>
+        </p:txBody>
+      </p:sp>
+      <p:sp>
+        <p:nvSpPr>
+          <p:cNvPr id="147" name="• Volume: Data volume is a determining factor to consider an IoT dataset as big data or traditional massive/ very large data.  • Velocity: The rate of IoT big data production and processing is high enough to support the availability of big data in real-time. This justifies the needs for advanced tools and technologies for analytics."/>
           <p:cNvSpPr txBox="1"/>
           <p:nvPr/>
         </p:nvSpPr>
         <p:spPr>
           <a:xfrm>
-            <a:off x="724498" y="1663823"/>
-            <a:ext cx="7695005" cy="4447541"/>
+            <a:off x="873755" y="1822206"/>
+            <a:ext cx="7695005" cy="3774441"/>
           </a:xfrm>
           <a:prstGeom prst="rect">
             <a:avLst/>
@@ -11820,50 +12414,92 @@
               <a:defRPr sz="2400"/>
             </a:pPr>
             <a:r>
-              <a:t>• Variety: Generally, big data comes in different forms and types. It may consist of structured, semi-structured, and unstructured data. A wide variety of data types may be produced by IoT such as text, audio, video, sensory data </a:t>
-            </a:r>
-            <a:endParaRPr sz="1200"/>
-          </a:p>
-          <a:p>
-            <a:pPr defTabSz="457200">
-              <a:lnSpc>
-                <a:spcPts val="4300"/>
-              </a:lnSpc>
-              <a:spcBef>
-                <a:spcPts val="1200"/>
-              </a:spcBef>
-              <a:defRPr sz="2400">
-                <a:latin typeface="Times"/>
-                <a:ea typeface="Times"/>
-                <a:cs typeface="Times"/>
-                <a:sym typeface="Times"/>
-              </a:defRPr>
-            </a:pPr>
-            <a:r>
-              <a:t>and so on.</a:t>
+              <a:t>• Volume: Data volume is a determining factor to consider an IoT dataset as big data or traditional massive/ very large data.</a:t>
             </a:r>
             <a:br/>
-          </a:p>
-          <a:p>
-            <a:pPr defTabSz="457200">
-              <a:lnSpc>
-                <a:spcPts val="4300"/>
-              </a:lnSpc>
-              <a:spcBef>
-                <a:spcPts val="1200"/>
-              </a:spcBef>
-              <a:defRPr sz="2400">
-                <a:latin typeface="Times"/>
-                <a:ea typeface="Times"/>
-                <a:cs typeface="Times"/>
-                <a:sym typeface="Times"/>
-              </a:defRPr>
-            </a:pPr>
-            <a:r>
-              <a:t>• Veracity: Veracity refers to the quality, consistency, and trustworthiness of the data, which in turn leads to accurate analytics. This property needs special attention to hold for IoT applications, especially those with crowd-sensing data.</a:t>
-            </a:r>
             <a:br/>
-            <a:endParaRPr sz="1200"/>
+            <a:r>
+              <a:t>• Velocity: The rate of IoT big data production and processing is high enough to support the availability of big data in real-time. This justifies the needs for advanced tools and technologies for analytics.</a:t>
+            </a:r>
+            <a:br/>
+          </a:p>
+        </p:txBody>
+      </p:sp>
+      <p:sp>
+        <p:nvSpPr>
+          <p:cNvPr id="148" name="Deep Learning for IoT Big Data and Streaming Analytics: A Survey…"/>
+          <p:cNvSpPr txBox="1"/>
+          <p:nvPr/>
+        </p:nvSpPr>
+        <p:spPr>
+          <a:xfrm>
+            <a:off x="279444" y="5339930"/>
+            <a:ext cx="8585112" cy="929641"/>
+          </a:xfrm>
+          <a:prstGeom prst="rect">
+            <a:avLst/>
+          </a:prstGeom>
+          <a:ln w="12700">
+            <a:miter lim="400000"/>
+          </a:ln>
+          <a:extLst>
+            <a:ext uri="{C572A759-6A51-4108-AA02-DFA0A04FC94B}">
+              <ma14:wrappingTextBoxFlag xmlns:ma14="http://schemas.microsoft.com/office/mac/drawingml/2011/main" val="1"/>
+            </a:ext>
+          </a:extLst>
+        </p:spPr>
+        <p:txBody>
+          <a:bodyPr wrap="none" lIns="45719" rIns="45719">
+            <a:spAutoFit/>
+          </a:bodyPr>
+          <a:lstStyle/>
+          <a:p>
+            <a:pPr/>
+            <a:r>
+              <a:t>Deep Learning for IoT Big Data and Streaming Analytics: A Survey</a:t>
+            </a:r>
+          </a:p>
+          <a:p>
+            <a:pPr/>
+            <a:r>
+              <a:t>Mehdi Mohammadi, Graduate Student Member, IEEE, Ala Al-Fuqaha, Senior Member, IEEE, Sameh Sorour, Senior Member, IEEE, Mohsen Guizani, Fellow, IEEE</a:t>
+            </a:r>
+          </a:p>
+        </p:txBody>
+      </p:sp>
+      <p:sp>
+        <p:nvSpPr>
+          <p:cNvPr id="149" name="https://arxiv.org/pdf/1712.04301.pdf"/>
+          <p:cNvSpPr txBox="1"/>
+          <p:nvPr/>
+        </p:nvSpPr>
+        <p:spPr>
+          <a:xfrm>
+            <a:off x="1506841" y="6252864"/>
+            <a:ext cx="3564507" cy="370841"/>
+          </a:xfrm>
+          <a:prstGeom prst="rect">
+            <a:avLst/>
+          </a:prstGeom>
+          <a:ln w="12700">
+            <a:miter lim="400000"/>
+          </a:ln>
+          <a:extLst>
+            <a:ext uri="{C572A759-6A51-4108-AA02-DFA0A04FC94B}">
+              <ma14:wrappingTextBoxFlag xmlns:ma14="http://schemas.microsoft.com/office/mac/drawingml/2011/main" val="1"/>
+            </a:ext>
+          </a:extLst>
+        </p:spPr>
+        <p:txBody>
+          <a:bodyPr wrap="none" lIns="45719" rIns="45719">
+            <a:spAutoFit/>
+          </a:bodyPr>
+          <a:lstStyle/>
+          <a:p>
+            <a:pPr/>
+            <a:r>
+              <a:t>https://arxiv.org/pdf/1712.04301.pdf</a:t>
+            </a:r>
           </a:p>
         </p:txBody>
       </p:sp>
@@ -11895,7 +12531,7 @@
       </p:grpSpPr>
       <p:sp>
         <p:nvSpPr>
-          <p:cNvPr id="151" name="The “6 Vs” of Big Data"/>
+          <p:cNvPr id="153" name="The “6 Vs” of Big Data"/>
           <p:cNvSpPr txBox="1"/>
           <p:nvPr>
             <p:ph type="title"/>
@@ -11919,14 +12555,14 @@
       </p:sp>
       <p:sp>
         <p:nvSpPr>
-          <p:cNvPr id="152" name="• Variability: This property refers to the different rates of data flow. Depending on the nature of IoT applications, different data generating components may have inconsistent data flows. Moreover, it is possible for a data source to have different rates of data load based on specific times. For example, a parking service application that utilizes IoT sensors may have a peak data load in rush hours."/>
+          <p:cNvPr id="154" name="• Variety: Generally, big data comes in different forms and types. It may consist of structured, semi-structured, and unstructured data. A wide variety of data types may be produced by IoT such as text, audio, video, sensory data…"/>
           <p:cNvSpPr txBox="1"/>
           <p:nvPr/>
         </p:nvSpPr>
         <p:spPr>
           <a:xfrm>
-            <a:off x="1058659" y="1541780"/>
-            <a:ext cx="7026682" cy="3774441"/>
+            <a:off x="724498" y="1663823"/>
+            <a:ext cx="7695005" cy="4447541"/>
           </a:xfrm>
           <a:prstGeom prst="rect">
             <a:avLst/>
@@ -11949,14 +12585,51 @@
             <a:pPr>
               <a:defRPr sz="2400"/>
             </a:pPr>
-          </a:p>
-          <a:p>
-            <a:pPr>
-              <a:defRPr sz="2400"/>
+            <a:r>
+              <a:t>• Variety: Generally, big data comes in different forms and types. It may consist of structured, semi-structured, and unstructured data. A wide variety of data types may be produced by IoT such as text, audio, video, sensory data </a:t>
+            </a:r>
+            <a:endParaRPr sz="1200"/>
+          </a:p>
+          <a:p>
+            <a:pPr defTabSz="457200">
+              <a:lnSpc>
+                <a:spcPts val="4300"/>
+              </a:lnSpc>
+              <a:spcBef>
+                <a:spcPts val="1200"/>
+              </a:spcBef>
+              <a:defRPr sz="2400">
+                <a:latin typeface="Times"/>
+                <a:ea typeface="Times"/>
+                <a:cs typeface="Times"/>
+                <a:sym typeface="Times"/>
+              </a:defRPr>
             </a:pPr>
             <a:r>
-              <a:t>• Variability: This property refers to the different rates of data flow. Depending on the nature of IoT applications, different data generating components may have inconsistent data flows. Moreover, it is possible for a data source to have different rates of data load based on specific times. For example, a parking service application that utilizes IoT sensors may have a peak data load in rush hours.</a:t>
-            </a:r>
+              <a:t>and so on.</a:t>
+            </a:r>
+            <a:br/>
+          </a:p>
+          <a:p>
+            <a:pPr defTabSz="457200">
+              <a:lnSpc>
+                <a:spcPts val="4300"/>
+              </a:lnSpc>
+              <a:spcBef>
+                <a:spcPts val="1200"/>
+              </a:spcBef>
+              <a:defRPr sz="2400">
+                <a:latin typeface="Times"/>
+                <a:ea typeface="Times"/>
+                <a:cs typeface="Times"/>
+                <a:sym typeface="Times"/>
+              </a:defRPr>
+            </a:pPr>
+            <a:r>
+              <a:t>• Veracity: Veracity refers to the quality, consistency, and trustworthiness of the data, which in turn leads to accurate analytics. This property needs special attention to hold for IoT applications, especially those with crowd-sensing data.</a:t>
+            </a:r>
+            <a:br/>
+            <a:endParaRPr sz="1200"/>
           </a:p>
         </p:txBody>
       </p:sp>

--- a/powerpoints/ITU Academy Slides AM4-02.pptx
+++ b/powerpoints/ITU Academy Slides AM4-02.pptx
@@ -43,6 +43,7 @@
     <p:sldId id="288" r:id="rId40"/>
     <p:sldId id="289" r:id="rId41"/>
     <p:sldId id="290" r:id="rId42"/>
+    <p:sldId id="291" r:id="rId43"/>
   </p:sldIdLst>
   <p:sldSz cx="9144000" cy="6858000"/>
   <p:notesSz cx="6858000" cy="9144000"/>
@@ -1576,7 +1577,7 @@
       </p:grpSpPr>
       <p:sp>
         <p:nvSpPr>
-          <p:cNvPr id="302" name="Shape 302"/>
+          <p:cNvPr id="303" name="Shape 303"/>
           <p:cNvSpPr/>
           <p:nvPr>
             <p:ph type="sldImg"/>
@@ -1597,7 +1598,7 @@
       </p:sp>
       <p:sp>
         <p:nvSpPr>
-          <p:cNvPr id="303" name="Shape 303"/>
+          <p:cNvPr id="304" name="Shape 304"/>
           <p:cNvSpPr/>
           <p:nvPr>
             <p:ph type="body" sz="quarter" idx="1"/>
@@ -7548,14 +7549,14 @@
       </p:sp>
       <p:sp>
         <p:nvSpPr>
-          <p:cNvPr id="243" name="preview: org.apache.spark.sql.DataFrame = [_c0: string, _c1: string ... 10 more fields]…"/>
+          <p:cNvPr id="243" name="The head of the raw RDD:"/>
           <p:cNvSpPr txBox="1"/>
           <p:nvPr/>
         </p:nvSpPr>
         <p:spPr>
           <a:xfrm>
-            <a:off x="374277" y="3395742"/>
-            <a:ext cx="12765466" cy="3126717"/>
+            <a:off x="387376" y="3011620"/>
+            <a:ext cx="2484908" cy="370841"/>
           </a:xfrm>
           <a:prstGeom prst="rect">
             <a:avLst/>
@@ -7570,288 +7571,38 @@
           </a:extLst>
         </p:spPr>
         <p:txBody>
-          <a:bodyPr lIns="45719" rIns="45719">
+          <a:bodyPr wrap="none" lIns="45719" rIns="45719">
             <a:spAutoFit/>
           </a:bodyPr>
           <a:lstStyle/>
           <a:p>
-            <a:pPr defTabSz="457200">
-              <a:lnSpc>
-                <a:spcPts val="3000"/>
-              </a:lnSpc>
-              <a:defRPr sz="1200">
-                <a:solidFill>
-                  <a:srgbClr val="212121"/>
-                </a:solidFill>
-                <a:latin typeface="Monaco"/>
-                <a:ea typeface="Monaco"/>
-                <a:cs typeface="Monaco"/>
-                <a:sym typeface="Monaco"/>
-              </a:defRPr>
-            </a:pPr>
-            <a:r>
-              <a:t>preview: org.apache.spark.sql.DataFrame = [_c0: string, _c1: string ... 10 more fields]</a:t>
-            </a:r>
-          </a:p>
-          <a:p>
-            <a:pPr defTabSz="457200">
-              <a:lnSpc>
-                <a:spcPts val="3000"/>
-              </a:lnSpc>
-              <a:defRPr sz="1200">
-                <a:solidFill>
-                  <a:srgbClr val="212121"/>
-                </a:solidFill>
-                <a:latin typeface="Monaco"/>
-                <a:ea typeface="Monaco"/>
-                <a:cs typeface="Monaco"/>
-                <a:sym typeface="Monaco"/>
-              </a:defRPr>
-            </a:pPr>
-            <a:r>
-              <a:t>+-----+-----+------------+------------+------------+------------+-------+------+------+------+-------+--------+</a:t>
-            </a:r>
-          </a:p>
-          <a:p>
-            <a:pPr defTabSz="457200">
-              <a:lnSpc>
-                <a:spcPts val="3000"/>
-              </a:lnSpc>
-              <a:defRPr sz="1200">
-                <a:solidFill>
-                  <a:srgbClr val="212121"/>
-                </a:solidFill>
-                <a:latin typeface="Monaco"/>
-                <a:ea typeface="Monaco"/>
-                <a:cs typeface="Monaco"/>
-                <a:sym typeface="Monaco"/>
-              </a:defRPr>
-            </a:pPr>
-            <a:r>
-              <a:t>|  _c0|  _c1|         _c2|         _c3|         _c4|         _c5|    _c6|   _c7|   _c8|   _c9|   _c10|    _c11|</a:t>
-            </a:r>
-          </a:p>
-          <a:p>
-            <a:pPr defTabSz="457200">
-              <a:lnSpc>
-                <a:spcPts val="3000"/>
-              </a:lnSpc>
-              <a:defRPr sz="1200">
-                <a:solidFill>
-                  <a:srgbClr val="212121"/>
-                </a:solidFill>
-                <a:latin typeface="Monaco"/>
-                <a:ea typeface="Monaco"/>
-                <a:cs typeface="Monaco"/>
-                <a:sym typeface="Monaco"/>
-              </a:defRPr>
-            </a:pPr>
-            <a:r>
-              <a:t>+-----+-----+------------+------------+------------+------------+-------+------+------+------+-------+--------+</a:t>
-            </a:r>
-          </a:p>
-          <a:p>
-            <a:pPr defTabSz="457200">
-              <a:lnSpc>
-                <a:spcPts val="3000"/>
-              </a:lnSpc>
-              <a:defRPr sz="1200">
-                <a:solidFill>
-                  <a:srgbClr val="212121"/>
-                </a:solidFill>
-                <a:latin typeface="Monaco"/>
-                <a:ea typeface="Monaco"/>
-                <a:cs typeface="Monaco"/>
-                <a:sym typeface="Monaco"/>
-              </a:defRPr>
-            </a:pPr>
-            <a:r>
-              <a:t>| id_1| id_2|cmp_fname_c1|cmp_fname_c2|cmp_lname_c1|cmp_lname_c2|cmp_sex|cmp_bd|cmp_bm|cmp_by|cmp_plz|is_match|</a:t>
-            </a:r>
-          </a:p>
-          <a:p>
-            <a:pPr defTabSz="457200">
-              <a:lnSpc>
-                <a:spcPts val="3000"/>
-              </a:lnSpc>
-              <a:defRPr sz="1200">
-                <a:solidFill>
-                  <a:srgbClr val="212121"/>
-                </a:solidFill>
-                <a:latin typeface="Monaco"/>
-                <a:ea typeface="Monaco"/>
-                <a:cs typeface="Monaco"/>
-                <a:sym typeface="Monaco"/>
-              </a:defRPr>
-            </a:pPr>
-            <a:r>
-              <a:t>| 3148| 8326|           1|           ?|           1|           ?|      1|     1|     1|     1|      1|    TRUE|</a:t>
-            </a:r>
-          </a:p>
-          <a:p>
-            <a:pPr defTabSz="457200">
-              <a:lnSpc>
-                <a:spcPts val="3000"/>
-              </a:lnSpc>
-              <a:defRPr sz="1200">
-                <a:solidFill>
-                  <a:srgbClr val="212121"/>
-                </a:solidFill>
-                <a:latin typeface="Monaco"/>
-                <a:ea typeface="Monaco"/>
-                <a:cs typeface="Monaco"/>
-                <a:sym typeface="Monaco"/>
-              </a:defRPr>
-            </a:pPr>
-            <a:r>
-              <a:t>|14055|94934|           1|           ?|           1|           ?|      1|     1|     1|     1|      1|    TRUE|</a:t>
-            </a:r>
-          </a:p>
-          <a:p>
-            <a:pPr defTabSz="457200">
-              <a:lnSpc>
-                <a:spcPts val="3000"/>
-              </a:lnSpc>
-              <a:defRPr sz="1200">
-                <a:solidFill>
-                  <a:srgbClr val="212121"/>
-                </a:solidFill>
-                <a:latin typeface="Monaco"/>
-                <a:ea typeface="Monaco"/>
-                <a:cs typeface="Monaco"/>
-                <a:sym typeface="Monaco"/>
-              </a:defRPr>
-            </a:pPr>
-            <a:r>
-              <a:t>|33948|34740|           1|           ?|           1|           ?|      1|     1|     1|     1|      1|    TRUE|</a:t>
-            </a:r>
-          </a:p>
-          <a:p>
-            <a:pPr defTabSz="457200">
-              <a:lnSpc>
-                <a:spcPts val="3000"/>
-              </a:lnSpc>
-              <a:defRPr sz="1200">
-                <a:solidFill>
-                  <a:srgbClr val="212121"/>
-                </a:solidFill>
-                <a:latin typeface="Monaco"/>
-                <a:ea typeface="Monaco"/>
-                <a:cs typeface="Monaco"/>
-                <a:sym typeface="Monaco"/>
-              </a:defRPr>
-            </a:pPr>
-            <a:r>
-              <a:t>|  946|71870|           1|           ?|           1|           ?|      1|     1|     1|     1|      1|    TRUE|</a:t>
-            </a:r>
-          </a:p>
-          <a:p>
-            <a:pPr defTabSz="457200">
-              <a:lnSpc>
-                <a:spcPts val="3000"/>
-              </a:lnSpc>
-              <a:defRPr sz="1200">
-                <a:solidFill>
-                  <a:srgbClr val="212121"/>
-                </a:solidFill>
-                <a:latin typeface="Monaco"/>
-                <a:ea typeface="Monaco"/>
-                <a:cs typeface="Monaco"/>
-                <a:sym typeface="Monaco"/>
-              </a:defRPr>
-            </a:pPr>
-            <a:r>
-              <a:t>|64880|71676|           1|           ?|           1|           ?|      1|     1|     1|     1|      1|    TRUE|</a:t>
-            </a:r>
-          </a:p>
-          <a:p>
-            <a:pPr defTabSz="457200">
-              <a:lnSpc>
-                <a:spcPts val="3000"/>
-              </a:lnSpc>
-              <a:defRPr sz="1200">
-                <a:solidFill>
-                  <a:srgbClr val="212121"/>
-                </a:solidFill>
-                <a:latin typeface="Monaco"/>
-                <a:ea typeface="Monaco"/>
-                <a:cs typeface="Monaco"/>
-                <a:sym typeface="Monaco"/>
-              </a:defRPr>
-            </a:pPr>
-            <a:r>
-              <a:t>|25739|45991|           1|           ?|           1|           ?|      1|     1|     1|     1|      1|    TRUE|</a:t>
-            </a:r>
-          </a:p>
-          <a:p>
-            <a:pPr defTabSz="457200">
-              <a:lnSpc>
-                <a:spcPts val="3000"/>
-              </a:lnSpc>
-              <a:defRPr sz="1200">
-                <a:solidFill>
-                  <a:srgbClr val="212121"/>
-                </a:solidFill>
-                <a:latin typeface="Monaco"/>
-                <a:ea typeface="Monaco"/>
-                <a:cs typeface="Monaco"/>
-                <a:sym typeface="Monaco"/>
-              </a:defRPr>
-            </a:pPr>
-            <a:r>
-              <a:t>|62415|93584|           1|           ?|           1|           ?|      1|     1|     1|     1|      0|    TRUE|</a:t>
-            </a:r>
-          </a:p>
-          <a:p>
-            <a:pPr defTabSz="457200">
-              <a:lnSpc>
-                <a:spcPts val="3000"/>
-              </a:lnSpc>
-              <a:defRPr sz="1200">
-                <a:solidFill>
-                  <a:srgbClr val="212121"/>
-                </a:solidFill>
-                <a:latin typeface="Monaco"/>
-                <a:ea typeface="Monaco"/>
-                <a:cs typeface="Monaco"/>
-                <a:sym typeface="Monaco"/>
-              </a:defRPr>
-            </a:pPr>
-            <a:r>
-              <a:t>|27995|31399|           1|           ?|           1|           ?|      1|     1|     1|     1|      1|    TRUE|</a:t>
-            </a:r>
-          </a:p>
-          <a:p>
-            <a:pPr defTabSz="457200">
-              <a:lnSpc>
-                <a:spcPts val="3000"/>
-              </a:lnSpc>
-              <a:defRPr sz="1200">
-                <a:solidFill>
-                  <a:srgbClr val="212121"/>
-                </a:solidFill>
-                <a:latin typeface="Monaco"/>
-                <a:ea typeface="Monaco"/>
-                <a:cs typeface="Monaco"/>
-                <a:sym typeface="Monaco"/>
-              </a:defRPr>
-            </a:pPr>
-            <a:r>
-              <a:t>| 4909|12238|           1|           ?|           1|           ?|      1|     1|     1|     1|      1|    TRUE|</a:t>
-            </a:r>
-          </a:p>
-        </p:txBody>
-      </p:sp>
-      <p:sp>
-        <p:nvSpPr>
-          <p:cNvPr id="244" name="The head of the raw RDD:"/>
-          <p:cNvSpPr txBox="1"/>
+            <a:pPr/>
+            <a:r>
+              <a:t>The head of the raw RDD:</a:t>
+            </a:r>
+          </a:p>
+        </p:txBody>
+      </p:sp>
+      <p:pic>
+        <p:nvPicPr>
+          <p:cNvPr id="244" name="Image" descr="Image"/>
+          <p:cNvPicPr>
+            <a:picLocks noChangeAspect="1"/>
+          </p:cNvPicPr>
           <p:nvPr/>
-        </p:nvSpPr>
+        </p:nvPicPr>
+        <p:blipFill>
+          <a:blip r:embed="rId3">
+            <a:extLst/>
+          </a:blip>
+          <a:stretch>
+            <a:fillRect/>
+          </a:stretch>
+        </p:blipFill>
         <p:spPr>
           <a:xfrm>
-            <a:off x="387376" y="3011620"/>
-            <a:ext cx="2484908" cy="370841"/>
+            <a:off x="330200" y="3363423"/>
+            <a:ext cx="9144000" cy="3213020"/>
           </a:xfrm>
           <a:prstGeom prst="rect">
             <a:avLst/>
@@ -7859,25 +7610,8 @@
           <a:ln w="12700">
             <a:miter lim="400000"/>
           </a:ln>
-          <a:extLst>
-            <a:ext uri="{C572A759-6A51-4108-AA02-DFA0A04FC94B}">
-              <ma14:wrappingTextBoxFlag xmlns:ma14="http://schemas.microsoft.com/office/mac/drawingml/2011/main" val="1"/>
-            </a:ext>
-          </a:extLst>
-        </p:spPr>
-        <p:txBody>
-          <a:bodyPr wrap="none" lIns="45719" rIns="45719">
-            <a:spAutoFit/>
-          </a:bodyPr>
-          <a:lstStyle/>
-          <a:p>
-            <a:pPr/>
-            <a:r>
-              <a:t>The head of the raw RDD:</a:t>
-            </a:r>
-          </a:p>
-        </p:txBody>
-      </p:sp>
+        </p:spPr>
+      </p:pic>
     </p:spTree>
   </p:cSld>
   <p:clrMapOvr>
@@ -7992,14 +7726,14 @@
       </p:sp>
       <p:sp>
         <p:nvSpPr>
-          <p:cNvPr id="250" name="root…"/>
+          <p:cNvPr id="250" name="The default data structure:…"/>
           <p:cNvSpPr txBox="1"/>
           <p:nvPr/>
         </p:nvSpPr>
         <p:spPr>
           <a:xfrm>
-            <a:off x="2873742" y="2933381"/>
-            <a:ext cx="3396517" cy="2923516"/>
+            <a:off x="244831" y="2964179"/>
+            <a:ext cx="2630797" cy="929641"/>
           </a:xfrm>
           <a:prstGeom prst="rect">
             <a:avLst/>
@@ -8019,264 +7753,42 @@
           </a:bodyPr>
           <a:lstStyle/>
           <a:p>
-            <a:pPr defTabSz="457200">
-              <a:lnSpc>
-                <a:spcPts val="3000"/>
-              </a:lnSpc>
-              <a:defRPr sz="1200">
-                <a:solidFill>
-                  <a:srgbClr val="212121"/>
-                </a:solidFill>
-                <a:latin typeface="Monaco"/>
-                <a:ea typeface="Monaco"/>
-                <a:cs typeface="Monaco"/>
-                <a:sym typeface="Monaco"/>
-              </a:defRPr>
-            </a:pPr>
-            <a:r>
-              <a:t>root</a:t>
-            </a:r>
-          </a:p>
-          <a:p>
-            <a:pPr defTabSz="457200">
-              <a:lnSpc>
-                <a:spcPts val="3000"/>
-              </a:lnSpc>
-              <a:defRPr sz="1200">
-                <a:solidFill>
-                  <a:srgbClr val="212121"/>
-                </a:solidFill>
-                <a:latin typeface="Monaco"/>
-                <a:ea typeface="Monaco"/>
-                <a:cs typeface="Monaco"/>
-                <a:sym typeface="Monaco"/>
-              </a:defRPr>
-            </a:pPr>
-            <a:r>
-              <a:t> |-- _c0: string (nullable = true)</a:t>
-            </a:r>
-          </a:p>
-          <a:p>
-            <a:pPr defTabSz="457200">
-              <a:lnSpc>
-                <a:spcPts val="3000"/>
-              </a:lnSpc>
-              <a:defRPr sz="1200">
-                <a:solidFill>
-                  <a:srgbClr val="212121"/>
-                </a:solidFill>
-                <a:latin typeface="Monaco"/>
-                <a:ea typeface="Monaco"/>
-                <a:cs typeface="Monaco"/>
-                <a:sym typeface="Monaco"/>
-              </a:defRPr>
-            </a:pPr>
-            <a:r>
-              <a:t> |-- _c1: string (nullable = true)</a:t>
-            </a:r>
-          </a:p>
-          <a:p>
-            <a:pPr defTabSz="457200">
-              <a:lnSpc>
-                <a:spcPts val="3000"/>
-              </a:lnSpc>
-              <a:defRPr sz="1200">
-                <a:solidFill>
-                  <a:srgbClr val="212121"/>
-                </a:solidFill>
-                <a:latin typeface="Monaco"/>
-                <a:ea typeface="Monaco"/>
-                <a:cs typeface="Monaco"/>
-                <a:sym typeface="Monaco"/>
-              </a:defRPr>
-            </a:pPr>
-            <a:r>
-              <a:t> |-- _c2: string (nullable = true)</a:t>
-            </a:r>
-          </a:p>
-          <a:p>
-            <a:pPr defTabSz="457200">
-              <a:lnSpc>
-                <a:spcPts val="3000"/>
-              </a:lnSpc>
-              <a:defRPr sz="1200">
-                <a:solidFill>
-                  <a:srgbClr val="212121"/>
-                </a:solidFill>
-                <a:latin typeface="Monaco"/>
-                <a:ea typeface="Monaco"/>
-                <a:cs typeface="Monaco"/>
-                <a:sym typeface="Monaco"/>
-              </a:defRPr>
-            </a:pPr>
-            <a:r>
-              <a:t> |-- _c3: string (nullable = true)</a:t>
-            </a:r>
-          </a:p>
-          <a:p>
-            <a:pPr defTabSz="457200">
-              <a:lnSpc>
-                <a:spcPts val="3000"/>
-              </a:lnSpc>
-              <a:defRPr sz="1200">
-                <a:solidFill>
-                  <a:srgbClr val="212121"/>
-                </a:solidFill>
-                <a:latin typeface="Monaco"/>
-                <a:ea typeface="Monaco"/>
-                <a:cs typeface="Monaco"/>
-                <a:sym typeface="Monaco"/>
-              </a:defRPr>
-            </a:pPr>
-            <a:r>
-              <a:t> |-- _c4: string (nullable = true)</a:t>
-            </a:r>
-          </a:p>
-          <a:p>
-            <a:pPr defTabSz="457200">
-              <a:lnSpc>
-                <a:spcPts val="3000"/>
-              </a:lnSpc>
-              <a:defRPr sz="1200">
-                <a:solidFill>
-                  <a:srgbClr val="212121"/>
-                </a:solidFill>
-                <a:latin typeface="Monaco"/>
-                <a:ea typeface="Monaco"/>
-                <a:cs typeface="Monaco"/>
-                <a:sym typeface="Monaco"/>
-              </a:defRPr>
-            </a:pPr>
-            <a:r>
-              <a:t> |-- _c5: string (nullable = true)</a:t>
-            </a:r>
-          </a:p>
-          <a:p>
-            <a:pPr defTabSz="457200">
-              <a:lnSpc>
-                <a:spcPts val="3000"/>
-              </a:lnSpc>
-              <a:defRPr sz="1200">
-                <a:solidFill>
-                  <a:srgbClr val="212121"/>
-                </a:solidFill>
-                <a:latin typeface="Monaco"/>
-                <a:ea typeface="Monaco"/>
-                <a:cs typeface="Monaco"/>
-                <a:sym typeface="Monaco"/>
-              </a:defRPr>
-            </a:pPr>
-            <a:r>
-              <a:t> |-- _c6: string (nullable = true)</a:t>
-            </a:r>
-          </a:p>
-          <a:p>
-            <a:pPr defTabSz="457200">
-              <a:lnSpc>
-                <a:spcPts val="3000"/>
-              </a:lnSpc>
-              <a:defRPr sz="1200">
-                <a:solidFill>
-                  <a:srgbClr val="212121"/>
-                </a:solidFill>
-                <a:latin typeface="Monaco"/>
-                <a:ea typeface="Monaco"/>
-                <a:cs typeface="Monaco"/>
-                <a:sym typeface="Monaco"/>
-              </a:defRPr>
-            </a:pPr>
-            <a:r>
-              <a:t> |-- _c7: string (nullable = true)</a:t>
-            </a:r>
-          </a:p>
-          <a:p>
-            <a:pPr defTabSz="457200">
-              <a:lnSpc>
-                <a:spcPts val="3000"/>
-              </a:lnSpc>
-              <a:defRPr sz="1200">
-                <a:solidFill>
-                  <a:srgbClr val="212121"/>
-                </a:solidFill>
-                <a:latin typeface="Monaco"/>
-                <a:ea typeface="Monaco"/>
-                <a:cs typeface="Monaco"/>
-                <a:sym typeface="Monaco"/>
-              </a:defRPr>
-            </a:pPr>
-            <a:r>
-              <a:t> |-- _c8: string (nullable = true)</a:t>
-            </a:r>
-          </a:p>
-          <a:p>
-            <a:pPr defTabSz="457200">
-              <a:lnSpc>
-                <a:spcPts val="3000"/>
-              </a:lnSpc>
-              <a:defRPr sz="1200">
-                <a:solidFill>
-                  <a:srgbClr val="212121"/>
-                </a:solidFill>
-                <a:latin typeface="Monaco"/>
-                <a:ea typeface="Monaco"/>
-                <a:cs typeface="Monaco"/>
-                <a:sym typeface="Monaco"/>
-              </a:defRPr>
-            </a:pPr>
-            <a:r>
-              <a:t> |-- _c9: string (nullable = true)</a:t>
-            </a:r>
-          </a:p>
-          <a:p>
-            <a:pPr defTabSz="457200">
-              <a:lnSpc>
-                <a:spcPts val="3000"/>
-              </a:lnSpc>
-              <a:defRPr sz="1200">
-                <a:solidFill>
-                  <a:srgbClr val="212121"/>
-                </a:solidFill>
-                <a:latin typeface="Monaco"/>
-                <a:ea typeface="Monaco"/>
-                <a:cs typeface="Monaco"/>
-                <a:sym typeface="Monaco"/>
-              </a:defRPr>
-            </a:pPr>
-            <a:r>
-              <a:t> |-- _c10: string (nullable = true)</a:t>
-            </a:r>
-          </a:p>
-          <a:p>
-            <a:pPr defTabSz="457200">
-              <a:lnSpc>
-                <a:spcPts val="3000"/>
-              </a:lnSpc>
-              <a:defRPr sz="1200">
-                <a:solidFill>
-                  <a:srgbClr val="212121"/>
-                </a:solidFill>
-                <a:latin typeface="Monaco"/>
-                <a:ea typeface="Monaco"/>
-                <a:cs typeface="Monaco"/>
-                <a:sym typeface="Monaco"/>
-              </a:defRPr>
-            </a:pPr>
-            <a:r>
-              <a:t> |-- _c11: string (nullable = true)</a:t>
-            </a:r>
-          </a:p>
-        </p:txBody>
-      </p:sp>
-      <p:sp>
-        <p:nvSpPr>
-          <p:cNvPr id="251" name="The default data structure:…"/>
-          <p:cNvSpPr txBox="1"/>
+            <a:pPr/>
+            <a:r>
+              <a:t>The default data structure:</a:t>
+            </a:r>
+          </a:p>
+          <a:p>
+            <a:pPr/>
+          </a:p>
+          <a:p>
+            <a:pPr/>
+            <a:r>
+              <a:t>(not what we wanted)</a:t>
+            </a:r>
+          </a:p>
+        </p:txBody>
+      </p:sp>
+      <p:pic>
+        <p:nvPicPr>
+          <p:cNvPr id="251" name="Image" descr="Image"/>
+          <p:cNvPicPr>
+            <a:picLocks noChangeAspect="1"/>
+          </p:cNvPicPr>
           <p:nvPr/>
-        </p:nvSpPr>
+        </p:nvPicPr>
+        <p:blipFill>
+          <a:blip r:embed="rId3">
+            <a:extLst/>
+          </a:blip>
+          <a:stretch>
+            <a:fillRect/>
+          </a:stretch>
+        </p:blipFill>
         <p:spPr>
           <a:xfrm>
-            <a:off x="244831" y="2964179"/>
-            <a:ext cx="2630797" cy="929641"/>
+            <a:off x="2873520" y="3185537"/>
+            <a:ext cx="4039514" cy="3196213"/>
           </a:xfrm>
           <a:prstGeom prst="rect">
             <a:avLst/>
@@ -8284,34 +7796,8 @@
           <a:ln w="12700">
             <a:miter lim="400000"/>
           </a:ln>
-          <a:extLst>
-            <a:ext uri="{C572A759-6A51-4108-AA02-DFA0A04FC94B}">
-              <ma14:wrappingTextBoxFlag xmlns:ma14="http://schemas.microsoft.com/office/mac/drawingml/2011/main" val="1"/>
-            </a:ext>
-          </a:extLst>
-        </p:spPr>
-        <p:txBody>
-          <a:bodyPr wrap="none" lIns="45719" rIns="45719">
-            <a:spAutoFit/>
-          </a:bodyPr>
-          <a:lstStyle/>
-          <a:p>
-            <a:pPr/>
-            <a:r>
-              <a:t>The default data structure:</a:t>
-            </a:r>
-          </a:p>
-          <a:p>
-            <a:pPr/>
-          </a:p>
-          <a:p>
-            <a:pPr/>
-            <a:r>
-              <a:t>(not what we wanted)</a:t>
-            </a:r>
-          </a:p>
-        </p:txBody>
-      </p:sp>
+        </p:spPr>
+      </p:pic>
     </p:spTree>
   </p:cSld>
   <p:clrMapOvr>
@@ -8430,16 +7916,26 @@
           </a:p>
         </p:txBody>
       </p:sp>
-      <p:sp>
-        <p:nvSpPr>
-          <p:cNvPr id="257" name="parsed: org.apache.spark.sql.DataFrame = [id_1: int, id_2: int ... 10 more fields]…"/>
-          <p:cNvSpPr txBox="1"/>
+      <p:pic>
+        <p:nvPicPr>
+          <p:cNvPr id="257" name="Image" descr="Image"/>
+          <p:cNvPicPr>
+            <a:picLocks noChangeAspect="1"/>
+          </p:cNvPicPr>
           <p:nvPr/>
-        </p:nvSpPr>
+        </p:nvPicPr>
+        <p:blipFill>
+          <a:blip r:embed="rId3">
+            <a:extLst/>
+          </a:blip>
+          <a:stretch>
+            <a:fillRect/>
+          </a:stretch>
+        </p:blipFill>
         <p:spPr>
           <a:xfrm>
-            <a:off x="771411" y="3300712"/>
-            <a:ext cx="12130757" cy="3126717"/>
+            <a:off x="1105287" y="3306939"/>
+            <a:ext cx="7615380" cy="3387985"/>
           </a:xfrm>
           <a:prstGeom prst="rect">
             <a:avLst/>
@@ -8447,285 +7943,8 @@
           <a:ln w="12700">
             <a:miter lim="400000"/>
           </a:ln>
-          <a:extLst>
-            <a:ext uri="{C572A759-6A51-4108-AA02-DFA0A04FC94B}">
-              <ma14:wrappingTextBoxFlag xmlns:ma14="http://schemas.microsoft.com/office/mac/drawingml/2011/main" val="1"/>
-            </a:ext>
-          </a:extLst>
-        </p:spPr>
-        <p:txBody>
-          <a:bodyPr lIns="45719" rIns="45719">
-            <a:spAutoFit/>
-          </a:bodyPr>
-          <a:lstStyle/>
-          <a:p>
-            <a:pPr defTabSz="457200">
-              <a:lnSpc>
-                <a:spcPts val="3000"/>
-              </a:lnSpc>
-              <a:defRPr sz="1200">
-                <a:solidFill>
-                  <a:srgbClr val="212121"/>
-                </a:solidFill>
-                <a:latin typeface="Monaco"/>
-                <a:ea typeface="Monaco"/>
-                <a:cs typeface="Monaco"/>
-                <a:sym typeface="Monaco"/>
-              </a:defRPr>
-            </a:pPr>
-            <a:r>
-              <a:t>parsed: org.apache.spark.sql.DataFrame = [id_1: int, id_2: int ... 10 more fields]</a:t>
-            </a:r>
-          </a:p>
-          <a:p>
-            <a:pPr defTabSz="457200">
-              <a:lnSpc>
-                <a:spcPts val="3000"/>
-              </a:lnSpc>
-              <a:defRPr sz="1200">
-                <a:solidFill>
-                  <a:srgbClr val="212121"/>
-                </a:solidFill>
-                <a:latin typeface="Monaco"/>
-                <a:ea typeface="Monaco"/>
-                <a:cs typeface="Monaco"/>
-                <a:sym typeface="Monaco"/>
-              </a:defRPr>
-            </a:pPr>
-            <a:r>
-              <a:t>+-----+-----+------------+------------+------------+------------+-------+------+------+------+-------+--------+</a:t>
-            </a:r>
-          </a:p>
-          <a:p>
-            <a:pPr defTabSz="457200">
-              <a:lnSpc>
-                <a:spcPts val="3000"/>
-              </a:lnSpc>
-              <a:defRPr sz="1200">
-                <a:solidFill>
-                  <a:srgbClr val="212121"/>
-                </a:solidFill>
-                <a:latin typeface="Monaco"/>
-                <a:ea typeface="Monaco"/>
-                <a:cs typeface="Monaco"/>
-                <a:sym typeface="Monaco"/>
-              </a:defRPr>
-            </a:pPr>
-            <a:r>
-              <a:t>| id_1| id_2|cmp_fname_c1|cmp_fname_c2|cmp_lname_c1|cmp_lname_c2|cmp_sex|cmp_bd|cmp_bm|cmp_by|cmp_plz|is_match|</a:t>
-            </a:r>
-          </a:p>
-          <a:p>
-            <a:pPr defTabSz="457200">
-              <a:lnSpc>
-                <a:spcPts val="3000"/>
-              </a:lnSpc>
-              <a:defRPr sz="1200">
-                <a:solidFill>
-                  <a:srgbClr val="212121"/>
-                </a:solidFill>
-                <a:latin typeface="Monaco"/>
-                <a:ea typeface="Monaco"/>
-                <a:cs typeface="Monaco"/>
-                <a:sym typeface="Monaco"/>
-              </a:defRPr>
-            </a:pPr>
-            <a:r>
-              <a:t>+-----+-----+------------+------------+------------+------------+-------+------+------+------+-------+--------+</a:t>
-            </a:r>
-          </a:p>
-          <a:p>
-            <a:pPr defTabSz="457200">
-              <a:lnSpc>
-                <a:spcPts val="3000"/>
-              </a:lnSpc>
-              <a:defRPr sz="1200">
-                <a:solidFill>
-                  <a:srgbClr val="212121"/>
-                </a:solidFill>
-                <a:latin typeface="Monaco"/>
-                <a:ea typeface="Monaco"/>
-                <a:cs typeface="Monaco"/>
-                <a:sym typeface="Monaco"/>
-              </a:defRPr>
-            </a:pPr>
-            <a:r>
-              <a:t>| 3148| 8326|         1.0|        null|         1.0|        null|      1|     1|     1|     1|      1|    true|</a:t>
-            </a:r>
-          </a:p>
-          <a:p>
-            <a:pPr defTabSz="457200">
-              <a:lnSpc>
-                <a:spcPts val="3000"/>
-              </a:lnSpc>
-              <a:defRPr sz="1200">
-                <a:solidFill>
-                  <a:srgbClr val="212121"/>
-                </a:solidFill>
-                <a:latin typeface="Monaco"/>
-                <a:ea typeface="Monaco"/>
-                <a:cs typeface="Monaco"/>
-                <a:sym typeface="Monaco"/>
-              </a:defRPr>
-            </a:pPr>
-            <a:r>
-              <a:t>|14055|94934|         1.0|        null|         1.0|        null|      1|     1|     1|     1|      1|    true|</a:t>
-            </a:r>
-          </a:p>
-          <a:p>
-            <a:pPr defTabSz="457200">
-              <a:lnSpc>
-                <a:spcPts val="3000"/>
-              </a:lnSpc>
-              <a:defRPr sz="1200">
-                <a:solidFill>
-                  <a:srgbClr val="212121"/>
-                </a:solidFill>
-                <a:latin typeface="Monaco"/>
-                <a:ea typeface="Monaco"/>
-                <a:cs typeface="Monaco"/>
-                <a:sym typeface="Monaco"/>
-              </a:defRPr>
-            </a:pPr>
-            <a:r>
-              <a:t>|33948|34740|         1.0|        null|         1.0|        null|      1|     1|     1|     1|      1|    true|</a:t>
-            </a:r>
-          </a:p>
-          <a:p>
-            <a:pPr defTabSz="457200">
-              <a:lnSpc>
-                <a:spcPts val="3000"/>
-              </a:lnSpc>
-              <a:defRPr sz="1200">
-                <a:solidFill>
-                  <a:srgbClr val="212121"/>
-                </a:solidFill>
-                <a:latin typeface="Monaco"/>
-                <a:ea typeface="Monaco"/>
-                <a:cs typeface="Monaco"/>
-                <a:sym typeface="Monaco"/>
-              </a:defRPr>
-            </a:pPr>
-            <a:r>
-              <a:t>|  946|71870|         1.0|        null|         1.0|        null|      1|     1|     1|     1|      1|    true|</a:t>
-            </a:r>
-          </a:p>
-          <a:p>
-            <a:pPr defTabSz="457200">
-              <a:lnSpc>
-                <a:spcPts val="3000"/>
-              </a:lnSpc>
-              <a:defRPr sz="1200">
-                <a:solidFill>
-                  <a:srgbClr val="212121"/>
-                </a:solidFill>
-                <a:latin typeface="Monaco"/>
-                <a:ea typeface="Monaco"/>
-                <a:cs typeface="Monaco"/>
-                <a:sym typeface="Monaco"/>
-              </a:defRPr>
-            </a:pPr>
-            <a:r>
-              <a:t>|64880|71676|         1.0|        null|         1.0|        null|      1|     1|     1|     1|      1|    true|</a:t>
-            </a:r>
-          </a:p>
-          <a:p>
-            <a:pPr defTabSz="457200">
-              <a:lnSpc>
-                <a:spcPts val="3000"/>
-              </a:lnSpc>
-              <a:defRPr sz="1200">
-                <a:solidFill>
-                  <a:srgbClr val="212121"/>
-                </a:solidFill>
-                <a:latin typeface="Monaco"/>
-                <a:ea typeface="Monaco"/>
-                <a:cs typeface="Monaco"/>
-                <a:sym typeface="Monaco"/>
-              </a:defRPr>
-            </a:pPr>
-            <a:r>
-              <a:t>|25739|45991|         1.0|        null|         1.0|        null|      1|     1|     1|     1|      1|    true|</a:t>
-            </a:r>
-          </a:p>
-          <a:p>
-            <a:pPr defTabSz="457200">
-              <a:lnSpc>
-                <a:spcPts val="3000"/>
-              </a:lnSpc>
-              <a:defRPr sz="1200">
-                <a:solidFill>
-                  <a:srgbClr val="212121"/>
-                </a:solidFill>
-                <a:latin typeface="Monaco"/>
-                <a:ea typeface="Monaco"/>
-                <a:cs typeface="Monaco"/>
-                <a:sym typeface="Monaco"/>
-              </a:defRPr>
-            </a:pPr>
-            <a:r>
-              <a:t>|62415|93584|         1.0|        null|         1.0|        null|      1|     1|     1|     1|      0|    true|</a:t>
-            </a:r>
-          </a:p>
-          <a:p>
-            <a:pPr defTabSz="457200">
-              <a:lnSpc>
-                <a:spcPts val="3000"/>
-              </a:lnSpc>
-              <a:defRPr sz="1200">
-                <a:solidFill>
-                  <a:srgbClr val="212121"/>
-                </a:solidFill>
-                <a:latin typeface="Monaco"/>
-                <a:ea typeface="Monaco"/>
-                <a:cs typeface="Monaco"/>
-                <a:sym typeface="Monaco"/>
-              </a:defRPr>
-            </a:pPr>
-            <a:r>
-              <a:t>|27995|31399|         1.0|        null|         1.0|        null|      1|     1|     1|     1|      1|    true|</a:t>
-            </a:r>
-          </a:p>
-          <a:p>
-            <a:pPr defTabSz="457200">
-              <a:lnSpc>
-                <a:spcPts val="3000"/>
-              </a:lnSpc>
-              <a:defRPr sz="1200">
-                <a:solidFill>
-                  <a:srgbClr val="212121"/>
-                </a:solidFill>
-                <a:latin typeface="Monaco"/>
-                <a:ea typeface="Monaco"/>
-                <a:cs typeface="Monaco"/>
-                <a:sym typeface="Monaco"/>
-              </a:defRPr>
-            </a:pPr>
-            <a:r>
-              <a:t>| 4909|12238|         1.0|        null|         1.0|        null|      1|     1|     1|     1|      1|    true|</a:t>
-            </a:r>
-          </a:p>
-          <a:p>
-            <a:pPr defTabSz="457200">
-              <a:lnSpc>
-                <a:spcPts val="3000"/>
-              </a:lnSpc>
-              <a:defRPr sz="1200">
-                <a:solidFill>
-                  <a:srgbClr val="212121"/>
-                </a:solidFill>
-                <a:latin typeface="Monaco"/>
-                <a:ea typeface="Monaco"/>
-                <a:cs typeface="Monaco"/>
-                <a:sym typeface="Monaco"/>
-              </a:defRPr>
-            </a:pPr>
-            <a:r>
-              <a:t>|15161|16743|         1.0|        null|         1.0|        null|      1|     1|     1|     1|      1|    true|</a:t>
-            </a:r>
-          </a:p>
-        </p:txBody>
-      </p:sp>
+        </p:spPr>
+      </p:pic>
     </p:spTree>
   </p:cSld>
   <p:clrMapOvr>
@@ -8852,14 +8071,14 @@
       </p:sp>
       <p:sp>
         <p:nvSpPr>
-          <p:cNvPr id="263" name="root…"/>
+          <p:cNvPr id="263" name="The inferred…"/>
           <p:cNvSpPr txBox="1"/>
           <p:nvPr/>
         </p:nvSpPr>
         <p:spPr>
           <a:xfrm>
-            <a:off x="2507922" y="3630267"/>
-            <a:ext cx="4128156" cy="2923517"/>
+            <a:off x="450730" y="3803611"/>
+            <a:ext cx="1526417" cy="929641"/>
           </a:xfrm>
           <a:prstGeom prst="rect">
             <a:avLst/>
@@ -8879,264 +8098,39 @@
           </a:bodyPr>
           <a:lstStyle/>
           <a:p>
-            <a:pPr defTabSz="457200">
-              <a:lnSpc>
-                <a:spcPts val="3000"/>
-              </a:lnSpc>
-              <a:defRPr sz="1200">
-                <a:solidFill>
-                  <a:srgbClr val="212121"/>
-                </a:solidFill>
-                <a:latin typeface="Monaco"/>
-                <a:ea typeface="Monaco"/>
-                <a:cs typeface="Monaco"/>
-                <a:sym typeface="Monaco"/>
-              </a:defRPr>
-            </a:pPr>
-            <a:r>
-              <a:t>root</a:t>
-            </a:r>
-          </a:p>
-          <a:p>
-            <a:pPr defTabSz="457200">
-              <a:lnSpc>
-                <a:spcPts val="3000"/>
-              </a:lnSpc>
-              <a:defRPr sz="1200">
-                <a:solidFill>
-                  <a:srgbClr val="212121"/>
-                </a:solidFill>
-                <a:latin typeface="Monaco"/>
-                <a:ea typeface="Monaco"/>
-                <a:cs typeface="Monaco"/>
-                <a:sym typeface="Monaco"/>
-              </a:defRPr>
-            </a:pPr>
-            <a:r>
-              <a:t> |-- id_1: integer (nullable = true)</a:t>
-            </a:r>
-          </a:p>
-          <a:p>
-            <a:pPr defTabSz="457200">
-              <a:lnSpc>
-                <a:spcPts val="3000"/>
-              </a:lnSpc>
-              <a:defRPr sz="1200">
-                <a:solidFill>
-                  <a:srgbClr val="212121"/>
-                </a:solidFill>
-                <a:latin typeface="Monaco"/>
-                <a:ea typeface="Monaco"/>
-                <a:cs typeface="Monaco"/>
-                <a:sym typeface="Monaco"/>
-              </a:defRPr>
-            </a:pPr>
-            <a:r>
-              <a:t> |-- id_2: integer (nullable = true)</a:t>
-            </a:r>
-          </a:p>
-          <a:p>
-            <a:pPr defTabSz="457200">
-              <a:lnSpc>
-                <a:spcPts val="3000"/>
-              </a:lnSpc>
-              <a:defRPr sz="1200">
-                <a:solidFill>
-                  <a:srgbClr val="212121"/>
-                </a:solidFill>
-                <a:latin typeface="Monaco"/>
-                <a:ea typeface="Monaco"/>
-                <a:cs typeface="Monaco"/>
-                <a:sym typeface="Monaco"/>
-              </a:defRPr>
-            </a:pPr>
-            <a:r>
-              <a:t> |-- cmp_fname_c1: double (nullable = true)</a:t>
-            </a:r>
-          </a:p>
-          <a:p>
-            <a:pPr defTabSz="457200">
-              <a:lnSpc>
-                <a:spcPts val="3000"/>
-              </a:lnSpc>
-              <a:defRPr sz="1200">
-                <a:solidFill>
-                  <a:srgbClr val="212121"/>
-                </a:solidFill>
-                <a:latin typeface="Monaco"/>
-                <a:ea typeface="Monaco"/>
-                <a:cs typeface="Monaco"/>
-                <a:sym typeface="Monaco"/>
-              </a:defRPr>
-            </a:pPr>
-            <a:r>
-              <a:t> |-- cmp_fname_c2: double (nullable = true)</a:t>
-            </a:r>
-          </a:p>
-          <a:p>
-            <a:pPr defTabSz="457200">
-              <a:lnSpc>
-                <a:spcPts val="3000"/>
-              </a:lnSpc>
-              <a:defRPr sz="1200">
-                <a:solidFill>
-                  <a:srgbClr val="212121"/>
-                </a:solidFill>
-                <a:latin typeface="Monaco"/>
-                <a:ea typeface="Monaco"/>
-                <a:cs typeface="Monaco"/>
-                <a:sym typeface="Monaco"/>
-              </a:defRPr>
-            </a:pPr>
-            <a:r>
-              <a:t> |-- cmp_lname_c1: double (nullable = true)</a:t>
-            </a:r>
-          </a:p>
-          <a:p>
-            <a:pPr defTabSz="457200">
-              <a:lnSpc>
-                <a:spcPts val="3000"/>
-              </a:lnSpc>
-              <a:defRPr sz="1200">
-                <a:solidFill>
-                  <a:srgbClr val="212121"/>
-                </a:solidFill>
-                <a:latin typeface="Monaco"/>
-                <a:ea typeface="Monaco"/>
-                <a:cs typeface="Monaco"/>
-                <a:sym typeface="Monaco"/>
-              </a:defRPr>
-            </a:pPr>
-            <a:r>
-              <a:t> |-- cmp_lname_c2: double (nullable = true)</a:t>
-            </a:r>
-          </a:p>
-          <a:p>
-            <a:pPr defTabSz="457200">
-              <a:lnSpc>
-                <a:spcPts val="3000"/>
-              </a:lnSpc>
-              <a:defRPr sz="1200">
-                <a:solidFill>
-                  <a:srgbClr val="212121"/>
-                </a:solidFill>
-                <a:latin typeface="Monaco"/>
-                <a:ea typeface="Monaco"/>
-                <a:cs typeface="Monaco"/>
-                <a:sym typeface="Monaco"/>
-              </a:defRPr>
-            </a:pPr>
-            <a:r>
-              <a:t> |-- cmp_sex: integer (nullable = true)</a:t>
-            </a:r>
-          </a:p>
-          <a:p>
-            <a:pPr defTabSz="457200">
-              <a:lnSpc>
-                <a:spcPts val="3000"/>
-              </a:lnSpc>
-              <a:defRPr sz="1200">
-                <a:solidFill>
-                  <a:srgbClr val="212121"/>
-                </a:solidFill>
-                <a:latin typeface="Monaco"/>
-                <a:ea typeface="Monaco"/>
-                <a:cs typeface="Monaco"/>
-                <a:sym typeface="Monaco"/>
-              </a:defRPr>
-            </a:pPr>
-            <a:r>
-              <a:t> |-- cmp_bd: integer (nullable = true)</a:t>
-            </a:r>
-          </a:p>
-          <a:p>
-            <a:pPr defTabSz="457200">
-              <a:lnSpc>
-                <a:spcPts val="3000"/>
-              </a:lnSpc>
-              <a:defRPr sz="1200">
-                <a:solidFill>
-                  <a:srgbClr val="212121"/>
-                </a:solidFill>
-                <a:latin typeface="Monaco"/>
-                <a:ea typeface="Monaco"/>
-                <a:cs typeface="Monaco"/>
-                <a:sym typeface="Monaco"/>
-              </a:defRPr>
-            </a:pPr>
-            <a:r>
-              <a:t> |-- cmp_bm: integer (nullable = true)</a:t>
-            </a:r>
-          </a:p>
-          <a:p>
-            <a:pPr defTabSz="457200">
-              <a:lnSpc>
-                <a:spcPts val="3000"/>
-              </a:lnSpc>
-              <a:defRPr sz="1200">
-                <a:solidFill>
-                  <a:srgbClr val="212121"/>
-                </a:solidFill>
-                <a:latin typeface="Monaco"/>
-                <a:ea typeface="Monaco"/>
-                <a:cs typeface="Monaco"/>
-                <a:sym typeface="Monaco"/>
-              </a:defRPr>
-            </a:pPr>
-            <a:r>
-              <a:t> |-- cmp_by: integer (nullable = true)</a:t>
-            </a:r>
-          </a:p>
-          <a:p>
-            <a:pPr defTabSz="457200">
-              <a:lnSpc>
-                <a:spcPts val="3000"/>
-              </a:lnSpc>
-              <a:defRPr sz="1200">
-                <a:solidFill>
-                  <a:srgbClr val="212121"/>
-                </a:solidFill>
-                <a:latin typeface="Monaco"/>
-                <a:ea typeface="Monaco"/>
-                <a:cs typeface="Monaco"/>
-                <a:sym typeface="Monaco"/>
-              </a:defRPr>
-            </a:pPr>
-            <a:r>
-              <a:t> |-- cmp_plz: integer (nullable = true)</a:t>
-            </a:r>
-          </a:p>
-          <a:p>
-            <a:pPr defTabSz="457200">
-              <a:lnSpc>
-                <a:spcPts val="3000"/>
-              </a:lnSpc>
-              <a:defRPr sz="1200">
-                <a:solidFill>
-                  <a:srgbClr val="212121"/>
-                </a:solidFill>
-                <a:latin typeface="Monaco"/>
-                <a:ea typeface="Monaco"/>
-                <a:cs typeface="Monaco"/>
-                <a:sym typeface="Monaco"/>
-              </a:defRPr>
-            </a:pPr>
-            <a:r>
-              <a:t> |-- is_match: boolean (nullable = true)</a:t>
-            </a:r>
-          </a:p>
-        </p:txBody>
-      </p:sp>
-      <p:sp>
-        <p:nvSpPr>
-          <p:cNvPr id="264" name="The inferred…"/>
-          <p:cNvSpPr txBox="1"/>
+            <a:pPr/>
+            <a:r>
+              <a:t>The inferred </a:t>
+            </a:r>
+          </a:p>
+          <a:p>
+            <a:pPr/>
+            <a:r>
+              <a:t>data structure:</a:t>
+            </a:r>
+          </a:p>
+        </p:txBody>
+      </p:sp>
+      <p:pic>
+        <p:nvPicPr>
+          <p:cNvPr id="264" name="Image" descr="Image"/>
+          <p:cNvPicPr>
+            <a:picLocks noChangeAspect="1"/>
+          </p:cNvPicPr>
           <p:nvPr/>
-        </p:nvSpPr>
+        </p:nvPicPr>
+        <p:blipFill>
+          <a:blip r:embed="rId3">
+            <a:extLst/>
+          </a:blip>
+          <a:stretch>
+            <a:fillRect/>
+          </a:stretch>
+        </p:blipFill>
         <p:spPr>
           <a:xfrm>
-            <a:off x="450730" y="3803611"/>
-            <a:ext cx="1526417" cy="929641"/>
+            <a:off x="2396066" y="3394184"/>
+            <a:ext cx="4351868" cy="2871150"/>
           </a:xfrm>
           <a:prstGeom prst="rect">
             <a:avLst/>
@@ -9144,31 +8138,8 @@
           <a:ln w="12700">
             <a:miter lim="400000"/>
           </a:ln>
-          <a:extLst>
-            <a:ext uri="{C572A759-6A51-4108-AA02-DFA0A04FC94B}">
-              <ma14:wrappingTextBoxFlag xmlns:ma14="http://schemas.microsoft.com/office/mac/drawingml/2011/main" val="1"/>
-            </a:ext>
-          </a:extLst>
-        </p:spPr>
-        <p:txBody>
-          <a:bodyPr wrap="none" lIns="45719" rIns="45719">
-            <a:spAutoFit/>
-          </a:bodyPr>
-          <a:lstStyle/>
-          <a:p>
-            <a:pPr/>
-            <a:r>
-              <a:t>The inferred </a:t>
-            </a:r>
-          </a:p>
-          <a:p>
-            <a:pPr/>
-            <a:r>
-              <a:t>data structure:</a:t>
-            </a:r>
-          </a:p>
-        </p:txBody>
-      </p:sp>
+        </p:spPr>
+      </p:pic>
     </p:spTree>
   </p:cSld>
   <p:clrMapOvr>
@@ -9267,16 +8238,26 @@
           </a:p>
         </p:txBody>
       </p:sp>
-      <p:sp>
-        <p:nvSpPr>
-          <p:cNvPr id="270" name="res28: Long = 5749132…"/>
-          <p:cNvSpPr txBox="1"/>
+      <p:pic>
+        <p:nvPicPr>
+          <p:cNvPr id="270" name="Image" descr="Image"/>
+          <p:cNvPicPr>
+            <a:picLocks noChangeAspect="1"/>
+          </p:cNvPicPr>
           <p:nvPr/>
-        </p:nvSpPr>
+        </p:nvPicPr>
+        <p:blipFill>
+          <a:blip r:embed="rId3">
+            <a:extLst/>
+          </a:blip>
+          <a:stretch>
+            <a:fillRect/>
+          </a:stretch>
+        </p:blipFill>
         <p:spPr>
           <a:xfrm>
-            <a:off x="1908352" y="3096288"/>
-            <a:ext cx="5865799" cy="1907516"/>
+            <a:off x="282356" y="2986396"/>
+            <a:ext cx="6406311" cy="1934854"/>
           </a:xfrm>
           <a:prstGeom prst="rect">
             <a:avLst/>
@@ -9284,171 +8265,8 @@
           <a:ln w="12700">
             <a:miter lim="400000"/>
           </a:ln>
-          <a:extLst>
-            <a:ext uri="{C572A759-6A51-4108-AA02-DFA0A04FC94B}">
-              <ma14:wrappingTextBoxFlag xmlns:ma14="http://schemas.microsoft.com/office/mac/drawingml/2011/main" val="1"/>
-            </a:ext>
-          </a:extLst>
-        </p:spPr>
-        <p:txBody>
-          <a:bodyPr wrap="none" lIns="45719" rIns="45719">
-            <a:spAutoFit/>
-          </a:bodyPr>
-          <a:lstStyle/>
-          <a:p>
-            <a:pPr defTabSz="457200">
-              <a:lnSpc>
-                <a:spcPts val="3000"/>
-              </a:lnSpc>
-              <a:defRPr sz="1200">
-                <a:solidFill>
-                  <a:srgbClr val="212121"/>
-                </a:solidFill>
-                <a:latin typeface="Monaco"/>
-                <a:ea typeface="Monaco"/>
-                <a:cs typeface="Monaco"/>
-                <a:sym typeface="Monaco"/>
-              </a:defRPr>
-            </a:pPr>
-            <a:r>
-              <a:t>res28: Long = 5749132</a:t>
-            </a:r>
-          </a:p>
-          <a:p>
-            <a:pPr defTabSz="457200">
-              <a:lnSpc>
-                <a:spcPts val="3000"/>
-              </a:lnSpc>
-              <a:defRPr sz="1200">
-                <a:solidFill>
-                  <a:srgbClr val="212121"/>
-                </a:solidFill>
-                <a:latin typeface="Monaco"/>
-                <a:ea typeface="Monaco"/>
-                <a:cs typeface="Monaco"/>
-                <a:sym typeface="Monaco"/>
-              </a:defRPr>
-            </a:pPr>
-            <a:r>
-              <a:t>res29: parsed.type = [id_1: int, id_2: int ... 10 more fields]</a:t>
-            </a:r>
-          </a:p>
-          <a:p>
-            <a:pPr defTabSz="457200">
-              <a:lnSpc>
-                <a:spcPts val="3000"/>
-              </a:lnSpc>
-              <a:defRPr sz="1200">
-                <a:solidFill>
-                  <a:srgbClr val="212121"/>
-                </a:solidFill>
-                <a:latin typeface="Monaco"/>
-                <a:ea typeface="Monaco"/>
-                <a:cs typeface="Monaco"/>
-                <a:sym typeface="Monaco"/>
-              </a:defRPr>
-            </a:pPr>
-            <a:r>
-              <a:t>+--------+-------+</a:t>
-            </a:r>
-          </a:p>
-          <a:p>
-            <a:pPr defTabSz="457200">
-              <a:lnSpc>
-                <a:spcPts val="3000"/>
-              </a:lnSpc>
-              <a:defRPr sz="1200">
-                <a:solidFill>
-                  <a:srgbClr val="212121"/>
-                </a:solidFill>
-                <a:latin typeface="Monaco"/>
-                <a:ea typeface="Monaco"/>
-                <a:cs typeface="Monaco"/>
-                <a:sym typeface="Monaco"/>
-              </a:defRPr>
-            </a:pPr>
-            <a:r>
-              <a:t>|is_match|  count|</a:t>
-            </a:r>
-          </a:p>
-          <a:p>
-            <a:pPr defTabSz="457200">
-              <a:lnSpc>
-                <a:spcPts val="3000"/>
-              </a:lnSpc>
-              <a:defRPr sz="1200">
-                <a:solidFill>
-                  <a:srgbClr val="212121"/>
-                </a:solidFill>
-                <a:latin typeface="Monaco"/>
-                <a:ea typeface="Monaco"/>
-                <a:cs typeface="Monaco"/>
-                <a:sym typeface="Monaco"/>
-              </a:defRPr>
-            </a:pPr>
-            <a:r>
-              <a:t>+--------+-------+</a:t>
-            </a:r>
-          </a:p>
-          <a:p>
-            <a:pPr defTabSz="457200">
-              <a:lnSpc>
-                <a:spcPts val="3000"/>
-              </a:lnSpc>
-              <a:defRPr sz="1200">
-                <a:solidFill>
-                  <a:srgbClr val="212121"/>
-                </a:solidFill>
-                <a:latin typeface="Monaco"/>
-                <a:ea typeface="Monaco"/>
-                <a:cs typeface="Monaco"/>
-                <a:sym typeface="Monaco"/>
-              </a:defRPr>
-            </a:pPr>
-            <a:r>
-              <a:t>|   false|5728201|</a:t>
-            </a:r>
-          </a:p>
-          <a:p>
-            <a:pPr defTabSz="457200">
-              <a:lnSpc>
-                <a:spcPts val="3000"/>
-              </a:lnSpc>
-              <a:defRPr sz="1200">
-                <a:solidFill>
-                  <a:srgbClr val="212121"/>
-                </a:solidFill>
-                <a:latin typeface="Monaco"/>
-                <a:ea typeface="Monaco"/>
-                <a:cs typeface="Monaco"/>
-                <a:sym typeface="Monaco"/>
-              </a:defRPr>
-            </a:pPr>
-            <a:r>
-              <a:t>|    true|  20931|</a:t>
-            </a:r>
-          </a:p>
-          <a:p>
-            <a:pPr defTabSz="457200">
-              <a:lnSpc>
-                <a:spcPts val="3000"/>
-              </a:lnSpc>
-              <a:defRPr sz="1200">
-                <a:solidFill>
-                  <a:srgbClr val="212121"/>
-                </a:solidFill>
-                <a:latin typeface="Monaco"/>
-                <a:ea typeface="Monaco"/>
-                <a:cs typeface="Monaco"/>
-                <a:sym typeface="Monaco"/>
-              </a:defRPr>
-            </a:pPr>
-            <a:r>
-              <a:t>+--------+-------+</a:t>
-            </a:r>
-          </a:p>
-        </p:txBody>
-      </p:sp>
+        </p:spPr>
+      </p:pic>
     </p:spTree>
   </p:cSld>
   <p:clrMapOvr>
@@ -9571,16 +8389,26 @@
           </a:p>
         </p:txBody>
       </p:sp>
-      <p:sp>
-        <p:nvSpPr>
-          <p:cNvPr id="276" name="+--------+-------+…"/>
-          <p:cNvSpPr txBox="1"/>
+      <p:pic>
+        <p:nvPicPr>
+          <p:cNvPr id="276" name="Image" descr="Image"/>
+          <p:cNvPicPr>
+            <a:picLocks noChangeAspect="1"/>
+          </p:cNvPicPr>
           <p:nvPr/>
-        </p:nvSpPr>
+        </p:nvPicPr>
+        <p:blipFill>
+          <a:blip r:embed="rId3">
+            <a:extLst/>
+          </a:blip>
+          <a:stretch>
+            <a:fillRect/>
+          </a:stretch>
+        </p:blipFill>
         <p:spPr>
           <a:xfrm>
-            <a:off x="3651108" y="3993024"/>
-            <a:ext cx="1841784" cy="1501116"/>
+            <a:off x="3109383" y="3937000"/>
+            <a:ext cx="2248419" cy="1625617"/>
           </a:xfrm>
           <a:prstGeom prst="rect">
             <a:avLst/>
@@ -9588,133 +8416,8 @@
           <a:ln w="12700">
             <a:miter lim="400000"/>
           </a:ln>
-          <a:extLst>
-            <a:ext uri="{C572A759-6A51-4108-AA02-DFA0A04FC94B}">
-              <ma14:wrappingTextBoxFlag xmlns:ma14="http://schemas.microsoft.com/office/mac/drawingml/2011/main" val="1"/>
-            </a:ext>
-          </a:extLst>
-        </p:spPr>
-        <p:txBody>
-          <a:bodyPr wrap="none" lIns="45719" rIns="45719">
-            <a:spAutoFit/>
-          </a:bodyPr>
-          <a:lstStyle/>
-          <a:p>
-            <a:pPr defTabSz="457200">
-              <a:lnSpc>
-                <a:spcPts val="3000"/>
-              </a:lnSpc>
-              <a:defRPr sz="1200">
-                <a:solidFill>
-                  <a:srgbClr val="212121"/>
-                </a:solidFill>
-                <a:latin typeface="Monaco"/>
-                <a:ea typeface="Monaco"/>
-                <a:cs typeface="Monaco"/>
-                <a:sym typeface="Monaco"/>
-              </a:defRPr>
-            </a:pPr>
-            <a:r>
-              <a:t>+--------+-------+</a:t>
-            </a:r>
-          </a:p>
-          <a:p>
-            <a:pPr defTabSz="457200">
-              <a:lnSpc>
-                <a:spcPts val="3000"/>
-              </a:lnSpc>
-              <a:defRPr sz="1200">
-                <a:solidFill>
-                  <a:srgbClr val="212121"/>
-                </a:solidFill>
-                <a:latin typeface="Monaco"/>
-                <a:ea typeface="Monaco"/>
-                <a:cs typeface="Monaco"/>
-                <a:sym typeface="Monaco"/>
-              </a:defRPr>
-            </a:pPr>
-            <a:r>
-              <a:t>|is_match|    cnt|</a:t>
-            </a:r>
-          </a:p>
-          <a:p>
-            <a:pPr defTabSz="457200">
-              <a:lnSpc>
-                <a:spcPts val="3000"/>
-              </a:lnSpc>
-              <a:defRPr sz="1200">
-                <a:solidFill>
-                  <a:srgbClr val="212121"/>
-                </a:solidFill>
-                <a:latin typeface="Monaco"/>
-                <a:ea typeface="Monaco"/>
-                <a:cs typeface="Monaco"/>
-                <a:sym typeface="Monaco"/>
-              </a:defRPr>
-            </a:pPr>
-            <a:r>
-              <a:t>+--------+-------+</a:t>
-            </a:r>
-          </a:p>
-          <a:p>
-            <a:pPr defTabSz="457200">
-              <a:lnSpc>
-                <a:spcPts val="3000"/>
-              </a:lnSpc>
-              <a:defRPr sz="1200">
-                <a:solidFill>
-                  <a:srgbClr val="212121"/>
-                </a:solidFill>
-                <a:latin typeface="Monaco"/>
-                <a:ea typeface="Monaco"/>
-                <a:cs typeface="Monaco"/>
-                <a:sym typeface="Monaco"/>
-              </a:defRPr>
-            </a:pPr>
-            <a:r>
-              <a:t>|   false|5728201|</a:t>
-            </a:r>
-          </a:p>
-          <a:p>
-            <a:pPr defTabSz="457200">
-              <a:lnSpc>
-                <a:spcPts val="3000"/>
-              </a:lnSpc>
-              <a:defRPr sz="1200">
-                <a:solidFill>
-                  <a:srgbClr val="212121"/>
-                </a:solidFill>
-                <a:latin typeface="Monaco"/>
-                <a:ea typeface="Monaco"/>
-                <a:cs typeface="Monaco"/>
-                <a:sym typeface="Monaco"/>
-              </a:defRPr>
-            </a:pPr>
-            <a:r>
-              <a:t>|    true|  20931|</a:t>
-            </a:r>
-          </a:p>
-          <a:p>
-            <a:pPr defTabSz="457200">
-              <a:lnSpc>
-                <a:spcPts val="3000"/>
-              </a:lnSpc>
-              <a:defRPr sz="1200">
-                <a:solidFill>
-                  <a:srgbClr val="212121"/>
-                </a:solidFill>
-                <a:latin typeface="Monaco"/>
-                <a:ea typeface="Monaco"/>
-                <a:cs typeface="Monaco"/>
-                <a:sym typeface="Monaco"/>
-              </a:defRPr>
-            </a:pPr>
-            <a:r>
-              <a:t>+--------+-------+</a:t>
-            </a:r>
-          </a:p>
-        </p:txBody>
-      </p:sp>
+        </p:spPr>
+      </p:pic>
     </p:spTree>
   </p:cSld>
   <p:clrMapOvr>
@@ -9813,16 +8516,26 @@
           </a:p>
         </p:txBody>
       </p:sp>
-      <p:sp>
-        <p:nvSpPr>
-          <p:cNvPr id="282" name="summary: org.apache.spark.sql.DataFrame = [summary: string, id_1: string ... 10 more fields]…"/>
-          <p:cNvSpPr txBox="1"/>
+      <p:pic>
+        <p:nvPicPr>
+          <p:cNvPr id="282" name="Image" descr="Image"/>
+          <p:cNvPicPr>
+            <a:picLocks noChangeAspect="1"/>
+          </p:cNvPicPr>
           <p:nvPr/>
-        </p:nvSpPr>
+        </p:nvPicPr>
+        <p:blipFill>
+          <a:blip r:embed="rId2">
+            <a:extLst/>
+          </a:blip>
+          <a:stretch>
+            <a:fillRect/>
+          </a:stretch>
+        </p:blipFill>
         <p:spPr>
           <a:xfrm>
-            <a:off x="847723" y="2495656"/>
-            <a:ext cx="21356031" cy="4345916"/>
+            <a:off x="1350224" y="2715874"/>
+            <a:ext cx="6955576" cy="1710389"/>
           </a:xfrm>
           <a:prstGeom prst="rect">
             <a:avLst/>
@@ -9830,396 +8543,37 @@
           <a:ln w="12700">
             <a:miter lim="400000"/>
           </a:ln>
-          <a:extLst>
-            <a:ext uri="{C572A759-6A51-4108-AA02-DFA0A04FC94B}">
-              <ma14:wrappingTextBoxFlag xmlns:ma14="http://schemas.microsoft.com/office/mac/drawingml/2011/main" val="1"/>
-            </a:ext>
-          </a:extLst>
-        </p:spPr>
-        <p:txBody>
-          <a:bodyPr lIns="45719" rIns="45719">
-            <a:spAutoFit/>
-          </a:bodyPr>
-          <a:lstStyle/>
-          <a:p>
-            <a:pPr defTabSz="457200">
-              <a:lnSpc>
-                <a:spcPts val="3000"/>
-              </a:lnSpc>
-              <a:defRPr sz="1200">
-                <a:solidFill>
-                  <a:srgbClr val="212121"/>
-                </a:solidFill>
-                <a:latin typeface="Monaco"/>
-                <a:ea typeface="Monaco"/>
-                <a:cs typeface="Monaco"/>
-                <a:sym typeface="Monaco"/>
-              </a:defRPr>
-            </a:pPr>
-            <a:r>
-              <a:t>summary: org.apache.spark.sql.DataFrame = [summary: string, id_1: string ... 10 more fields]</a:t>
-            </a:r>
-          </a:p>
-          <a:p>
-            <a:pPr defTabSz="457200">
-              <a:lnSpc>
-                <a:spcPts val="3000"/>
-              </a:lnSpc>
-              <a:defRPr sz="1200">
-                <a:solidFill>
-                  <a:srgbClr val="212121"/>
-                </a:solidFill>
-                <a:latin typeface="Monaco"/>
-                <a:ea typeface="Monaco"/>
-                <a:cs typeface="Monaco"/>
-                <a:sym typeface="Monaco"/>
-              </a:defRPr>
-            </a:pPr>
-            <a:r>
-              <a:t>+-------+------------------+------------------+------------------+------------------+------------------+-------------------+------------------+-------------------+-------------------+-------------------+-------------------+</a:t>
-            </a:r>
-          </a:p>
-          <a:p>
-            <a:pPr defTabSz="457200">
-              <a:lnSpc>
-                <a:spcPts val="3000"/>
-              </a:lnSpc>
-              <a:defRPr sz="1200">
-                <a:solidFill>
-                  <a:srgbClr val="212121"/>
-                </a:solidFill>
-                <a:latin typeface="Monaco"/>
-                <a:ea typeface="Monaco"/>
-                <a:cs typeface="Monaco"/>
-                <a:sym typeface="Monaco"/>
-              </a:defRPr>
-            </a:pPr>
-            <a:r>
-              <a:t>|summary|              id_1|              id_2|      cmp_fname_c1|      cmp_fname_c2|      cmp_lname_c1|       cmp_lname_c2|           cmp_sex|             cmp_bd|             cmp_bm|             cmp_by|            cmp_plz|</a:t>
-            </a:r>
-          </a:p>
-          <a:p>
-            <a:pPr defTabSz="457200">
-              <a:lnSpc>
-                <a:spcPts val="3000"/>
-              </a:lnSpc>
-              <a:defRPr sz="1200">
-                <a:solidFill>
-                  <a:srgbClr val="212121"/>
-                </a:solidFill>
-                <a:latin typeface="Monaco"/>
-                <a:ea typeface="Monaco"/>
-                <a:cs typeface="Monaco"/>
-                <a:sym typeface="Monaco"/>
-              </a:defRPr>
-            </a:pPr>
-            <a:r>
-              <a:t>+-------+------------------+------------------+------------------+------------------+------------------+-------------------+------------------+-------------------+-------------------+-------------------+-------------------+</a:t>
-            </a:r>
-          </a:p>
-          <a:p>
-            <a:pPr defTabSz="457200">
-              <a:lnSpc>
-                <a:spcPts val="3000"/>
-              </a:lnSpc>
-              <a:defRPr sz="1200">
-                <a:solidFill>
-                  <a:srgbClr val="212121"/>
-                </a:solidFill>
-                <a:latin typeface="Monaco"/>
-                <a:ea typeface="Monaco"/>
-                <a:cs typeface="Monaco"/>
-                <a:sym typeface="Monaco"/>
-              </a:defRPr>
-            </a:pPr>
-            <a:r>
-              <a:t>|  count|           5749132|           5749132|           5748125|            103698|           5749132|               2464|           5749132|            5748337|            5748337|            5748337|            5736289|</a:t>
-            </a:r>
-          </a:p>
-          <a:p>
-            <a:pPr defTabSz="457200">
-              <a:lnSpc>
-                <a:spcPts val="3000"/>
-              </a:lnSpc>
-              <a:defRPr sz="1200">
-                <a:solidFill>
-                  <a:srgbClr val="212121"/>
-                </a:solidFill>
-                <a:latin typeface="Monaco"/>
-                <a:ea typeface="Monaco"/>
-                <a:cs typeface="Monaco"/>
-                <a:sym typeface="Monaco"/>
-              </a:defRPr>
-            </a:pPr>
-            <a:r>
-              <a:t>|   mean| 33324.48559643438| 66587.43558331935|0.7129024704436274|0.9000176718903216|0.3156278193084133|0.31841283153174377| 0.955001381078048|0.22446526708507172|0.48885529849763504| 0.2227485966810923|0.00552866147434343|</a:t>
-            </a:r>
-          </a:p>
-          <a:p>
-            <a:pPr defTabSz="457200">
-              <a:lnSpc>
-                <a:spcPts val="3000"/>
-              </a:lnSpc>
-              <a:defRPr sz="1200">
-                <a:solidFill>
-                  <a:srgbClr val="212121"/>
-                </a:solidFill>
-                <a:latin typeface="Monaco"/>
-                <a:ea typeface="Monaco"/>
-                <a:cs typeface="Monaco"/>
-                <a:sym typeface="Monaco"/>
-              </a:defRPr>
-            </a:pPr>
-            <a:r>
-              <a:t>| stddev|23659.859374488213|23620.487613269885|0.3887583596162788|0.2713176105782331|0.3342336339615816|0.36856706620066537|0.2073011111689795| 0.4172297223846255| 0.4998758236779038|0.41609096298317344|0.07414914925420066|</a:t>
-            </a:r>
-          </a:p>
-          <a:p>
-            <a:pPr defTabSz="457200">
-              <a:lnSpc>
-                <a:spcPts val="3000"/>
-              </a:lnSpc>
-              <a:defRPr sz="1200">
-                <a:solidFill>
-                  <a:srgbClr val="212121"/>
-                </a:solidFill>
-                <a:latin typeface="Monaco"/>
-                <a:ea typeface="Monaco"/>
-                <a:cs typeface="Monaco"/>
-                <a:sym typeface="Monaco"/>
-              </a:defRPr>
-            </a:pPr>
-            <a:r>
-              <a:t>|    min|                 1|                 6|               0.0|               0.0|               0.0|                0.0|                 0|                  0|                  0|                  0|                  0|</a:t>
-            </a:r>
-          </a:p>
-          <a:p>
-            <a:pPr defTabSz="457200">
-              <a:lnSpc>
-                <a:spcPts val="3000"/>
-              </a:lnSpc>
-              <a:defRPr sz="1200">
-                <a:solidFill>
-                  <a:srgbClr val="212121"/>
-                </a:solidFill>
-                <a:latin typeface="Monaco"/>
-                <a:ea typeface="Monaco"/>
-                <a:cs typeface="Monaco"/>
-                <a:sym typeface="Monaco"/>
-              </a:defRPr>
-            </a:pPr>
-            <a:r>
-              <a:t>|    max|             99980|            100000|               1.0|               1.0|               1.0|                1.0|                 1|                  1|                  1|                  1|                  1|</a:t>
-            </a:r>
-          </a:p>
-          <a:p>
-            <a:pPr defTabSz="457200">
-              <a:lnSpc>
-                <a:spcPts val="3000"/>
-              </a:lnSpc>
-              <a:defRPr sz="1200">
-                <a:solidFill>
-                  <a:srgbClr val="212121"/>
-                </a:solidFill>
-                <a:latin typeface="Monaco"/>
-                <a:ea typeface="Monaco"/>
-                <a:cs typeface="Monaco"/>
-                <a:sym typeface="Monaco"/>
-              </a:defRPr>
-            </a:pPr>
-            <a:r>
-              <a:t>+-------+------------------+------------------+------------------+------------------+------------------+-------------------+------------------+-------------------+-------------------+-------------------+-------------------+</a:t>
-            </a:r>
-          </a:p>
-          <a:p>
-            <a:pPr defTabSz="457200">
-              <a:lnSpc>
-                <a:spcPts val="3000"/>
-              </a:lnSpc>
-              <a:defRPr sz="1200">
-                <a:solidFill>
-                  <a:srgbClr val="212121"/>
-                </a:solidFill>
-                <a:latin typeface="Monaco"/>
-                <a:ea typeface="Monaco"/>
-                <a:cs typeface="Monaco"/>
-                <a:sym typeface="Monaco"/>
-              </a:defRPr>
-            </a:pPr>
-          </a:p>
-          <a:p>
-            <a:pPr defTabSz="457200">
-              <a:lnSpc>
-                <a:spcPts val="3000"/>
-              </a:lnSpc>
-              <a:defRPr sz="1200">
-                <a:solidFill>
-                  <a:srgbClr val="212121"/>
-                </a:solidFill>
-                <a:latin typeface="Monaco"/>
-                <a:ea typeface="Monaco"/>
-                <a:cs typeface="Monaco"/>
-                <a:sym typeface="Monaco"/>
-              </a:defRPr>
-            </a:pPr>
-            <a:r>
-              <a:t>+-------+------------------+------------------+</a:t>
-            </a:r>
-          </a:p>
-          <a:p>
-            <a:pPr defTabSz="457200">
-              <a:lnSpc>
-                <a:spcPts val="3000"/>
-              </a:lnSpc>
-              <a:defRPr sz="1200">
-                <a:solidFill>
-                  <a:srgbClr val="212121"/>
-                </a:solidFill>
-                <a:latin typeface="Monaco"/>
-                <a:ea typeface="Monaco"/>
-                <a:cs typeface="Monaco"/>
-                <a:sym typeface="Monaco"/>
-              </a:defRPr>
-            </a:pPr>
-            <a:r>
-              <a:t>|summary|      cmp_fname_c1|      cmp_fname_c2|</a:t>
-            </a:r>
-          </a:p>
-          <a:p>
-            <a:pPr defTabSz="457200">
-              <a:lnSpc>
-                <a:spcPts val="3000"/>
-              </a:lnSpc>
-              <a:defRPr sz="1200">
-                <a:solidFill>
-                  <a:srgbClr val="212121"/>
-                </a:solidFill>
-                <a:latin typeface="Monaco"/>
-                <a:ea typeface="Monaco"/>
-                <a:cs typeface="Monaco"/>
-                <a:sym typeface="Monaco"/>
-              </a:defRPr>
-            </a:pPr>
-            <a:r>
-              <a:t>+-------+------------------+------------------+</a:t>
-            </a:r>
-          </a:p>
-          <a:p>
-            <a:pPr defTabSz="457200">
-              <a:lnSpc>
-                <a:spcPts val="3000"/>
-              </a:lnSpc>
-              <a:defRPr sz="1200">
-                <a:solidFill>
-                  <a:srgbClr val="212121"/>
-                </a:solidFill>
-                <a:latin typeface="Monaco"/>
-                <a:ea typeface="Monaco"/>
-                <a:cs typeface="Monaco"/>
-                <a:sym typeface="Monaco"/>
-              </a:defRPr>
-            </a:pPr>
-            <a:r>
-              <a:t>|  count|           5748125|            103698|</a:t>
-            </a:r>
-          </a:p>
-          <a:p>
-            <a:pPr defTabSz="457200">
-              <a:lnSpc>
-                <a:spcPts val="3000"/>
-              </a:lnSpc>
-              <a:defRPr sz="1200">
-                <a:solidFill>
-                  <a:srgbClr val="212121"/>
-                </a:solidFill>
-                <a:latin typeface="Monaco"/>
-                <a:ea typeface="Monaco"/>
-                <a:cs typeface="Monaco"/>
-                <a:sym typeface="Monaco"/>
-              </a:defRPr>
-            </a:pPr>
-            <a:r>
-              <a:t>|   mean|0.7129024704436274|0.9000176718903216|</a:t>
-            </a:r>
-          </a:p>
-          <a:p>
-            <a:pPr defTabSz="457200">
-              <a:lnSpc>
-                <a:spcPts val="3000"/>
-              </a:lnSpc>
-              <a:defRPr sz="1200">
-                <a:solidFill>
-                  <a:srgbClr val="212121"/>
-                </a:solidFill>
-                <a:latin typeface="Monaco"/>
-                <a:ea typeface="Monaco"/>
-                <a:cs typeface="Monaco"/>
-                <a:sym typeface="Monaco"/>
-              </a:defRPr>
-            </a:pPr>
-            <a:r>
-              <a:t>| stddev|0.3887583596162788|0.2713176105782331|</a:t>
-            </a:r>
-          </a:p>
-          <a:p>
-            <a:pPr defTabSz="457200">
-              <a:lnSpc>
-                <a:spcPts val="3000"/>
-              </a:lnSpc>
-              <a:defRPr sz="1200">
-                <a:solidFill>
-                  <a:srgbClr val="212121"/>
-                </a:solidFill>
-                <a:latin typeface="Monaco"/>
-                <a:ea typeface="Monaco"/>
-                <a:cs typeface="Monaco"/>
-                <a:sym typeface="Monaco"/>
-              </a:defRPr>
-            </a:pPr>
-            <a:r>
-              <a:t>|    min|               0.0|               0.0|</a:t>
-            </a:r>
-          </a:p>
-          <a:p>
-            <a:pPr defTabSz="457200">
-              <a:lnSpc>
-                <a:spcPts val="3000"/>
-              </a:lnSpc>
-              <a:defRPr sz="1200">
-                <a:solidFill>
-                  <a:srgbClr val="212121"/>
-                </a:solidFill>
-                <a:latin typeface="Monaco"/>
-                <a:ea typeface="Monaco"/>
-                <a:cs typeface="Monaco"/>
-                <a:sym typeface="Monaco"/>
-              </a:defRPr>
-            </a:pPr>
-            <a:r>
-              <a:t>|    max|               1.0|               1.0|</a:t>
-            </a:r>
-          </a:p>
-          <a:p>
-            <a:pPr defTabSz="457200">
-              <a:lnSpc>
-                <a:spcPts val="3000"/>
-              </a:lnSpc>
-              <a:defRPr sz="1200">
-                <a:solidFill>
-                  <a:srgbClr val="212121"/>
-                </a:solidFill>
-                <a:latin typeface="Monaco"/>
-                <a:ea typeface="Monaco"/>
-                <a:cs typeface="Monaco"/>
-                <a:sym typeface="Monaco"/>
-              </a:defRPr>
-            </a:pPr>
-            <a:r>
-              <a:t>+-------+------------------+------------------+</a:t>
-            </a:r>
-          </a:p>
-        </p:txBody>
-      </p:sp>
+        </p:spPr>
+      </p:pic>
+      <p:pic>
+        <p:nvPicPr>
+          <p:cNvPr id="283" name="Image" descr="Image"/>
+          <p:cNvPicPr>
+            <a:picLocks noChangeAspect="1"/>
+          </p:cNvPicPr>
+          <p:nvPr/>
+        </p:nvPicPr>
+        <p:blipFill>
+          <a:blip r:embed="rId3">
+            <a:extLst/>
+          </a:blip>
+          <a:stretch>
+            <a:fillRect/>
+          </a:stretch>
+        </p:blipFill>
+        <p:spPr>
+          <a:xfrm>
+            <a:off x="1399199" y="4561607"/>
+            <a:ext cx="3778168" cy="1575426"/>
+          </a:xfrm>
+          <a:prstGeom prst="rect">
+            <a:avLst/>
+          </a:prstGeom>
+          <a:ln w="12700">
+            <a:miter lim="400000"/>
+          </a:ln>
+        </p:spPr>
+      </p:pic>
     </p:spTree>
   </p:cSld>
   <p:clrMapOvr>
@@ -10248,7 +8602,7 @@
       </p:grpSpPr>
       <p:sp>
         <p:nvSpPr>
-          <p:cNvPr id="284" name="Define helper functions"/>
+          <p:cNvPr id="285" name="Define helper functions"/>
           <p:cNvSpPr txBox="1"/>
           <p:nvPr>
             <p:ph type="title"/>
@@ -10272,7 +8626,7 @@
       </p:sp>
       <p:sp>
         <p:nvSpPr>
-          <p:cNvPr id="285" name="def longForm(desc: DataFrame): DataFrame = {…"/>
+          <p:cNvPr id="286" name="def longForm(desc: DataFrame): DataFrame = {…"/>
           <p:cNvSpPr txBox="1"/>
           <p:nvPr/>
         </p:nvSpPr>
@@ -10382,7 +8736,7 @@
       </p:grpSpPr>
       <p:sp>
         <p:nvSpPr>
-          <p:cNvPr id="287" name="Define helper functions"/>
+          <p:cNvPr id="288" name="Define helper functions"/>
           <p:cNvSpPr txBox="1"/>
           <p:nvPr>
             <p:ph type="title"/>
@@ -10406,7 +8760,7 @@
       </p:sp>
       <p:sp>
         <p:nvSpPr>
-          <p:cNvPr id="288" name="def pivotSummary(desc: DataFrame): DataFrame = {…"/>
+          <p:cNvPr id="289" name="def pivotSummary(desc: DataFrame): DataFrame = {…"/>
           <p:cNvSpPr txBox="1"/>
           <p:nvPr/>
         </p:nvSpPr>
@@ -10498,7 +8852,7 @@
       </p:grpSpPr>
       <p:sp>
         <p:nvSpPr>
-          <p:cNvPr id="290" name="Define helper functions"/>
+          <p:cNvPr id="291" name="Define helper functions"/>
           <p:cNvSpPr txBox="1"/>
           <p:nvPr>
             <p:ph type="title"/>
@@ -10522,7 +8876,7 @@
       </p:sp>
       <p:sp>
         <p:nvSpPr>
-          <p:cNvPr id="291" name="def crossTabs(scored: DataFrame, t: Double): DataFrame = {…"/>
+          <p:cNvPr id="292" name="def crossTabs(scored: DataFrame, t: Double): DataFrame = {…"/>
           <p:cNvSpPr txBox="1"/>
           <p:nvPr/>
         </p:nvSpPr>
@@ -10779,7 +9133,7 @@
       </p:grpSpPr>
       <p:sp>
         <p:nvSpPr>
-          <p:cNvPr id="293" name="Use the helper functions"/>
+          <p:cNvPr id="294" name="Use the helper functions"/>
           <p:cNvSpPr txBox="1"/>
           <p:nvPr>
             <p:ph type="title"/>
@@ -10803,7 +9157,7 @@
       </p:sp>
       <p:sp>
         <p:nvSpPr>
-          <p:cNvPr id="294" name="val matchSummaryT = pivotSummary(matchSummary)…"/>
+          <p:cNvPr id="295" name="val matchSummaryT = pivotSummary(matchSummary)…"/>
           <p:cNvSpPr txBox="1"/>
           <p:nvPr/>
         </p:nvSpPr>
@@ -10913,7 +9267,7 @@
       </p:grpSpPr>
       <p:sp>
         <p:nvSpPr>
-          <p:cNvPr id="296" name="Results of the helper functions"/>
+          <p:cNvPr id="297" name="Results of the helper functions"/>
           <p:cNvSpPr txBox="1"/>
           <p:nvPr>
             <p:ph type="title"/>
@@ -10935,16 +9289,26 @@
           </a:p>
         </p:txBody>
       </p:sp>
-      <p:sp>
-        <p:nvSpPr>
-          <p:cNvPr id="297" name="matchSummaryT: org.apache.spark.sql.DataFrame = [field: string, count: double ... 4 more fields]…"/>
-          <p:cNvSpPr txBox="1"/>
+      <p:pic>
+        <p:nvPicPr>
+          <p:cNvPr id="298" name="Image" descr="Image"/>
+          <p:cNvPicPr>
+            <a:picLocks noChangeAspect="1"/>
+          </p:cNvPicPr>
           <p:nvPr/>
-        </p:nvSpPr>
+        </p:nvPicPr>
+        <p:blipFill>
+          <a:blip r:embed="rId2">
+            <a:extLst/>
+          </a:blip>
+          <a:stretch>
+            <a:fillRect/>
+          </a:stretch>
+        </p:blipFill>
         <p:spPr>
           <a:xfrm>
-            <a:off x="844608" y="1940962"/>
-            <a:ext cx="8975264" cy="3736316"/>
+            <a:off x="880533" y="1981130"/>
+            <a:ext cx="8229601" cy="3505357"/>
           </a:xfrm>
           <a:prstGeom prst="rect">
             <a:avLst/>
@@ -10952,342 +9316,8 @@
           <a:ln w="12700">
             <a:miter lim="400000"/>
           </a:ln>
-          <a:extLst>
-            <a:ext uri="{C572A759-6A51-4108-AA02-DFA0A04FC94B}">
-              <ma14:wrappingTextBoxFlag xmlns:ma14="http://schemas.microsoft.com/office/mac/drawingml/2011/main" val="1"/>
-            </a:ext>
-          </a:extLst>
-        </p:spPr>
-        <p:txBody>
-          <a:bodyPr wrap="none" lIns="45719" rIns="45719">
-            <a:spAutoFit/>
-          </a:bodyPr>
-          <a:lstStyle/>
-          <a:p>
-            <a:pPr defTabSz="457200">
-              <a:lnSpc>
-                <a:spcPts val="3000"/>
-              </a:lnSpc>
-              <a:defRPr sz="1200">
-                <a:solidFill>
-                  <a:srgbClr val="212121"/>
-                </a:solidFill>
-                <a:latin typeface="Monaco"/>
-                <a:ea typeface="Monaco"/>
-                <a:cs typeface="Monaco"/>
-                <a:sym typeface="Monaco"/>
-              </a:defRPr>
-            </a:pPr>
-            <a:r>
-              <a:t>matchSummaryT: org.apache.spark.sql.DataFrame = [field: string, count: double ... 4 more fields]</a:t>
-            </a:r>
-          </a:p>
-          <a:p>
-            <a:pPr defTabSz="457200">
-              <a:lnSpc>
-                <a:spcPts val="3000"/>
-              </a:lnSpc>
-              <a:defRPr sz="1200">
-                <a:solidFill>
-                  <a:srgbClr val="212121"/>
-                </a:solidFill>
-                <a:latin typeface="Monaco"/>
-                <a:ea typeface="Monaco"/>
-                <a:cs typeface="Monaco"/>
-                <a:sym typeface="Monaco"/>
-              </a:defRPr>
-            </a:pPr>
-            <a:r>
-              <a:t>missSummaryT: org.apache.spark.sql.DataFrame = [field: string, count: double ... 4 more fields]</a:t>
-            </a:r>
-          </a:p>
-          <a:p>
-            <a:pPr defTabSz="457200">
-              <a:lnSpc>
-                <a:spcPts val="3000"/>
-              </a:lnSpc>
-              <a:defRPr sz="1200">
-                <a:solidFill>
-                  <a:srgbClr val="212121"/>
-                </a:solidFill>
-                <a:latin typeface="Monaco"/>
-                <a:ea typeface="Monaco"/>
-                <a:cs typeface="Monaco"/>
-                <a:sym typeface="Monaco"/>
-              </a:defRPr>
-            </a:pPr>
-            <a:r>
-              <a:t>+------------+---------+--------------------+</a:t>
-            </a:r>
-          </a:p>
-          <a:p>
-            <a:pPr defTabSz="457200">
-              <a:lnSpc>
-                <a:spcPts val="3000"/>
-              </a:lnSpc>
-              <a:defRPr sz="1200">
-                <a:solidFill>
-                  <a:srgbClr val="212121"/>
-                </a:solidFill>
-                <a:latin typeface="Monaco"/>
-                <a:ea typeface="Monaco"/>
-                <a:cs typeface="Monaco"/>
-                <a:sym typeface="Monaco"/>
-              </a:defRPr>
-            </a:pPr>
-            <a:r>
-              <a:t>|       field|    total|               delta|</a:t>
-            </a:r>
-          </a:p>
-          <a:p>
-            <a:pPr defTabSz="457200">
-              <a:lnSpc>
-                <a:spcPts val="3000"/>
-              </a:lnSpc>
-              <a:defRPr sz="1200">
-                <a:solidFill>
-                  <a:srgbClr val="212121"/>
-                </a:solidFill>
-                <a:latin typeface="Monaco"/>
-                <a:ea typeface="Monaco"/>
-                <a:cs typeface="Monaco"/>
-                <a:sym typeface="Monaco"/>
-              </a:defRPr>
-            </a:pPr>
-            <a:r>
-              <a:t>+------------+---------+--------------------+</a:t>
-            </a:r>
-          </a:p>
-          <a:p>
-            <a:pPr defTabSz="457200">
-              <a:lnSpc>
-                <a:spcPts val="3000"/>
-              </a:lnSpc>
-              <a:defRPr sz="1200">
-                <a:solidFill>
-                  <a:srgbClr val="212121"/>
-                </a:solidFill>
-                <a:latin typeface="Monaco"/>
-                <a:ea typeface="Monaco"/>
-                <a:cs typeface="Monaco"/>
-                <a:sym typeface="Monaco"/>
-              </a:defRPr>
-            </a:pPr>
-            <a:r>
-              <a:t>|        id_1|5749132.0|  1255.8076310367542|</a:t>
-            </a:r>
-          </a:p>
-          <a:p>
-            <a:pPr defTabSz="457200">
-              <a:lnSpc>
-                <a:spcPts val="3000"/>
-              </a:lnSpc>
-              <a:defRPr sz="1200">
-                <a:solidFill>
-                  <a:srgbClr val="212121"/>
-                </a:solidFill>
-                <a:latin typeface="Monaco"/>
-                <a:ea typeface="Monaco"/>
-                <a:cs typeface="Monaco"/>
-                <a:sym typeface="Monaco"/>
-              </a:defRPr>
-            </a:pPr>
-            <a:r>
-              <a:t>|     cmp_plz|5736289.0|  0.9563812499852176|</a:t>
-            </a:r>
-          </a:p>
-          <a:p>
-            <a:pPr defTabSz="457200">
-              <a:lnSpc>
-                <a:spcPts val="3000"/>
-              </a:lnSpc>
-              <a:defRPr sz="1200">
-                <a:solidFill>
-                  <a:srgbClr val="212121"/>
-                </a:solidFill>
-                <a:latin typeface="Monaco"/>
-                <a:ea typeface="Monaco"/>
-                <a:cs typeface="Monaco"/>
-                <a:sym typeface="Monaco"/>
-              </a:defRPr>
-            </a:pPr>
-            <a:r>
-              <a:t>|cmp_lname_c2|   2464.0|  0.8064147192926264|</a:t>
-            </a:r>
-          </a:p>
-          <a:p>
-            <a:pPr defTabSz="457200">
-              <a:lnSpc>
-                <a:spcPts val="3000"/>
-              </a:lnSpc>
-              <a:defRPr sz="1200">
-                <a:solidFill>
-                  <a:srgbClr val="212121"/>
-                </a:solidFill>
-                <a:latin typeface="Monaco"/>
-                <a:ea typeface="Monaco"/>
-                <a:cs typeface="Monaco"/>
-                <a:sym typeface="Monaco"/>
-              </a:defRPr>
-            </a:pPr>
-            <a:r>
-              <a:t>|      cmp_by|5748337.0|  0.7762059675300512|</a:t>
-            </a:r>
-          </a:p>
-          <a:p>
-            <a:pPr defTabSz="457200">
-              <a:lnSpc>
-                <a:spcPts val="3000"/>
-              </a:lnSpc>
-              <a:defRPr sz="1200">
-                <a:solidFill>
-                  <a:srgbClr val="212121"/>
-                </a:solidFill>
-                <a:latin typeface="Monaco"/>
-                <a:ea typeface="Monaco"/>
-                <a:cs typeface="Monaco"/>
-                <a:sym typeface="Monaco"/>
-              </a:defRPr>
-            </a:pPr>
-            <a:r>
-              <a:t>|      cmp_bd|5748337.0|   0.775442311783404|</a:t>
-            </a:r>
-          </a:p>
-          <a:p>
-            <a:pPr defTabSz="457200">
-              <a:lnSpc>
-                <a:spcPts val="3000"/>
-              </a:lnSpc>
-              <a:defRPr sz="1200">
-                <a:solidFill>
-                  <a:srgbClr val="212121"/>
-                </a:solidFill>
-                <a:latin typeface="Monaco"/>
-                <a:ea typeface="Monaco"/>
-                <a:cs typeface="Monaco"/>
-                <a:sym typeface="Monaco"/>
-              </a:defRPr>
-            </a:pPr>
-            <a:r>
-              <a:t>|cmp_lname_c1|5749132.0|  0.6838772482590526|</a:t>
-            </a:r>
-          </a:p>
-          <a:p>
-            <a:pPr defTabSz="457200">
-              <a:lnSpc>
-                <a:spcPts val="3000"/>
-              </a:lnSpc>
-              <a:defRPr sz="1200">
-                <a:solidFill>
-                  <a:srgbClr val="212121"/>
-                </a:solidFill>
-                <a:latin typeface="Monaco"/>
-                <a:ea typeface="Monaco"/>
-                <a:cs typeface="Monaco"/>
-                <a:sym typeface="Monaco"/>
-              </a:defRPr>
-            </a:pPr>
-            <a:r>
-              <a:t>|      cmp_bm|5748337.0|  0.5109496938298685|</a:t>
-            </a:r>
-          </a:p>
-          <a:p>
-            <a:pPr defTabSz="457200">
-              <a:lnSpc>
-                <a:spcPts val="3000"/>
-              </a:lnSpc>
-              <a:defRPr sz="1200">
-                <a:solidFill>
-                  <a:srgbClr val="212121"/>
-                </a:solidFill>
-                <a:latin typeface="Monaco"/>
-                <a:ea typeface="Monaco"/>
-                <a:cs typeface="Monaco"/>
-                <a:sym typeface="Monaco"/>
-              </a:defRPr>
-            </a:pPr>
-            <a:r>
-              <a:t>|cmp_fname_c1|5748125.0|  0.2854529057460786|</a:t>
-            </a:r>
-          </a:p>
-          <a:p>
-            <a:pPr defTabSz="457200">
-              <a:lnSpc>
-                <a:spcPts val="3000"/>
-              </a:lnSpc>
-              <a:defRPr sz="1200">
-                <a:solidFill>
-                  <a:srgbClr val="212121"/>
-                </a:solidFill>
-                <a:latin typeface="Monaco"/>
-                <a:ea typeface="Monaco"/>
-                <a:cs typeface="Monaco"/>
-                <a:sym typeface="Monaco"/>
-              </a:defRPr>
-            </a:pPr>
-            <a:r>
-              <a:t>|cmp_fname_c2| 103698.0| 0.09104268062280008|</a:t>
-            </a:r>
-          </a:p>
-          <a:p>
-            <a:pPr defTabSz="457200">
-              <a:lnSpc>
-                <a:spcPts val="3000"/>
-              </a:lnSpc>
-              <a:defRPr sz="1200">
-                <a:solidFill>
-                  <a:srgbClr val="212121"/>
-                </a:solidFill>
-                <a:latin typeface="Monaco"/>
-                <a:ea typeface="Monaco"/>
-                <a:cs typeface="Monaco"/>
-                <a:sym typeface="Monaco"/>
-              </a:defRPr>
-            </a:pPr>
-            <a:r>
-              <a:t>|     cmp_sex|5749132.0|0.032408185250332844|</a:t>
-            </a:r>
-          </a:p>
-          <a:p>
-            <a:pPr defTabSz="457200">
-              <a:lnSpc>
-                <a:spcPts val="3000"/>
-              </a:lnSpc>
-              <a:defRPr sz="1200">
-                <a:solidFill>
-                  <a:srgbClr val="212121"/>
-                </a:solidFill>
-                <a:latin typeface="Monaco"/>
-                <a:ea typeface="Monaco"/>
-                <a:cs typeface="Monaco"/>
-                <a:sym typeface="Monaco"/>
-              </a:defRPr>
-            </a:pPr>
-            <a:r>
-              <a:t>|        id_2|5749132.0| -15383.483201807663|</a:t>
-            </a:r>
-          </a:p>
-          <a:p>
-            <a:pPr defTabSz="457200">
-              <a:lnSpc>
-                <a:spcPts val="3000"/>
-              </a:lnSpc>
-              <a:defRPr sz="1200">
-                <a:solidFill>
-                  <a:srgbClr val="212121"/>
-                </a:solidFill>
-                <a:latin typeface="Monaco"/>
-                <a:ea typeface="Monaco"/>
-                <a:cs typeface="Monaco"/>
-                <a:sym typeface="Monaco"/>
-              </a:defRPr>
-            </a:pPr>
-            <a:r>
-              <a:t>+------------+---------+--------------------+</a:t>
-            </a:r>
-          </a:p>
-        </p:txBody>
-      </p:sp>
+        </p:spPr>
+      </p:pic>
     </p:spTree>
   </p:cSld>
   <p:clrMapOvr>
@@ -11316,7 +9346,7 @@
       </p:grpSpPr>
       <p:sp>
         <p:nvSpPr>
-          <p:cNvPr id="299" name="Final result"/>
+          <p:cNvPr id="300" name="Final result"/>
           <p:cNvSpPr txBox="1"/>
           <p:nvPr>
             <p:ph type="title"/>
@@ -11340,7 +9370,7 @@
       </p:sp>
       <p:sp>
         <p:nvSpPr>
-          <p:cNvPr id="300" name="val matchData = parsed.as[MatchData]…"/>
+          <p:cNvPr id="301" name="val matchData = parsed.as[MatchData]…"/>
           <p:cNvSpPr txBox="1"/>
           <p:nvPr/>
         </p:nvSpPr>
@@ -11398,16 +9428,26 @@
           </a:p>
         </p:txBody>
       </p:sp>
-      <p:sp>
-        <p:nvSpPr>
-          <p:cNvPr id="301" name="matchData: org.apache.spark.sql.Dataset[MatchData] = [id_1: int, id_2: int ... 10 more fields]…"/>
-          <p:cNvSpPr txBox="1"/>
+      <p:pic>
+        <p:nvPicPr>
+          <p:cNvPr id="302" name="Image" descr="Image"/>
+          <p:cNvPicPr>
+            <a:picLocks noChangeAspect="1"/>
+          </p:cNvPicPr>
           <p:nvPr/>
-        </p:nvSpPr>
+        </p:nvPicPr>
+        <p:blipFill>
+          <a:blip r:embed="rId3">
+            <a:extLst/>
+          </a:blip>
+          <a:stretch>
+            <a:fillRect/>
+          </a:stretch>
+        </p:blipFill>
         <p:spPr>
           <a:xfrm>
-            <a:off x="2028908" y="3603114"/>
-            <a:ext cx="8792355" cy="1907517"/>
+            <a:off x="1227084" y="3603114"/>
+            <a:ext cx="7916916" cy="1797042"/>
           </a:xfrm>
           <a:prstGeom prst="rect">
             <a:avLst/>
@@ -11415,171 +9455,8 @@
           <a:ln w="12700">
             <a:miter lim="400000"/>
           </a:ln>
-          <a:extLst>
-            <a:ext uri="{C572A759-6A51-4108-AA02-DFA0A04FC94B}">
-              <ma14:wrappingTextBoxFlag xmlns:ma14="http://schemas.microsoft.com/office/mac/drawingml/2011/main" val="1"/>
-            </a:ext>
-          </a:extLst>
-        </p:spPr>
-        <p:txBody>
-          <a:bodyPr wrap="none" lIns="45719" rIns="45719">
-            <a:spAutoFit/>
-          </a:bodyPr>
-          <a:lstStyle/>
-          <a:p>
-            <a:pPr defTabSz="457200">
-              <a:lnSpc>
-                <a:spcPts val="3000"/>
-              </a:lnSpc>
-              <a:defRPr sz="1200">
-                <a:solidFill>
-                  <a:srgbClr val="212121"/>
-                </a:solidFill>
-                <a:latin typeface="Monaco"/>
-                <a:ea typeface="Monaco"/>
-                <a:cs typeface="Monaco"/>
-                <a:sym typeface="Monaco"/>
-              </a:defRPr>
-            </a:pPr>
-            <a:r>
-              <a:t>matchData: org.apache.spark.sql.Dataset[MatchData] = [id_1: int, id_2: int ... 10 more fields]</a:t>
-            </a:r>
-          </a:p>
-          <a:p>
-            <a:pPr defTabSz="457200">
-              <a:lnSpc>
-                <a:spcPts val="3000"/>
-              </a:lnSpc>
-              <a:defRPr sz="1200">
-                <a:solidFill>
-                  <a:srgbClr val="212121"/>
-                </a:solidFill>
-                <a:latin typeface="Monaco"/>
-                <a:ea typeface="Monaco"/>
-                <a:cs typeface="Monaco"/>
-                <a:sym typeface="Monaco"/>
-              </a:defRPr>
-            </a:pPr>
-            <a:r>
-              <a:t>scored: org.apache.spark.sql.DataFrame = [score: double, is_match: boolean]</a:t>
-            </a:r>
-          </a:p>
-          <a:p>
-            <a:pPr defTabSz="457200">
-              <a:lnSpc>
-                <a:spcPts val="3000"/>
-              </a:lnSpc>
-              <a:defRPr sz="1200">
-                <a:solidFill>
-                  <a:srgbClr val="212121"/>
-                </a:solidFill>
-                <a:latin typeface="Monaco"/>
-                <a:ea typeface="Monaco"/>
-                <a:cs typeface="Monaco"/>
-                <a:sym typeface="Monaco"/>
-              </a:defRPr>
-            </a:pPr>
-            <a:r>
-              <a:t>+-----+-----+-------+</a:t>
-            </a:r>
-          </a:p>
-          <a:p>
-            <a:pPr defTabSz="457200">
-              <a:lnSpc>
-                <a:spcPts val="3000"/>
-              </a:lnSpc>
-              <a:defRPr sz="1200">
-                <a:solidFill>
-                  <a:srgbClr val="212121"/>
-                </a:solidFill>
-                <a:latin typeface="Monaco"/>
-                <a:ea typeface="Monaco"/>
-                <a:cs typeface="Monaco"/>
-                <a:sym typeface="Monaco"/>
-              </a:defRPr>
-            </a:pPr>
-            <a:r>
-              <a:t>|above| true|  false|</a:t>
-            </a:r>
-          </a:p>
-          <a:p>
-            <a:pPr defTabSz="457200">
-              <a:lnSpc>
-                <a:spcPts val="3000"/>
-              </a:lnSpc>
-              <a:defRPr sz="1200">
-                <a:solidFill>
-                  <a:srgbClr val="212121"/>
-                </a:solidFill>
-                <a:latin typeface="Monaco"/>
-                <a:ea typeface="Monaco"/>
-                <a:cs typeface="Monaco"/>
-                <a:sym typeface="Monaco"/>
-              </a:defRPr>
-            </a:pPr>
-            <a:r>
-              <a:t>+-----+-----+-------+</a:t>
-            </a:r>
-          </a:p>
-          <a:p>
-            <a:pPr defTabSz="457200">
-              <a:lnSpc>
-                <a:spcPts val="3000"/>
-              </a:lnSpc>
-              <a:defRPr sz="1200">
-                <a:solidFill>
-                  <a:srgbClr val="212121"/>
-                </a:solidFill>
-                <a:latin typeface="Monaco"/>
-                <a:ea typeface="Monaco"/>
-                <a:cs typeface="Monaco"/>
-                <a:sym typeface="Monaco"/>
-              </a:defRPr>
-            </a:pPr>
-            <a:r>
-              <a:t>| true|20871|    637|</a:t>
-            </a:r>
-          </a:p>
-          <a:p>
-            <a:pPr defTabSz="457200">
-              <a:lnSpc>
-                <a:spcPts val="3000"/>
-              </a:lnSpc>
-              <a:defRPr sz="1200">
-                <a:solidFill>
-                  <a:srgbClr val="212121"/>
-                </a:solidFill>
-                <a:latin typeface="Monaco"/>
-                <a:ea typeface="Monaco"/>
-                <a:cs typeface="Monaco"/>
-                <a:sym typeface="Monaco"/>
-              </a:defRPr>
-            </a:pPr>
-            <a:r>
-              <a:t>|false|   60|5727564|</a:t>
-            </a:r>
-          </a:p>
-          <a:p>
-            <a:pPr defTabSz="457200">
-              <a:lnSpc>
-                <a:spcPts val="3000"/>
-              </a:lnSpc>
-              <a:defRPr sz="1200">
-                <a:solidFill>
-                  <a:srgbClr val="212121"/>
-                </a:solidFill>
-                <a:latin typeface="Monaco"/>
-                <a:ea typeface="Monaco"/>
-                <a:cs typeface="Monaco"/>
-                <a:sym typeface="Monaco"/>
-              </a:defRPr>
-            </a:pPr>
-            <a:r>
-              <a:t>+-----+-----+-------+</a:t>
-            </a:r>
-          </a:p>
-        </p:txBody>
-      </p:sp>
+        </p:spPr>
+      </p:pic>
     </p:spTree>
   </p:cSld>
   <p:clrMapOvr>
@@ -11608,7 +9485,7 @@
       </p:grpSpPr>
       <p:sp>
         <p:nvSpPr>
-          <p:cNvPr id="305" name="Assignment"/>
+          <p:cNvPr id="306" name="Assignment"/>
           <p:cNvSpPr txBox="1"/>
           <p:nvPr>
             <p:ph type="title"/>
@@ -11632,7 +9509,7 @@
       </p:sp>
       <p:sp>
         <p:nvSpPr>
-          <p:cNvPr id="306" name="Find a dataset in CSV form…"/>
+          <p:cNvPr id="307" name="Find a dataset in CSV form…"/>
           <p:cNvSpPr txBox="1"/>
           <p:nvPr>
             <p:ph type="body" idx="1"/>
@@ -11728,7 +9605,7 @@
       </p:grpSpPr>
       <p:sp>
         <p:nvSpPr>
-          <p:cNvPr id="308" name="Summary of the lecture"/>
+          <p:cNvPr id="309" name="Summary of the lecture"/>
           <p:cNvSpPr txBox="1"/>
           <p:nvPr>
             <p:ph type="title"/>
@@ -11752,7 +9629,7 @@
       </p:sp>
       <p:sp>
         <p:nvSpPr>
-          <p:cNvPr id="309" name="We have reviewed BD in the SMACT framework, focusing on the “6V”-s common to all BD fields.…"/>
+          <p:cNvPr id="310" name="We have reviewed BD in the SMACT framework, focusing on the “6V”-s common to all BD fields.…"/>
           <p:cNvSpPr txBox="1"/>
           <p:nvPr>
             <p:ph type="body" idx="1"/>
@@ -11827,7 +9704,7 @@
       </p:grpSpPr>
       <p:sp>
         <p:nvSpPr>
-          <p:cNvPr id="311" name="Summary of the lecture"/>
+          <p:cNvPr id="312" name="Useful links"/>
           <p:cNvSpPr txBox="1"/>
           <p:nvPr>
             <p:ph type="title"/>
@@ -11844,6 +9721,178 @@
           <a:p>
             <a:pPr/>
             <a:r>
+              <a:t>Useful links</a:t>
+            </a:r>
+          </a:p>
+        </p:txBody>
+      </p:sp>
+      <p:sp>
+        <p:nvSpPr>
+          <p:cNvPr id="313" name="Hadoop HDFS https://hadoop.apache.org/docs/r1.2.1/hdfs_design.html…"/>
+          <p:cNvSpPr txBox="1"/>
+          <p:nvPr>
+            <p:ph type="body" idx="1"/>
+          </p:nvPr>
+        </p:nvSpPr>
+        <p:spPr>
+          <a:prstGeom prst="rect">
+            <a:avLst/>
+          </a:prstGeom>
+        </p:spPr>
+        <p:txBody>
+          <a:bodyPr/>
+          <a:lstStyle/>
+          <a:p>
+            <a:pPr marL="274320" indent="-274320" defTabSz="731520">
+              <a:spcBef>
+                <a:spcPts val="600"/>
+              </a:spcBef>
+              <a:defRPr sz="2560"/>
+            </a:pPr>
+            <a:r>
+              <a:t>Hadoop HDFS</a:t>
+            </a:r>
+            <a:br/>
+            <a:r>
+              <a:rPr u="sng">
+                <a:solidFill>
+                  <a:srgbClr val="0000FF"/>
+                </a:solidFill>
+                <a:uFill>
+                  <a:solidFill>
+                    <a:srgbClr val="0000FF"/>
+                  </a:solidFill>
+                </a:uFill>
+                <a:hlinkClick r:id="rId2" invalidUrl="" action="" tgtFrame="" tooltip="" history="1" highlightClick="0" endSnd="0"/>
+              </a:rPr>
+              <a:t>https://hadoop.apache.org/docs/r1.2.1/hdfs_design.html</a:t>
+            </a:r>
+          </a:p>
+          <a:p>
+            <a:pPr marL="274320" indent="-274320" defTabSz="731520">
+              <a:spcBef>
+                <a:spcPts val="600"/>
+              </a:spcBef>
+              <a:defRPr sz="2560"/>
+            </a:pPr>
+            <a:r>
+              <a:t>Hadoop setup</a:t>
+            </a:r>
+            <a:br/>
+            <a:r>
+              <a:rPr u="sng">
+                <a:solidFill>
+                  <a:srgbClr val="0000FF"/>
+                </a:solidFill>
+                <a:uFill>
+                  <a:solidFill>
+                    <a:srgbClr val="0000FF"/>
+                  </a:solidFill>
+                </a:uFill>
+                <a:hlinkClick r:id="rId3" invalidUrl="" action="" tgtFrame="" tooltip="" history="1" highlightClick="0" endSnd="0"/>
+              </a:rPr>
+              <a:t>http://shayanmasood.com/blog/how-to-setup-hadoop-on-mac-os-x-10-9-mavericks/</a:t>
+            </a:r>
+          </a:p>
+          <a:p>
+            <a:pPr marL="274320" indent="-274320" defTabSz="731520">
+              <a:spcBef>
+                <a:spcPts val="600"/>
+              </a:spcBef>
+              <a:defRPr sz="2560"/>
+            </a:pPr>
+            <a:r>
+              <a:t>Spark</a:t>
+            </a:r>
+            <a:br/>
+            <a:r>
+              <a:rPr u="sng">
+                <a:solidFill>
+                  <a:srgbClr val="0000FF"/>
+                </a:solidFill>
+                <a:uFill>
+                  <a:solidFill>
+                    <a:srgbClr val="0000FF"/>
+                  </a:solidFill>
+                </a:uFill>
+                <a:hlinkClick r:id="rId4" invalidUrl="" action="" tgtFrame="" tooltip="" history="1" highlightClick="0" endSnd="0"/>
+              </a:rPr>
+              <a:t>https://spark.apache.org/docs/latest/cluster-overview.html</a:t>
+            </a:r>
+          </a:p>
+          <a:p>
+            <a:pPr marL="274320" indent="-274320" defTabSz="731520">
+              <a:spcBef>
+                <a:spcPts val="600"/>
+              </a:spcBef>
+              <a:defRPr sz="2560"/>
+            </a:pPr>
+            <a:r>
+              <a:t>PySpark</a:t>
+            </a:r>
+            <a:br/>
+            <a:r>
+              <a:rPr u="sng">
+                <a:solidFill>
+                  <a:srgbClr val="0000FF"/>
+                </a:solidFill>
+                <a:uFill>
+                  <a:solidFill>
+                    <a:srgbClr val="0000FF"/>
+                  </a:solidFill>
+                </a:uFill>
+                <a:hlinkClick r:id="rId5" invalidUrl="" action="" tgtFrame="" tooltip="" history="1" highlightClick="0" endSnd="0"/>
+              </a:rPr>
+              <a:t>http://spark.apache.org/docs/latest/api/python/pyspark.html#pyspark.SparkContext</a:t>
+            </a:r>
+          </a:p>
+        </p:txBody>
+      </p:sp>
+    </p:spTree>
+  </p:cSld>
+  <p:clrMapOvr>
+    <a:masterClrMapping/>
+  </p:clrMapOvr>
+  <p:transition xmlns:p14="http://schemas.microsoft.com/office/powerpoint/2010/main" spd="med" advClick="1"/>
+</p:sld>
+</file>
+
+<file path=ppt/slides/slide36.xml><?xml version="1.0" encoding="utf-8"?>
+<p:sld xmlns:a="http://schemas.openxmlformats.org/drawingml/2006/main" xmlns:r="http://schemas.openxmlformats.org/officeDocument/2006/relationships" xmlns:p="http://schemas.openxmlformats.org/presentationml/2006/main" showMasterSp="1" showMasterPhAnim="1">
+  <p:cSld>
+    <p:spTree>
+      <p:nvGrpSpPr>
+        <p:cNvPr id="1" name=""/>
+        <p:cNvGrpSpPr/>
+        <p:nvPr/>
+      </p:nvGrpSpPr>
+      <p:grpSpPr>
+        <a:xfrm>
+          <a:off x="0" y="0"/>
+          <a:ext cx="0" cy="0"/>
+          <a:chOff x="0" y="0"/>
+          <a:chExt cx="0" cy="0"/>
+        </a:xfrm>
+      </p:grpSpPr>
+      <p:sp>
+        <p:nvSpPr>
+          <p:cNvPr id="315" name="Summary of the lecture"/>
+          <p:cNvSpPr txBox="1"/>
+          <p:nvPr>
+            <p:ph type="title"/>
+          </p:nvPr>
+        </p:nvSpPr>
+        <p:spPr>
+          <a:prstGeom prst="rect">
+            <a:avLst/>
+          </a:prstGeom>
+        </p:spPr>
+        <p:txBody>
+          <a:bodyPr/>
+          <a:lstStyle/>
+          <a:p>
+            <a:pPr/>
+            <a:r>
               <a:t>Summary of the lecture</a:t>
             </a:r>
           </a:p>
@@ -11851,7 +9900,7 @@
       </p:sp>
       <p:sp>
         <p:nvSpPr>
-          <p:cNvPr id="312" name="By actually executing a simple BD processing task, we now have the foundations to proceed to more advanced explorations.…"/>
+          <p:cNvPr id="316" name="By actually executing a simple BD processing task, we now have the foundations to proceed to more advanced explorations.…"/>
           <p:cNvSpPr txBox="1"/>
           <p:nvPr>
             <p:ph type="body" idx="1"/>
@@ -12562,7 +10611,7 @@
         <p:spPr>
           <a:xfrm>
             <a:off x="724498" y="1663823"/>
-            <a:ext cx="7695005" cy="4447541"/>
+            <a:ext cx="7695005" cy="4815841"/>
           </a:xfrm>
           <a:prstGeom prst="rect">
             <a:avLst/>
@@ -12588,22 +10637,13 @@
             <a:r>
               <a:t>• Variety: Generally, big data comes in different forms and types. It may consist of structured, semi-structured, and unstructured data. A wide variety of data types may be produced by IoT such as text, audio, video, sensory data </a:t>
             </a:r>
-            <a:endParaRPr sz="1200"/>
           </a:p>
           <a:p>
             <a:pPr defTabSz="457200">
-              <a:lnSpc>
-                <a:spcPts val="4300"/>
-              </a:lnSpc>
               <a:spcBef>
                 <a:spcPts val="1200"/>
               </a:spcBef>
-              <a:defRPr sz="2400">
-                <a:latin typeface="Times"/>
-                <a:ea typeface="Times"/>
-                <a:cs typeface="Times"/>
-                <a:sym typeface="Times"/>
-              </a:defRPr>
+              <a:defRPr sz="2400"/>
             </a:pPr>
             <a:r>
               <a:t>and so on.</a:t>
@@ -12612,24 +10652,15 @@
           </a:p>
           <a:p>
             <a:pPr defTabSz="457200">
-              <a:lnSpc>
-                <a:spcPts val="4300"/>
-              </a:lnSpc>
               <a:spcBef>
                 <a:spcPts val="1200"/>
               </a:spcBef>
-              <a:defRPr sz="2400">
-                <a:latin typeface="Times"/>
-                <a:ea typeface="Times"/>
-                <a:cs typeface="Times"/>
-                <a:sym typeface="Times"/>
-              </a:defRPr>
+              <a:defRPr sz="2400"/>
             </a:pPr>
             <a:r>
               <a:t>• Veracity: Veracity refers to the quality, consistency, and trustworthiness of the data, which in turn leads to accurate analytics. This property needs special attention to hold for IoT applications, especially those with crowd-sensing data.</a:t>
             </a:r>
             <a:br/>
-            <a:endParaRPr sz="1200"/>
           </a:p>
         </p:txBody>
       </p:sp>

--- a/powerpoints/ITU Academy Slides AM4-02.pptx
+++ b/powerpoints/ITU Academy Slides AM4-02.pptx
@@ -101,7 +101,7 @@
         <a:latin typeface="+mn-lt"/>
         <a:ea typeface="+mn-ea"/>
         <a:cs typeface="+mn-cs"/>
-        <a:sym typeface="Calibri"/>
+        <a:sym typeface="Arial"/>
       </a:defRPr>
     </a:lvl1pPr>
     <a:lvl2pPr marL="0" marR="0" indent="457200" algn="l" defTabSz="914400" rtl="0" fontAlgn="auto" latinLnBrk="0" hangingPunct="0">
@@ -131,7 +131,7 @@
         <a:latin typeface="+mn-lt"/>
         <a:ea typeface="+mn-ea"/>
         <a:cs typeface="+mn-cs"/>
-        <a:sym typeface="Calibri"/>
+        <a:sym typeface="Arial"/>
       </a:defRPr>
     </a:lvl2pPr>
     <a:lvl3pPr marL="0" marR="0" indent="914400" algn="l" defTabSz="914400" rtl="0" fontAlgn="auto" latinLnBrk="0" hangingPunct="0">
@@ -161,7 +161,7 @@
         <a:latin typeface="+mn-lt"/>
         <a:ea typeface="+mn-ea"/>
         <a:cs typeface="+mn-cs"/>
-        <a:sym typeface="Calibri"/>
+        <a:sym typeface="Arial"/>
       </a:defRPr>
     </a:lvl3pPr>
     <a:lvl4pPr marL="0" marR="0" indent="1371600" algn="l" defTabSz="914400" rtl="0" fontAlgn="auto" latinLnBrk="0" hangingPunct="0">
@@ -191,7 +191,7 @@
         <a:latin typeface="+mn-lt"/>
         <a:ea typeface="+mn-ea"/>
         <a:cs typeface="+mn-cs"/>
-        <a:sym typeface="Calibri"/>
+        <a:sym typeface="Arial"/>
       </a:defRPr>
     </a:lvl4pPr>
     <a:lvl5pPr marL="0" marR="0" indent="1828800" algn="l" defTabSz="914400" rtl="0" fontAlgn="auto" latinLnBrk="0" hangingPunct="0">
@@ -221,7 +221,7 @@
         <a:latin typeface="+mn-lt"/>
         <a:ea typeface="+mn-ea"/>
         <a:cs typeface="+mn-cs"/>
-        <a:sym typeface="Calibri"/>
+        <a:sym typeface="Arial"/>
       </a:defRPr>
     </a:lvl5pPr>
     <a:lvl6pPr marL="0" marR="0" indent="2286000" algn="l" defTabSz="914400" rtl="0" fontAlgn="auto" latinLnBrk="0" hangingPunct="0">
@@ -251,7 +251,7 @@
         <a:latin typeface="+mn-lt"/>
         <a:ea typeface="+mn-ea"/>
         <a:cs typeface="+mn-cs"/>
-        <a:sym typeface="Calibri"/>
+        <a:sym typeface="Arial"/>
       </a:defRPr>
     </a:lvl6pPr>
     <a:lvl7pPr marL="0" marR="0" indent="2743200" algn="l" defTabSz="914400" rtl="0" fontAlgn="auto" latinLnBrk="0" hangingPunct="0">
@@ -281,7 +281,7 @@
         <a:latin typeface="+mn-lt"/>
         <a:ea typeface="+mn-ea"/>
         <a:cs typeface="+mn-cs"/>
-        <a:sym typeface="Calibri"/>
+        <a:sym typeface="Arial"/>
       </a:defRPr>
     </a:lvl7pPr>
     <a:lvl8pPr marL="0" marR="0" indent="3200400" algn="l" defTabSz="914400" rtl="0" fontAlgn="auto" latinLnBrk="0" hangingPunct="0">
@@ -311,7 +311,7 @@
         <a:latin typeface="+mn-lt"/>
         <a:ea typeface="+mn-ea"/>
         <a:cs typeface="+mn-cs"/>
-        <a:sym typeface="Calibri"/>
+        <a:sym typeface="Arial"/>
       </a:defRPr>
     </a:lvl8pPr>
     <a:lvl9pPr marL="0" marR="0" indent="3657600" algn="l" defTabSz="914400" rtl="0" fontAlgn="auto" latinLnBrk="0" hangingPunct="0">
@@ -341,7 +341,7 @@
         <a:latin typeface="+mn-lt"/>
         <a:ea typeface="+mn-ea"/>
         <a:cs typeface="+mn-cs"/>
-        <a:sym typeface="Calibri"/>
+        <a:sym typeface="Arial"/>
       </a:defRPr>
     </a:lvl9pPr>
   </p:defaultTextStyle>
@@ -428,7 +428,7 @@
         <a:latin typeface="+mn-lt"/>
         <a:ea typeface="+mn-ea"/>
         <a:cs typeface="+mn-cs"/>
-        <a:sym typeface="Calibri"/>
+        <a:sym typeface="Arial"/>
       </a:defRPr>
     </a:lvl1pPr>
     <a:lvl2pPr indent="228600" latinLnBrk="0">
@@ -436,7 +436,7 @@
         <a:latin typeface="+mn-lt"/>
         <a:ea typeface="+mn-ea"/>
         <a:cs typeface="+mn-cs"/>
-        <a:sym typeface="Calibri"/>
+        <a:sym typeface="Arial"/>
       </a:defRPr>
     </a:lvl2pPr>
     <a:lvl3pPr indent="457200" latinLnBrk="0">
@@ -444,7 +444,7 @@
         <a:latin typeface="+mn-lt"/>
         <a:ea typeface="+mn-ea"/>
         <a:cs typeface="+mn-cs"/>
-        <a:sym typeface="Calibri"/>
+        <a:sym typeface="Arial"/>
       </a:defRPr>
     </a:lvl3pPr>
     <a:lvl4pPr indent="685800" latinLnBrk="0">
@@ -452,7 +452,7 @@
         <a:latin typeface="+mn-lt"/>
         <a:ea typeface="+mn-ea"/>
         <a:cs typeface="+mn-cs"/>
-        <a:sym typeface="Calibri"/>
+        <a:sym typeface="Arial"/>
       </a:defRPr>
     </a:lvl4pPr>
     <a:lvl5pPr indent="914400" latinLnBrk="0">
@@ -460,7 +460,7 @@
         <a:latin typeface="+mn-lt"/>
         <a:ea typeface="+mn-ea"/>
         <a:cs typeface="+mn-cs"/>
-        <a:sym typeface="Calibri"/>
+        <a:sym typeface="Arial"/>
       </a:defRPr>
     </a:lvl5pPr>
     <a:lvl6pPr indent="1143000" latinLnBrk="0">
@@ -468,7 +468,7 @@
         <a:latin typeface="+mn-lt"/>
         <a:ea typeface="+mn-ea"/>
         <a:cs typeface="+mn-cs"/>
-        <a:sym typeface="Calibri"/>
+        <a:sym typeface="Arial"/>
       </a:defRPr>
     </a:lvl6pPr>
     <a:lvl7pPr indent="1371600" latinLnBrk="0">
@@ -476,7 +476,7 @@
         <a:latin typeface="+mn-lt"/>
         <a:ea typeface="+mn-ea"/>
         <a:cs typeface="+mn-cs"/>
-        <a:sym typeface="Calibri"/>
+        <a:sym typeface="Arial"/>
       </a:defRPr>
     </a:lvl7pPr>
     <a:lvl8pPr indent="1600200" latinLnBrk="0">
@@ -484,7 +484,7 @@
         <a:latin typeface="+mn-lt"/>
         <a:ea typeface="+mn-ea"/>
         <a:cs typeface="+mn-cs"/>
-        <a:sym typeface="Calibri"/>
+        <a:sym typeface="Arial"/>
       </a:defRPr>
     </a:lvl8pPr>
     <a:lvl9pPr indent="1828800" latinLnBrk="0">
@@ -492,7 +492,7 @@
         <a:latin typeface="+mn-lt"/>
         <a:ea typeface="+mn-ea"/>
         <a:cs typeface="+mn-cs"/>
-        <a:sym typeface="Calibri"/>
+        <a:sym typeface="Arial"/>
       </a:defRPr>
     </a:lvl9pPr>
   </p:notesStyle>
@@ -739,6 +739,26 @@
             <a:pPr/>
             <a:r>
               <a:t>(this is to prepare the students for the exercise session, here only give an outline)</a:t>
+            </a:r>
+          </a:p>
+          <a:p>
+            <a:pPr/>
+          </a:p>
+          <a:p>
+            <a:pPr/>
+            <a:r>
+              <a:rPr u="sng">
+                <a:solidFill>
+                  <a:srgbClr val="0000FF"/>
+                </a:solidFill>
+                <a:uFill>
+                  <a:solidFill>
+                    <a:srgbClr val="0000FF"/>
+                  </a:solidFill>
+                </a:uFill>
+                <a:hlinkClick r:id="rId3" invalidUrl="" action="" tgtFrame="" tooltip="" history="1" highlightClick="0" endSnd="0"/>
+              </a:rPr>
+              <a:t>https://docs.scala-lang.org/tutorials/scala-with-maven.html</a:t>
             </a:r>
           </a:p>
         </p:txBody>
@@ -4211,8 +4231,8 @@
         </p:nvSpPr>
         <p:spPr>
           <a:xfrm>
-            <a:off x="8428176" y="6404292"/>
-            <a:ext cx="258624" cy="269241"/>
+            <a:off x="8413144" y="6406785"/>
+            <a:ext cx="273657" cy="264255"/>
           </a:xfrm>
           <a:prstGeom prst="rect">
             <a:avLst/>
@@ -4286,7 +4306,7 @@
           <a:latin typeface="+mn-lt"/>
           <a:ea typeface="+mn-ea"/>
           <a:cs typeface="+mn-cs"/>
-          <a:sym typeface="Calibri"/>
+          <a:sym typeface="Arial"/>
         </a:defRPr>
       </a:lvl1pPr>
       <a:lvl2pPr marL="0" marR="0" indent="0" algn="ctr" defTabSz="914400" rtl="0" latinLnBrk="0">
@@ -4315,7 +4335,7 @@
           <a:latin typeface="+mn-lt"/>
           <a:ea typeface="+mn-ea"/>
           <a:cs typeface="+mn-cs"/>
-          <a:sym typeface="Calibri"/>
+          <a:sym typeface="Arial"/>
         </a:defRPr>
       </a:lvl2pPr>
       <a:lvl3pPr marL="0" marR="0" indent="0" algn="ctr" defTabSz="914400" rtl="0" latinLnBrk="0">
@@ -4344,7 +4364,7 @@
           <a:latin typeface="+mn-lt"/>
           <a:ea typeface="+mn-ea"/>
           <a:cs typeface="+mn-cs"/>
-          <a:sym typeface="Calibri"/>
+          <a:sym typeface="Arial"/>
         </a:defRPr>
       </a:lvl3pPr>
       <a:lvl4pPr marL="0" marR="0" indent="0" algn="ctr" defTabSz="914400" rtl="0" latinLnBrk="0">
@@ -4373,7 +4393,7 @@
           <a:latin typeface="+mn-lt"/>
           <a:ea typeface="+mn-ea"/>
           <a:cs typeface="+mn-cs"/>
-          <a:sym typeface="Calibri"/>
+          <a:sym typeface="Arial"/>
         </a:defRPr>
       </a:lvl4pPr>
       <a:lvl5pPr marL="0" marR="0" indent="0" algn="ctr" defTabSz="914400" rtl="0" latinLnBrk="0">
@@ -4402,7 +4422,7 @@
           <a:latin typeface="+mn-lt"/>
           <a:ea typeface="+mn-ea"/>
           <a:cs typeface="+mn-cs"/>
-          <a:sym typeface="Calibri"/>
+          <a:sym typeface="Arial"/>
         </a:defRPr>
       </a:lvl5pPr>
       <a:lvl6pPr marL="0" marR="0" indent="0" algn="ctr" defTabSz="914400" rtl="0" latinLnBrk="0">
@@ -4431,7 +4451,7 @@
           <a:latin typeface="+mn-lt"/>
           <a:ea typeface="+mn-ea"/>
           <a:cs typeface="+mn-cs"/>
-          <a:sym typeface="Calibri"/>
+          <a:sym typeface="Arial"/>
         </a:defRPr>
       </a:lvl6pPr>
       <a:lvl7pPr marL="0" marR="0" indent="0" algn="ctr" defTabSz="914400" rtl="0" latinLnBrk="0">
@@ -4460,7 +4480,7 @@
           <a:latin typeface="+mn-lt"/>
           <a:ea typeface="+mn-ea"/>
           <a:cs typeface="+mn-cs"/>
-          <a:sym typeface="Calibri"/>
+          <a:sym typeface="Arial"/>
         </a:defRPr>
       </a:lvl7pPr>
       <a:lvl8pPr marL="0" marR="0" indent="0" algn="ctr" defTabSz="914400" rtl="0" latinLnBrk="0">
@@ -4489,7 +4509,7 @@
           <a:latin typeface="+mn-lt"/>
           <a:ea typeface="+mn-ea"/>
           <a:cs typeface="+mn-cs"/>
-          <a:sym typeface="Calibri"/>
+          <a:sym typeface="Arial"/>
         </a:defRPr>
       </a:lvl8pPr>
       <a:lvl9pPr marL="0" marR="0" indent="0" algn="ctr" defTabSz="914400" rtl="0" latinLnBrk="0">
@@ -4518,7 +4538,7 @@
           <a:latin typeface="+mn-lt"/>
           <a:ea typeface="+mn-ea"/>
           <a:cs typeface="+mn-cs"/>
-          <a:sym typeface="Calibri"/>
+          <a:sym typeface="Arial"/>
         </a:defRPr>
       </a:lvl9pPr>
     </p:titleStyle>
@@ -4549,7 +4569,7 @@
           <a:latin typeface="+mn-lt"/>
           <a:ea typeface="+mn-ea"/>
           <a:cs typeface="+mn-cs"/>
-          <a:sym typeface="Calibri"/>
+          <a:sym typeface="Arial"/>
         </a:defRPr>
       </a:lvl1pPr>
       <a:lvl2pPr marL="783771" marR="0" indent="-326571" algn="l" defTabSz="914400" rtl="0" latinLnBrk="0">
@@ -4578,7 +4598,7 @@
           <a:latin typeface="+mn-lt"/>
           <a:ea typeface="+mn-ea"/>
           <a:cs typeface="+mn-cs"/>
-          <a:sym typeface="Calibri"/>
+          <a:sym typeface="Arial"/>
         </a:defRPr>
       </a:lvl2pPr>
       <a:lvl3pPr marL="1219200" marR="0" indent="-304800" algn="l" defTabSz="914400" rtl="0" latinLnBrk="0">
@@ -4607,7 +4627,7 @@
           <a:latin typeface="+mn-lt"/>
           <a:ea typeface="+mn-ea"/>
           <a:cs typeface="+mn-cs"/>
-          <a:sym typeface="Calibri"/>
+          <a:sym typeface="Arial"/>
         </a:defRPr>
       </a:lvl3pPr>
       <a:lvl4pPr marL="1737360" marR="0" indent="-365760" algn="l" defTabSz="914400" rtl="0" latinLnBrk="0">
@@ -4636,7 +4656,7 @@
           <a:latin typeface="+mn-lt"/>
           <a:ea typeface="+mn-ea"/>
           <a:cs typeface="+mn-cs"/>
-          <a:sym typeface="Calibri"/>
+          <a:sym typeface="Arial"/>
         </a:defRPr>
       </a:lvl4pPr>
       <a:lvl5pPr marL="2194560" marR="0" indent="-365760" algn="l" defTabSz="914400" rtl="0" latinLnBrk="0">
@@ -4665,7 +4685,7 @@
           <a:latin typeface="+mn-lt"/>
           <a:ea typeface="+mn-ea"/>
           <a:cs typeface="+mn-cs"/>
-          <a:sym typeface="Calibri"/>
+          <a:sym typeface="Arial"/>
         </a:defRPr>
       </a:lvl5pPr>
       <a:lvl6pPr marL="2651760" marR="0" indent="-365760" algn="l" defTabSz="914400" rtl="0" latinLnBrk="0">
@@ -4694,7 +4714,7 @@
           <a:latin typeface="+mn-lt"/>
           <a:ea typeface="+mn-ea"/>
           <a:cs typeface="+mn-cs"/>
-          <a:sym typeface="Calibri"/>
+          <a:sym typeface="Arial"/>
         </a:defRPr>
       </a:lvl6pPr>
       <a:lvl7pPr marL="3108960" marR="0" indent="-365760" algn="l" defTabSz="914400" rtl="0" latinLnBrk="0">
@@ -4723,7 +4743,7 @@
           <a:latin typeface="+mn-lt"/>
           <a:ea typeface="+mn-ea"/>
           <a:cs typeface="+mn-cs"/>
-          <a:sym typeface="Calibri"/>
+          <a:sym typeface="Arial"/>
         </a:defRPr>
       </a:lvl7pPr>
       <a:lvl8pPr marL="3566159" marR="0" indent="-365759" algn="l" defTabSz="914400" rtl="0" latinLnBrk="0">
@@ -4752,7 +4772,7 @@
           <a:latin typeface="+mn-lt"/>
           <a:ea typeface="+mn-ea"/>
           <a:cs typeface="+mn-cs"/>
-          <a:sym typeface="Calibri"/>
+          <a:sym typeface="Arial"/>
         </a:defRPr>
       </a:lvl8pPr>
       <a:lvl9pPr marL="4023359" marR="0" indent="-365759" algn="l" defTabSz="914400" rtl="0" latinLnBrk="0">
@@ -4781,7 +4801,7 @@
           <a:latin typeface="+mn-lt"/>
           <a:ea typeface="+mn-ea"/>
           <a:cs typeface="+mn-cs"/>
-          <a:sym typeface="Calibri"/>
+          <a:sym typeface="Arial"/>
         </a:defRPr>
       </a:lvl9pPr>
     </p:bodyStyle>
@@ -4812,7 +4832,7 @@
           <a:latin typeface="+mn-lt"/>
           <a:ea typeface="+mn-ea"/>
           <a:cs typeface="+mn-cs"/>
-          <a:sym typeface="Calibri"/>
+          <a:sym typeface="Arial"/>
         </a:defRPr>
       </a:lvl1pPr>
       <a:lvl2pPr marL="0" marR="0" indent="457200" algn="r" defTabSz="914400" rtl="0" latinLnBrk="0">
@@ -4841,7 +4861,7 @@
           <a:latin typeface="+mn-lt"/>
           <a:ea typeface="+mn-ea"/>
           <a:cs typeface="+mn-cs"/>
-          <a:sym typeface="Calibri"/>
+          <a:sym typeface="Arial"/>
         </a:defRPr>
       </a:lvl2pPr>
       <a:lvl3pPr marL="0" marR="0" indent="914400" algn="r" defTabSz="914400" rtl="0" latinLnBrk="0">
@@ -4870,7 +4890,7 @@
           <a:latin typeface="+mn-lt"/>
           <a:ea typeface="+mn-ea"/>
           <a:cs typeface="+mn-cs"/>
-          <a:sym typeface="Calibri"/>
+          <a:sym typeface="Arial"/>
         </a:defRPr>
       </a:lvl3pPr>
       <a:lvl4pPr marL="0" marR="0" indent="1371600" algn="r" defTabSz="914400" rtl="0" latinLnBrk="0">
@@ -4899,7 +4919,7 @@
           <a:latin typeface="+mn-lt"/>
           <a:ea typeface="+mn-ea"/>
           <a:cs typeface="+mn-cs"/>
-          <a:sym typeface="Calibri"/>
+          <a:sym typeface="Arial"/>
         </a:defRPr>
       </a:lvl4pPr>
       <a:lvl5pPr marL="0" marR="0" indent="1828800" algn="r" defTabSz="914400" rtl="0" latinLnBrk="0">
@@ -4928,7 +4948,7 @@
           <a:latin typeface="+mn-lt"/>
           <a:ea typeface="+mn-ea"/>
           <a:cs typeface="+mn-cs"/>
-          <a:sym typeface="Calibri"/>
+          <a:sym typeface="Arial"/>
         </a:defRPr>
       </a:lvl5pPr>
       <a:lvl6pPr marL="0" marR="0" indent="2286000" algn="r" defTabSz="914400" rtl="0" latinLnBrk="0">
@@ -4957,7 +4977,7 @@
           <a:latin typeface="+mn-lt"/>
           <a:ea typeface="+mn-ea"/>
           <a:cs typeface="+mn-cs"/>
-          <a:sym typeface="Calibri"/>
+          <a:sym typeface="Arial"/>
         </a:defRPr>
       </a:lvl6pPr>
       <a:lvl7pPr marL="0" marR="0" indent="2743200" algn="r" defTabSz="914400" rtl="0" latinLnBrk="0">
@@ -4986,7 +5006,7 @@
           <a:latin typeface="+mn-lt"/>
           <a:ea typeface="+mn-ea"/>
           <a:cs typeface="+mn-cs"/>
-          <a:sym typeface="Calibri"/>
+          <a:sym typeface="Arial"/>
         </a:defRPr>
       </a:lvl7pPr>
       <a:lvl8pPr marL="0" marR="0" indent="3200400" algn="r" defTabSz="914400" rtl="0" latinLnBrk="0">
@@ -5015,7 +5035,7 @@
           <a:latin typeface="+mn-lt"/>
           <a:ea typeface="+mn-ea"/>
           <a:cs typeface="+mn-cs"/>
-          <a:sym typeface="Calibri"/>
+          <a:sym typeface="Arial"/>
         </a:defRPr>
       </a:lvl8pPr>
       <a:lvl9pPr marL="0" marR="0" indent="3657600" algn="r" defTabSz="914400" rtl="0" latinLnBrk="0">
@@ -5044,7 +5064,7 @@
           <a:latin typeface="+mn-lt"/>
           <a:ea typeface="+mn-ea"/>
           <a:cs typeface="+mn-cs"/>
-          <a:sym typeface="Calibri"/>
+          <a:sym typeface="Arial"/>
         </a:defRPr>
       </a:lvl9pPr>
     </p:otherStyle>
@@ -5101,12 +5121,7 @@
           <a:bodyPr/>
           <a:lstStyle>
             <a:lvl1pPr defTabSz="493776">
-              <a:defRPr sz="3240">
-                <a:latin typeface="BankGothic Lt BT"/>
-                <a:ea typeface="BankGothic Lt BT"/>
-                <a:cs typeface="BankGothic Lt BT"/>
-                <a:sym typeface="BankGothic Lt BT"/>
-              </a:defRPr>
+              <a:defRPr sz="3240"/>
             </a:lvl1pPr>
           </a:lstStyle>
           <a:p>
@@ -5176,7 +5191,7 @@
         <p:spPr>
           <a:xfrm>
             <a:off x="1058659" y="1541780"/>
-            <a:ext cx="7026682" cy="3774441"/>
+            <a:ext cx="7026682" cy="3637469"/>
           </a:xfrm>
           <a:prstGeom prst="rect">
             <a:avLst/>
@@ -5269,7 +5284,7 @@
         <p:spPr>
           <a:xfrm>
             <a:off x="675229" y="1839276"/>
-            <a:ext cx="7793542" cy="3774441"/>
+            <a:ext cx="7793542" cy="3993070"/>
           </a:xfrm>
           <a:prstGeom prst="rect">
             <a:avLst/>
@@ -5761,7 +5776,7 @@
         <p:spPr>
           <a:xfrm>
             <a:off x="4294611" y="714388"/>
-            <a:ext cx="856467" cy="370841"/>
+            <a:ext cx="879349" cy="350662"/>
           </a:xfrm>
           <a:prstGeom prst="rect">
             <a:avLst/>
@@ -5867,7 +5882,7 @@
         <p:spPr>
           <a:xfrm>
             <a:off x="3269450" y="1577339"/>
-            <a:ext cx="903460" cy="370841"/>
+            <a:ext cx="993873" cy="350663"/>
           </a:xfrm>
           <a:prstGeom prst="rect">
             <a:avLst/>
@@ -5903,7 +5918,7 @@
         <p:spPr>
           <a:xfrm>
             <a:off x="5570642" y="1934678"/>
-            <a:ext cx="752325" cy="370841"/>
+            <a:ext cx="777551" cy="350662"/>
           </a:xfrm>
           <a:prstGeom prst="rect">
             <a:avLst/>
@@ -5939,7 +5954,7 @@
         <p:spPr>
           <a:xfrm>
             <a:off x="2527301" y="2281262"/>
-            <a:ext cx="812600" cy="370841"/>
+            <a:ext cx="930249" cy="350662"/>
           </a:xfrm>
           <a:prstGeom prst="rect">
             <a:avLst/>
@@ -5975,7 +5990,7 @@
         <p:spPr>
           <a:xfrm>
             <a:off x="3552829" y="3243579"/>
-            <a:ext cx="752324" cy="370841"/>
+            <a:ext cx="777551" cy="350663"/>
           </a:xfrm>
           <a:prstGeom prst="rect">
             <a:avLst/>
@@ -6046,7 +6061,7 @@
         <p:spPr>
           <a:xfrm>
             <a:off x="5268425" y="2745739"/>
-            <a:ext cx="1224594" cy="370841"/>
+            <a:ext cx="1336996" cy="350663"/>
           </a:xfrm>
           <a:prstGeom prst="rect">
             <a:avLst/>
@@ -6243,7 +6258,11 @@
         </p:spPr>
         <p:txBody>
           <a:bodyPr/>
-          <a:lstStyle/>
+          <a:lstStyle>
+            <a:lvl1pPr defTabSz="905255">
+              <a:defRPr sz="1979"/>
+            </a:lvl1pPr>
+          </a:lstStyle>
           <a:p>
             <a:pPr/>
             <a:r>
@@ -6294,25 +6313,19 @@
           <a:bodyPr/>
           <a:lstStyle/>
           <a:p>
-            <a:pPr defTabSz="850391">
-              <a:defRPr sz="1302"/>
-            </a:pPr>
+            <a:pPr/>
             <a:r>
               <a:t>The data is distributed over the Datanodes, with replication.</a:t>
             </a:r>
           </a:p>
           <a:p>
-            <a:pPr defTabSz="850391">
-              <a:defRPr sz="1302"/>
-            </a:pPr>
+            <a:pPr/>
             <a:r>
               <a:t>Clients access (read / write) the nodes in parallel.</a:t>
             </a:r>
           </a:p>
           <a:p>
-            <a:pPr defTabSz="850391">
-              <a:defRPr sz="1302"/>
-            </a:pPr>
+            <a:pPr/>
             <a:r>
               <a:t>Overall organization is achieved by the Metadata in the Namenode.</a:t>
             </a:r>
@@ -6328,7 +6341,7 @@
         <p:spPr>
           <a:xfrm>
             <a:off x="3429707" y="4686516"/>
-            <a:ext cx="5462288" cy="370841"/>
+            <a:ext cx="5746699" cy="350662"/>
           </a:xfrm>
           <a:prstGeom prst="rect">
             <a:avLst/>
@@ -6971,7 +6984,7 @@
         <p:spPr>
           <a:xfrm>
             <a:off x="2760175" y="4215328"/>
-            <a:ext cx="5620456" cy="370841"/>
+            <a:ext cx="5910671" cy="350662"/>
           </a:xfrm>
           <a:prstGeom prst="rect">
             <a:avLst/>
@@ -7160,25 +7173,33 @@
           <a:bodyPr/>
           <a:lstStyle/>
           <a:p>
-            <a:pPr/>
+            <a:pPr marL="336042" indent="-336042" defTabSz="896111">
+              <a:defRPr sz="3136"/>
+            </a:pPr>
             <a:r>
               <a:t>We have a database with records, some of them from the same source</a:t>
             </a:r>
           </a:p>
           <a:p>
-            <a:pPr/>
+            <a:pPr marL="336042" indent="-336042" defTabSz="896111">
+              <a:defRPr sz="3136"/>
+            </a:pPr>
             <a:r>
               <a:t>However, they have subtle differences: small pieces missing from addresses, names written with abbreviations, misspellings, etc.</a:t>
             </a:r>
           </a:p>
           <a:p>
-            <a:pPr/>
+            <a:pPr marL="336042" indent="-336042" defTabSz="896111">
+              <a:defRPr sz="3136"/>
+            </a:pPr>
             <a:r>
               <a:t>How can we identify and collect linked records?</a:t>
             </a:r>
           </a:p>
           <a:p>
-            <a:pPr/>
+            <a:pPr marL="336042" indent="-336042" defTabSz="896111">
+              <a:defRPr sz="3136"/>
+            </a:pPr>
             <a:r>
               <a:t>Test database: “linkage”</a:t>
             </a:r>
@@ -7226,7 +7247,11 @@
         </p:spPr>
         <p:txBody>
           <a:bodyPr/>
-          <a:lstStyle/>
+          <a:lstStyle>
+            <a:lvl1pPr defTabSz="832104">
+              <a:defRPr sz="4004"/>
+            </a:lvl1pPr>
+          </a:lstStyle>
           <a:p>
             <a:pPr/>
             <a:r>
@@ -7244,7 +7269,7 @@
         <p:spPr>
           <a:xfrm>
             <a:off x="1272984" y="1296315"/>
-            <a:ext cx="6598033" cy="5120641"/>
+            <a:ext cx="7372013" cy="4884562"/>
           </a:xfrm>
           <a:prstGeom prst="rect">
             <a:avLst/>
@@ -7422,12 +7447,7 @@
           <a:bodyPr/>
           <a:lstStyle>
             <a:lvl1pPr>
-              <a:defRPr sz="6000">
-                <a:latin typeface="BankGothic Lt BT"/>
-                <a:ea typeface="BankGothic Lt BT"/>
-                <a:cs typeface="BankGothic Lt BT"/>
-                <a:sym typeface="BankGothic Lt BT"/>
-              </a:defRPr>
+              <a:defRPr sz="6000"/>
             </a:lvl1pPr>
           </a:lstStyle>
           <a:p>
@@ -7497,7 +7517,7 @@
         <p:spPr>
           <a:xfrm>
             <a:off x="1319083" y="1230498"/>
-            <a:ext cx="3934307" cy="1767841"/>
+            <a:ext cx="4351100" cy="1684162"/>
           </a:xfrm>
           <a:prstGeom prst="rect">
             <a:avLst/>
@@ -7556,7 +7576,7 @@
         <p:spPr>
           <a:xfrm>
             <a:off x="387376" y="3011620"/>
-            <a:ext cx="2484908" cy="370841"/>
+            <a:ext cx="2759719" cy="350662"/>
           </a:xfrm>
           <a:prstGeom prst="rect">
             <a:avLst/>
@@ -7671,7 +7691,7 @@
         <p:spPr>
           <a:xfrm>
             <a:off x="1319083" y="1230498"/>
-            <a:ext cx="6505834" cy="1767841"/>
+            <a:ext cx="7129238" cy="1684162"/>
           </a:xfrm>
           <a:prstGeom prst="rect">
             <a:avLst/>
@@ -7733,7 +7753,7 @@
         <p:spPr>
           <a:xfrm>
             <a:off x="244831" y="2964179"/>
-            <a:ext cx="2630797" cy="929641"/>
+            <a:ext cx="2836179" cy="884063"/>
           </a:xfrm>
           <a:prstGeom prst="rect">
             <a:avLst/>
@@ -7857,7 +7877,7 @@
         <p:spPr>
           <a:xfrm>
             <a:off x="2393548" y="1373043"/>
-            <a:ext cx="4356904" cy="1767841"/>
+            <a:ext cx="4772246" cy="1684162"/>
           </a:xfrm>
           <a:prstGeom prst="rect">
             <a:avLst/>
@@ -8004,7 +8024,7 @@
         <p:spPr>
           <a:xfrm>
             <a:off x="2393548" y="1373043"/>
-            <a:ext cx="4356904" cy="2047241"/>
+            <a:ext cx="4772246" cy="1950862"/>
           </a:xfrm>
           <a:prstGeom prst="rect">
             <a:avLst/>
@@ -8078,7 +8098,7 @@
         <p:spPr>
           <a:xfrm>
             <a:off x="450730" y="3803611"/>
-            <a:ext cx="1526417" cy="929641"/>
+            <a:ext cx="1628885" cy="884063"/>
           </a:xfrm>
           <a:prstGeom prst="rect">
             <a:avLst/>
@@ -8199,7 +8219,7 @@
         <p:spPr>
           <a:xfrm>
             <a:off x="1254957" y="1652443"/>
-            <a:ext cx="6634086" cy="1209041"/>
+            <a:ext cx="7200563" cy="1150762"/>
           </a:xfrm>
           <a:prstGeom prst="rect">
             <a:avLst/>
@@ -8326,7 +8346,7 @@
         <p:spPr>
           <a:xfrm>
             <a:off x="2306874" y="1518433"/>
-            <a:ext cx="4530252" cy="2047241"/>
+            <a:ext cx="5001516" cy="1950862"/>
           </a:xfrm>
           <a:prstGeom prst="rect">
             <a:avLst/>
@@ -8477,7 +8497,7 @@
         <p:spPr>
           <a:xfrm>
             <a:off x="996833" y="1525736"/>
-            <a:ext cx="7150334" cy="1209041"/>
+            <a:ext cx="7713574" cy="1150762"/>
           </a:xfrm>
           <a:prstGeom prst="rect">
             <a:avLst/>
@@ -8633,7 +8653,7 @@
         <p:spPr>
           <a:xfrm>
             <a:off x="687475" y="1431938"/>
-            <a:ext cx="7769050" cy="2885441"/>
+            <a:ext cx="8488783" cy="2750962"/>
           </a:xfrm>
           <a:prstGeom prst="rect">
             <a:avLst/>
@@ -8767,7 +8787,7 @@
         <p:spPr>
           <a:xfrm>
             <a:off x="1436285" y="1740169"/>
-            <a:ext cx="6271430" cy="2047241"/>
+            <a:ext cx="6642347" cy="1950863"/>
           </a:xfrm>
           <a:prstGeom prst="rect">
             <a:avLst/>
@@ -8883,7 +8903,7 @@
         <p:spPr>
           <a:xfrm>
             <a:off x="1663769" y="1156615"/>
-            <a:ext cx="5816462" cy="5400041"/>
+            <a:ext cx="6526484" cy="5151262"/>
           </a:xfrm>
           <a:prstGeom prst="rect">
             <a:avLst/>
@@ -9164,7 +9184,7 @@
         <p:spPr>
           <a:xfrm>
             <a:off x="1356085" y="1476608"/>
-            <a:ext cx="6431830" cy="2606041"/>
+            <a:ext cx="7351811" cy="2484262"/>
           </a:xfrm>
           <a:prstGeom prst="rect">
             <a:avLst/>
@@ -9377,7 +9397,7 @@
         <p:spPr>
           <a:xfrm>
             <a:off x="2594354" y="1626456"/>
-            <a:ext cx="3955292" cy="1767841"/>
+            <a:ext cx="4379676" cy="1684162"/>
           </a:xfrm>
           <a:prstGeom prst="rect">
             <a:avLst/>
@@ -9528,49 +9548,65 @@
           <a:bodyPr/>
           <a:lstStyle/>
           <a:p>
-            <a:pPr/>
+            <a:pPr marL="332613" indent="-332613" defTabSz="886968">
+              <a:defRPr sz="3104"/>
+            </a:pPr>
             <a:r>
               <a:t>Find a dataset in CSV form</a:t>
             </a:r>
           </a:p>
           <a:p>
-            <a:pPr/>
+            <a:pPr marL="332613" indent="-332613" defTabSz="886968">
+              <a:defRPr sz="3104"/>
+            </a:pPr>
             <a:r>
               <a:t>Place it in a directory where Spark can see it</a:t>
             </a:r>
           </a:p>
           <a:p>
-            <a:pPr/>
+            <a:pPr marL="332613" indent="-332613" defTabSz="886968">
+              <a:defRPr sz="3104"/>
+            </a:pPr>
             <a:r>
               <a:t>Open it in Scala</a:t>
             </a:r>
           </a:p>
           <a:p>
-            <a:pPr/>
+            <a:pPr marL="332613" indent="-332613" defTabSz="886968">
+              <a:defRPr sz="3104"/>
+            </a:pPr>
             <a:r>
               <a:t>Explore it:</a:t>
             </a:r>
           </a:p>
           <a:p>
-            <a:pPr lvl="2" marL="1257300" indent="-342900"/>
+            <a:pPr lvl="2" marL="1219581" indent="-332613" defTabSz="886968">
+              <a:defRPr sz="3104"/>
+            </a:pPr>
             <a:r>
               <a:t>print out a few rows</a:t>
             </a:r>
           </a:p>
           <a:p>
-            <a:pPr lvl="2" marL="1257300" indent="-342900"/>
+            <a:pPr lvl="2" marL="1219581" indent="-332613" defTabSz="886968">
+              <a:defRPr sz="3104"/>
+            </a:pPr>
             <a:r>
               <a:t>find the datatype of each column</a:t>
             </a:r>
           </a:p>
           <a:p>
-            <a:pPr lvl="2" marL="1257300" indent="-342900"/>
+            <a:pPr lvl="2" marL="1219581" indent="-332613" defTabSz="886968">
+              <a:defRPr sz="3104"/>
+            </a:pPr>
             <a:r>
               <a:t>try to get descriptive statistics</a:t>
             </a:r>
           </a:p>
           <a:p>
-            <a:pPr/>
+            <a:pPr marL="332613" indent="-332613" defTabSz="886968">
+              <a:defRPr sz="3104"/>
+            </a:pPr>
             <a:r>
               <a:t>Try to extract interesting information</a:t>
             </a:r>
@@ -9743,11 +9779,11 @@
           <a:bodyPr/>
           <a:lstStyle/>
           <a:p>
-            <a:pPr marL="274320" indent="-274320" defTabSz="731520">
+            <a:pPr marL="267461" indent="-267461" defTabSz="713231">
               <a:spcBef>
-                <a:spcPts val="600"/>
+                <a:spcPts val="500"/>
               </a:spcBef>
-              <a:defRPr sz="2560"/>
+              <a:defRPr sz="2496"/>
             </a:pPr>
             <a:r>
               <a:t>Hadoop HDFS</a:t>
@@ -9769,11 +9805,11 @@
             </a:r>
           </a:p>
           <a:p>
-            <a:pPr marL="274320" indent="-274320" defTabSz="731520">
+            <a:pPr marL="267461" indent="-267461" defTabSz="713231">
               <a:spcBef>
-                <a:spcPts val="600"/>
+                <a:spcPts val="500"/>
               </a:spcBef>
-              <a:defRPr sz="2560"/>
+              <a:defRPr sz="2496"/>
             </a:pPr>
             <a:r>
               <a:t>Hadoop setup</a:t>
@@ -9795,11 +9831,11 @@
             </a:r>
           </a:p>
           <a:p>
-            <a:pPr marL="274320" indent="-274320" defTabSz="731520">
+            <a:pPr marL="267461" indent="-267461" defTabSz="713231">
               <a:spcBef>
-                <a:spcPts val="600"/>
+                <a:spcPts val="500"/>
               </a:spcBef>
-              <a:defRPr sz="2560"/>
+              <a:defRPr sz="2496"/>
             </a:pPr>
             <a:r>
               <a:t>Spark</a:t>
@@ -9821,11 +9857,11 @@
             </a:r>
           </a:p>
           <a:p>
-            <a:pPr marL="274320" indent="-274320" defTabSz="731520">
+            <a:pPr marL="267461" indent="-267461" defTabSz="713231">
               <a:spcBef>
-                <a:spcPts val="600"/>
+                <a:spcPts val="500"/>
               </a:spcBef>
-              <a:defRPr sz="2560"/>
+              <a:defRPr sz="2496"/>
             </a:pPr>
             <a:r>
               <a:t>PySpark</a:t>
@@ -10127,45 +10163,57 @@
           <a:bodyPr/>
           <a:lstStyle/>
           <a:p>
-            <a:pPr/>
+            <a:pPr marL="332613" indent="-332613" defTabSz="886968">
+              <a:defRPr sz="3104"/>
+            </a:pPr>
             <a:r>
               <a:t>Introduction: Background of IoT, Big Data, AI</a:t>
             </a:r>
           </a:p>
           <a:p>
-            <a:pPr>
-              <a:defRPr b="1"/>
+            <a:pPr marL="332613" indent="-332613" defTabSz="886968">
+              <a:defRPr b="1" sz="3104"/>
             </a:pPr>
             <a:r>
               <a:t>Collect, analyze data from IoT on a large scale</a:t>
             </a:r>
           </a:p>
           <a:p>
-            <a:pPr/>
+            <a:pPr marL="332613" indent="-332613" defTabSz="886968">
+              <a:defRPr sz="3104"/>
+            </a:pPr>
             <a:r>
               <a:t>Elements and practice of statistics</a:t>
             </a:r>
           </a:p>
           <a:p>
-            <a:pPr/>
+            <a:pPr marL="332613" indent="-332613" defTabSz="886968">
+              <a:defRPr sz="3104"/>
+            </a:pPr>
             <a:r>
               <a:t>AI methods for data science</a:t>
             </a:r>
           </a:p>
           <a:p>
-            <a:pPr/>
+            <a:pPr marL="332613" indent="-332613" defTabSz="886968">
+              <a:defRPr sz="3104"/>
+            </a:pPr>
+            <a:r>
+              <a:t>Getting further with AI: internal workings</a:t>
+            </a:r>
+          </a:p>
+          <a:p>
+            <a:pPr marL="332613" indent="-332613" defTabSz="886968">
+              <a:defRPr sz="3104"/>
+            </a:pPr>
             <a:r>
               <a:t>Practical usage of AI for Big Data from IoT</a:t>
             </a:r>
           </a:p>
           <a:p>
-            <a:pPr/>
-            <a:r>
-              <a:t>Getting further with AI: internal workings</a:t>
-            </a:r>
-          </a:p>
-          <a:p>
-            <a:pPr/>
+            <a:pPr marL="332613" indent="-332613" defTabSz="886968">
+              <a:defRPr sz="3104"/>
+            </a:pPr>
             <a:r>
               <a:t>Moving into the real world</a:t>
             </a:r>
@@ -10439,7 +10487,7 @@
         <p:spPr>
           <a:xfrm>
             <a:off x="873755" y="1822206"/>
-            <a:ext cx="7695005" cy="3774441"/>
+            <a:ext cx="7695005" cy="3637469"/>
           </a:xfrm>
           <a:prstGeom prst="rect">
             <a:avLst/>
@@ -10483,7 +10531,7 @@
         <p:spPr>
           <a:xfrm>
             <a:off x="279444" y="5339930"/>
-            <a:ext cx="8585112" cy="929641"/>
+            <a:ext cx="8871532" cy="884063"/>
           </a:xfrm>
           <a:prstGeom prst="rect">
             <a:avLst/>
@@ -10525,7 +10573,7 @@
         <p:spPr>
           <a:xfrm>
             <a:off x="1506841" y="6252864"/>
-            <a:ext cx="3564507" cy="370841"/>
+            <a:ext cx="3683718" cy="350662"/>
           </a:xfrm>
           <a:prstGeom prst="rect">
             <a:avLst/>
@@ -10611,7 +10659,7 @@
         <p:spPr>
           <a:xfrm>
             <a:off x="724498" y="1663823"/>
-            <a:ext cx="7695005" cy="4815841"/>
+            <a:ext cx="7695005" cy="5364669"/>
           </a:xfrm>
           <a:prstGeom prst="rect">
             <a:avLst/>
@@ -10716,14 +10764,14 @@
     </a:clrScheme>
     <a:fontScheme name="Office Theme">
       <a:majorFont>
-        <a:latin typeface="Helvetica"/>
-        <a:ea typeface="Helvetica"/>
-        <a:cs typeface="Helvetica"/>
+        <a:latin typeface="Arial"/>
+        <a:ea typeface="Arial"/>
+        <a:cs typeface="Arial"/>
       </a:majorFont>
       <a:minorFont>
-        <a:latin typeface="Calibri"/>
-        <a:ea typeface="Calibri"/>
-        <a:cs typeface="Calibri"/>
+        <a:latin typeface="Arial"/>
+        <a:ea typeface="Arial"/>
+        <a:cs typeface="Arial"/>
       </a:minorFont>
     </a:fontScheme>
     <a:fmtScheme name="Office Theme">
@@ -10931,7 +10979,7 @@
             <a:latin typeface="+mn-lt"/>
             <a:ea typeface="+mn-ea"/>
             <a:cs typeface="+mn-cs"/>
-            <a:sym typeface="Calibri"/>
+            <a:sym typeface="Arial"/>
           </a:defRPr>
         </a:defPPr>
         <a:lvl1pPr marL="0" marR="0" indent="0" algn="l" defTabSz="914400" rtl="0" fontAlgn="auto" latinLnBrk="1" hangingPunct="0">
@@ -11508,7 +11556,7 @@
             <a:latin typeface="+mn-lt"/>
             <a:ea typeface="+mn-ea"/>
             <a:cs typeface="+mn-cs"/>
-            <a:sym typeface="Calibri"/>
+            <a:sym typeface="Arial"/>
           </a:defRPr>
         </a:defPPr>
         <a:lvl1pPr marL="0" marR="0" indent="0" algn="l" defTabSz="914400" rtl="0" fontAlgn="auto" latinLnBrk="1" hangingPunct="0">
@@ -11800,14 +11848,14 @@
     </a:clrScheme>
     <a:fontScheme name="Office Theme">
       <a:majorFont>
-        <a:latin typeface="Helvetica"/>
-        <a:ea typeface="Helvetica"/>
-        <a:cs typeface="Helvetica"/>
+        <a:latin typeface="Arial"/>
+        <a:ea typeface="Arial"/>
+        <a:cs typeface="Arial"/>
       </a:majorFont>
       <a:minorFont>
-        <a:latin typeface="Calibri"/>
-        <a:ea typeface="Calibri"/>
-        <a:cs typeface="Calibri"/>
+        <a:latin typeface="Arial"/>
+        <a:ea typeface="Arial"/>
+        <a:cs typeface="Arial"/>
       </a:minorFont>
     </a:fontScheme>
     <a:fmtScheme name="Office Theme">
@@ -12015,7 +12063,7 @@
             <a:latin typeface="+mn-lt"/>
             <a:ea typeface="+mn-ea"/>
             <a:cs typeface="+mn-cs"/>
-            <a:sym typeface="Calibri"/>
+            <a:sym typeface="Arial"/>
           </a:defRPr>
         </a:defPPr>
         <a:lvl1pPr marL="0" marR="0" indent="0" algn="l" defTabSz="914400" rtl="0" fontAlgn="auto" latinLnBrk="1" hangingPunct="0">
@@ -12592,7 +12640,7 @@
             <a:latin typeface="+mn-lt"/>
             <a:ea typeface="+mn-ea"/>
             <a:cs typeface="+mn-cs"/>
-            <a:sym typeface="Calibri"/>
+            <a:sym typeface="Arial"/>
           </a:defRPr>
         </a:defPPr>
         <a:lvl1pPr marL="0" marR="0" indent="0" algn="l" defTabSz="914400" rtl="0" fontAlgn="auto" latinLnBrk="1" hangingPunct="0">
